--- a/document/ECサイト.pptx
+++ b/document/ECサイト.pptx
@@ -11,6 +11,12 @@
     <p:sldId id="259" r:id="rId5"/>
     <p:sldId id="260" r:id="rId6"/>
     <p:sldId id="261" r:id="rId7"/>
+    <p:sldId id="262" r:id="rId8"/>
+    <p:sldId id="263" r:id="rId9"/>
+    <p:sldId id="264" r:id="rId10"/>
+    <p:sldId id="265" r:id="rId11"/>
+    <p:sldId id="266" r:id="rId12"/>
+    <p:sldId id="267" r:id="rId13"/>
   </p:sldIdLst>
   <p:sldSz cx="9144000" cy="6858000" type="screen4x3"/>
   <p:notesSz cx="6858000" cy="9144000"/>
@@ -403,7 +409,8 @@
           <a:p>
             <a:fld id="{C185541C-1EC8-4309-8DE2-E5452EF526F2}" type="datetimeFigureOut">
               <a:rPr kumimoji="1" lang="ja-JP" altLang="en-US" smtClean="0"/>
-              <a:t>2016/6/28</a:t>
+              <a:pPr/>
+              <a:t>2016/6/29</a:t>
             </a:fld>
             <a:endParaRPr kumimoji="1" lang="ja-JP" altLang="en-US"/>
           </a:p>
@@ -471,6 +478,7 @@
           <a:p>
             <a:fld id="{92448180-2E87-4B37-A61C-A5E2AD0E8DC1}" type="slidenum">
               <a:rPr kumimoji="1" lang="ja-JP" altLang="en-US" smtClean="0"/>
+              <a:pPr/>
               <a:t>&lt;#&gt;</a:t>
             </a:fld>
             <a:endParaRPr kumimoji="1" lang="ja-JP" altLang="en-US"/>
@@ -626,7 +634,8 @@
           <a:p>
             <a:fld id="{C185541C-1EC8-4309-8DE2-E5452EF526F2}" type="datetimeFigureOut">
               <a:rPr kumimoji="1" lang="ja-JP" altLang="en-US" smtClean="0"/>
-              <a:t>2016/6/28</a:t>
+              <a:pPr/>
+              <a:t>2016/6/29</a:t>
             </a:fld>
             <a:endParaRPr kumimoji="1" lang="ja-JP" altLang="en-US"/>
           </a:p>
@@ -668,6 +677,7 @@
           <a:p>
             <a:fld id="{92448180-2E87-4B37-A61C-A5E2AD0E8DC1}" type="slidenum">
               <a:rPr kumimoji="1" lang="ja-JP" altLang="en-US" smtClean="0"/>
+              <a:pPr/>
               <a:t>&lt;#&gt;</a:t>
             </a:fld>
             <a:endParaRPr kumimoji="1" lang="ja-JP" altLang="en-US"/>
@@ -843,7 +853,8 @@
           <a:p>
             <a:fld id="{C185541C-1EC8-4309-8DE2-E5452EF526F2}" type="datetimeFigureOut">
               <a:rPr kumimoji="1" lang="ja-JP" altLang="en-US" smtClean="0"/>
-              <a:t>2016/6/28</a:t>
+              <a:pPr/>
+              <a:t>2016/6/29</a:t>
             </a:fld>
             <a:endParaRPr kumimoji="1" lang="ja-JP" altLang="en-US"/>
           </a:p>
@@ -1030,6 +1041,7 @@
           <a:p>
             <a:fld id="{92448180-2E87-4B37-A61C-A5E2AD0E8DC1}" type="slidenum">
               <a:rPr kumimoji="1" lang="ja-JP" altLang="en-US" smtClean="0"/>
+              <a:pPr/>
               <a:t>&lt;#&gt;</a:t>
             </a:fld>
             <a:endParaRPr kumimoji="1" lang="ja-JP" altLang="en-US"/>
@@ -1106,7 +1118,8 @@
           <a:p>
             <a:fld id="{C185541C-1EC8-4309-8DE2-E5452EF526F2}" type="datetimeFigureOut">
               <a:rPr kumimoji="1" lang="ja-JP" altLang="en-US" smtClean="0"/>
-              <a:t>2016/6/28</a:t>
+              <a:pPr/>
+              <a:t>2016/6/29</a:t>
             </a:fld>
             <a:endParaRPr kumimoji="1" lang="ja-JP" altLang="en-US"/>
           </a:p>
@@ -1156,6 +1169,7 @@
           <a:p>
             <a:fld id="{92448180-2E87-4B37-A61C-A5E2AD0E8DC1}" type="slidenum">
               <a:rPr kumimoji="1" lang="ja-JP" altLang="en-US" smtClean="0"/>
+              <a:pPr/>
               <a:t>&lt;#&gt;</a:t>
             </a:fld>
             <a:endParaRPr kumimoji="1" lang="ja-JP" altLang="en-US"/>
@@ -1554,7 +1568,8 @@
           <a:p>
             <a:fld id="{C185541C-1EC8-4309-8DE2-E5452EF526F2}" type="datetimeFigureOut">
               <a:rPr kumimoji="1" lang="ja-JP" altLang="en-US" smtClean="0"/>
-              <a:t>2016/6/28</a:t>
+              <a:pPr/>
+              <a:t>2016/6/29</a:t>
             </a:fld>
             <a:endParaRPr kumimoji="1" lang="ja-JP" altLang="en-US"/>
           </a:p>
@@ -1592,6 +1607,7 @@
           <a:p>
             <a:fld id="{92448180-2E87-4B37-A61C-A5E2AD0E8DC1}" type="slidenum">
               <a:rPr kumimoji="1" lang="ja-JP" altLang="en-US" smtClean="0"/>
+              <a:pPr/>
               <a:t>&lt;#&gt;</a:t>
             </a:fld>
             <a:endParaRPr kumimoji="1" lang="ja-JP" altLang="en-US"/>
@@ -1860,7 +1876,8 @@
           <a:p>
             <a:fld id="{C185541C-1EC8-4309-8DE2-E5452EF526F2}" type="datetimeFigureOut">
               <a:rPr kumimoji="1" lang="ja-JP" altLang="en-US" smtClean="0"/>
-              <a:t>2016/6/28</a:t>
+              <a:pPr/>
+              <a:t>2016/6/29</a:t>
             </a:fld>
             <a:endParaRPr kumimoji="1" lang="ja-JP" altLang="en-US"/>
           </a:p>
@@ -1883,6 +1900,7 @@
           <a:p>
             <a:fld id="{92448180-2E87-4B37-A61C-A5E2AD0E8DC1}" type="slidenum">
               <a:rPr kumimoji="1" lang="ja-JP" altLang="en-US" smtClean="0"/>
+              <a:pPr/>
               <a:t>&lt;#&gt;</a:t>
             </a:fld>
             <a:endParaRPr kumimoji="1" lang="ja-JP" altLang="en-US"/>
@@ -2160,7 +2178,8 @@
           <a:p>
             <a:fld id="{C185541C-1EC8-4309-8DE2-E5452EF526F2}" type="datetimeFigureOut">
               <a:rPr kumimoji="1" lang="ja-JP" altLang="en-US" smtClean="0"/>
-              <a:t>2016/6/28</a:t>
+              <a:pPr/>
+              <a:t>2016/6/29</a:t>
             </a:fld>
             <a:endParaRPr kumimoji="1" lang="ja-JP" altLang="en-US"/>
           </a:p>
@@ -2183,6 +2202,7 @@
           <a:p>
             <a:fld id="{92448180-2E87-4B37-A61C-A5E2AD0E8DC1}" type="slidenum">
               <a:rPr kumimoji="1" lang="ja-JP" altLang="en-US" smtClean="0"/>
+              <a:pPr/>
               <a:t>&lt;#&gt;</a:t>
             </a:fld>
             <a:endParaRPr kumimoji="1" lang="ja-JP" altLang="en-US"/>
@@ -2355,7 +2375,8 @@
           <a:p>
             <a:fld id="{C185541C-1EC8-4309-8DE2-E5452EF526F2}" type="datetimeFigureOut">
               <a:rPr kumimoji="1" lang="ja-JP" altLang="en-US" smtClean="0"/>
-              <a:t>2016/6/28</a:t>
+              <a:pPr/>
+              <a:t>2016/6/29</a:t>
             </a:fld>
             <a:endParaRPr kumimoji="1" lang="ja-JP" altLang="en-US"/>
           </a:p>
@@ -2405,6 +2426,7 @@
           <a:p>
             <a:fld id="{92448180-2E87-4B37-A61C-A5E2AD0E8DC1}" type="slidenum">
               <a:rPr kumimoji="1" lang="ja-JP" altLang="en-US" smtClean="0"/>
+              <a:pPr/>
               <a:t>&lt;#&gt;</a:t>
             </a:fld>
             <a:endParaRPr kumimoji="1" lang="ja-JP" altLang="en-US"/>
@@ -2453,7 +2475,8 @@
           <a:p>
             <a:fld id="{C185541C-1EC8-4309-8DE2-E5452EF526F2}" type="datetimeFigureOut">
               <a:rPr kumimoji="1" lang="ja-JP" altLang="en-US" smtClean="0"/>
-              <a:t>2016/6/28</a:t>
+              <a:pPr/>
+              <a:t>2016/6/29</a:t>
             </a:fld>
             <a:endParaRPr kumimoji="1" lang="ja-JP" altLang="en-US"/>
           </a:p>
@@ -2508,6 +2531,7 @@
           <a:p>
             <a:fld id="{92448180-2E87-4B37-A61C-A5E2AD0E8DC1}" type="slidenum">
               <a:rPr kumimoji="1" lang="ja-JP" altLang="en-US" smtClean="0"/>
+              <a:pPr/>
               <a:t>&lt;#&gt;</a:t>
             </a:fld>
             <a:endParaRPr kumimoji="1" lang="ja-JP" altLang="en-US"/>
@@ -2589,7 +2613,8 @@
           <a:p>
             <a:fld id="{C185541C-1EC8-4309-8DE2-E5452EF526F2}" type="datetimeFigureOut">
               <a:rPr kumimoji="1" lang="ja-JP" altLang="en-US" smtClean="0"/>
-              <a:t>2016/6/28</a:t>
+              <a:pPr/>
+              <a:t>2016/6/29</a:t>
             </a:fld>
             <a:endParaRPr kumimoji="1" lang="ja-JP" altLang="en-US"/>
           </a:p>
@@ -2639,6 +2664,7 @@
           <a:p>
             <a:fld id="{92448180-2E87-4B37-A61C-A5E2AD0E8DC1}" type="slidenum">
               <a:rPr kumimoji="1" lang="ja-JP" altLang="en-US" smtClean="0"/>
+              <a:pPr/>
               <a:t>&lt;#&gt;</a:t>
             </a:fld>
             <a:endParaRPr kumimoji="1" lang="ja-JP" altLang="en-US"/>
@@ -3139,7 +3165,8 @@
           <a:p>
             <a:fld id="{C185541C-1EC8-4309-8DE2-E5452EF526F2}" type="datetimeFigureOut">
               <a:rPr kumimoji="1" lang="ja-JP" altLang="en-US" smtClean="0"/>
-              <a:t>2016/6/28</a:t>
+              <a:pPr/>
+              <a:t>2016/6/29</a:t>
             </a:fld>
             <a:endParaRPr kumimoji="1" lang="ja-JP" altLang="en-US"/>
           </a:p>
@@ -3171,6 +3198,7 @@
           <a:p>
             <a:fld id="{92448180-2E87-4B37-A61C-A5E2AD0E8DC1}" type="slidenum">
               <a:rPr kumimoji="1" lang="ja-JP" altLang="en-US" smtClean="0"/>
+              <a:pPr/>
               <a:t>&lt;#&gt;</a:t>
             </a:fld>
             <a:endParaRPr kumimoji="1" lang="ja-JP" altLang="en-US"/>
@@ -3432,7 +3460,8 @@
           <a:p>
             <a:fld id="{C185541C-1EC8-4309-8DE2-E5452EF526F2}" type="datetimeFigureOut">
               <a:rPr kumimoji="1" lang="ja-JP" altLang="en-US" smtClean="0"/>
-              <a:t>2016/6/28</a:t>
+              <a:pPr/>
+              <a:t>2016/6/29</a:t>
             </a:fld>
             <a:endParaRPr kumimoji="1" lang="ja-JP" altLang="en-US"/>
           </a:p>
@@ -3650,6 +3679,7 @@
           <a:p>
             <a:fld id="{92448180-2E87-4B37-A61C-A5E2AD0E8DC1}" type="slidenum">
               <a:rPr kumimoji="1" lang="ja-JP" altLang="en-US" smtClean="0"/>
+              <a:pPr/>
               <a:t>&lt;#&gt;</a:t>
             </a:fld>
             <a:endParaRPr kumimoji="1" lang="ja-JP" altLang="en-US"/>
@@ -4038,31 +4068,7 @@
           <a:p>
             <a:r>
               <a:rPr lang="ja-JP" altLang="en-US" dirty="0" smtClean="0"/>
-              <a:t>金子　　坂田</a:t>
-            </a:r>
-            <a:r>
-              <a:rPr lang="ja-JP" altLang="en-US" dirty="0" smtClean="0"/>
-              <a:t>　</a:t>
-            </a:r>
-            <a:r>
-              <a:rPr lang="ja-JP" altLang="en-US" dirty="0" smtClean="0"/>
-              <a:t>　澤村</a:t>
-            </a:r>
-            <a:r>
-              <a:rPr lang="ja-JP" altLang="en-US" dirty="0" smtClean="0"/>
-              <a:t>　</a:t>
-            </a:r>
-            <a:r>
-              <a:rPr lang="ja-JP" altLang="en-US" dirty="0" smtClean="0"/>
-              <a:t>　中野</a:t>
-            </a:r>
-            <a:r>
-              <a:rPr lang="ja-JP" altLang="en-US" dirty="0" smtClean="0"/>
-              <a:t>　</a:t>
-            </a:r>
-            <a:r>
-              <a:rPr lang="ja-JP" altLang="en-US" dirty="0" smtClean="0"/>
-              <a:t>　藤本</a:t>
+              <a:t>金子　　坂田　　澤村　　中野　　藤本</a:t>
             </a:r>
             <a:endParaRPr kumimoji="1" lang="ja-JP" altLang="en-US" dirty="0"/>
           </a:p>
@@ -4080,6 +4086,207 @@
       </p:par>
     </p:tnLst>
   </p:timing>
+</p:sld>
+</file>
+
+<file path=ppt/slides/slide10.xml><?xml version="1.0" encoding="utf-8"?>
+<p:sld xmlns:a="http://schemas.openxmlformats.org/drawingml/2006/main" xmlns:r="http://schemas.openxmlformats.org/officeDocument/2006/relationships" xmlns:p="http://schemas.openxmlformats.org/presentationml/2006/main">
+  <p:cSld>
+    <p:spTree>
+      <p:nvGrpSpPr>
+        <p:cNvPr id="1" name=""/>
+        <p:cNvGrpSpPr/>
+        <p:nvPr/>
+      </p:nvGrpSpPr>
+      <p:grpSpPr>
+        <a:xfrm>
+          <a:off x="0" y="0"/>
+          <a:ext cx="0" cy="0"/>
+          <a:chOff x="0" y="0"/>
+          <a:chExt cx="0" cy="0"/>
+        </a:xfrm>
+      </p:grpSpPr>
+      <p:sp>
+        <p:nvSpPr>
+          <p:cNvPr id="2" name="タイトル 1"/>
+          <p:cNvSpPr>
+            <a:spLocks noGrp="1"/>
+          </p:cNvSpPr>
+          <p:nvPr>
+            <p:ph type="title"/>
+          </p:nvPr>
+        </p:nvSpPr>
+        <p:spPr/>
+        <p:txBody>
+          <a:bodyPr/>
+          <a:lstStyle/>
+          <a:p>
+            <a:r>
+              <a:rPr lang="ja-JP" altLang="en-US" dirty="0" smtClean="0"/>
+              <a:t>金子</a:t>
+            </a:r>
+            <a:endParaRPr kumimoji="1" lang="ja-JP" altLang="en-US" dirty="0"/>
+          </a:p>
+        </p:txBody>
+      </p:sp>
+      <p:sp>
+        <p:nvSpPr>
+          <p:cNvPr id="3" name="コンテンツ プレースホルダ 2"/>
+          <p:cNvSpPr>
+            <a:spLocks noGrp="1"/>
+          </p:cNvSpPr>
+          <p:nvPr>
+            <p:ph sz="quarter" idx="1"/>
+          </p:nvPr>
+        </p:nvSpPr>
+        <p:spPr/>
+        <p:txBody>
+          <a:bodyPr/>
+          <a:lstStyle/>
+          <a:p>
+            <a:endParaRPr kumimoji="1" lang="ja-JP" altLang="en-US"/>
+          </a:p>
+        </p:txBody>
+      </p:sp>
+    </p:spTree>
+  </p:cSld>
+  <p:clrMapOvr>
+    <a:masterClrMapping/>
+  </p:clrMapOvr>
+</p:sld>
+</file>
+
+<file path=ppt/slides/slide11.xml><?xml version="1.0" encoding="utf-8"?>
+<p:sld xmlns:a="http://schemas.openxmlformats.org/drawingml/2006/main" xmlns:r="http://schemas.openxmlformats.org/officeDocument/2006/relationships" xmlns:p="http://schemas.openxmlformats.org/presentationml/2006/main">
+  <p:cSld>
+    <p:spTree>
+      <p:nvGrpSpPr>
+        <p:cNvPr id="1" name=""/>
+        <p:cNvGrpSpPr/>
+        <p:nvPr/>
+      </p:nvGrpSpPr>
+      <p:grpSpPr>
+        <a:xfrm>
+          <a:off x="0" y="0"/>
+          <a:ext cx="0" cy="0"/>
+          <a:chOff x="0" y="0"/>
+          <a:chExt cx="0" cy="0"/>
+        </a:xfrm>
+      </p:grpSpPr>
+      <p:sp>
+        <p:nvSpPr>
+          <p:cNvPr id="2" name="タイトル 1"/>
+          <p:cNvSpPr>
+            <a:spLocks noGrp="1"/>
+          </p:cNvSpPr>
+          <p:nvPr>
+            <p:ph type="title"/>
+          </p:nvPr>
+        </p:nvSpPr>
+        <p:spPr/>
+        <p:txBody>
+          <a:bodyPr/>
+          <a:lstStyle/>
+          <a:p>
+            <a:r>
+              <a:rPr lang="ja-JP" altLang="en-US" dirty="0" smtClean="0"/>
+              <a:t>澤村</a:t>
+            </a:r>
+            <a:endParaRPr kumimoji="1" lang="ja-JP" altLang="en-US" dirty="0"/>
+          </a:p>
+        </p:txBody>
+      </p:sp>
+      <p:sp>
+        <p:nvSpPr>
+          <p:cNvPr id="3" name="コンテンツ プレースホルダ 2"/>
+          <p:cNvSpPr>
+            <a:spLocks noGrp="1"/>
+          </p:cNvSpPr>
+          <p:nvPr>
+            <p:ph sz="quarter" idx="1"/>
+          </p:nvPr>
+        </p:nvSpPr>
+        <p:spPr/>
+        <p:txBody>
+          <a:bodyPr/>
+          <a:lstStyle/>
+          <a:p>
+            <a:endParaRPr kumimoji="1" lang="ja-JP" altLang="en-US"/>
+          </a:p>
+        </p:txBody>
+      </p:sp>
+    </p:spTree>
+  </p:cSld>
+  <p:clrMapOvr>
+    <a:masterClrMapping/>
+  </p:clrMapOvr>
+</p:sld>
+</file>
+
+<file path=ppt/slides/slide12.xml><?xml version="1.0" encoding="utf-8"?>
+<p:sld xmlns:a="http://schemas.openxmlformats.org/drawingml/2006/main" xmlns:r="http://schemas.openxmlformats.org/officeDocument/2006/relationships" xmlns:p="http://schemas.openxmlformats.org/presentationml/2006/main">
+  <p:cSld>
+    <p:spTree>
+      <p:nvGrpSpPr>
+        <p:cNvPr id="1" name=""/>
+        <p:cNvGrpSpPr/>
+        <p:nvPr/>
+      </p:nvGrpSpPr>
+      <p:grpSpPr>
+        <a:xfrm>
+          <a:off x="0" y="0"/>
+          <a:ext cx="0" cy="0"/>
+          <a:chOff x="0" y="0"/>
+          <a:chExt cx="0" cy="0"/>
+        </a:xfrm>
+      </p:grpSpPr>
+      <p:sp>
+        <p:nvSpPr>
+          <p:cNvPr id="2" name="タイトル 1"/>
+          <p:cNvSpPr>
+            <a:spLocks noGrp="1"/>
+          </p:cNvSpPr>
+          <p:nvPr>
+            <p:ph type="title"/>
+          </p:nvPr>
+        </p:nvSpPr>
+        <p:spPr/>
+        <p:txBody>
+          <a:bodyPr/>
+          <a:lstStyle/>
+          <a:p>
+            <a:r>
+              <a:rPr lang="ja-JP" altLang="en-US" dirty="0" smtClean="0"/>
+              <a:t>藤本</a:t>
+            </a:r>
+            <a:endParaRPr kumimoji="1" lang="ja-JP" altLang="en-US" dirty="0"/>
+          </a:p>
+        </p:txBody>
+      </p:sp>
+      <p:sp>
+        <p:nvSpPr>
+          <p:cNvPr id="3" name="コンテンツ プレースホルダ 2"/>
+          <p:cNvSpPr>
+            <a:spLocks noGrp="1"/>
+          </p:cNvSpPr>
+          <p:nvPr>
+            <p:ph sz="quarter" idx="1"/>
+          </p:nvPr>
+        </p:nvSpPr>
+        <p:spPr/>
+        <p:txBody>
+          <a:bodyPr/>
+          <a:lstStyle/>
+          <a:p>
+            <a:endParaRPr kumimoji="1" lang="ja-JP" altLang="en-US"/>
+          </a:p>
+        </p:txBody>
+      </p:sp>
+    </p:spTree>
+  </p:cSld>
+  <p:clrMapOvr>
+    <a:masterClrMapping/>
+  </p:clrMapOvr>
 </p:sld>
 </file>
 
@@ -4486,11 +4693,7 @@
             </a:r>
             <a:r>
               <a:rPr lang="ja-JP" altLang="en-US" sz="2800" dirty="0" smtClean="0"/>
-              <a:t>が</a:t>
-            </a:r>
-            <a:r>
-              <a:rPr lang="ja-JP" altLang="en-US" sz="2800" dirty="0" smtClean="0"/>
-              <a:t>上限</a:t>
+              <a:t>が上限</a:t>
             </a:r>
             <a:endParaRPr lang="en-US" altLang="ja-JP" sz="2800" dirty="0" smtClean="0"/>
           </a:p>
@@ -4798,11 +5001,7 @@
             </a:pPr>
             <a:r>
               <a:rPr lang="ja-JP" altLang="en-US" sz="3600" dirty="0" smtClean="0"/>
-              <a:t>　</a:t>
-            </a:r>
-            <a:r>
-              <a:rPr lang="ja-JP" altLang="en-US" sz="3600" dirty="0" smtClean="0"/>
-              <a:t>　・画像をフォルダから選び、アップデートが可能</a:t>
+              <a:t>　　・画像をフォルダから選び、アップデートが可能</a:t>
             </a:r>
             <a:endParaRPr lang="en-US" altLang="ja-JP" sz="3600" dirty="0" smtClean="0"/>
           </a:p>
@@ -4818,11 +5017,7 @@
             </a:pPr>
             <a:r>
               <a:rPr lang="ja-JP" altLang="en-US" sz="3600" dirty="0" smtClean="0"/>
-              <a:t>　</a:t>
-            </a:r>
-            <a:r>
-              <a:rPr lang="ja-JP" altLang="en-US" sz="3600" dirty="0" smtClean="0"/>
-              <a:t>　・画像は５０</a:t>
+              <a:t>　　・画像は５０</a:t>
             </a:r>
             <a:r>
               <a:rPr lang="en-US" altLang="ja-JP" sz="3600" b="1" dirty="0" smtClean="0"/>
@@ -4861,11 +5056,7 @@
             </a:pPr>
             <a:r>
               <a:rPr lang="ja-JP" altLang="en-US" sz="3600" dirty="0" smtClean="0"/>
-              <a:t>　</a:t>
-            </a:r>
-            <a:r>
-              <a:rPr lang="ja-JP" altLang="en-US" sz="3600" dirty="0" smtClean="0"/>
-              <a:t>　 大文字、小文字、全角、半角を区別しない</a:t>
+              <a:t>　　 大文字、小文字、全角、半角を区別しない</a:t>
             </a:r>
             <a:endParaRPr lang="en-US" altLang="ja-JP" sz="3600" dirty="0" smtClean="0"/>
           </a:p>
@@ -4912,19 +5103,7 @@
             </a:pPr>
             <a:r>
               <a:rPr lang="ja-JP" altLang="en-US" sz="3600" dirty="0" smtClean="0"/>
-              <a:t>　</a:t>
-            </a:r>
-            <a:r>
-              <a:rPr lang="ja-JP" altLang="en-US" sz="3600" dirty="0" smtClean="0"/>
-              <a:t>　・それぞれの条件を組み合わせ</a:t>
-            </a:r>
-            <a:r>
-              <a:rPr lang="ja-JP" altLang="en-US" sz="3600" dirty="0" smtClean="0"/>
-              <a:t>た</a:t>
-            </a:r>
-            <a:r>
-              <a:rPr lang="ja-JP" altLang="en-US" sz="3600" dirty="0" smtClean="0"/>
-              <a:t>絞り込み検索</a:t>
+              <a:t>　　・それぞれの条件を組み合わせた絞り込み検索</a:t>
             </a:r>
             <a:endParaRPr lang="en-US" altLang="ja-JP" sz="3600" dirty="0" smtClean="0"/>
           </a:p>
@@ -4968,6 +5147,207 @@
       </p:par>
     </p:tnLst>
   </p:timing>
+</p:sld>
+</file>
+
+<file path=ppt/slides/slide7.xml><?xml version="1.0" encoding="utf-8"?>
+<p:sld xmlns:a="http://schemas.openxmlformats.org/drawingml/2006/main" xmlns:r="http://schemas.openxmlformats.org/officeDocument/2006/relationships" xmlns:p="http://schemas.openxmlformats.org/presentationml/2006/main">
+  <p:cSld>
+    <p:spTree>
+      <p:nvGrpSpPr>
+        <p:cNvPr id="1" name=""/>
+        <p:cNvGrpSpPr/>
+        <p:nvPr/>
+      </p:nvGrpSpPr>
+      <p:grpSpPr>
+        <a:xfrm>
+          <a:off x="0" y="0"/>
+          <a:ext cx="0" cy="0"/>
+          <a:chOff x="0" y="0"/>
+          <a:chExt cx="0" cy="0"/>
+        </a:xfrm>
+      </p:grpSpPr>
+      <p:sp>
+        <p:nvSpPr>
+          <p:cNvPr id="2" name="タイトル 1"/>
+          <p:cNvSpPr>
+            <a:spLocks noGrp="1"/>
+          </p:cNvSpPr>
+          <p:nvPr>
+            <p:ph type="title"/>
+          </p:nvPr>
+        </p:nvSpPr>
+        <p:spPr/>
+        <p:txBody>
+          <a:bodyPr/>
+          <a:lstStyle/>
+          <a:p>
+            <a:r>
+              <a:rPr kumimoji="1" lang="ja-JP" altLang="en-US" dirty="0" smtClean="0"/>
+              <a:t>中野</a:t>
+            </a:r>
+            <a:endParaRPr kumimoji="1" lang="ja-JP" altLang="en-US" dirty="0"/>
+          </a:p>
+        </p:txBody>
+      </p:sp>
+      <p:sp>
+        <p:nvSpPr>
+          <p:cNvPr id="3" name="コンテンツ プレースホルダ 2"/>
+          <p:cNvSpPr>
+            <a:spLocks noGrp="1"/>
+          </p:cNvSpPr>
+          <p:nvPr>
+            <p:ph sz="quarter" idx="1"/>
+          </p:nvPr>
+        </p:nvSpPr>
+        <p:spPr/>
+        <p:txBody>
+          <a:bodyPr/>
+          <a:lstStyle/>
+          <a:p>
+            <a:endParaRPr kumimoji="1" lang="ja-JP" altLang="en-US"/>
+          </a:p>
+        </p:txBody>
+      </p:sp>
+    </p:spTree>
+  </p:cSld>
+  <p:clrMapOvr>
+    <a:masterClrMapping/>
+  </p:clrMapOvr>
+</p:sld>
+</file>
+
+<file path=ppt/slides/slide8.xml><?xml version="1.0" encoding="utf-8"?>
+<p:sld xmlns:a="http://schemas.openxmlformats.org/drawingml/2006/main" xmlns:r="http://schemas.openxmlformats.org/officeDocument/2006/relationships" xmlns:p="http://schemas.openxmlformats.org/presentationml/2006/main">
+  <p:cSld>
+    <p:spTree>
+      <p:nvGrpSpPr>
+        <p:cNvPr id="1" name=""/>
+        <p:cNvGrpSpPr/>
+        <p:nvPr/>
+      </p:nvGrpSpPr>
+      <p:grpSpPr>
+        <a:xfrm>
+          <a:off x="0" y="0"/>
+          <a:ext cx="0" cy="0"/>
+          <a:chOff x="0" y="0"/>
+          <a:chExt cx="0" cy="0"/>
+        </a:xfrm>
+      </p:grpSpPr>
+      <p:sp>
+        <p:nvSpPr>
+          <p:cNvPr id="2" name="タイトル 1"/>
+          <p:cNvSpPr>
+            <a:spLocks noGrp="1"/>
+          </p:cNvSpPr>
+          <p:nvPr>
+            <p:ph type="title"/>
+          </p:nvPr>
+        </p:nvSpPr>
+        <p:spPr/>
+        <p:txBody>
+          <a:bodyPr/>
+          <a:lstStyle/>
+          <a:p>
+            <a:r>
+              <a:rPr kumimoji="1" lang="ja-JP" altLang="en-US" dirty="0" smtClean="0"/>
+              <a:t>中野</a:t>
+            </a:r>
+            <a:endParaRPr kumimoji="1" lang="ja-JP" altLang="en-US" dirty="0"/>
+          </a:p>
+        </p:txBody>
+      </p:sp>
+      <p:sp>
+        <p:nvSpPr>
+          <p:cNvPr id="3" name="コンテンツ プレースホルダ 2"/>
+          <p:cNvSpPr>
+            <a:spLocks noGrp="1"/>
+          </p:cNvSpPr>
+          <p:nvPr>
+            <p:ph sz="quarter" idx="1"/>
+          </p:nvPr>
+        </p:nvSpPr>
+        <p:spPr/>
+        <p:txBody>
+          <a:bodyPr/>
+          <a:lstStyle/>
+          <a:p>
+            <a:endParaRPr kumimoji="1" lang="ja-JP" altLang="en-US"/>
+          </a:p>
+        </p:txBody>
+      </p:sp>
+    </p:spTree>
+  </p:cSld>
+  <p:clrMapOvr>
+    <a:masterClrMapping/>
+  </p:clrMapOvr>
+</p:sld>
+</file>
+
+<file path=ppt/slides/slide9.xml><?xml version="1.0" encoding="utf-8"?>
+<p:sld xmlns:a="http://schemas.openxmlformats.org/drawingml/2006/main" xmlns:r="http://schemas.openxmlformats.org/officeDocument/2006/relationships" xmlns:p="http://schemas.openxmlformats.org/presentationml/2006/main">
+  <p:cSld>
+    <p:spTree>
+      <p:nvGrpSpPr>
+        <p:cNvPr id="1" name=""/>
+        <p:cNvGrpSpPr/>
+        <p:nvPr/>
+      </p:nvGrpSpPr>
+      <p:grpSpPr>
+        <a:xfrm>
+          <a:off x="0" y="0"/>
+          <a:ext cx="0" cy="0"/>
+          <a:chOff x="0" y="0"/>
+          <a:chExt cx="0" cy="0"/>
+        </a:xfrm>
+      </p:grpSpPr>
+      <p:sp>
+        <p:nvSpPr>
+          <p:cNvPr id="2" name="タイトル 1"/>
+          <p:cNvSpPr>
+            <a:spLocks noGrp="1"/>
+          </p:cNvSpPr>
+          <p:nvPr>
+            <p:ph type="title"/>
+          </p:nvPr>
+        </p:nvSpPr>
+        <p:spPr/>
+        <p:txBody>
+          <a:bodyPr/>
+          <a:lstStyle/>
+          <a:p>
+            <a:r>
+              <a:rPr lang="ja-JP" altLang="en-US" dirty="0" smtClean="0"/>
+              <a:t>坂田</a:t>
+            </a:r>
+            <a:endParaRPr kumimoji="1" lang="ja-JP" altLang="en-US" dirty="0"/>
+          </a:p>
+        </p:txBody>
+      </p:sp>
+      <p:sp>
+        <p:nvSpPr>
+          <p:cNvPr id="3" name="コンテンツ プレースホルダ 2"/>
+          <p:cNvSpPr>
+            <a:spLocks noGrp="1"/>
+          </p:cNvSpPr>
+          <p:nvPr>
+            <p:ph sz="quarter" idx="1"/>
+          </p:nvPr>
+        </p:nvSpPr>
+        <p:spPr/>
+        <p:txBody>
+          <a:bodyPr/>
+          <a:lstStyle/>
+          <a:p>
+            <a:endParaRPr kumimoji="1" lang="ja-JP" altLang="en-US"/>
+          </a:p>
+        </p:txBody>
+      </p:sp>
+    </p:spTree>
+  </p:cSld>
+  <p:clrMapOvr>
+    <a:masterClrMapping/>
+  </p:clrMapOvr>
 </p:sld>
 </file>
 

--- a/document/ECサイト.pptx
+++ b/document/ECサイト.pptx
@@ -11,6 +11,8 @@
     <p:sldId id="259" r:id="rId5"/>
     <p:sldId id="260" r:id="rId6"/>
     <p:sldId id="261" r:id="rId7"/>
+    <p:sldId id="262" r:id="rId8"/>
+    <p:sldId id="263" r:id="rId9"/>
   </p:sldIdLst>
   <p:sldSz cx="9144000" cy="6858000" type="screen4x3"/>
   <p:notesSz cx="6858000" cy="9144000"/>
@@ -403,7 +405,8 @@
           <a:p>
             <a:fld id="{C185541C-1EC8-4309-8DE2-E5452EF526F2}" type="datetimeFigureOut">
               <a:rPr kumimoji="1" lang="ja-JP" altLang="en-US" smtClean="0"/>
-              <a:t>2016/6/28</a:t>
+              <a:pPr/>
+              <a:t>2016/6/29</a:t>
             </a:fld>
             <a:endParaRPr kumimoji="1" lang="ja-JP" altLang="en-US"/>
           </a:p>
@@ -471,6 +474,7 @@
           <a:p>
             <a:fld id="{92448180-2E87-4B37-A61C-A5E2AD0E8DC1}" type="slidenum">
               <a:rPr kumimoji="1" lang="ja-JP" altLang="en-US" smtClean="0"/>
+              <a:pPr/>
               <a:t>&lt;#&gt;</a:t>
             </a:fld>
             <a:endParaRPr kumimoji="1" lang="ja-JP" altLang="en-US"/>
@@ -626,7 +630,8 @@
           <a:p>
             <a:fld id="{C185541C-1EC8-4309-8DE2-E5452EF526F2}" type="datetimeFigureOut">
               <a:rPr kumimoji="1" lang="ja-JP" altLang="en-US" smtClean="0"/>
-              <a:t>2016/6/28</a:t>
+              <a:pPr/>
+              <a:t>2016/6/29</a:t>
             </a:fld>
             <a:endParaRPr kumimoji="1" lang="ja-JP" altLang="en-US"/>
           </a:p>
@@ -668,6 +673,7 @@
           <a:p>
             <a:fld id="{92448180-2E87-4B37-A61C-A5E2AD0E8DC1}" type="slidenum">
               <a:rPr kumimoji="1" lang="ja-JP" altLang="en-US" smtClean="0"/>
+              <a:pPr/>
               <a:t>&lt;#&gt;</a:t>
             </a:fld>
             <a:endParaRPr kumimoji="1" lang="ja-JP" altLang="en-US"/>
@@ -843,7 +849,8 @@
           <a:p>
             <a:fld id="{C185541C-1EC8-4309-8DE2-E5452EF526F2}" type="datetimeFigureOut">
               <a:rPr kumimoji="1" lang="ja-JP" altLang="en-US" smtClean="0"/>
-              <a:t>2016/6/28</a:t>
+              <a:pPr/>
+              <a:t>2016/6/29</a:t>
             </a:fld>
             <a:endParaRPr kumimoji="1" lang="ja-JP" altLang="en-US"/>
           </a:p>
@@ -1030,6 +1037,7 @@
           <a:p>
             <a:fld id="{92448180-2E87-4B37-A61C-A5E2AD0E8DC1}" type="slidenum">
               <a:rPr kumimoji="1" lang="ja-JP" altLang="en-US" smtClean="0"/>
+              <a:pPr/>
               <a:t>&lt;#&gt;</a:t>
             </a:fld>
             <a:endParaRPr kumimoji="1" lang="ja-JP" altLang="en-US"/>
@@ -1106,7 +1114,8 @@
           <a:p>
             <a:fld id="{C185541C-1EC8-4309-8DE2-E5452EF526F2}" type="datetimeFigureOut">
               <a:rPr kumimoji="1" lang="ja-JP" altLang="en-US" smtClean="0"/>
-              <a:t>2016/6/28</a:t>
+              <a:pPr/>
+              <a:t>2016/6/29</a:t>
             </a:fld>
             <a:endParaRPr kumimoji="1" lang="ja-JP" altLang="en-US"/>
           </a:p>
@@ -1156,6 +1165,7 @@
           <a:p>
             <a:fld id="{92448180-2E87-4B37-A61C-A5E2AD0E8DC1}" type="slidenum">
               <a:rPr kumimoji="1" lang="ja-JP" altLang="en-US" smtClean="0"/>
+              <a:pPr/>
               <a:t>&lt;#&gt;</a:t>
             </a:fld>
             <a:endParaRPr kumimoji="1" lang="ja-JP" altLang="en-US"/>
@@ -1554,7 +1564,8 @@
           <a:p>
             <a:fld id="{C185541C-1EC8-4309-8DE2-E5452EF526F2}" type="datetimeFigureOut">
               <a:rPr kumimoji="1" lang="ja-JP" altLang="en-US" smtClean="0"/>
-              <a:t>2016/6/28</a:t>
+              <a:pPr/>
+              <a:t>2016/6/29</a:t>
             </a:fld>
             <a:endParaRPr kumimoji="1" lang="ja-JP" altLang="en-US"/>
           </a:p>
@@ -1592,6 +1603,7 @@
           <a:p>
             <a:fld id="{92448180-2E87-4B37-A61C-A5E2AD0E8DC1}" type="slidenum">
               <a:rPr kumimoji="1" lang="ja-JP" altLang="en-US" smtClean="0"/>
+              <a:pPr/>
               <a:t>&lt;#&gt;</a:t>
             </a:fld>
             <a:endParaRPr kumimoji="1" lang="ja-JP" altLang="en-US"/>
@@ -1860,7 +1872,8 @@
           <a:p>
             <a:fld id="{C185541C-1EC8-4309-8DE2-E5452EF526F2}" type="datetimeFigureOut">
               <a:rPr kumimoji="1" lang="ja-JP" altLang="en-US" smtClean="0"/>
-              <a:t>2016/6/28</a:t>
+              <a:pPr/>
+              <a:t>2016/6/29</a:t>
             </a:fld>
             <a:endParaRPr kumimoji="1" lang="ja-JP" altLang="en-US"/>
           </a:p>
@@ -1883,6 +1896,7 @@
           <a:p>
             <a:fld id="{92448180-2E87-4B37-A61C-A5E2AD0E8DC1}" type="slidenum">
               <a:rPr kumimoji="1" lang="ja-JP" altLang="en-US" smtClean="0"/>
+              <a:pPr/>
               <a:t>&lt;#&gt;</a:t>
             </a:fld>
             <a:endParaRPr kumimoji="1" lang="ja-JP" altLang="en-US"/>
@@ -2160,7 +2174,8 @@
           <a:p>
             <a:fld id="{C185541C-1EC8-4309-8DE2-E5452EF526F2}" type="datetimeFigureOut">
               <a:rPr kumimoji="1" lang="ja-JP" altLang="en-US" smtClean="0"/>
-              <a:t>2016/6/28</a:t>
+              <a:pPr/>
+              <a:t>2016/6/29</a:t>
             </a:fld>
             <a:endParaRPr kumimoji="1" lang="ja-JP" altLang="en-US"/>
           </a:p>
@@ -2183,6 +2198,7 @@
           <a:p>
             <a:fld id="{92448180-2E87-4B37-A61C-A5E2AD0E8DC1}" type="slidenum">
               <a:rPr kumimoji="1" lang="ja-JP" altLang="en-US" smtClean="0"/>
+              <a:pPr/>
               <a:t>&lt;#&gt;</a:t>
             </a:fld>
             <a:endParaRPr kumimoji="1" lang="ja-JP" altLang="en-US"/>
@@ -2355,7 +2371,8 @@
           <a:p>
             <a:fld id="{C185541C-1EC8-4309-8DE2-E5452EF526F2}" type="datetimeFigureOut">
               <a:rPr kumimoji="1" lang="ja-JP" altLang="en-US" smtClean="0"/>
-              <a:t>2016/6/28</a:t>
+              <a:pPr/>
+              <a:t>2016/6/29</a:t>
             </a:fld>
             <a:endParaRPr kumimoji="1" lang="ja-JP" altLang="en-US"/>
           </a:p>
@@ -2405,6 +2422,7 @@
           <a:p>
             <a:fld id="{92448180-2E87-4B37-A61C-A5E2AD0E8DC1}" type="slidenum">
               <a:rPr kumimoji="1" lang="ja-JP" altLang="en-US" smtClean="0"/>
+              <a:pPr/>
               <a:t>&lt;#&gt;</a:t>
             </a:fld>
             <a:endParaRPr kumimoji="1" lang="ja-JP" altLang="en-US"/>
@@ -2453,7 +2471,8 @@
           <a:p>
             <a:fld id="{C185541C-1EC8-4309-8DE2-E5452EF526F2}" type="datetimeFigureOut">
               <a:rPr kumimoji="1" lang="ja-JP" altLang="en-US" smtClean="0"/>
-              <a:t>2016/6/28</a:t>
+              <a:pPr/>
+              <a:t>2016/6/29</a:t>
             </a:fld>
             <a:endParaRPr kumimoji="1" lang="ja-JP" altLang="en-US"/>
           </a:p>
@@ -2508,6 +2527,7 @@
           <a:p>
             <a:fld id="{92448180-2E87-4B37-A61C-A5E2AD0E8DC1}" type="slidenum">
               <a:rPr kumimoji="1" lang="ja-JP" altLang="en-US" smtClean="0"/>
+              <a:pPr/>
               <a:t>&lt;#&gt;</a:t>
             </a:fld>
             <a:endParaRPr kumimoji="1" lang="ja-JP" altLang="en-US"/>
@@ -2589,7 +2609,8 @@
           <a:p>
             <a:fld id="{C185541C-1EC8-4309-8DE2-E5452EF526F2}" type="datetimeFigureOut">
               <a:rPr kumimoji="1" lang="ja-JP" altLang="en-US" smtClean="0"/>
-              <a:t>2016/6/28</a:t>
+              <a:pPr/>
+              <a:t>2016/6/29</a:t>
             </a:fld>
             <a:endParaRPr kumimoji="1" lang="ja-JP" altLang="en-US"/>
           </a:p>
@@ -2639,6 +2660,7 @@
           <a:p>
             <a:fld id="{92448180-2E87-4B37-A61C-A5E2AD0E8DC1}" type="slidenum">
               <a:rPr kumimoji="1" lang="ja-JP" altLang="en-US" smtClean="0"/>
+              <a:pPr/>
               <a:t>&lt;#&gt;</a:t>
             </a:fld>
             <a:endParaRPr kumimoji="1" lang="ja-JP" altLang="en-US"/>
@@ -3139,7 +3161,8 @@
           <a:p>
             <a:fld id="{C185541C-1EC8-4309-8DE2-E5452EF526F2}" type="datetimeFigureOut">
               <a:rPr kumimoji="1" lang="ja-JP" altLang="en-US" smtClean="0"/>
-              <a:t>2016/6/28</a:t>
+              <a:pPr/>
+              <a:t>2016/6/29</a:t>
             </a:fld>
             <a:endParaRPr kumimoji="1" lang="ja-JP" altLang="en-US"/>
           </a:p>
@@ -3171,6 +3194,7 @@
           <a:p>
             <a:fld id="{92448180-2E87-4B37-A61C-A5E2AD0E8DC1}" type="slidenum">
               <a:rPr kumimoji="1" lang="ja-JP" altLang="en-US" smtClean="0"/>
+              <a:pPr/>
               <a:t>&lt;#&gt;</a:t>
             </a:fld>
             <a:endParaRPr kumimoji="1" lang="ja-JP" altLang="en-US"/>
@@ -3432,7 +3456,8 @@
           <a:p>
             <a:fld id="{C185541C-1EC8-4309-8DE2-E5452EF526F2}" type="datetimeFigureOut">
               <a:rPr kumimoji="1" lang="ja-JP" altLang="en-US" smtClean="0"/>
-              <a:t>2016/6/28</a:t>
+              <a:pPr/>
+              <a:t>2016/6/29</a:t>
             </a:fld>
             <a:endParaRPr kumimoji="1" lang="ja-JP" altLang="en-US"/>
           </a:p>
@@ -3650,6 +3675,7 @@
           <a:p>
             <a:fld id="{92448180-2E87-4B37-A61C-A5E2AD0E8DC1}" type="slidenum">
               <a:rPr kumimoji="1" lang="ja-JP" altLang="en-US" smtClean="0"/>
+              <a:pPr/>
               <a:t>&lt;#&gt;</a:t>
             </a:fld>
             <a:endParaRPr kumimoji="1" lang="ja-JP" altLang="en-US"/>
@@ -4038,31 +4064,7 @@
           <a:p>
             <a:r>
               <a:rPr lang="ja-JP" altLang="en-US" dirty="0" smtClean="0"/>
-              <a:t>金子　　坂田</a:t>
-            </a:r>
-            <a:r>
-              <a:rPr lang="ja-JP" altLang="en-US" dirty="0" smtClean="0"/>
-              <a:t>　</a:t>
-            </a:r>
-            <a:r>
-              <a:rPr lang="ja-JP" altLang="en-US" dirty="0" smtClean="0"/>
-              <a:t>　澤村</a:t>
-            </a:r>
-            <a:r>
-              <a:rPr lang="ja-JP" altLang="en-US" dirty="0" smtClean="0"/>
-              <a:t>　</a:t>
-            </a:r>
-            <a:r>
-              <a:rPr lang="ja-JP" altLang="en-US" dirty="0" smtClean="0"/>
-              <a:t>　中野</a:t>
-            </a:r>
-            <a:r>
-              <a:rPr lang="ja-JP" altLang="en-US" dirty="0" smtClean="0"/>
-              <a:t>　</a:t>
-            </a:r>
-            <a:r>
-              <a:rPr lang="ja-JP" altLang="en-US" dirty="0" smtClean="0"/>
-              <a:t>　藤本</a:t>
+              <a:t>金子　　坂田　　澤村　　中野　　藤本</a:t>
             </a:r>
             <a:endParaRPr kumimoji="1" lang="ja-JP" altLang="en-US" dirty="0"/>
           </a:p>
@@ -4486,11 +4488,7 @@
             </a:r>
             <a:r>
               <a:rPr lang="ja-JP" altLang="en-US" sz="2800" dirty="0" smtClean="0"/>
-              <a:t>が</a:t>
-            </a:r>
-            <a:r>
-              <a:rPr lang="ja-JP" altLang="en-US" sz="2800" dirty="0" smtClean="0"/>
-              <a:t>上限</a:t>
+              <a:t>が上限</a:t>
             </a:r>
             <a:endParaRPr lang="en-US" altLang="ja-JP" sz="2800" dirty="0" smtClean="0"/>
           </a:p>
@@ -4798,11 +4796,7 @@
             </a:pPr>
             <a:r>
               <a:rPr lang="ja-JP" altLang="en-US" sz="3600" dirty="0" smtClean="0"/>
-              <a:t>　</a:t>
-            </a:r>
-            <a:r>
-              <a:rPr lang="ja-JP" altLang="en-US" sz="3600" dirty="0" smtClean="0"/>
-              <a:t>　・画像をフォルダから選び、アップデートが可能</a:t>
+              <a:t>　　・画像をフォルダから選び、アップデートが可能</a:t>
             </a:r>
             <a:endParaRPr lang="en-US" altLang="ja-JP" sz="3600" dirty="0" smtClean="0"/>
           </a:p>
@@ -4818,11 +4812,7 @@
             </a:pPr>
             <a:r>
               <a:rPr lang="ja-JP" altLang="en-US" sz="3600" dirty="0" smtClean="0"/>
-              <a:t>　</a:t>
-            </a:r>
-            <a:r>
-              <a:rPr lang="ja-JP" altLang="en-US" sz="3600" dirty="0" smtClean="0"/>
-              <a:t>　・画像は５０</a:t>
+              <a:t>　　・画像は５０</a:t>
             </a:r>
             <a:r>
               <a:rPr lang="en-US" altLang="ja-JP" sz="3600" b="1" dirty="0" smtClean="0"/>
@@ -4861,11 +4851,7 @@
             </a:pPr>
             <a:r>
               <a:rPr lang="ja-JP" altLang="en-US" sz="3600" dirty="0" smtClean="0"/>
-              <a:t>　</a:t>
-            </a:r>
-            <a:r>
-              <a:rPr lang="ja-JP" altLang="en-US" sz="3600" dirty="0" smtClean="0"/>
-              <a:t>　 大文字、小文字、全角、半角を区別しない</a:t>
+              <a:t>　　 大文字、小文字、全角、半角を区別しない</a:t>
             </a:r>
             <a:endParaRPr lang="en-US" altLang="ja-JP" sz="3600" dirty="0" smtClean="0"/>
           </a:p>
@@ -4912,19 +4898,7 @@
             </a:pPr>
             <a:r>
               <a:rPr lang="ja-JP" altLang="en-US" sz="3600" dirty="0" smtClean="0"/>
-              <a:t>　</a:t>
-            </a:r>
-            <a:r>
-              <a:rPr lang="ja-JP" altLang="en-US" sz="3600" dirty="0" smtClean="0"/>
-              <a:t>　・それぞれの条件を組み合わせ</a:t>
-            </a:r>
-            <a:r>
-              <a:rPr lang="ja-JP" altLang="en-US" sz="3600" dirty="0" smtClean="0"/>
-              <a:t>た</a:t>
-            </a:r>
-            <a:r>
-              <a:rPr lang="ja-JP" altLang="en-US" sz="3600" dirty="0" smtClean="0"/>
-              <a:t>絞り込み検索</a:t>
+              <a:t>　　・それぞれの条件を組み合わせた絞り込み検索</a:t>
             </a:r>
             <a:endParaRPr lang="en-US" altLang="ja-JP" sz="3600" dirty="0" smtClean="0"/>
           </a:p>
@@ -4965,6 +4939,1298 @@
     <p:tnLst>
       <p:par>
         <p:cTn id="1" dur="indefinite" restart="never" nodeType="tmRoot"/>
+      </p:par>
+    </p:tnLst>
+  </p:timing>
+</p:sld>
+</file>
+
+<file path=ppt/slides/slide7.xml><?xml version="1.0" encoding="utf-8"?>
+<p:sld xmlns:a="http://schemas.openxmlformats.org/drawingml/2006/main" xmlns:r="http://schemas.openxmlformats.org/officeDocument/2006/relationships" xmlns:p="http://schemas.openxmlformats.org/presentationml/2006/main">
+  <p:cSld>
+    <p:spTree>
+      <p:nvGrpSpPr>
+        <p:cNvPr id="1" name=""/>
+        <p:cNvGrpSpPr/>
+        <p:nvPr/>
+      </p:nvGrpSpPr>
+      <p:grpSpPr>
+        <a:xfrm>
+          <a:off x="0" y="0"/>
+          <a:ext cx="0" cy="0"/>
+          <a:chOff x="0" y="0"/>
+          <a:chExt cx="0" cy="0"/>
+        </a:xfrm>
+      </p:grpSpPr>
+      <p:sp>
+        <p:nvSpPr>
+          <p:cNvPr id="2" name="タイトル 1"/>
+          <p:cNvSpPr>
+            <a:spLocks noGrp="1"/>
+          </p:cNvSpPr>
+          <p:nvPr>
+            <p:ph type="title"/>
+          </p:nvPr>
+        </p:nvSpPr>
+        <p:spPr/>
+        <p:txBody>
+          <a:bodyPr/>
+          <a:lstStyle/>
+          <a:p>
+            <a:r>
+              <a:rPr kumimoji="1" lang="ja-JP" altLang="en-US" dirty="0" smtClean="0"/>
+              <a:t>工夫したこと（もんもん）</a:t>
+            </a:r>
+            <a:endParaRPr kumimoji="1" lang="ja-JP" altLang="en-US" dirty="0"/>
+          </a:p>
+        </p:txBody>
+      </p:sp>
+      <p:sp>
+        <p:nvSpPr>
+          <p:cNvPr id="3" name="コンテンツ プレースホルダ 2"/>
+          <p:cNvSpPr>
+            <a:spLocks noGrp="1"/>
+          </p:cNvSpPr>
+          <p:nvPr>
+            <p:ph sz="quarter" idx="1"/>
+          </p:nvPr>
+        </p:nvSpPr>
+        <p:spPr/>
+        <p:txBody>
+          <a:bodyPr tIns="432000">
+            <a:normAutofit/>
+          </a:bodyPr>
+          <a:lstStyle/>
+          <a:p>
+            <a:pPr>
+              <a:spcBef>
+                <a:spcPts val="1200"/>
+              </a:spcBef>
+            </a:pPr>
+            <a:r>
+              <a:rPr lang="ja-JP" altLang="en-US" sz="3200" dirty="0" smtClean="0"/>
+              <a:t>ショッピングカート内での商品追加</a:t>
+            </a:r>
+            <a:r>
+              <a:rPr lang="en-US" altLang="ja-JP" sz="3200" dirty="0" smtClean="0"/>
+              <a:t>(</a:t>
+            </a:r>
+            <a:r>
+              <a:rPr lang="ja-JP" altLang="en-US" sz="3200" dirty="0" smtClean="0"/>
+              <a:t>１個ずつ</a:t>
+            </a:r>
+            <a:r>
+              <a:rPr lang="en-US" altLang="ja-JP" sz="3200" dirty="0" smtClean="0"/>
+              <a:t>)</a:t>
+            </a:r>
+          </a:p>
+          <a:p>
+            <a:pPr>
+              <a:spcBef>
+                <a:spcPts val="1200"/>
+              </a:spcBef>
+            </a:pPr>
+            <a:endParaRPr lang="en-US" altLang="ja-JP" sz="3200" dirty="0" smtClean="0"/>
+          </a:p>
+          <a:p>
+            <a:pPr>
+              <a:spcBef>
+                <a:spcPts val="1200"/>
+              </a:spcBef>
+            </a:pPr>
+            <a:r>
+              <a:rPr lang="ja-JP" altLang="en-US" sz="3200" dirty="0" smtClean="0"/>
+              <a:t>ダブルサブミット対策の強化</a:t>
+            </a:r>
+            <a:endParaRPr lang="en-US" altLang="ja-JP" sz="3200" dirty="0" smtClean="0"/>
+          </a:p>
+          <a:p>
+            <a:pPr>
+              <a:spcBef>
+                <a:spcPts val="1200"/>
+              </a:spcBef>
+              <a:buNone/>
+            </a:pPr>
+            <a:endParaRPr kumimoji="1" lang="en-US" altLang="ja-JP" sz="3200" dirty="0" smtClean="0"/>
+          </a:p>
+          <a:p>
+            <a:pPr>
+              <a:spcBef>
+                <a:spcPts val="1200"/>
+              </a:spcBef>
+            </a:pPr>
+            <a:r>
+              <a:rPr lang="en-US" altLang="ja-JP" sz="3200" b="1" dirty="0" smtClean="0"/>
+              <a:t>URL</a:t>
+            </a:r>
+            <a:r>
+              <a:rPr lang="ja-JP" altLang="en-US" sz="3200" dirty="0" smtClean="0"/>
+              <a:t>に直接、でたらめな数字が入力</a:t>
+            </a:r>
+            <a:r>
+              <a:rPr lang="ja-JP" altLang="en-US" sz="3200" dirty="0" smtClean="0"/>
+              <a:t>された場合</a:t>
+            </a:r>
+            <a:r>
+              <a:rPr lang="ja-JP" altLang="en-US" sz="3200" dirty="0" smtClean="0"/>
+              <a:t>のエラー処理</a:t>
+            </a:r>
+            <a:endParaRPr lang="en-US" altLang="ja-JP" sz="3200" dirty="0" smtClean="0"/>
+          </a:p>
+          <a:p>
+            <a:pPr>
+              <a:spcBef>
+                <a:spcPts val="1200"/>
+              </a:spcBef>
+              <a:buNone/>
+            </a:pPr>
+            <a:endParaRPr kumimoji="1" lang="en-US" altLang="ja-JP" sz="3200" dirty="0" smtClean="0"/>
+          </a:p>
+        </p:txBody>
+      </p:sp>
+      <p:pic>
+        <p:nvPicPr>
+          <p:cNvPr id="4" name="Picture 2" descr="C:\env\springworkspace\ecommerce-springC\src\main\webapp\img\rogo.png"/>
+          <p:cNvPicPr>
+            <a:picLocks noChangeAspect="1" noChangeArrowheads="1"/>
+          </p:cNvPicPr>
+          <p:nvPr/>
+        </p:nvPicPr>
+        <p:blipFill>
+          <a:blip r:embed="rId2" cstate="print"/>
+          <a:srcRect/>
+          <a:stretch>
+            <a:fillRect/>
+          </a:stretch>
+        </p:blipFill>
+        <p:spPr bwMode="auto">
+          <a:xfrm>
+            <a:off x="8172400" y="6021288"/>
+            <a:ext cx="659285" cy="659285"/>
+          </a:xfrm>
+          <a:prstGeom prst="rect">
+            <a:avLst/>
+          </a:prstGeom>
+          <a:noFill/>
+        </p:spPr>
+      </p:pic>
+    </p:spTree>
+  </p:cSld>
+  <p:clrMapOvr>
+    <a:masterClrMapping/>
+  </p:clrMapOvr>
+  <p:timing>
+    <p:tnLst>
+      <p:par>
+        <p:cTn id="1" dur="indefinite" restart="never" nodeType="tmRoot">
+          <p:childTnLst>
+            <p:seq concurrent="1" nextAc="seek">
+              <p:cTn id="2" dur="indefinite" nodeType="mainSeq">
+                <p:childTnLst>
+                  <p:par>
+                    <p:cTn id="3" fill="hold">
+                      <p:stCondLst>
+                        <p:cond delay="indefinite"/>
+                      </p:stCondLst>
+                      <p:childTnLst>
+                        <p:par>
+                          <p:cTn id="4" fill="hold">
+                            <p:stCondLst>
+                              <p:cond delay="0"/>
+                            </p:stCondLst>
+                            <p:childTnLst>
+                              <p:par>
+                                <p:cTn id="5" presetID="41" presetClass="entr" presetSubtype="0" fill="hold" nodeType="clickEffect">
+                                  <p:stCondLst>
+                                    <p:cond delay="0"/>
+                                  </p:stCondLst>
+                                  <p:iterate type="lt">
+                                    <p:tmPct val="10000"/>
+                                  </p:iterate>
+                                  <p:childTnLst>
+                                    <p:set>
+                                      <p:cBhvr>
+                                        <p:cTn id="6" dur="1" fill="hold">
+                                          <p:stCondLst>
+                                            <p:cond delay="0"/>
+                                          </p:stCondLst>
+                                        </p:cTn>
+                                        <p:tgtEl>
+                                          <p:spTgt spid="3">
+                                            <p:txEl>
+                                              <p:pRg st="0" end="0"/>
+                                            </p:txEl>
+                                          </p:spTgt>
+                                        </p:tgtEl>
+                                        <p:attrNameLst>
+                                          <p:attrName>style.visibility</p:attrName>
+                                        </p:attrNameLst>
+                                      </p:cBhvr>
+                                      <p:to>
+                                        <p:strVal val="visible"/>
+                                      </p:to>
+                                    </p:set>
+                                    <p:anim calcmode="lin" valueType="num">
+                                      <p:cBhvr>
+                                        <p:cTn id="7" dur="500" fill="hold"/>
+                                        <p:tgtEl>
+                                          <p:spTgt spid="3">
+                                            <p:txEl>
+                                              <p:pRg st="0" end="0"/>
+                                            </p:txEl>
+                                          </p:spTgt>
+                                        </p:tgtEl>
+                                        <p:attrNameLst>
+                                          <p:attrName>ppt_x</p:attrName>
+                                        </p:attrNameLst>
+                                      </p:cBhvr>
+                                      <p:tavLst>
+                                        <p:tav tm="0">
+                                          <p:val>
+                                            <p:strVal val="#ppt_x"/>
+                                          </p:val>
+                                        </p:tav>
+                                        <p:tav tm="50000">
+                                          <p:val>
+                                            <p:strVal val="#ppt_x+.1"/>
+                                          </p:val>
+                                        </p:tav>
+                                        <p:tav tm="100000">
+                                          <p:val>
+                                            <p:strVal val="#ppt_x"/>
+                                          </p:val>
+                                        </p:tav>
+                                      </p:tavLst>
+                                    </p:anim>
+                                    <p:anim calcmode="lin" valueType="num">
+                                      <p:cBhvr>
+                                        <p:cTn id="8" dur="500" fill="hold"/>
+                                        <p:tgtEl>
+                                          <p:spTgt spid="3">
+                                            <p:txEl>
+                                              <p:pRg st="0" end="0"/>
+                                            </p:txEl>
+                                          </p:spTgt>
+                                        </p:tgtEl>
+                                        <p:attrNameLst>
+                                          <p:attrName>ppt_y</p:attrName>
+                                        </p:attrNameLst>
+                                      </p:cBhvr>
+                                      <p:tavLst>
+                                        <p:tav tm="0">
+                                          <p:val>
+                                            <p:strVal val="#ppt_y"/>
+                                          </p:val>
+                                        </p:tav>
+                                        <p:tav tm="100000">
+                                          <p:val>
+                                            <p:strVal val="#ppt_y"/>
+                                          </p:val>
+                                        </p:tav>
+                                      </p:tavLst>
+                                    </p:anim>
+                                    <p:anim calcmode="lin" valueType="num">
+                                      <p:cBhvr>
+                                        <p:cTn id="9" dur="500" fill="hold"/>
+                                        <p:tgtEl>
+                                          <p:spTgt spid="3">
+                                            <p:txEl>
+                                              <p:pRg st="0" end="0"/>
+                                            </p:txEl>
+                                          </p:spTgt>
+                                        </p:tgtEl>
+                                        <p:attrNameLst>
+                                          <p:attrName>ppt_h</p:attrName>
+                                        </p:attrNameLst>
+                                      </p:cBhvr>
+                                      <p:tavLst>
+                                        <p:tav tm="0">
+                                          <p:val>
+                                            <p:strVal val="#ppt_h/10"/>
+                                          </p:val>
+                                        </p:tav>
+                                        <p:tav tm="50000">
+                                          <p:val>
+                                            <p:strVal val="#ppt_h+.01"/>
+                                          </p:val>
+                                        </p:tav>
+                                        <p:tav tm="100000">
+                                          <p:val>
+                                            <p:strVal val="#ppt_h"/>
+                                          </p:val>
+                                        </p:tav>
+                                      </p:tavLst>
+                                    </p:anim>
+                                    <p:anim calcmode="lin" valueType="num">
+                                      <p:cBhvr>
+                                        <p:cTn id="10" dur="500" fill="hold"/>
+                                        <p:tgtEl>
+                                          <p:spTgt spid="3">
+                                            <p:txEl>
+                                              <p:pRg st="0" end="0"/>
+                                            </p:txEl>
+                                          </p:spTgt>
+                                        </p:tgtEl>
+                                        <p:attrNameLst>
+                                          <p:attrName>ppt_w</p:attrName>
+                                        </p:attrNameLst>
+                                      </p:cBhvr>
+                                      <p:tavLst>
+                                        <p:tav tm="0">
+                                          <p:val>
+                                            <p:strVal val="#ppt_w/10"/>
+                                          </p:val>
+                                        </p:tav>
+                                        <p:tav tm="50000">
+                                          <p:val>
+                                            <p:strVal val="#ppt_w+.01"/>
+                                          </p:val>
+                                        </p:tav>
+                                        <p:tav tm="100000">
+                                          <p:val>
+                                            <p:strVal val="#ppt_w"/>
+                                          </p:val>
+                                        </p:tav>
+                                      </p:tavLst>
+                                    </p:anim>
+                                    <p:animEffect transition="in" filter="fade">
+                                      <p:cBhvr>
+                                        <p:cTn id="11" dur="500" tmFilter="0,0; .5, 1; 1, 1"/>
+                                        <p:tgtEl>
+                                          <p:spTgt spid="3">
+                                            <p:txEl>
+                                              <p:pRg st="0" end="0"/>
+                                            </p:txEl>
+                                          </p:spTgt>
+                                        </p:tgtEl>
+                                      </p:cBhvr>
+                                    </p:animEffect>
+                                  </p:childTnLst>
+                                </p:cTn>
+                              </p:par>
+                            </p:childTnLst>
+                          </p:cTn>
+                        </p:par>
+                      </p:childTnLst>
+                    </p:cTn>
+                  </p:par>
+                  <p:par>
+                    <p:cTn id="12" fill="hold">
+                      <p:stCondLst>
+                        <p:cond delay="indefinite"/>
+                      </p:stCondLst>
+                      <p:childTnLst>
+                        <p:par>
+                          <p:cTn id="13" fill="hold">
+                            <p:stCondLst>
+                              <p:cond delay="0"/>
+                            </p:stCondLst>
+                            <p:childTnLst>
+                              <p:par>
+                                <p:cTn id="14" presetID="41" presetClass="entr" presetSubtype="0" fill="hold" nodeType="clickEffect">
+                                  <p:stCondLst>
+                                    <p:cond delay="0"/>
+                                  </p:stCondLst>
+                                  <p:iterate type="lt">
+                                    <p:tmPct val="10000"/>
+                                  </p:iterate>
+                                  <p:childTnLst>
+                                    <p:set>
+                                      <p:cBhvr>
+                                        <p:cTn id="15" dur="1" fill="hold">
+                                          <p:stCondLst>
+                                            <p:cond delay="0"/>
+                                          </p:stCondLst>
+                                        </p:cTn>
+                                        <p:tgtEl>
+                                          <p:spTgt spid="3">
+                                            <p:txEl>
+                                              <p:pRg st="2" end="2"/>
+                                            </p:txEl>
+                                          </p:spTgt>
+                                        </p:tgtEl>
+                                        <p:attrNameLst>
+                                          <p:attrName>style.visibility</p:attrName>
+                                        </p:attrNameLst>
+                                      </p:cBhvr>
+                                      <p:to>
+                                        <p:strVal val="visible"/>
+                                      </p:to>
+                                    </p:set>
+                                    <p:anim calcmode="lin" valueType="num">
+                                      <p:cBhvr>
+                                        <p:cTn id="16" dur="500" fill="hold"/>
+                                        <p:tgtEl>
+                                          <p:spTgt spid="3">
+                                            <p:txEl>
+                                              <p:pRg st="2" end="2"/>
+                                            </p:txEl>
+                                          </p:spTgt>
+                                        </p:tgtEl>
+                                        <p:attrNameLst>
+                                          <p:attrName>ppt_x</p:attrName>
+                                        </p:attrNameLst>
+                                      </p:cBhvr>
+                                      <p:tavLst>
+                                        <p:tav tm="0">
+                                          <p:val>
+                                            <p:strVal val="#ppt_x"/>
+                                          </p:val>
+                                        </p:tav>
+                                        <p:tav tm="50000">
+                                          <p:val>
+                                            <p:strVal val="#ppt_x+.1"/>
+                                          </p:val>
+                                        </p:tav>
+                                        <p:tav tm="100000">
+                                          <p:val>
+                                            <p:strVal val="#ppt_x"/>
+                                          </p:val>
+                                        </p:tav>
+                                      </p:tavLst>
+                                    </p:anim>
+                                    <p:anim calcmode="lin" valueType="num">
+                                      <p:cBhvr>
+                                        <p:cTn id="17" dur="500" fill="hold"/>
+                                        <p:tgtEl>
+                                          <p:spTgt spid="3">
+                                            <p:txEl>
+                                              <p:pRg st="2" end="2"/>
+                                            </p:txEl>
+                                          </p:spTgt>
+                                        </p:tgtEl>
+                                        <p:attrNameLst>
+                                          <p:attrName>ppt_y</p:attrName>
+                                        </p:attrNameLst>
+                                      </p:cBhvr>
+                                      <p:tavLst>
+                                        <p:tav tm="0">
+                                          <p:val>
+                                            <p:strVal val="#ppt_y"/>
+                                          </p:val>
+                                        </p:tav>
+                                        <p:tav tm="100000">
+                                          <p:val>
+                                            <p:strVal val="#ppt_y"/>
+                                          </p:val>
+                                        </p:tav>
+                                      </p:tavLst>
+                                    </p:anim>
+                                    <p:anim calcmode="lin" valueType="num">
+                                      <p:cBhvr>
+                                        <p:cTn id="18" dur="500" fill="hold"/>
+                                        <p:tgtEl>
+                                          <p:spTgt spid="3">
+                                            <p:txEl>
+                                              <p:pRg st="2" end="2"/>
+                                            </p:txEl>
+                                          </p:spTgt>
+                                        </p:tgtEl>
+                                        <p:attrNameLst>
+                                          <p:attrName>ppt_h</p:attrName>
+                                        </p:attrNameLst>
+                                      </p:cBhvr>
+                                      <p:tavLst>
+                                        <p:tav tm="0">
+                                          <p:val>
+                                            <p:strVal val="#ppt_h/10"/>
+                                          </p:val>
+                                        </p:tav>
+                                        <p:tav tm="50000">
+                                          <p:val>
+                                            <p:strVal val="#ppt_h+.01"/>
+                                          </p:val>
+                                        </p:tav>
+                                        <p:tav tm="100000">
+                                          <p:val>
+                                            <p:strVal val="#ppt_h"/>
+                                          </p:val>
+                                        </p:tav>
+                                      </p:tavLst>
+                                    </p:anim>
+                                    <p:anim calcmode="lin" valueType="num">
+                                      <p:cBhvr>
+                                        <p:cTn id="19" dur="500" fill="hold"/>
+                                        <p:tgtEl>
+                                          <p:spTgt spid="3">
+                                            <p:txEl>
+                                              <p:pRg st="2" end="2"/>
+                                            </p:txEl>
+                                          </p:spTgt>
+                                        </p:tgtEl>
+                                        <p:attrNameLst>
+                                          <p:attrName>ppt_w</p:attrName>
+                                        </p:attrNameLst>
+                                      </p:cBhvr>
+                                      <p:tavLst>
+                                        <p:tav tm="0">
+                                          <p:val>
+                                            <p:strVal val="#ppt_w/10"/>
+                                          </p:val>
+                                        </p:tav>
+                                        <p:tav tm="50000">
+                                          <p:val>
+                                            <p:strVal val="#ppt_w+.01"/>
+                                          </p:val>
+                                        </p:tav>
+                                        <p:tav tm="100000">
+                                          <p:val>
+                                            <p:strVal val="#ppt_w"/>
+                                          </p:val>
+                                        </p:tav>
+                                      </p:tavLst>
+                                    </p:anim>
+                                    <p:animEffect transition="in" filter="fade">
+                                      <p:cBhvr>
+                                        <p:cTn id="20" dur="500" tmFilter="0,0; .5, 1; 1, 1"/>
+                                        <p:tgtEl>
+                                          <p:spTgt spid="3">
+                                            <p:txEl>
+                                              <p:pRg st="2" end="2"/>
+                                            </p:txEl>
+                                          </p:spTgt>
+                                        </p:tgtEl>
+                                      </p:cBhvr>
+                                    </p:animEffect>
+                                  </p:childTnLst>
+                                </p:cTn>
+                              </p:par>
+                            </p:childTnLst>
+                          </p:cTn>
+                        </p:par>
+                      </p:childTnLst>
+                    </p:cTn>
+                  </p:par>
+                  <p:par>
+                    <p:cTn id="21" fill="hold">
+                      <p:stCondLst>
+                        <p:cond delay="indefinite"/>
+                      </p:stCondLst>
+                      <p:childTnLst>
+                        <p:par>
+                          <p:cTn id="22" fill="hold">
+                            <p:stCondLst>
+                              <p:cond delay="0"/>
+                            </p:stCondLst>
+                            <p:childTnLst>
+                              <p:par>
+                                <p:cTn id="23" presetID="41" presetClass="entr" presetSubtype="0" fill="hold" nodeType="clickEffect">
+                                  <p:stCondLst>
+                                    <p:cond delay="0"/>
+                                  </p:stCondLst>
+                                  <p:iterate type="lt">
+                                    <p:tmPct val="10000"/>
+                                  </p:iterate>
+                                  <p:childTnLst>
+                                    <p:set>
+                                      <p:cBhvr>
+                                        <p:cTn id="24" dur="1" fill="hold">
+                                          <p:stCondLst>
+                                            <p:cond delay="0"/>
+                                          </p:stCondLst>
+                                        </p:cTn>
+                                        <p:tgtEl>
+                                          <p:spTgt spid="3">
+                                            <p:txEl>
+                                              <p:pRg st="4" end="4"/>
+                                            </p:txEl>
+                                          </p:spTgt>
+                                        </p:tgtEl>
+                                        <p:attrNameLst>
+                                          <p:attrName>style.visibility</p:attrName>
+                                        </p:attrNameLst>
+                                      </p:cBhvr>
+                                      <p:to>
+                                        <p:strVal val="visible"/>
+                                      </p:to>
+                                    </p:set>
+                                    <p:anim calcmode="lin" valueType="num">
+                                      <p:cBhvr>
+                                        <p:cTn id="25" dur="500" fill="hold"/>
+                                        <p:tgtEl>
+                                          <p:spTgt spid="3">
+                                            <p:txEl>
+                                              <p:pRg st="4" end="4"/>
+                                            </p:txEl>
+                                          </p:spTgt>
+                                        </p:tgtEl>
+                                        <p:attrNameLst>
+                                          <p:attrName>ppt_x</p:attrName>
+                                        </p:attrNameLst>
+                                      </p:cBhvr>
+                                      <p:tavLst>
+                                        <p:tav tm="0">
+                                          <p:val>
+                                            <p:strVal val="#ppt_x"/>
+                                          </p:val>
+                                        </p:tav>
+                                        <p:tav tm="50000">
+                                          <p:val>
+                                            <p:strVal val="#ppt_x+.1"/>
+                                          </p:val>
+                                        </p:tav>
+                                        <p:tav tm="100000">
+                                          <p:val>
+                                            <p:strVal val="#ppt_x"/>
+                                          </p:val>
+                                        </p:tav>
+                                      </p:tavLst>
+                                    </p:anim>
+                                    <p:anim calcmode="lin" valueType="num">
+                                      <p:cBhvr>
+                                        <p:cTn id="26" dur="500" fill="hold"/>
+                                        <p:tgtEl>
+                                          <p:spTgt spid="3">
+                                            <p:txEl>
+                                              <p:pRg st="4" end="4"/>
+                                            </p:txEl>
+                                          </p:spTgt>
+                                        </p:tgtEl>
+                                        <p:attrNameLst>
+                                          <p:attrName>ppt_y</p:attrName>
+                                        </p:attrNameLst>
+                                      </p:cBhvr>
+                                      <p:tavLst>
+                                        <p:tav tm="0">
+                                          <p:val>
+                                            <p:strVal val="#ppt_y"/>
+                                          </p:val>
+                                        </p:tav>
+                                        <p:tav tm="100000">
+                                          <p:val>
+                                            <p:strVal val="#ppt_y"/>
+                                          </p:val>
+                                        </p:tav>
+                                      </p:tavLst>
+                                    </p:anim>
+                                    <p:anim calcmode="lin" valueType="num">
+                                      <p:cBhvr>
+                                        <p:cTn id="27" dur="500" fill="hold"/>
+                                        <p:tgtEl>
+                                          <p:spTgt spid="3">
+                                            <p:txEl>
+                                              <p:pRg st="4" end="4"/>
+                                            </p:txEl>
+                                          </p:spTgt>
+                                        </p:tgtEl>
+                                        <p:attrNameLst>
+                                          <p:attrName>ppt_h</p:attrName>
+                                        </p:attrNameLst>
+                                      </p:cBhvr>
+                                      <p:tavLst>
+                                        <p:tav tm="0">
+                                          <p:val>
+                                            <p:strVal val="#ppt_h/10"/>
+                                          </p:val>
+                                        </p:tav>
+                                        <p:tav tm="50000">
+                                          <p:val>
+                                            <p:strVal val="#ppt_h+.01"/>
+                                          </p:val>
+                                        </p:tav>
+                                        <p:tav tm="100000">
+                                          <p:val>
+                                            <p:strVal val="#ppt_h"/>
+                                          </p:val>
+                                        </p:tav>
+                                      </p:tavLst>
+                                    </p:anim>
+                                    <p:anim calcmode="lin" valueType="num">
+                                      <p:cBhvr>
+                                        <p:cTn id="28" dur="500" fill="hold"/>
+                                        <p:tgtEl>
+                                          <p:spTgt spid="3">
+                                            <p:txEl>
+                                              <p:pRg st="4" end="4"/>
+                                            </p:txEl>
+                                          </p:spTgt>
+                                        </p:tgtEl>
+                                        <p:attrNameLst>
+                                          <p:attrName>ppt_w</p:attrName>
+                                        </p:attrNameLst>
+                                      </p:cBhvr>
+                                      <p:tavLst>
+                                        <p:tav tm="0">
+                                          <p:val>
+                                            <p:strVal val="#ppt_w/10"/>
+                                          </p:val>
+                                        </p:tav>
+                                        <p:tav tm="50000">
+                                          <p:val>
+                                            <p:strVal val="#ppt_w+.01"/>
+                                          </p:val>
+                                        </p:tav>
+                                        <p:tav tm="100000">
+                                          <p:val>
+                                            <p:strVal val="#ppt_w"/>
+                                          </p:val>
+                                        </p:tav>
+                                      </p:tavLst>
+                                    </p:anim>
+                                    <p:animEffect transition="in" filter="fade">
+                                      <p:cBhvr>
+                                        <p:cTn id="29" dur="500" tmFilter="0,0; .5, 1; 1, 1"/>
+                                        <p:tgtEl>
+                                          <p:spTgt spid="3">
+                                            <p:txEl>
+                                              <p:pRg st="4" end="4"/>
+                                            </p:txEl>
+                                          </p:spTgt>
+                                        </p:tgtEl>
+                                      </p:cBhvr>
+                                    </p:animEffect>
+                                  </p:childTnLst>
+                                </p:cTn>
+                              </p:par>
+                            </p:childTnLst>
+                          </p:cTn>
+                        </p:par>
+                      </p:childTnLst>
+                    </p:cTn>
+                  </p:par>
+                </p:childTnLst>
+              </p:cTn>
+              <p:prevCondLst>
+                <p:cond evt="onPrev" delay="0">
+                  <p:tgtEl>
+                    <p:sldTgt/>
+                  </p:tgtEl>
+                </p:cond>
+              </p:prevCondLst>
+              <p:nextCondLst>
+                <p:cond evt="onNext" delay="0">
+                  <p:tgtEl>
+                    <p:sldTgt/>
+                  </p:tgtEl>
+                </p:cond>
+              </p:nextCondLst>
+            </p:seq>
+          </p:childTnLst>
+        </p:cTn>
+      </p:par>
+    </p:tnLst>
+  </p:timing>
+</p:sld>
+</file>
+
+<file path=ppt/slides/slide8.xml><?xml version="1.0" encoding="utf-8"?>
+<p:sld xmlns:a="http://schemas.openxmlformats.org/drawingml/2006/main" xmlns:r="http://schemas.openxmlformats.org/officeDocument/2006/relationships" xmlns:p="http://schemas.openxmlformats.org/presentationml/2006/main">
+  <p:cSld>
+    <p:spTree>
+      <p:nvGrpSpPr>
+        <p:cNvPr id="1" name=""/>
+        <p:cNvGrpSpPr/>
+        <p:nvPr/>
+      </p:nvGrpSpPr>
+      <p:grpSpPr>
+        <a:xfrm>
+          <a:off x="0" y="0"/>
+          <a:ext cx="0" cy="0"/>
+          <a:chOff x="0" y="0"/>
+          <a:chExt cx="0" cy="0"/>
+        </a:xfrm>
+      </p:grpSpPr>
+      <p:sp>
+        <p:nvSpPr>
+          <p:cNvPr id="2" name="タイトル 1"/>
+          <p:cNvSpPr>
+            <a:spLocks noGrp="1"/>
+          </p:cNvSpPr>
+          <p:nvPr>
+            <p:ph type="title"/>
+          </p:nvPr>
+        </p:nvSpPr>
+        <p:spPr/>
+        <p:txBody>
+          <a:bodyPr/>
+          <a:lstStyle/>
+          <a:p>
+            <a:r>
+              <a:rPr kumimoji="1" lang="ja-JP" altLang="en-US" dirty="0" smtClean="0"/>
+              <a:t>苦労したこと（もんもん）</a:t>
+            </a:r>
+            <a:endParaRPr kumimoji="1" lang="ja-JP" altLang="en-US" dirty="0"/>
+          </a:p>
+        </p:txBody>
+      </p:sp>
+      <p:sp>
+        <p:nvSpPr>
+          <p:cNvPr id="3" name="コンテンツ プレースホルダ 2"/>
+          <p:cNvSpPr>
+            <a:spLocks noGrp="1"/>
+          </p:cNvSpPr>
+          <p:nvPr>
+            <p:ph sz="quarter" idx="1"/>
+          </p:nvPr>
+        </p:nvSpPr>
+        <p:spPr/>
+        <p:txBody>
+          <a:bodyPr>
+            <a:normAutofit/>
+          </a:bodyPr>
+          <a:lstStyle/>
+          <a:p>
+            <a:endParaRPr kumimoji="1" lang="en-US" altLang="ja-JP" sz="3200" dirty="0" smtClean="0"/>
+          </a:p>
+          <a:p>
+            <a:r>
+              <a:rPr kumimoji="1" lang="ja-JP" altLang="en-US" sz="3200" dirty="0" smtClean="0"/>
+              <a:t>カート内にある商品一覧を表示</a:t>
+            </a:r>
+            <a:endParaRPr kumimoji="1" lang="en-US" altLang="ja-JP" sz="3200" dirty="0" smtClean="0"/>
+          </a:p>
+          <a:p>
+            <a:endParaRPr lang="en-US" altLang="ja-JP" sz="3200" dirty="0" smtClean="0"/>
+          </a:p>
+          <a:p>
+            <a:r>
+              <a:rPr kumimoji="1" lang="ja-JP" altLang="en-US" sz="3200" dirty="0" smtClean="0"/>
+              <a:t>カートへの商品追加</a:t>
+            </a:r>
+            <a:endParaRPr kumimoji="1" lang="en-US" altLang="ja-JP" sz="3200" dirty="0" smtClean="0"/>
+          </a:p>
+          <a:p>
+            <a:endParaRPr lang="en-US" altLang="ja-JP" sz="3200" dirty="0" smtClean="0"/>
+          </a:p>
+          <a:p>
+            <a:r>
+              <a:rPr kumimoji="1" lang="ja-JP" altLang="en-US" sz="3200" dirty="0" smtClean="0"/>
+              <a:t>エラー改修</a:t>
+            </a:r>
+            <a:endParaRPr kumimoji="1" lang="ja-JP" altLang="en-US" sz="3200" dirty="0"/>
+          </a:p>
+        </p:txBody>
+      </p:sp>
+      <p:pic>
+        <p:nvPicPr>
+          <p:cNvPr id="4" name="Picture 2" descr="C:\env\springworkspace\ecommerce-springC\src\main\webapp\img\rogo.png"/>
+          <p:cNvPicPr>
+            <a:picLocks noChangeAspect="1" noChangeArrowheads="1"/>
+          </p:cNvPicPr>
+          <p:nvPr/>
+        </p:nvPicPr>
+        <p:blipFill>
+          <a:blip r:embed="rId2" cstate="print"/>
+          <a:srcRect/>
+          <a:stretch>
+            <a:fillRect/>
+          </a:stretch>
+        </p:blipFill>
+        <p:spPr bwMode="auto">
+          <a:xfrm>
+            <a:off x="8172400" y="6021288"/>
+            <a:ext cx="659285" cy="659285"/>
+          </a:xfrm>
+          <a:prstGeom prst="rect">
+            <a:avLst/>
+          </a:prstGeom>
+          <a:noFill/>
+        </p:spPr>
+      </p:pic>
+    </p:spTree>
+  </p:cSld>
+  <p:clrMapOvr>
+    <a:masterClrMapping/>
+  </p:clrMapOvr>
+  <p:timing>
+    <p:tnLst>
+      <p:par>
+        <p:cTn id="1" dur="indefinite" restart="never" nodeType="tmRoot">
+          <p:childTnLst>
+            <p:seq concurrent="1" nextAc="seek">
+              <p:cTn id="2" dur="indefinite" nodeType="mainSeq">
+                <p:childTnLst>
+                  <p:par>
+                    <p:cTn id="3" fill="hold">
+                      <p:stCondLst>
+                        <p:cond delay="indefinite"/>
+                      </p:stCondLst>
+                      <p:childTnLst>
+                        <p:par>
+                          <p:cTn id="4" fill="hold">
+                            <p:stCondLst>
+                              <p:cond delay="0"/>
+                            </p:stCondLst>
+                            <p:childTnLst>
+                              <p:par>
+                                <p:cTn id="5" presetID="34" presetClass="entr" presetSubtype="0" fill="hold" nodeType="clickEffect">
+                                  <p:stCondLst>
+                                    <p:cond delay="0"/>
+                                  </p:stCondLst>
+                                  <p:childTnLst>
+                                    <p:set>
+                                      <p:cBhvr>
+                                        <p:cTn id="6" dur="1" fill="hold">
+                                          <p:stCondLst>
+                                            <p:cond delay="0"/>
+                                          </p:stCondLst>
+                                        </p:cTn>
+                                        <p:tgtEl>
+                                          <p:spTgt spid="3">
+                                            <p:txEl>
+                                              <p:pRg st="1" end="1"/>
+                                            </p:txEl>
+                                          </p:spTgt>
+                                        </p:tgtEl>
+                                        <p:attrNameLst>
+                                          <p:attrName>style.visibility</p:attrName>
+                                        </p:attrNameLst>
+                                      </p:cBhvr>
+                                      <p:to>
+                                        <p:strVal val="visible"/>
+                                      </p:to>
+                                    </p:set>
+                                    <p:anim from="(-#ppt_w/2)" to="(#ppt_x)" calcmode="lin" valueType="num">
+                                      <p:cBhvr>
+                                        <p:cTn id="7" dur="600" fill="hold">
+                                          <p:stCondLst>
+                                            <p:cond delay="0"/>
+                                          </p:stCondLst>
+                                        </p:cTn>
+                                        <p:tgtEl>
+                                          <p:spTgt spid="3">
+                                            <p:txEl>
+                                              <p:pRg st="1" end="1"/>
+                                            </p:txEl>
+                                          </p:spTgt>
+                                        </p:tgtEl>
+                                        <p:attrNameLst>
+                                          <p:attrName>ppt_x</p:attrName>
+                                        </p:attrNameLst>
+                                      </p:cBhvr>
+                                    </p:anim>
+                                    <p:anim from="0" to="-1.0" calcmode="lin" valueType="num">
+                                      <p:cBhvr>
+                                        <p:cTn id="8" dur="200" decel="50000" autoRev="1" fill="hold">
+                                          <p:stCondLst>
+                                            <p:cond delay="600"/>
+                                          </p:stCondLst>
+                                        </p:cTn>
+                                        <p:tgtEl>
+                                          <p:spTgt spid="3">
+                                            <p:txEl>
+                                              <p:pRg st="1" end="1"/>
+                                            </p:txEl>
+                                          </p:spTgt>
+                                        </p:tgtEl>
+                                        <p:attrNameLst>
+                                          <p:attrName>xshear</p:attrName>
+                                        </p:attrNameLst>
+                                      </p:cBhvr>
+                                    </p:anim>
+                                    <p:animScale>
+                                      <p:cBhvr>
+                                        <p:cTn id="9" dur="200" decel="100000" autoRev="1" fill="hold">
+                                          <p:stCondLst>
+                                            <p:cond delay="600"/>
+                                          </p:stCondLst>
+                                        </p:cTn>
+                                        <p:tgtEl>
+                                          <p:spTgt spid="3">
+                                            <p:txEl>
+                                              <p:pRg st="1" end="1"/>
+                                            </p:txEl>
+                                          </p:spTgt>
+                                        </p:tgtEl>
+                                      </p:cBhvr>
+                                      <p:from x="100000" y="100000"/>
+                                      <p:to x="80000" y="100000"/>
+                                    </p:animScale>
+                                    <p:anim by="(#ppt_h/3+#ppt_w*0.1)" calcmode="lin" valueType="num">
+                                      <p:cBhvr additive="sum">
+                                        <p:cTn id="10" dur="200" decel="100000" autoRev="1" fill="hold">
+                                          <p:stCondLst>
+                                            <p:cond delay="600"/>
+                                          </p:stCondLst>
+                                        </p:cTn>
+                                        <p:tgtEl>
+                                          <p:spTgt spid="3">
+                                            <p:txEl>
+                                              <p:pRg st="1" end="1"/>
+                                            </p:txEl>
+                                          </p:spTgt>
+                                        </p:tgtEl>
+                                        <p:attrNameLst>
+                                          <p:attrName>ppt_x</p:attrName>
+                                        </p:attrNameLst>
+                                      </p:cBhvr>
+                                    </p:anim>
+                                  </p:childTnLst>
+                                </p:cTn>
+                              </p:par>
+                            </p:childTnLst>
+                          </p:cTn>
+                        </p:par>
+                      </p:childTnLst>
+                    </p:cTn>
+                  </p:par>
+                  <p:par>
+                    <p:cTn id="11" fill="hold">
+                      <p:stCondLst>
+                        <p:cond delay="indefinite"/>
+                      </p:stCondLst>
+                      <p:childTnLst>
+                        <p:par>
+                          <p:cTn id="12" fill="hold">
+                            <p:stCondLst>
+                              <p:cond delay="0"/>
+                            </p:stCondLst>
+                            <p:childTnLst>
+                              <p:par>
+                                <p:cTn id="13" presetID="34" presetClass="entr" presetSubtype="0" fill="hold" nodeType="clickEffect">
+                                  <p:stCondLst>
+                                    <p:cond delay="0"/>
+                                  </p:stCondLst>
+                                  <p:childTnLst>
+                                    <p:set>
+                                      <p:cBhvr>
+                                        <p:cTn id="14" dur="1" fill="hold">
+                                          <p:stCondLst>
+                                            <p:cond delay="0"/>
+                                          </p:stCondLst>
+                                        </p:cTn>
+                                        <p:tgtEl>
+                                          <p:spTgt spid="3">
+                                            <p:txEl>
+                                              <p:pRg st="3" end="3"/>
+                                            </p:txEl>
+                                          </p:spTgt>
+                                        </p:tgtEl>
+                                        <p:attrNameLst>
+                                          <p:attrName>style.visibility</p:attrName>
+                                        </p:attrNameLst>
+                                      </p:cBhvr>
+                                      <p:to>
+                                        <p:strVal val="visible"/>
+                                      </p:to>
+                                    </p:set>
+                                    <p:anim from="(-#ppt_w/2)" to="(#ppt_x)" calcmode="lin" valueType="num">
+                                      <p:cBhvr>
+                                        <p:cTn id="15" dur="600" fill="hold">
+                                          <p:stCondLst>
+                                            <p:cond delay="0"/>
+                                          </p:stCondLst>
+                                        </p:cTn>
+                                        <p:tgtEl>
+                                          <p:spTgt spid="3">
+                                            <p:txEl>
+                                              <p:pRg st="3" end="3"/>
+                                            </p:txEl>
+                                          </p:spTgt>
+                                        </p:tgtEl>
+                                        <p:attrNameLst>
+                                          <p:attrName>ppt_x</p:attrName>
+                                        </p:attrNameLst>
+                                      </p:cBhvr>
+                                    </p:anim>
+                                    <p:anim from="0" to="-1.0" calcmode="lin" valueType="num">
+                                      <p:cBhvr>
+                                        <p:cTn id="16" dur="200" decel="50000" autoRev="1" fill="hold">
+                                          <p:stCondLst>
+                                            <p:cond delay="600"/>
+                                          </p:stCondLst>
+                                        </p:cTn>
+                                        <p:tgtEl>
+                                          <p:spTgt spid="3">
+                                            <p:txEl>
+                                              <p:pRg st="3" end="3"/>
+                                            </p:txEl>
+                                          </p:spTgt>
+                                        </p:tgtEl>
+                                        <p:attrNameLst>
+                                          <p:attrName>xshear</p:attrName>
+                                        </p:attrNameLst>
+                                      </p:cBhvr>
+                                    </p:anim>
+                                    <p:animScale>
+                                      <p:cBhvr>
+                                        <p:cTn id="17" dur="200" decel="100000" autoRev="1" fill="hold">
+                                          <p:stCondLst>
+                                            <p:cond delay="600"/>
+                                          </p:stCondLst>
+                                        </p:cTn>
+                                        <p:tgtEl>
+                                          <p:spTgt spid="3">
+                                            <p:txEl>
+                                              <p:pRg st="3" end="3"/>
+                                            </p:txEl>
+                                          </p:spTgt>
+                                        </p:tgtEl>
+                                      </p:cBhvr>
+                                      <p:from x="100000" y="100000"/>
+                                      <p:to x="80000" y="100000"/>
+                                    </p:animScale>
+                                    <p:anim by="(#ppt_h/3+#ppt_w*0.1)" calcmode="lin" valueType="num">
+                                      <p:cBhvr additive="sum">
+                                        <p:cTn id="18" dur="200" decel="100000" autoRev="1" fill="hold">
+                                          <p:stCondLst>
+                                            <p:cond delay="600"/>
+                                          </p:stCondLst>
+                                        </p:cTn>
+                                        <p:tgtEl>
+                                          <p:spTgt spid="3">
+                                            <p:txEl>
+                                              <p:pRg st="3" end="3"/>
+                                            </p:txEl>
+                                          </p:spTgt>
+                                        </p:tgtEl>
+                                        <p:attrNameLst>
+                                          <p:attrName>ppt_x</p:attrName>
+                                        </p:attrNameLst>
+                                      </p:cBhvr>
+                                    </p:anim>
+                                  </p:childTnLst>
+                                </p:cTn>
+                              </p:par>
+                            </p:childTnLst>
+                          </p:cTn>
+                        </p:par>
+                      </p:childTnLst>
+                    </p:cTn>
+                  </p:par>
+                  <p:par>
+                    <p:cTn id="19" fill="hold">
+                      <p:stCondLst>
+                        <p:cond delay="indefinite"/>
+                      </p:stCondLst>
+                      <p:childTnLst>
+                        <p:par>
+                          <p:cTn id="20" fill="hold">
+                            <p:stCondLst>
+                              <p:cond delay="0"/>
+                            </p:stCondLst>
+                            <p:childTnLst>
+                              <p:par>
+                                <p:cTn id="21" presetID="34" presetClass="entr" presetSubtype="0" fill="hold" nodeType="clickEffect">
+                                  <p:stCondLst>
+                                    <p:cond delay="0"/>
+                                  </p:stCondLst>
+                                  <p:childTnLst>
+                                    <p:set>
+                                      <p:cBhvr>
+                                        <p:cTn id="22" dur="1" fill="hold">
+                                          <p:stCondLst>
+                                            <p:cond delay="0"/>
+                                          </p:stCondLst>
+                                        </p:cTn>
+                                        <p:tgtEl>
+                                          <p:spTgt spid="3">
+                                            <p:txEl>
+                                              <p:pRg st="5" end="5"/>
+                                            </p:txEl>
+                                          </p:spTgt>
+                                        </p:tgtEl>
+                                        <p:attrNameLst>
+                                          <p:attrName>style.visibility</p:attrName>
+                                        </p:attrNameLst>
+                                      </p:cBhvr>
+                                      <p:to>
+                                        <p:strVal val="visible"/>
+                                      </p:to>
+                                    </p:set>
+                                    <p:anim from="(-#ppt_w/2)" to="(#ppt_x)" calcmode="lin" valueType="num">
+                                      <p:cBhvr>
+                                        <p:cTn id="23" dur="600" fill="hold">
+                                          <p:stCondLst>
+                                            <p:cond delay="0"/>
+                                          </p:stCondLst>
+                                        </p:cTn>
+                                        <p:tgtEl>
+                                          <p:spTgt spid="3">
+                                            <p:txEl>
+                                              <p:pRg st="5" end="5"/>
+                                            </p:txEl>
+                                          </p:spTgt>
+                                        </p:tgtEl>
+                                        <p:attrNameLst>
+                                          <p:attrName>ppt_x</p:attrName>
+                                        </p:attrNameLst>
+                                      </p:cBhvr>
+                                    </p:anim>
+                                    <p:anim from="0" to="-1.0" calcmode="lin" valueType="num">
+                                      <p:cBhvr>
+                                        <p:cTn id="24" dur="200" decel="50000" autoRev="1" fill="hold">
+                                          <p:stCondLst>
+                                            <p:cond delay="600"/>
+                                          </p:stCondLst>
+                                        </p:cTn>
+                                        <p:tgtEl>
+                                          <p:spTgt spid="3">
+                                            <p:txEl>
+                                              <p:pRg st="5" end="5"/>
+                                            </p:txEl>
+                                          </p:spTgt>
+                                        </p:tgtEl>
+                                        <p:attrNameLst>
+                                          <p:attrName>xshear</p:attrName>
+                                        </p:attrNameLst>
+                                      </p:cBhvr>
+                                    </p:anim>
+                                    <p:animScale>
+                                      <p:cBhvr>
+                                        <p:cTn id="25" dur="200" decel="100000" autoRev="1" fill="hold">
+                                          <p:stCondLst>
+                                            <p:cond delay="600"/>
+                                          </p:stCondLst>
+                                        </p:cTn>
+                                        <p:tgtEl>
+                                          <p:spTgt spid="3">
+                                            <p:txEl>
+                                              <p:pRg st="5" end="5"/>
+                                            </p:txEl>
+                                          </p:spTgt>
+                                        </p:tgtEl>
+                                      </p:cBhvr>
+                                      <p:from x="100000" y="100000"/>
+                                      <p:to x="80000" y="100000"/>
+                                    </p:animScale>
+                                    <p:anim by="(#ppt_h/3+#ppt_w*0.1)" calcmode="lin" valueType="num">
+                                      <p:cBhvr additive="sum">
+                                        <p:cTn id="26" dur="200" decel="100000" autoRev="1" fill="hold">
+                                          <p:stCondLst>
+                                            <p:cond delay="600"/>
+                                          </p:stCondLst>
+                                        </p:cTn>
+                                        <p:tgtEl>
+                                          <p:spTgt spid="3">
+                                            <p:txEl>
+                                              <p:pRg st="5" end="5"/>
+                                            </p:txEl>
+                                          </p:spTgt>
+                                        </p:tgtEl>
+                                        <p:attrNameLst>
+                                          <p:attrName>ppt_x</p:attrName>
+                                        </p:attrNameLst>
+                                      </p:cBhvr>
+                                    </p:anim>
+                                  </p:childTnLst>
+                                </p:cTn>
+                              </p:par>
+                            </p:childTnLst>
+                          </p:cTn>
+                        </p:par>
+                      </p:childTnLst>
+                    </p:cTn>
+                  </p:par>
+                </p:childTnLst>
+              </p:cTn>
+              <p:prevCondLst>
+                <p:cond evt="onPrev" delay="0">
+                  <p:tgtEl>
+                    <p:sldTgt/>
+                  </p:tgtEl>
+                </p:cond>
+              </p:prevCondLst>
+              <p:nextCondLst>
+                <p:cond evt="onNext" delay="0">
+                  <p:tgtEl>
+                    <p:sldTgt/>
+                  </p:tgtEl>
+                </p:cond>
+              </p:nextCondLst>
+            </p:seq>
+          </p:childTnLst>
+        </p:cTn>
       </p:par>
     </p:tnLst>
   </p:timing>

--- a/document/ECサイト.pptx
+++ b/document/ECサイト.pptx
@@ -4995,9 +4995,14 @@
             <p:ph sz="quarter" idx="1"/>
           </p:nvPr>
         </p:nvSpPr>
-        <p:spPr/>
-        <p:txBody>
-          <a:bodyPr tIns="432000">
+        <p:spPr>
+          <a:xfrm>
+            <a:off x="612648" y="1600200"/>
+            <a:ext cx="8153400" cy="5069160"/>
+          </a:xfrm>
+        </p:spPr>
+        <p:txBody>
+          <a:bodyPr tIns="360000">
             <a:normAutofit/>
           </a:bodyPr>
           <a:lstStyle/>
@@ -5009,38 +5014,15 @@
             </a:pPr>
             <a:r>
               <a:rPr lang="ja-JP" altLang="en-US" sz="3200" dirty="0" smtClean="0"/>
-              <a:t>ショッピングカート内での商品追加</a:t>
-            </a:r>
-            <a:r>
-              <a:rPr lang="en-US" altLang="ja-JP" sz="3200" dirty="0" smtClean="0"/>
-              <a:t>(</a:t>
+              <a:t>カート内</a:t>
             </a:r>
             <a:r>
               <a:rPr lang="ja-JP" altLang="en-US" sz="3200" dirty="0" smtClean="0"/>
-              <a:t>１個ずつ</a:t>
-            </a:r>
-            <a:r>
-              <a:rPr lang="en-US" altLang="ja-JP" sz="3200" dirty="0" smtClean="0"/>
-              <a:t>)</a:t>
-            </a:r>
-          </a:p>
-          <a:p>
-            <a:pPr>
-              <a:spcBef>
-                <a:spcPts val="1200"/>
-              </a:spcBef>
-            </a:pPr>
-            <a:endParaRPr lang="en-US" altLang="ja-JP" sz="3200" dirty="0" smtClean="0"/>
-          </a:p>
-          <a:p>
-            <a:pPr>
-              <a:spcBef>
-                <a:spcPts val="1200"/>
-              </a:spcBef>
-            </a:pPr>
+              <a:t>での商品</a:t>
+            </a:r>
             <a:r>
               <a:rPr lang="ja-JP" altLang="en-US" sz="3200" dirty="0" smtClean="0"/>
-              <a:t>ダブルサブミット対策の強化</a:t>
+              <a:t>追加</a:t>
             </a:r>
             <a:endParaRPr lang="en-US" altLang="ja-JP" sz="3200" dirty="0" smtClean="0"/>
           </a:p>
@@ -5051,7 +5033,19 @@
               </a:spcBef>
               <a:buNone/>
             </a:pPr>
-            <a:endParaRPr kumimoji="1" lang="en-US" altLang="ja-JP" sz="3200" dirty="0" smtClean="0"/>
+            <a:r>
+              <a:rPr lang="ja-JP" altLang="en-US" sz="3200" dirty="0" smtClean="0"/>
+              <a:t>　</a:t>
+            </a:r>
+            <a:r>
+              <a:rPr lang="ja-JP" altLang="en-US" sz="3200" dirty="0" smtClean="0"/>
+              <a:t>　</a:t>
+            </a:r>
+            <a:r>
+              <a:rPr lang="ja-JP" altLang="en-US" sz="2800" dirty="0" smtClean="0"/>
+              <a:t>カート画面から１個ずつ追加が可能</a:t>
+            </a:r>
+            <a:endParaRPr lang="en-US" altLang="ja-JP" sz="2800" dirty="0" smtClean="0"/>
           </a:p>
           <a:p>
             <a:pPr>
@@ -5060,22 +5054,68 @@
               </a:spcBef>
             </a:pPr>
             <a:r>
+              <a:rPr lang="ja-JP" altLang="en-US" sz="3200" dirty="0" smtClean="0"/>
+              <a:t>ダブルサブミット対策の強化</a:t>
+            </a:r>
+            <a:endParaRPr lang="en-US" altLang="ja-JP" sz="3200" dirty="0" smtClean="0"/>
+          </a:p>
+          <a:p>
+            <a:pPr>
+              <a:spcBef>
+                <a:spcPts val="1200"/>
+              </a:spcBef>
+              <a:buNone/>
+            </a:pPr>
+            <a:r>
+              <a:rPr kumimoji="1" lang="ja-JP" altLang="en-US" sz="3200" dirty="0" smtClean="0"/>
+              <a:t>　　</a:t>
+            </a:r>
+            <a:r>
+              <a:rPr kumimoji="1" lang="en-US" altLang="ja-JP" sz="2800" b="1" dirty="0" err="1" smtClean="0"/>
+              <a:t>javascript</a:t>
+            </a:r>
+            <a:r>
+              <a:rPr kumimoji="1" lang="ja-JP" altLang="en-US" sz="2800" dirty="0" smtClean="0"/>
+              <a:t>による対策を追加</a:t>
+            </a:r>
+            <a:endParaRPr kumimoji="1" lang="en-US" altLang="ja-JP" sz="2800" dirty="0" smtClean="0"/>
+          </a:p>
+          <a:p>
+            <a:pPr>
+              <a:spcBef>
+                <a:spcPts val="1200"/>
+              </a:spcBef>
+            </a:pPr>
+            <a:r>
               <a:rPr lang="en-US" altLang="ja-JP" sz="3200" b="1" dirty="0" smtClean="0"/>
               <a:t>URL</a:t>
             </a:r>
             <a:r>
               <a:rPr lang="ja-JP" altLang="en-US" sz="3200" dirty="0" smtClean="0"/>
-              <a:t>に直接、でたらめな数字が入力</a:t>
+              <a:t>に直接、でたらめな数字が入力された場合のエラー</a:t>
             </a:r>
             <a:r>
               <a:rPr lang="ja-JP" altLang="en-US" sz="3200" dirty="0" smtClean="0"/>
-              <a:t>された場合</a:t>
-            </a:r>
+              <a:t>処理</a:t>
+            </a:r>
+            <a:endParaRPr lang="en-US" altLang="ja-JP" sz="3200" dirty="0" smtClean="0"/>
+          </a:p>
+          <a:p>
+            <a:pPr>
+              <a:spcBef>
+                <a:spcPts val="1200"/>
+              </a:spcBef>
+              <a:buNone/>
+            </a:pPr>
             <a:r>
               <a:rPr lang="ja-JP" altLang="en-US" sz="3200" dirty="0" smtClean="0"/>
-              <a:t>のエラー処理</a:t>
-            </a:r>
-            <a:endParaRPr lang="en-US" altLang="ja-JP" sz="3200" dirty="0" smtClean="0"/>
+              <a:t>　　</a:t>
+            </a:r>
+            <a:r>
+              <a:rPr lang="ja-JP" altLang="en-US" sz="2800" dirty="0" smtClean="0"/>
+              <a:t>専用エラーページへ遷移</a:t>
+            </a:r>
+            <a:endParaRPr lang="en-US" altLang="ja-JP" sz="2800" dirty="0" smtClean="0"/>
           </a:p>
           <a:p>
             <a:pPr>
@@ -5345,7 +5385,7 @@
                                         <p:tgtEl>
                                           <p:spTgt spid="3">
                                             <p:txEl>
-                                              <p:pRg st="2" end="2"/>
+                                              <p:pRg st="1" end="1"/>
                                             </p:txEl>
                                           </p:spTgt>
                                         </p:tgtEl>
@@ -5363,7 +5403,7 @@
                                         <p:tgtEl>
                                           <p:spTgt spid="3">
                                             <p:txEl>
-                                              <p:pRg st="2" end="2"/>
+                                              <p:pRg st="1" end="1"/>
                                             </p:txEl>
                                           </p:spTgt>
                                         </p:tgtEl>
@@ -5395,7 +5435,7 @@
                                         <p:tgtEl>
                                           <p:spTgt spid="3">
                                             <p:txEl>
-                                              <p:pRg st="2" end="2"/>
+                                              <p:pRg st="1" end="1"/>
                                             </p:txEl>
                                           </p:spTgt>
                                         </p:tgtEl>
@@ -5422,7 +5462,7 @@
                                         <p:tgtEl>
                                           <p:spTgt spid="3">
                                             <p:txEl>
-                                              <p:pRg st="2" end="2"/>
+                                              <p:pRg st="1" end="1"/>
                                             </p:txEl>
                                           </p:spTgt>
                                         </p:tgtEl>
@@ -5454,7 +5494,7 @@
                                         <p:tgtEl>
                                           <p:spTgt spid="3">
                                             <p:txEl>
-                                              <p:pRg st="2" end="2"/>
+                                              <p:pRg st="1" end="1"/>
                                             </p:txEl>
                                           </p:spTgt>
                                         </p:tgtEl>
@@ -5486,7 +5526,7 @@
                                         <p:tgtEl>
                                           <p:spTgt spid="3">
                                             <p:txEl>
-                                              <p:pRg st="2" end="2"/>
+                                              <p:pRg st="1" end="1"/>
                                             </p:txEl>
                                           </p:spTgt>
                                         </p:tgtEl>
@@ -5532,6 +5572,380 @@
                                         <p:tgtEl>
                                           <p:spTgt spid="3">
                                             <p:txEl>
+                                              <p:pRg st="2" end="2"/>
+                                            </p:txEl>
+                                          </p:spTgt>
+                                        </p:tgtEl>
+                                        <p:attrNameLst>
+                                          <p:attrName>style.visibility</p:attrName>
+                                        </p:attrNameLst>
+                                      </p:cBhvr>
+                                      <p:to>
+                                        <p:strVal val="visible"/>
+                                      </p:to>
+                                    </p:set>
+                                    <p:anim calcmode="lin" valueType="num">
+                                      <p:cBhvr>
+                                        <p:cTn id="25" dur="500" fill="hold"/>
+                                        <p:tgtEl>
+                                          <p:spTgt spid="3">
+                                            <p:txEl>
+                                              <p:pRg st="2" end="2"/>
+                                            </p:txEl>
+                                          </p:spTgt>
+                                        </p:tgtEl>
+                                        <p:attrNameLst>
+                                          <p:attrName>ppt_x</p:attrName>
+                                        </p:attrNameLst>
+                                      </p:cBhvr>
+                                      <p:tavLst>
+                                        <p:tav tm="0">
+                                          <p:val>
+                                            <p:strVal val="#ppt_x"/>
+                                          </p:val>
+                                        </p:tav>
+                                        <p:tav tm="50000">
+                                          <p:val>
+                                            <p:strVal val="#ppt_x+.1"/>
+                                          </p:val>
+                                        </p:tav>
+                                        <p:tav tm="100000">
+                                          <p:val>
+                                            <p:strVal val="#ppt_x"/>
+                                          </p:val>
+                                        </p:tav>
+                                      </p:tavLst>
+                                    </p:anim>
+                                    <p:anim calcmode="lin" valueType="num">
+                                      <p:cBhvr>
+                                        <p:cTn id="26" dur="500" fill="hold"/>
+                                        <p:tgtEl>
+                                          <p:spTgt spid="3">
+                                            <p:txEl>
+                                              <p:pRg st="2" end="2"/>
+                                            </p:txEl>
+                                          </p:spTgt>
+                                        </p:tgtEl>
+                                        <p:attrNameLst>
+                                          <p:attrName>ppt_y</p:attrName>
+                                        </p:attrNameLst>
+                                      </p:cBhvr>
+                                      <p:tavLst>
+                                        <p:tav tm="0">
+                                          <p:val>
+                                            <p:strVal val="#ppt_y"/>
+                                          </p:val>
+                                        </p:tav>
+                                        <p:tav tm="100000">
+                                          <p:val>
+                                            <p:strVal val="#ppt_y"/>
+                                          </p:val>
+                                        </p:tav>
+                                      </p:tavLst>
+                                    </p:anim>
+                                    <p:anim calcmode="lin" valueType="num">
+                                      <p:cBhvr>
+                                        <p:cTn id="27" dur="500" fill="hold"/>
+                                        <p:tgtEl>
+                                          <p:spTgt spid="3">
+                                            <p:txEl>
+                                              <p:pRg st="2" end="2"/>
+                                            </p:txEl>
+                                          </p:spTgt>
+                                        </p:tgtEl>
+                                        <p:attrNameLst>
+                                          <p:attrName>ppt_h</p:attrName>
+                                        </p:attrNameLst>
+                                      </p:cBhvr>
+                                      <p:tavLst>
+                                        <p:tav tm="0">
+                                          <p:val>
+                                            <p:strVal val="#ppt_h/10"/>
+                                          </p:val>
+                                        </p:tav>
+                                        <p:tav tm="50000">
+                                          <p:val>
+                                            <p:strVal val="#ppt_h+.01"/>
+                                          </p:val>
+                                        </p:tav>
+                                        <p:tav tm="100000">
+                                          <p:val>
+                                            <p:strVal val="#ppt_h"/>
+                                          </p:val>
+                                        </p:tav>
+                                      </p:tavLst>
+                                    </p:anim>
+                                    <p:anim calcmode="lin" valueType="num">
+                                      <p:cBhvr>
+                                        <p:cTn id="28" dur="500" fill="hold"/>
+                                        <p:tgtEl>
+                                          <p:spTgt spid="3">
+                                            <p:txEl>
+                                              <p:pRg st="2" end="2"/>
+                                            </p:txEl>
+                                          </p:spTgt>
+                                        </p:tgtEl>
+                                        <p:attrNameLst>
+                                          <p:attrName>ppt_w</p:attrName>
+                                        </p:attrNameLst>
+                                      </p:cBhvr>
+                                      <p:tavLst>
+                                        <p:tav tm="0">
+                                          <p:val>
+                                            <p:strVal val="#ppt_w/10"/>
+                                          </p:val>
+                                        </p:tav>
+                                        <p:tav tm="50000">
+                                          <p:val>
+                                            <p:strVal val="#ppt_w+.01"/>
+                                          </p:val>
+                                        </p:tav>
+                                        <p:tav tm="100000">
+                                          <p:val>
+                                            <p:strVal val="#ppt_w"/>
+                                          </p:val>
+                                        </p:tav>
+                                      </p:tavLst>
+                                    </p:anim>
+                                    <p:animEffect transition="in" filter="fade">
+                                      <p:cBhvr>
+                                        <p:cTn id="29" dur="500" tmFilter="0,0; .5, 1; 1, 1"/>
+                                        <p:tgtEl>
+                                          <p:spTgt spid="3">
+                                            <p:txEl>
+                                              <p:pRg st="2" end="2"/>
+                                            </p:txEl>
+                                          </p:spTgt>
+                                        </p:tgtEl>
+                                      </p:cBhvr>
+                                    </p:animEffect>
+                                  </p:childTnLst>
+                                </p:cTn>
+                              </p:par>
+                            </p:childTnLst>
+                          </p:cTn>
+                        </p:par>
+                      </p:childTnLst>
+                    </p:cTn>
+                  </p:par>
+                  <p:par>
+                    <p:cTn id="30" fill="hold">
+                      <p:stCondLst>
+                        <p:cond delay="indefinite"/>
+                      </p:stCondLst>
+                      <p:childTnLst>
+                        <p:par>
+                          <p:cTn id="31" fill="hold">
+                            <p:stCondLst>
+                              <p:cond delay="0"/>
+                            </p:stCondLst>
+                            <p:childTnLst>
+                              <p:par>
+                                <p:cTn id="32" presetID="41" presetClass="entr" presetSubtype="0" fill="hold" nodeType="clickEffect">
+                                  <p:stCondLst>
+                                    <p:cond delay="0"/>
+                                  </p:stCondLst>
+                                  <p:iterate type="lt">
+                                    <p:tmPct val="10000"/>
+                                  </p:iterate>
+                                  <p:childTnLst>
+                                    <p:set>
+                                      <p:cBhvr>
+                                        <p:cTn id="33" dur="1" fill="hold">
+                                          <p:stCondLst>
+                                            <p:cond delay="0"/>
+                                          </p:stCondLst>
+                                        </p:cTn>
+                                        <p:tgtEl>
+                                          <p:spTgt spid="3">
+                                            <p:txEl>
+                                              <p:pRg st="3" end="3"/>
+                                            </p:txEl>
+                                          </p:spTgt>
+                                        </p:tgtEl>
+                                        <p:attrNameLst>
+                                          <p:attrName>style.visibility</p:attrName>
+                                        </p:attrNameLst>
+                                      </p:cBhvr>
+                                      <p:to>
+                                        <p:strVal val="visible"/>
+                                      </p:to>
+                                    </p:set>
+                                    <p:anim calcmode="lin" valueType="num">
+                                      <p:cBhvr>
+                                        <p:cTn id="34" dur="500" fill="hold"/>
+                                        <p:tgtEl>
+                                          <p:spTgt spid="3">
+                                            <p:txEl>
+                                              <p:pRg st="3" end="3"/>
+                                            </p:txEl>
+                                          </p:spTgt>
+                                        </p:tgtEl>
+                                        <p:attrNameLst>
+                                          <p:attrName>ppt_x</p:attrName>
+                                        </p:attrNameLst>
+                                      </p:cBhvr>
+                                      <p:tavLst>
+                                        <p:tav tm="0">
+                                          <p:val>
+                                            <p:strVal val="#ppt_x"/>
+                                          </p:val>
+                                        </p:tav>
+                                        <p:tav tm="50000">
+                                          <p:val>
+                                            <p:strVal val="#ppt_x+.1"/>
+                                          </p:val>
+                                        </p:tav>
+                                        <p:tav tm="100000">
+                                          <p:val>
+                                            <p:strVal val="#ppt_x"/>
+                                          </p:val>
+                                        </p:tav>
+                                      </p:tavLst>
+                                    </p:anim>
+                                    <p:anim calcmode="lin" valueType="num">
+                                      <p:cBhvr>
+                                        <p:cTn id="35" dur="500" fill="hold"/>
+                                        <p:tgtEl>
+                                          <p:spTgt spid="3">
+                                            <p:txEl>
+                                              <p:pRg st="3" end="3"/>
+                                            </p:txEl>
+                                          </p:spTgt>
+                                        </p:tgtEl>
+                                        <p:attrNameLst>
+                                          <p:attrName>ppt_y</p:attrName>
+                                        </p:attrNameLst>
+                                      </p:cBhvr>
+                                      <p:tavLst>
+                                        <p:tav tm="0">
+                                          <p:val>
+                                            <p:strVal val="#ppt_y"/>
+                                          </p:val>
+                                        </p:tav>
+                                        <p:tav tm="100000">
+                                          <p:val>
+                                            <p:strVal val="#ppt_y"/>
+                                          </p:val>
+                                        </p:tav>
+                                      </p:tavLst>
+                                    </p:anim>
+                                    <p:anim calcmode="lin" valueType="num">
+                                      <p:cBhvr>
+                                        <p:cTn id="36" dur="500" fill="hold"/>
+                                        <p:tgtEl>
+                                          <p:spTgt spid="3">
+                                            <p:txEl>
+                                              <p:pRg st="3" end="3"/>
+                                            </p:txEl>
+                                          </p:spTgt>
+                                        </p:tgtEl>
+                                        <p:attrNameLst>
+                                          <p:attrName>ppt_h</p:attrName>
+                                        </p:attrNameLst>
+                                      </p:cBhvr>
+                                      <p:tavLst>
+                                        <p:tav tm="0">
+                                          <p:val>
+                                            <p:strVal val="#ppt_h/10"/>
+                                          </p:val>
+                                        </p:tav>
+                                        <p:tav tm="50000">
+                                          <p:val>
+                                            <p:strVal val="#ppt_h+.01"/>
+                                          </p:val>
+                                        </p:tav>
+                                        <p:tav tm="100000">
+                                          <p:val>
+                                            <p:strVal val="#ppt_h"/>
+                                          </p:val>
+                                        </p:tav>
+                                      </p:tavLst>
+                                    </p:anim>
+                                    <p:anim calcmode="lin" valueType="num">
+                                      <p:cBhvr>
+                                        <p:cTn id="37" dur="500" fill="hold"/>
+                                        <p:tgtEl>
+                                          <p:spTgt spid="3">
+                                            <p:txEl>
+                                              <p:pRg st="3" end="3"/>
+                                            </p:txEl>
+                                          </p:spTgt>
+                                        </p:tgtEl>
+                                        <p:attrNameLst>
+                                          <p:attrName>ppt_w</p:attrName>
+                                        </p:attrNameLst>
+                                      </p:cBhvr>
+                                      <p:tavLst>
+                                        <p:tav tm="0">
+                                          <p:val>
+                                            <p:strVal val="#ppt_w/10"/>
+                                          </p:val>
+                                        </p:tav>
+                                        <p:tav tm="50000">
+                                          <p:val>
+                                            <p:strVal val="#ppt_w+.01"/>
+                                          </p:val>
+                                        </p:tav>
+                                        <p:tav tm="100000">
+                                          <p:val>
+                                            <p:strVal val="#ppt_w"/>
+                                          </p:val>
+                                        </p:tav>
+                                      </p:tavLst>
+                                    </p:anim>
+                                    <p:animEffect transition="in" filter="fade">
+                                      <p:cBhvr>
+                                        <p:cTn id="38" dur="500" tmFilter="0,0; .5, 1; 1, 1"/>
+                                        <p:tgtEl>
+                                          <p:spTgt spid="3">
+                                            <p:txEl>
+                                              <p:pRg st="3" end="3"/>
+                                            </p:txEl>
+                                          </p:spTgt>
+                                        </p:tgtEl>
+                                      </p:cBhvr>
+                                    </p:animEffect>
+                                  </p:childTnLst>
+                                </p:cTn>
+                              </p:par>
+                            </p:childTnLst>
+                          </p:cTn>
+                        </p:par>
+                      </p:childTnLst>
+                    </p:cTn>
+                  </p:par>
+                  <p:par>
+                    <p:cTn id="39" fill="hold">
+                      <p:stCondLst>
+                        <p:cond delay="indefinite"/>
+                      </p:stCondLst>
+                      <p:childTnLst>
+                        <p:par>
+                          <p:cTn id="40" fill="hold">
+                            <p:stCondLst>
+                              <p:cond delay="0"/>
+                            </p:stCondLst>
+                            <p:childTnLst>
+                              <p:par>
+                                <p:cTn id="41" presetID="41" presetClass="entr" presetSubtype="0" fill="hold" nodeType="clickEffect">
+                                  <p:stCondLst>
+                                    <p:cond delay="0"/>
+                                  </p:stCondLst>
+                                  <p:iterate type="lt">
+                                    <p:tmPct val="10000"/>
+                                  </p:iterate>
+                                  <p:childTnLst>
+                                    <p:set>
+                                      <p:cBhvr>
+                                        <p:cTn id="42" dur="1" fill="hold">
+                                          <p:stCondLst>
+                                            <p:cond delay="0"/>
+                                          </p:stCondLst>
+                                        </p:cTn>
+                                        <p:tgtEl>
+                                          <p:spTgt spid="3">
+                                            <p:txEl>
                                               <p:pRg st="4" end="4"/>
                                             </p:txEl>
                                           </p:spTgt>
@@ -5546,7 +5960,7 @@
                                     </p:set>
                                     <p:anim calcmode="lin" valueType="num">
                                       <p:cBhvr>
-                                        <p:cTn id="25" dur="500" fill="hold"/>
+                                        <p:cTn id="43" dur="500" fill="hold"/>
                                         <p:tgtEl>
                                           <p:spTgt spid="3">
                                             <p:txEl>
@@ -5578,7 +5992,7 @@
                                     </p:anim>
                                     <p:anim calcmode="lin" valueType="num">
                                       <p:cBhvr>
-                                        <p:cTn id="26" dur="500" fill="hold"/>
+                                        <p:cTn id="44" dur="500" fill="hold"/>
                                         <p:tgtEl>
                                           <p:spTgt spid="3">
                                             <p:txEl>
@@ -5605,7 +6019,7 @@
                                     </p:anim>
                                     <p:anim calcmode="lin" valueType="num">
                                       <p:cBhvr>
-                                        <p:cTn id="27" dur="500" fill="hold"/>
+                                        <p:cTn id="45" dur="500" fill="hold"/>
                                         <p:tgtEl>
                                           <p:spTgt spid="3">
                                             <p:txEl>
@@ -5637,7 +6051,7 @@
                                     </p:anim>
                                     <p:anim calcmode="lin" valueType="num">
                                       <p:cBhvr>
-                                        <p:cTn id="28" dur="500" fill="hold"/>
+                                        <p:cTn id="46" dur="500" fill="hold"/>
                                         <p:tgtEl>
                                           <p:spTgt spid="3">
                                             <p:txEl>
@@ -5669,11 +6083,198 @@
                                     </p:anim>
                                     <p:animEffect transition="in" filter="fade">
                                       <p:cBhvr>
-                                        <p:cTn id="29" dur="500" tmFilter="0,0; .5, 1; 1, 1"/>
+                                        <p:cTn id="47" dur="500" tmFilter="0,0; .5, 1; 1, 1"/>
                                         <p:tgtEl>
                                           <p:spTgt spid="3">
                                             <p:txEl>
                                               <p:pRg st="4" end="4"/>
+                                            </p:txEl>
+                                          </p:spTgt>
+                                        </p:tgtEl>
+                                      </p:cBhvr>
+                                    </p:animEffect>
+                                  </p:childTnLst>
+                                </p:cTn>
+                              </p:par>
+                            </p:childTnLst>
+                          </p:cTn>
+                        </p:par>
+                      </p:childTnLst>
+                    </p:cTn>
+                  </p:par>
+                  <p:par>
+                    <p:cTn id="48" fill="hold">
+                      <p:stCondLst>
+                        <p:cond delay="indefinite"/>
+                      </p:stCondLst>
+                      <p:childTnLst>
+                        <p:par>
+                          <p:cTn id="49" fill="hold">
+                            <p:stCondLst>
+                              <p:cond delay="0"/>
+                            </p:stCondLst>
+                            <p:childTnLst>
+                              <p:par>
+                                <p:cTn id="50" presetID="41" presetClass="entr" presetSubtype="0" fill="hold" nodeType="clickEffect">
+                                  <p:stCondLst>
+                                    <p:cond delay="0"/>
+                                  </p:stCondLst>
+                                  <p:iterate type="lt">
+                                    <p:tmPct val="10000"/>
+                                  </p:iterate>
+                                  <p:childTnLst>
+                                    <p:set>
+                                      <p:cBhvr>
+                                        <p:cTn id="51" dur="1" fill="hold">
+                                          <p:stCondLst>
+                                            <p:cond delay="0"/>
+                                          </p:stCondLst>
+                                        </p:cTn>
+                                        <p:tgtEl>
+                                          <p:spTgt spid="3">
+                                            <p:txEl>
+                                              <p:pRg st="5" end="5"/>
+                                            </p:txEl>
+                                          </p:spTgt>
+                                        </p:tgtEl>
+                                        <p:attrNameLst>
+                                          <p:attrName>style.visibility</p:attrName>
+                                        </p:attrNameLst>
+                                      </p:cBhvr>
+                                      <p:to>
+                                        <p:strVal val="visible"/>
+                                      </p:to>
+                                    </p:set>
+                                    <p:anim calcmode="lin" valueType="num">
+                                      <p:cBhvr>
+                                        <p:cTn id="52" dur="500" fill="hold"/>
+                                        <p:tgtEl>
+                                          <p:spTgt spid="3">
+                                            <p:txEl>
+                                              <p:pRg st="5" end="5"/>
+                                            </p:txEl>
+                                          </p:spTgt>
+                                        </p:tgtEl>
+                                        <p:attrNameLst>
+                                          <p:attrName>ppt_x</p:attrName>
+                                        </p:attrNameLst>
+                                      </p:cBhvr>
+                                      <p:tavLst>
+                                        <p:tav tm="0">
+                                          <p:val>
+                                            <p:strVal val="#ppt_x"/>
+                                          </p:val>
+                                        </p:tav>
+                                        <p:tav tm="50000">
+                                          <p:val>
+                                            <p:strVal val="#ppt_x+.1"/>
+                                          </p:val>
+                                        </p:tav>
+                                        <p:tav tm="100000">
+                                          <p:val>
+                                            <p:strVal val="#ppt_x"/>
+                                          </p:val>
+                                        </p:tav>
+                                      </p:tavLst>
+                                    </p:anim>
+                                    <p:anim calcmode="lin" valueType="num">
+                                      <p:cBhvr>
+                                        <p:cTn id="53" dur="500" fill="hold"/>
+                                        <p:tgtEl>
+                                          <p:spTgt spid="3">
+                                            <p:txEl>
+                                              <p:pRg st="5" end="5"/>
+                                            </p:txEl>
+                                          </p:spTgt>
+                                        </p:tgtEl>
+                                        <p:attrNameLst>
+                                          <p:attrName>ppt_y</p:attrName>
+                                        </p:attrNameLst>
+                                      </p:cBhvr>
+                                      <p:tavLst>
+                                        <p:tav tm="0">
+                                          <p:val>
+                                            <p:strVal val="#ppt_y"/>
+                                          </p:val>
+                                        </p:tav>
+                                        <p:tav tm="100000">
+                                          <p:val>
+                                            <p:strVal val="#ppt_y"/>
+                                          </p:val>
+                                        </p:tav>
+                                      </p:tavLst>
+                                    </p:anim>
+                                    <p:anim calcmode="lin" valueType="num">
+                                      <p:cBhvr>
+                                        <p:cTn id="54" dur="500" fill="hold"/>
+                                        <p:tgtEl>
+                                          <p:spTgt spid="3">
+                                            <p:txEl>
+                                              <p:pRg st="5" end="5"/>
+                                            </p:txEl>
+                                          </p:spTgt>
+                                        </p:tgtEl>
+                                        <p:attrNameLst>
+                                          <p:attrName>ppt_h</p:attrName>
+                                        </p:attrNameLst>
+                                      </p:cBhvr>
+                                      <p:tavLst>
+                                        <p:tav tm="0">
+                                          <p:val>
+                                            <p:strVal val="#ppt_h/10"/>
+                                          </p:val>
+                                        </p:tav>
+                                        <p:tav tm="50000">
+                                          <p:val>
+                                            <p:strVal val="#ppt_h+.01"/>
+                                          </p:val>
+                                        </p:tav>
+                                        <p:tav tm="100000">
+                                          <p:val>
+                                            <p:strVal val="#ppt_h"/>
+                                          </p:val>
+                                        </p:tav>
+                                      </p:tavLst>
+                                    </p:anim>
+                                    <p:anim calcmode="lin" valueType="num">
+                                      <p:cBhvr>
+                                        <p:cTn id="55" dur="500" fill="hold"/>
+                                        <p:tgtEl>
+                                          <p:spTgt spid="3">
+                                            <p:txEl>
+                                              <p:pRg st="5" end="5"/>
+                                            </p:txEl>
+                                          </p:spTgt>
+                                        </p:tgtEl>
+                                        <p:attrNameLst>
+                                          <p:attrName>ppt_w</p:attrName>
+                                        </p:attrNameLst>
+                                      </p:cBhvr>
+                                      <p:tavLst>
+                                        <p:tav tm="0">
+                                          <p:val>
+                                            <p:strVal val="#ppt_w/10"/>
+                                          </p:val>
+                                        </p:tav>
+                                        <p:tav tm="50000">
+                                          <p:val>
+                                            <p:strVal val="#ppt_w+.01"/>
+                                          </p:val>
+                                        </p:tav>
+                                        <p:tav tm="100000">
+                                          <p:val>
+                                            <p:strVal val="#ppt_w"/>
+                                          </p:val>
+                                        </p:tav>
+                                      </p:tavLst>
+                                    </p:anim>
+                                    <p:animEffect transition="in" filter="fade">
+                                      <p:cBhvr>
+                                        <p:cTn id="56" dur="500" tmFilter="0,0; .5, 1; 1, 1"/>
+                                        <p:tgtEl>
+                                          <p:spTgt spid="3">
+                                            <p:txEl>
+                                              <p:pRg st="5" end="5"/>
                                             </p:txEl>
                                           </p:spTgt>
                                         </p:tgtEl>
@@ -5765,24 +6366,53 @@
         </p:nvSpPr>
         <p:spPr/>
         <p:txBody>
-          <a:bodyPr>
+          <a:bodyPr lIns="54000" tIns="360000">
             <a:normAutofit/>
           </a:bodyPr>
           <a:lstStyle/>
           <a:p>
+            <a:pPr marL="468000">
+              <a:spcBef>
+                <a:spcPts val="1000"/>
+              </a:spcBef>
+            </a:pPr>
+            <a:r>
+              <a:rPr kumimoji="1" lang="ja-JP" altLang="en-US" sz="3200" dirty="0" smtClean="0"/>
+              <a:t>カート内</a:t>
+            </a:r>
+            <a:r>
+              <a:rPr kumimoji="1" lang="ja-JP" altLang="en-US" sz="3200" dirty="0" smtClean="0"/>
+              <a:t>にある商品一覧を表示</a:t>
+            </a:r>
             <a:endParaRPr kumimoji="1" lang="en-US" altLang="ja-JP" sz="3200" dirty="0" smtClean="0"/>
           </a:p>
           <a:p>
-            <a:r>
-              <a:rPr kumimoji="1" lang="ja-JP" altLang="en-US" sz="3200" dirty="0" smtClean="0"/>
-              <a:t>カート内にある商品一覧を表示</a:t>
-            </a:r>
-            <a:endParaRPr kumimoji="1" lang="en-US" altLang="ja-JP" sz="3200" dirty="0" smtClean="0"/>
-          </a:p>
-          <a:p>
-            <a:endParaRPr lang="en-US" altLang="ja-JP" sz="3200" dirty="0" smtClean="0"/>
-          </a:p>
-          <a:p>
+            <a:pPr marL="468000">
+              <a:spcBef>
+                <a:spcPts val="1000"/>
+              </a:spcBef>
+              <a:buNone/>
+            </a:pPr>
+            <a:r>
+              <a:rPr lang="ja-JP" altLang="en-US" sz="3200" dirty="0" smtClean="0"/>
+              <a:t>　</a:t>
+            </a:r>
+            <a:r>
+              <a:rPr lang="ja-JP" altLang="en-US" sz="3200" dirty="0" smtClean="0"/>
+              <a:t>　</a:t>
+            </a:r>
+            <a:r>
+              <a:rPr lang="ja-JP" altLang="en-US" sz="2800" dirty="0" smtClean="0"/>
+              <a:t>購入済み商品は表示しない</a:t>
+            </a:r>
+            <a:endParaRPr lang="en-US" altLang="ja-JP" sz="2800" dirty="0" smtClean="0"/>
+          </a:p>
+          <a:p>
+            <a:pPr marL="468000">
+              <a:spcBef>
+                <a:spcPts val="1000"/>
+              </a:spcBef>
+            </a:pPr>
             <a:r>
               <a:rPr kumimoji="1" lang="ja-JP" altLang="en-US" sz="3200" dirty="0" smtClean="0"/>
               <a:t>カートへの商品追加</a:t>
@@ -5790,14 +6420,58 @@
             <a:endParaRPr kumimoji="1" lang="en-US" altLang="ja-JP" sz="3200" dirty="0" smtClean="0"/>
           </a:p>
           <a:p>
-            <a:endParaRPr lang="en-US" altLang="ja-JP" sz="3200" dirty="0" smtClean="0"/>
-          </a:p>
-          <a:p>
+            <a:pPr marL="468000">
+              <a:spcBef>
+                <a:spcPts val="1000"/>
+              </a:spcBef>
+              <a:buNone/>
+            </a:pPr>
+            <a:r>
+              <a:rPr lang="ja-JP" altLang="en-US" sz="3200" dirty="0" smtClean="0"/>
+              <a:t>　　</a:t>
+            </a:r>
+            <a:r>
+              <a:rPr lang="ja-JP" altLang="en-US" sz="2800" dirty="0" smtClean="0"/>
+              <a:t>すでに注文情報が存在するか</a:t>
+            </a:r>
+            <a:endParaRPr lang="en-US" altLang="ja-JP" sz="2800" dirty="0" smtClean="0"/>
+          </a:p>
+          <a:p>
+            <a:pPr marL="468000">
+              <a:spcBef>
+                <a:spcPts val="1000"/>
+              </a:spcBef>
+            </a:pPr>
             <a:r>
               <a:rPr kumimoji="1" lang="ja-JP" altLang="en-US" sz="3200" dirty="0" smtClean="0"/>
-              <a:t>エラー改修</a:t>
-            </a:r>
-            <a:endParaRPr kumimoji="1" lang="ja-JP" altLang="en-US" sz="3200" dirty="0"/>
+              <a:t>エラー</a:t>
+            </a:r>
+            <a:r>
+              <a:rPr kumimoji="1" lang="ja-JP" altLang="en-US" sz="3200" dirty="0" smtClean="0"/>
+              <a:t>改修</a:t>
+            </a:r>
+            <a:endParaRPr kumimoji="1" lang="en-US" altLang="ja-JP" sz="3200" dirty="0" smtClean="0"/>
+          </a:p>
+          <a:p>
+            <a:pPr marL="468000">
+              <a:spcBef>
+                <a:spcPts val="1000"/>
+              </a:spcBef>
+              <a:buNone/>
+            </a:pPr>
+            <a:r>
+              <a:rPr lang="ja-JP" altLang="en-US" sz="3200" dirty="0" smtClean="0"/>
+              <a:t>　</a:t>
+            </a:r>
+            <a:r>
+              <a:rPr lang="ja-JP" altLang="en-US" sz="3200" dirty="0" smtClean="0"/>
+              <a:t>　</a:t>
+            </a:r>
+            <a:r>
+              <a:rPr lang="ja-JP" altLang="en-US" sz="2800" dirty="0" smtClean="0"/>
+              <a:t>様々なエラーへの対処</a:t>
+            </a:r>
+            <a:endParaRPr kumimoji="1" lang="ja-JP" altLang="en-US" sz="2800" dirty="0"/>
           </a:p>
         </p:txBody>
       </p:sp>
@@ -5868,7 +6542,7 @@
                                         <p:tgtEl>
                                           <p:spTgt spid="3">
                                             <p:txEl>
-                                              <p:pRg st="1" end="1"/>
+                                              <p:pRg st="0" end="0"/>
                                             </p:txEl>
                                           </p:spTgt>
                                         </p:tgtEl>
@@ -5890,7 +6564,7 @@
                                         <p:tgtEl>
                                           <p:spTgt spid="3">
                                             <p:txEl>
-                                              <p:pRg st="1" end="1"/>
+                                              <p:pRg st="0" end="0"/>
                                             </p:txEl>
                                           </p:spTgt>
                                         </p:tgtEl>
@@ -5909,7 +6583,7 @@
                                         <p:tgtEl>
                                           <p:spTgt spid="3">
                                             <p:txEl>
-                                              <p:pRg st="1" end="1"/>
+                                              <p:pRg st="0" end="0"/>
                                             </p:txEl>
                                           </p:spTgt>
                                         </p:tgtEl>
@@ -5928,7 +6602,7 @@
                                         <p:tgtEl>
                                           <p:spTgt spid="3">
                                             <p:txEl>
-                                              <p:pRg st="1" end="1"/>
+                                              <p:pRg st="0" end="0"/>
                                             </p:txEl>
                                           </p:spTgt>
                                         </p:tgtEl>
@@ -5946,7 +6620,7 @@
                                         <p:tgtEl>
                                           <p:spTgt spid="3">
                                             <p:txEl>
-                                              <p:pRg st="1" end="1"/>
+                                              <p:pRg st="0" end="0"/>
                                             </p:txEl>
                                           </p:spTgt>
                                         </p:tgtEl>
@@ -5992,7 +6666,7 @@
                                         <p:tgtEl>
                                           <p:spTgt spid="3">
                                             <p:txEl>
-                                              <p:pRg st="3" end="3"/>
+                                              <p:pRg st="1" end="1"/>
                                             </p:txEl>
                                           </p:spTgt>
                                         </p:tgtEl>
@@ -6014,7 +6688,7 @@
                                         <p:tgtEl>
                                           <p:spTgt spid="3">
                                             <p:txEl>
-                                              <p:pRg st="3" end="3"/>
+                                              <p:pRg st="1" end="1"/>
                                             </p:txEl>
                                           </p:spTgt>
                                         </p:tgtEl>
@@ -6033,7 +6707,7 @@
                                         <p:tgtEl>
                                           <p:spTgt spid="3">
                                             <p:txEl>
-                                              <p:pRg st="3" end="3"/>
+                                              <p:pRg st="1" end="1"/>
                                             </p:txEl>
                                           </p:spTgt>
                                         </p:tgtEl>
@@ -6052,7 +6726,7 @@
                                         <p:tgtEl>
                                           <p:spTgt spid="3">
                                             <p:txEl>
-                                              <p:pRg st="3" end="3"/>
+                                              <p:pRg st="1" end="1"/>
                                             </p:txEl>
                                           </p:spTgt>
                                         </p:tgtEl>
@@ -6070,7 +6744,7 @@
                                         <p:tgtEl>
                                           <p:spTgt spid="3">
                                             <p:txEl>
-                                              <p:pRg st="3" end="3"/>
+                                              <p:pRg st="1" end="1"/>
                                             </p:txEl>
                                           </p:spTgt>
                                         </p:tgtEl>
@@ -6116,7 +6790,7 @@
                                         <p:tgtEl>
                                           <p:spTgt spid="3">
                                             <p:txEl>
-                                              <p:pRg st="5" end="5"/>
+                                              <p:pRg st="2" end="2"/>
                                             </p:txEl>
                                           </p:spTgt>
                                         </p:tgtEl>
@@ -6138,7 +6812,7 @@
                                         <p:tgtEl>
                                           <p:spTgt spid="3">
                                             <p:txEl>
-                                              <p:pRg st="5" end="5"/>
+                                              <p:pRg st="2" end="2"/>
                                             </p:txEl>
                                           </p:spTgt>
                                         </p:tgtEl>
@@ -6157,7 +6831,7 @@
                                         <p:tgtEl>
                                           <p:spTgt spid="3">
                                             <p:txEl>
-                                              <p:pRg st="5" end="5"/>
+                                              <p:pRg st="2" end="2"/>
                                             </p:txEl>
                                           </p:spTgt>
                                         </p:tgtEl>
@@ -6176,6 +6850,378 @@
                                         <p:tgtEl>
                                           <p:spTgt spid="3">
                                             <p:txEl>
+                                              <p:pRg st="2" end="2"/>
+                                            </p:txEl>
+                                          </p:spTgt>
+                                        </p:tgtEl>
+                                      </p:cBhvr>
+                                      <p:from x="100000" y="100000"/>
+                                      <p:to x="80000" y="100000"/>
+                                    </p:animScale>
+                                    <p:anim by="(#ppt_h/3+#ppt_w*0.1)" calcmode="lin" valueType="num">
+                                      <p:cBhvr additive="sum">
+                                        <p:cTn id="26" dur="200" decel="100000" autoRev="1" fill="hold">
+                                          <p:stCondLst>
+                                            <p:cond delay="600"/>
+                                          </p:stCondLst>
+                                        </p:cTn>
+                                        <p:tgtEl>
+                                          <p:spTgt spid="3">
+                                            <p:txEl>
+                                              <p:pRg st="2" end="2"/>
+                                            </p:txEl>
+                                          </p:spTgt>
+                                        </p:tgtEl>
+                                        <p:attrNameLst>
+                                          <p:attrName>ppt_x</p:attrName>
+                                        </p:attrNameLst>
+                                      </p:cBhvr>
+                                    </p:anim>
+                                  </p:childTnLst>
+                                </p:cTn>
+                              </p:par>
+                            </p:childTnLst>
+                          </p:cTn>
+                        </p:par>
+                      </p:childTnLst>
+                    </p:cTn>
+                  </p:par>
+                  <p:par>
+                    <p:cTn id="27" fill="hold">
+                      <p:stCondLst>
+                        <p:cond delay="indefinite"/>
+                      </p:stCondLst>
+                      <p:childTnLst>
+                        <p:par>
+                          <p:cTn id="28" fill="hold">
+                            <p:stCondLst>
+                              <p:cond delay="0"/>
+                            </p:stCondLst>
+                            <p:childTnLst>
+                              <p:par>
+                                <p:cTn id="29" presetID="34" presetClass="entr" presetSubtype="0" fill="hold" nodeType="clickEffect">
+                                  <p:stCondLst>
+                                    <p:cond delay="0"/>
+                                  </p:stCondLst>
+                                  <p:childTnLst>
+                                    <p:set>
+                                      <p:cBhvr>
+                                        <p:cTn id="30" dur="1" fill="hold">
+                                          <p:stCondLst>
+                                            <p:cond delay="0"/>
+                                          </p:stCondLst>
+                                        </p:cTn>
+                                        <p:tgtEl>
+                                          <p:spTgt spid="3">
+                                            <p:txEl>
+                                              <p:pRg st="3" end="3"/>
+                                            </p:txEl>
+                                          </p:spTgt>
+                                        </p:tgtEl>
+                                        <p:attrNameLst>
+                                          <p:attrName>style.visibility</p:attrName>
+                                        </p:attrNameLst>
+                                      </p:cBhvr>
+                                      <p:to>
+                                        <p:strVal val="visible"/>
+                                      </p:to>
+                                    </p:set>
+                                    <p:anim from="(-#ppt_w/2)" to="(#ppt_x)" calcmode="lin" valueType="num">
+                                      <p:cBhvr>
+                                        <p:cTn id="31" dur="600" fill="hold">
+                                          <p:stCondLst>
+                                            <p:cond delay="0"/>
+                                          </p:stCondLst>
+                                        </p:cTn>
+                                        <p:tgtEl>
+                                          <p:spTgt spid="3">
+                                            <p:txEl>
+                                              <p:pRg st="3" end="3"/>
+                                            </p:txEl>
+                                          </p:spTgt>
+                                        </p:tgtEl>
+                                        <p:attrNameLst>
+                                          <p:attrName>ppt_x</p:attrName>
+                                        </p:attrNameLst>
+                                      </p:cBhvr>
+                                    </p:anim>
+                                    <p:anim from="0" to="-1.0" calcmode="lin" valueType="num">
+                                      <p:cBhvr>
+                                        <p:cTn id="32" dur="200" decel="50000" autoRev="1" fill="hold">
+                                          <p:stCondLst>
+                                            <p:cond delay="600"/>
+                                          </p:stCondLst>
+                                        </p:cTn>
+                                        <p:tgtEl>
+                                          <p:spTgt spid="3">
+                                            <p:txEl>
+                                              <p:pRg st="3" end="3"/>
+                                            </p:txEl>
+                                          </p:spTgt>
+                                        </p:tgtEl>
+                                        <p:attrNameLst>
+                                          <p:attrName>xshear</p:attrName>
+                                        </p:attrNameLst>
+                                      </p:cBhvr>
+                                    </p:anim>
+                                    <p:animScale>
+                                      <p:cBhvr>
+                                        <p:cTn id="33" dur="200" decel="100000" autoRev="1" fill="hold">
+                                          <p:stCondLst>
+                                            <p:cond delay="600"/>
+                                          </p:stCondLst>
+                                        </p:cTn>
+                                        <p:tgtEl>
+                                          <p:spTgt spid="3">
+                                            <p:txEl>
+                                              <p:pRg st="3" end="3"/>
+                                            </p:txEl>
+                                          </p:spTgt>
+                                        </p:tgtEl>
+                                      </p:cBhvr>
+                                      <p:from x="100000" y="100000"/>
+                                      <p:to x="80000" y="100000"/>
+                                    </p:animScale>
+                                    <p:anim by="(#ppt_h/3+#ppt_w*0.1)" calcmode="lin" valueType="num">
+                                      <p:cBhvr additive="sum">
+                                        <p:cTn id="34" dur="200" decel="100000" autoRev="1" fill="hold">
+                                          <p:stCondLst>
+                                            <p:cond delay="600"/>
+                                          </p:stCondLst>
+                                        </p:cTn>
+                                        <p:tgtEl>
+                                          <p:spTgt spid="3">
+                                            <p:txEl>
+                                              <p:pRg st="3" end="3"/>
+                                            </p:txEl>
+                                          </p:spTgt>
+                                        </p:tgtEl>
+                                        <p:attrNameLst>
+                                          <p:attrName>ppt_x</p:attrName>
+                                        </p:attrNameLst>
+                                      </p:cBhvr>
+                                    </p:anim>
+                                  </p:childTnLst>
+                                </p:cTn>
+                              </p:par>
+                            </p:childTnLst>
+                          </p:cTn>
+                        </p:par>
+                      </p:childTnLst>
+                    </p:cTn>
+                  </p:par>
+                  <p:par>
+                    <p:cTn id="35" fill="hold">
+                      <p:stCondLst>
+                        <p:cond delay="indefinite"/>
+                      </p:stCondLst>
+                      <p:childTnLst>
+                        <p:par>
+                          <p:cTn id="36" fill="hold">
+                            <p:stCondLst>
+                              <p:cond delay="0"/>
+                            </p:stCondLst>
+                            <p:childTnLst>
+                              <p:par>
+                                <p:cTn id="37" presetID="34" presetClass="entr" presetSubtype="0" fill="hold" nodeType="clickEffect">
+                                  <p:stCondLst>
+                                    <p:cond delay="0"/>
+                                  </p:stCondLst>
+                                  <p:childTnLst>
+                                    <p:set>
+                                      <p:cBhvr>
+                                        <p:cTn id="38" dur="1" fill="hold">
+                                          <p:stCondLst>
+                                            <p:cond delay="0"/>
+                                          </p:stCondLst>
+                                        </p:cTn>
+                                        <p:tgtEl>
+                                          <p:spTgt spid="3">
+                                            <p:txEl>
+                                              <p:pRg st="4" end="4"/>
+                                            </p:txEl>
+                                          </p:spTgt>
+                                        </p:tgtEl>
+                                        <p:attrNameLst>
+                                          <p:attrName>style.visibility</p:attrName>
+                                        </p:attrNameLst>
+                                      </p:cBhvr>
+                                      <p:to>
+                                        <p:strVal val="visible"/>
+                                      </p:to>
+                                    </p:set>
+                                    <p:anim from="(-#ppt_w/2)" to="(#ppt_x)" calcmode="lin" valueType="num">
+                                      <p:cBhvr>
+                                        <p:cTn id="39" dur="600" fill="hold">
+                                          <p:stCondLst>
+                                            <p:cond delay="0"/>
+                                          </p:stCondLst>
+                                        </p:cTn>
+                                        <p:tgtEl>
+                                          <p:spTgt spid="3">
+                                            <p:txEl>
+                                              <p:pRg st="4" end="4"/>
+                                            </p:txEl>
+                                          </p:spTgt>
+                                        </p:tgtEl>
+                                        <p:attrNameLst>
+                                          <p:attrName>ppt_x</p:attrName>
+                                        </p:attrNameLst>
+                                      </p:cBhvr>
+                                    </p:anim>
+                                    <p:anim from="0" to="-1.0" calcmode="lin" valueType="num">
+                                      <p:cBhvr>
+                                        <p:cTn id="40" dur="200" decel="50000" autoRev="1" fill="hold">
+                                          <p:stCondLst>
+                                            <p:cond delay="600"/>
+                                          </p:stCondLst>
+                                        </p:cTn>
+                                        <p:tgtEl>
+                                          <p:spTgt spid="3">
+                                            <p:txEl>
+                                              <p:pRg st="4" end="4"/>
+                                            </p:txEl>
+                                          </p:spTgt>
+                                        </p:tgtEl>
+                                        <p:attrNameLst>
+                                          <p:attrName>xshear</p:attrName>
+                                        </p:attrNameLst>
+                                      </p:cBhvr>
+                                    </p:anim>
+                                    <p:animScale>
+                                      <p:cBhvr>
+                                        <p:cTn id="41" dur="200" decel="100000" autoRev="1" fill="hold">
+                                          <p:stCondLst>
+                                            <p:cond delay="600"/>
+                                          </p:stCondLst>
+                                        </p:cTn>
+                                        <p:tgtEl>
+                                          <p:spTgt spid="3">
+                                            <p:txEl>
+                                              <p:pRg st="4" end="4"/>
+                                            </p:txEl>
+                                          </p:spTgt>
+                                        </p:tgtEl>
+                                      </p:cBhvr>
+                                      <p:from x="100000" y="100000"/>
+                                      <p:to x="80000" y="100000"/>
+                                    </p:animScale>
+                                    <p:anim by="(#ppt_h/3+#ppt_w*0.1)" calcmode="lin" valueType="num">
+                                      <p:cBhvr additive="sum">
+                                        <p:cTn id="42" dur="200" decel="100000" autoRev="1" fill="hold">
+                                          <p:stCondLst>
+                                            <p:cond delay="600"/>
+                                          </p:stCondLst>
+                                        </p:cTn>
+                                        <p:tgtEl>
+                                          <p:spTgt spid="3">
+                                            <p:txEl>
+                                              <p:pRg st="4" end="4"/>
+                                            </p:txEl>
+                                          </p:spTgt>
+                                        </p:tgtEl>
+                                        <p:attrNameLst>
+                                          <p:attrName>ppt_x</p:attrName>
+                                        </p:attrNameLst>
+                                      </p:cBhvr>
+                                    </p:anim>
+                                  </p:childTnLst>
+                                </p:cTn>
+                              </p:par>
+                            </p:childTnLst>
+                          </p:cTn>
+                        </p:par>
+                      </p:childTnLst>
+                    </p:cTn>
+                  </p:par>
+                  <p:par>
+                    <p:cTn id="43" fill="hold">
+                      <p:stCondLst>
+                        <p:cond delay="indefinite"/>
+                      </p:stCondLst>
+                      <p:childTnLst>
+                        <p:par>
+                          <p:cTn id="44" fill="hold">
+                            <p:stCondLst>
+                              <p:cond delay="0"/>
+                            </p:stCondLst>
+                            <p:childTnLst>
+                              <p:par>
+                                <p:cTn id="45" presetID="34" presetClass="entr" presetSubtype="0" fill="hold" nodeType="clickEffect">
+                                  <p:stCondLst>
+                                    <p:cond delay="0"/>
+                                  </p:stCondLst>
+                                  <p:childTnLst>
+                                    <p:set>
+                                      <p:cBhvr>
+                                        <p:cTn id="46" dur="1" fill="hold">
+                                          <p:stCondLst>
+                                            <p:cond delay="0"/>
+                                          </p:stCondLst>
+                                        </p:cTn>
+                                        <p:tgtEl>
+                                          <p:spTgt spid="3">
+                                            <p:txEl>
+                                              <p:pRg st="5" end="5"/>
+                                            </p:txEl>
+                                          </p:spTgt>
+                                        </p:tgtEl>
+                                        <p:attrNameLst>
+                                          <p:attrName>style.visibility</p:attrName>
+                                        </p:attrNameLst>
+                                      </p:cBhvr>
+                                      <p:to>
+                                        <p:strVal val="visible"/>
+                                      </p:to>
+                                    </p:set>
+                                    <p:anim from="(-#ppt_w/2)" to="(#ppt_x)" calcmode="lin" valueType="num">
+                                      <p:cBhvr>
+                                        <p:cTn id="47" dur="600" fill="hold">
+                                          <p:stCondLst>
+                                            <p:cond delay="0"/>
+                                          </p:stCondLst>
+                                        </p:cTn>
+                                        <p:tgtEl>
+                                          <p:spTgt spid="3">
+                                            <p:txEl>
+                                              <p:pRg st="5" end="5"/>
+                                            </p:txEl>
+                                          </p:spTgt>
+                                        </p:tgtEl>
+                                        <p:attrNameLst>
+                                          <p:attrName>ppt_x</p:attrName>
+                                        </p:attrNameLst>
+                                      </p:cBhvr>
+                                    </p:anim>
+                                    <p:anim from="0" to="-1.0" calcmode="lin" valueType="num">
+                                      <p:cBhvr>
+                                        <p:cTn id="48" dur="200" decel="50000" autoRev="1" fill="hold">
+                                          <p:stCondLst>
+                                            <p:cond delay="600"/>
+                                          </p:stCondLst>
+                                        </p:cTn>
+                                        <p:tgtEl>
+                                          <p:spTgt spid="3">
+                                            <p:txEl>
+                                              <p:pRg st="5" end="5"/>
+                                            </p:txEl>
+                                          </p:spTgt>
+                                        </p:tgtEl>
+                                        <p:attrNameLst>
+                                          <p:attrName>xshear</p:attrName>
+                                        </p:attrNameLst>
+                                      </p:cBhvr>
+                                    </p:anim>
+                                    <p:animScale>
+                                      <p:cBhvr>
+                                        <p:cTn id="49" dur="200" decel="100000" autoRev="1" fill="hold">
+                                          <p:stCondLst>
+                                            <p:cond delay="600"/>
+                                          </p:stCondLst>
+                                        </p:cTn>
+                                        <p:tgtEl>
+                                          <p:spTgt spid="3">
+                                            <p:txEl>
                                               <p:pRg st="5" end="5"/>
                                             </p:txEl>
                                           </p:spTgt>
@@ -6186,7 +7232,7 @@
                                     </p:animScale>
                                     <p:anim by="(#ppt_h/3+#ppt_w*0.1)" calcmode="lin" valueType="num">
                                       <p:cBhvr additive="sum">
-                                        <p:cTn id="26" dur="200" decel="100000" autoRev="1" fill="hold">
+                                        <p:cTn id="50" dur="200" decel="100000" autoRev="1" fill="hold">
                                           <p:stCondLst>
                                             <p:cond delay="600"/>
                                           </p:stCondLst>

--- a/document/ECサイト.pptx
+++ b/document/ECサイト.pptx
@@ -1,6 +1,6 @@
 
 <file path=ppt/presentation.xml><?xml version="1.0" encoding="utf-8"?>
-<p:presentation xmlns:a="http://schemas.openxmlformats.org/drawingml/2006/main" xmlns:r="http://schemas.openxmlformats.org/officeDocument/2006/relationships" xmlns:p="http://schemas.openxmlformats.org/presentationml/2006/main" saveSubsetFonts="1">
+<p:presentation xmlns:a="http://schemas.openxmlformats.org/drawingml/2006/main" xmlns:r="http://schemas.openxmlformats.org/officeDocument/2006/relationships" xmlns:p="http://schemas.openxmlformats.org/presentationml/2006/main" serverZoom="21053" saveSubsetFonts="1">
   <p:sldMasterIdLst>
     <p:sldMasterId id="2147483660" r:id="rId1"/>
   </p:sldMasterIdLst>
@@ -5202,10 +5202,245 @@
         </p:nvSpPr>
         <p:spPr/>
         <p:txBody>
-          <a:bodyPr/>
-          <a:lstStyle/>
-          <a:p>
-            <a:endParaRPr kumimoji="1" lang="ja-JP" altLang="en-US"/>
+          <a:bodyPr>
+            <a:normAutofit fontScale="85000" lnSpcReduction="20000"/>
+          </a:bodyPr>
+          <a:lstStyle/>
+          <a:p>
+            <a:r>
+              <a:rPr lang="ja-JP" altLang="en-US" dirty="0" smtClean="0"/>
+              <a:t>工夫した点</a:t>
+            </a:r>
+          </a:p>
+          <a:p>
+            <a:pPr>
+              <a:buFont typeface="Wingdings" pitchFamily="2" charset="2"/>
+              <a:buChar char="l"/>
+            </a:pPr>
+            <a:r>
+              <a:rPr lang="ja-JP" altLang="en-US" dirty="0" smtClean="0"/>
+              <a:t>管理者</a:t>
+            </a:r>
+            <a:r>
+              <a:rPr lang="ja-JP" altLang="en-US" dirty="0" smtClean="0"/>
+              <a:t>機能：「商品を登録</a:t>
+            </a:r>
+            <a:r>
+              <a:rPr lang="en-US" altLang="ja-JP" dirty="0" smtClean="0"/>
+              <a:t>/</a:t>
+            </a:r>
+            <a:r>
+              <a:rPr lang="ja-JP" altLang="en-US" dirty="0" smtClean="0"/>
+              <a:t>更新する</a:t>
+            </a:r>
+            <a:r>
+              <a:rPr lang="ja-JP" altLang="en-US" dirty="0" smtClean="0"/>
+              <a:t>」</a:t>
+            </a:r>
+            <a:endParaRPr lang="en-US" altLang="ja-JP" dirty="0" smtClean="0"/>
+          </a:p>
+          <a:p>
+            <a:pPr>
+              <a:buNone/>
+            </a:pPr>
+            <a:r>
+              <a:rPr lang="en-US" altLang="ja-JP" dirty="0" smtClean="0"/>
+              <a:t>	</a:t>
+            </a:r>
+            <a:r>
+              <a:rPr lang="ja-JP" altLang="en-US" dirty="0" smtClean="0"/>
+              <a:t>「</a:t>
+            </a:r>
+            <a:r>
+              <a:rPr lang="ja-JP" altLang="en-US" dirty="0" smtClean="0"/>
+              <a:t>公開日」</a:t>
+            </a:r>
+            <a:r>
+              <a:rPr lang="ja-JP" altLang="en-US" dirty="0" smtClean="0"/>
+              <a:t>のデータ挿入</a:t>
+            </a:r>
+            <a:r>
+              <a:rPr lang="ja-JP" altLang="en-US" dirty="0" smtClean="0"/>
+              <a:t>→</a:t>
+            </a:r>
+            <a:r>
+              <a:rPr lang="ja-JP" altLang="en-US" dirty="0" smtClean="0"/>
+              <a:t>カレンダーによる登録</a:t>
+            </a:r>
+            <a:endParaRPr lang="ja-JP" altLang="en-US" dirty="0" smtClean="0"/>
+          </a:p>
+          <a:p>
+            <a:pPr>
+              <a:buFont typeface="Wingdings" pitchFamily="2" charset="2"/>
+              <a:buChar char="l"/>
+            </a:pPr>
+            <a:r>
+              <a:rPr lang="ja-JP" altLang="en-US" dirty="0" smtClean="0"/>
+              <a:t>管理者</a:t>
+            </a:r>
+            <a:r>
+              <a:rPr lang="ja-JP" altLang="en-US" dirty="0" smtClean="0"/>
+              <a:t>機能：「商品を更新する</a:t>
+            </a:r>
+            <a:r>
+              <a:rPr lang="ja-JP" altLang="en-US" dirty="0" smtClean="0"/>
+              <a:t>」</a:t>
+            </a:r>
+            <a:endParaRPr lang="en-US" altLang="ja-JP" dirty="0" smtClean="0"/>
+          </a:p>
+          <a:p>
+            <a:pPr>
+              <a:buNone/>
+            </a:pPr>
+            <a:r>
+              <a:rPr lang="en-US" altLang="ja-JP" dirty="0" smtClean="0"/>
+              <a:t>	</a:t>
+            </a:r>
+            <a:r>
+              <a:rPr lang="ja-JP" altLang="en-US" dirty="0" smtClean="0"/>
+              <a:t>「イメージ画像」のデータ挿入</a:t>
+            </a:r>
+            <a:r>
+              <a:rPr lang="ja-JP" altLang="en-US" dirty="0" smtClean="0"/>
+              <a:t>→</a:t>
+            </a:r>
+            <a:r>
+              <a:rPr lang="ja-JP" altLang="en-US" dirty="0" smtClean="0"/>
+              <a:t>デフォルトの設定</a:t>
+            </a:r>
+            <a:endParaRPr lang="ja-JP" altLang="en-US" dirty="0" smtClean="0"/>
+          </a:p>
+          <a:p>
+            <a:r>
+              <a:rPr lang="ja-JP" altLang="en-US" dirty="0" smtClean="0"/>
+              <a:t>難しかった点</a:t>
+            </a:r>
+          </a:p>
+          <a:p>
+            <a:pPr>
+              <a:buFont typeface="Wingdings" pitchFamily="2" charset="2"/>
+              <a:buChar char="l"/>
+            </a:pPr>
+            <a:r>
+              <a:rPr lang="en-US" altLang="ja-JP" dirty="0" smtClean="0"/>
+              <a:t>(</a:t>
+            </a:r>
+            <a:r>
+              <a:rPr lang="en-US" altLang="ja-JP" dirty="0" err="1" smtClean="0"/>
+              <a:t>Java.util</a:t>
+            </a:r>
+            <a:r>
+              <a:rPr lang="en-US" altLang="ja-JP" dirty="0" smtClean="0"/>
+              <a:t>.)Date</a:t>
+            </a:r>
+            <a:r>
+              <a:rPr lang="ja-JP" altLang="en-US" dirty="0" smtClean="0"/>
+              <a:t>と</a:t>
+            </a:r>
+            <a:r>
+              <a:rPr lang="en-US" altLang="ja-JP" dirty="0" err="1" smtClean="0"/>
+              <a:t>TimeStamp</a:t>
+            </a:r>
+            <a:r>
+              <a:rPr lang="ja-JP" altLang="en-US" dirty="0" smtClean="0"/>
+              <a:t>型データの取り扱い</a:t>
+            </a:r>
+          </a:p>
+          <a:p>
+            <a:r>
+              <a:rPr lang="ja-JP" altLang="en-US" dirty="0" smtClean="0"/>
+              <a:t>今後の課題</a:t>
+            </a:r>
+          </a:p>
+          <a:p>
+            <a:pPr>
+              <a:buFont typeface="Wingdings" pitchFamily="2" charset="2"/>
+              <a:buChar char="l"/>
+            </a:pPr>
+            <a:r>
+              <a:rPr lang="ja-JP" altLang="en-US" dirty="0" smtClean="0"/>
+              <a:t>管理者</a:t>
+            </a:r>
+            <a:r>
+              <a:rPr lang="en-US" altLang="ja-JP" dirty="0" smtClean="0"/>
+              <a:t>/</a:t>
+            </a:r>
+            <a:r>
+              <a:rPr lang="ja-JP" altLang="en-US" dirty="0" smtClean="0"/>
+              <a:t>（利用者）</a:t>
+            </a:r>
+            <a:r>
+              <a:rPr lang="ja-JP" altLang="en-US" dirty="0" smtClean="0"/>
+              <a:t>機能：「</a:t>
+            </a:r>
+            <a:r>
+              <a:rPr lang="ja-JP" altLang="en-US" dirty="0" smtClean="0"/>
+              <a:t>新規登録</a:t>
+            </a:r>
+            <a:r>
+              <a:rPr lang="ja-JP" altLang="en-US" dirty="0" smtClean="0"/>
+              <a:t>」</a:t>
+            </a:r>
+            <a:endParaRPr lang="en-US" altLang="ja-JP" dirty="0" smtClean="0"/>
+          </a:p>
+          <a:p>
+            <a:pPr>
+              <a:buNone/>
+            </a:pPr>
+            <a:r>
+              <a:rPr lang="en-US" altLang="ja-JP" dirty="0" smtClean="0"/>
+              <a:t>	</a:t>
+            </a:r>
+            <a:r>
+              <a:rPr lang="ja-JP" altLang="en-US" dirty="0" smtClean="0"/>
+              <a:t>エラーチェック→適切</a:t>
+            </a:r>
+            <a:r>
+              <a:rPr lang="ja-JP" altLang="en-US" dirty="0" smtClean="0"/>
+              <a:t>なエラー文を表示</a:t>
+            </a:r>
+          </a:p>
+          <a:p>
+            <a:pPr>
+              <a:buNone/>
+            </a:pPr>
+            <a:r>
+              <a:rPr lang="en-US" altLang="ja-JP" dirty="0" smtClean="0"/>
+              <a:t>	</a:t>
+            </a:r>
+            <a:r>
+              <a:rPr lang="ja-JP" altLang="en-US" dirty="0" smtClean="0"/>
+              <a:t>（</a:t>
+            </a:r>
+            <a:r>
+              <a:rPr lang="en-US" altLang="ja-JP" dirty="0" smtClean="0"/>
+              <a:t>@</a:t>
+            </a:r>
+            <a:r>
+              <a:rPr lang="en-US" altLang="ja-JP" dirty="0" err="1" smtClean="0"/>
+              <a:t>NotBlank</a:t>
+            </a:r>
+            <a:r>
+              <a:rPr lang="en-US" altLang="ja-JP" dirty="0" smtClean="0"/>
+              <a:t>, @</a:t>
+            </a:r>
+            <a:r>
+              <a:rPr lang="en-US" altLang="ja-JP" dirty="0" smtClean="0"/>
+              <a:t>Size… </a:t>
+            </a:r>
+            <a:r>
+              <a:rPr lang="ja-JP" altLang="en-US" dirty="0" smtClean="0"/>
+              <a:t>適切な</a:t>
+            </a:r>
+            <a:r>
+              <a:rPr lang="en-US" altLang="ja-JP" dirty="0" smtClean="0"/>
+              <a:t>message</a:t>
+            </a:r>
+            <a:r>
+              <a:rPr lang="ja-JP" altLang="en-US" smtClean="0"/>
+              <a:t>を表示）</a:t>
+            </a:r>
+            <a:endParaRPr kumimoji="1" lang="ja-JP" altLang="en-US" dirty="0"/>
           </a:p>
         </p:txBody>
       </p:sp>

--- a/document/ECサイト.pptx
+++ b/document/ECサイト.pptx
@@ -13,10 +13,6 @@
     <p:sldId id="261" r:id="rId7"/>
     <p:sldId id="262" r:id="rId8"/>
     <p:sldId id="263" r:id="rId9"/>
-    <p:sldId id="264" r:id="rId10"/>
-    <p:sldId id="265" r:id="rId11"/>
-    <p:sldId id="266" r:id="rId12"/>
-    <p:sldId id="267" r:id="rId13"/>
   </p:sldIdLst>
   <p:sldSz cx="9144000" cy="6858000" type="screen4x3"/>
   <p:notesSz cx="6858000" cy="9144000"/>
@@ -4089,207 +4085,6 @@
 </p:sld>
 </file>
 
-<file path=ppt/slides/slide10.xml><?xml version="1.0" encoding="utf-8"?>
-<p:sld xmlns:a="http://schemas.openxmlformats.org/drawingml/2006/main" xmlns:r="http://schemas.openxmlformats.org/officeDocument/2006/relationships" xmlns:p="http://schemas.openxmlformats.org/presentationml/2006/main">
-  <p:cSld>
-    <p:spTree>
-      <p:nvGrpSpPr>
-        <p:cNvPr id="1" name=""/>
-        <p:cNvGrpSpPr/>
-        <p:nvPr/>
-      </p:nvGrpSpPr>
-      <p:grpSpPr>
-        <a:xfrm>
-          <a:off x="0" y="0"/>
-          <a:ext cx="0" cy="0"/>
-          <a:chOff x="0" y="0"/>
-          <a:chExt cx="0" cy="0"/>
-        </a:xfrm>
-      </p:grpSpPr>
-      <p:sp>
-        <p:nvSpPr>
-          <p:cNvPr id="2" name="タイトル 1"/>
-          <p:cNvSpPr>
-            <a:spLocks noGrp="1"/>
-          </p:cNvSpPr>
-          <p:nvPr>
-            <p:ph type="title"/>
-          </p:nvPr>
-        </p:nvSpPr>
-        <p:spPr/>
-        <p:txBody>
-          <a:bodyPr/>
-          <a:lstStyle/>
-          <a:p>
-            <a:r>
-              <a:rPr lang="ja-JP" altLang="en-US" dirty="0" smtClean="0"/>
-              <a:t>金子</a:t>
-            </a:r>
-            <a:endParaRPr kumimoji="1" lang="ja-JP" altLang="en-US" dirty="0"/>
-          </a:p>
-        </p:txBody>
-      </p:sp>
-      <p:sp>
-        <p:nvSpPr>
-          <p:cNvPr id="3" name="コンテンツ プレースホルダ 2"/>
-          <p:cNvSpPr>
-            <a:spLocks noGrp="1"/>
-          </p:cNvSpPr>
-          <p:nvPr>
-            <p:ph sz="quarter" idx="1"/>
-          </p:nvPr>
-        </p:nvSpPr>
-        <p:spPr/>
-        <p:txBody>
-          <a:bodyPr/>
-          <a:lstStyle/>
-          <a:p>
-            <a:endParaRPr kumimoji="1" lang="ja-JP" altLang="en-US"/>
-          </a:p>
-        </p:txBody>
-      </p:sp>
-    </p:spTree>
-  </p:cSld>
-  <p:clrMapOvr>
-    <a:masterClrMapping/>
-  </p:clrMapOvr>
-</p:sld>
-</file>
-
-<file path=ppt/slides/slide11.xml><?xml version="1.0" encoding="utf-8"?>
-<p:sld xmlns:a="http://schemas.openxmlformats.org/drawingml/2006/main" xmlns:r="http://schemas.openxmlformats.org/officeDocument/2006/relationships" xmlns:p="http://schemas.openxmlformats.org/presentationml/2006/main">
-  <p:cSld>
-    <p:spTree>
-      <p:nvGrpSpPr>
-        <p:cNvPr id="1" name=""/>
-        <p:cNvGrpSpPr/>
-        <p:nvPr/>
-      </p:nvGrpSpPr>
-      <p:grpSpPr>
-        <a:xfrm>
-          <a:off x="0" y="0"/>
-          <a:ext cx="0" cy="0"/>
-          <a:chOff x="0" y="0"/>
-          <a:chExt cx="0" cy="0"/>
-        </a:xfrm>
-      </p:grpSpPr>
-      <p:sp>
-        <p:nvSpPr>
-          <p:cNvPr id="2" name="タイトル 1"/>
-          <p:cNvSpPr>
-            <a:spLocks noGrp="1"/>
-          </p:cNvSpPr>
-          <p:nvPr>
-            <p:ph type="title"/>
-          </p:nvPr>
-        </p:nvSpPr>
-        <p:spPr/>
-        <p:txBody>
-          <a:bodyPr/>
-          <a:lstStyle/>
-          <a:p>
-            <a:r>
-              <a:rPr lang="ja-JP" altLang="en-US" dirty="0" smtClean="0"/>
-              <a:t>澤村</a:t>
-            </a:r>
-            <a:endParaRPr kumimoji="1" lang="ja-JP" altLang="en-US" dirty="0"/>
-          </a:p>
-        </p:txBody>
-      </p:sp>
-      <p:sp>
-        <p:nvSpPr>
-          <p:cNvPr id="3" name="コンテンツ プレースホルダ 2"/>
-          <p:cNvSpPr>
-            <a:spLocks noGrp="1"/>
-          </p:cNvSpPr>
-          <p:nvPr>
-            <p:ph sz="quarter" idx="1"/>
-          </p:nvPr>
-        </p:nvSpPr>
-        <p:spPr/>
-        <p:txBody>
-          <a:bodyPr/>
-          <a:lstStyle/>
-          <a:p>
-            <a:endParaRPr kumimoji="1" lang="ja-JP" altLang="en-US"/>
-          </a:p>
-        </p:txBody>
-      </p:sp>
-    </p:spTree>
-  </p:cSld>
-  <p:clrMapOvr>
-    <a:masterClrMapping/>
-  </p:clrMapOvr>
-</p:sld>
-</file>
-
-<file path=ppt/slides/slide12.xml><?xml version="1.0" encoding="utf-8"?>
-<p:sld xmlns:a="http://schemas.openxmlformats.org/drawingml/2006/main" xmlns:r="http://schemas.openxmlformats.org/officeDocument/2006/relationships" xmlns:p="http://schemas.openxmlformats.org/presentationml/2006/main">
-  <p:cSld>
-    <p:spTree>
-      <p:nvGrpSpPr>
-        <p:cNvPr id="1" name=""/>
-        <p:cNvGrpSpPr/>
-        <p:nvPr/>
-      </p:nvGrpSpPr>
-      <p:grpSpPr>
-        <a:xfrm>
-          <a:off x="0" y="0"/>
-          <a:ext cx="0" cy="0"/>
-          <a:chOff x="0" y="0"/>
-          <a:chExt cx="0" cy="0"/>
-        </a:xfrm>
-      </p:grpSpPr>
-      <p:sp>
-        <p:nvSpPr>
-          <p:cNvPr id="2" name="タイトル 1"/>
-          <p:cNvSpPr>
-            <a:spLocks noGrp="1"/>
-          </p:cNvSpPr>
-          <p:nvPr>
-            <p:ph type="title"/>
-          </p:nvPr>
-        </p:nvSpPr>
-        <p:spPr/>
-        <p:txBody>
-          <a:bodyPr/>
-          <a:lstStyle/>
-          <a:p>
-            <a:r>
-              <a:rPr lang="ja-JP" altLang="en-US" dirty="0" smtClean="0"/>
-              <a:t>藤本</a:t>
-            </a:r>
-            <a:endParaRPr kumimoji="1" lang="ja-JP" altLang="en-US" dirty="0"/>
-          </a:p>
-        </p:txBody>
-      </p:sp>
-      <p:sp>
-        <p:nvSpPr>
-          <p:cNvPr id="3" name="コンテンツ プレースホルダ 2"/>
-          <p:cNvSpPr>
-            <a:spLocks noGrp="1"/>
-          </p:cNvSpPr>
-          <p:nvPr>
-            <p:ph sz="quarter" idx="1"/>
-          </p:nvPr>
-        </p:nvSpPr>
-        <p:spPr/>
-        <p:txBody>
-          <a:bodyPr/>
-          <a:lstStyle/>
-          <a:p>
-            <a:endParaRPr kumimoji="1" lang="ja-JP" altLang="en-US"/>
-          </a:p>
-        </p:txBody>
-      </p:sp>
-    </p:spTree>
-  </p:cSld>
-  <p:clrMapOvr>
-    <a:masterClrMapping/>
-  </p:clrMapOvr>
-</p:sld>
-</file>
-
 <file path=ppt/slides/slide2.xml><?xml version="1.0" encoding="utf-8"?>
 <p:sld xmlns:a="http://schemas.openxmlformats.org/drawingml/2006/main" xmlns:r="http://schemas.openxmlformats.org/officeDocument/2006/relationships" xmlns:p="http://schemas.openxmlformats.org/presentationml/2006/main">
   <p:cSld>
@@ -5184,7 +4979,7 @@
           <a:p>
             <a:r>
               <a:rPr kumimoji="1" lang="ja-JP" altLang="en-US" dirty="0" smtClean="0"/>
-              <a:t>中野</a:t>
+              <a:t>工夫したこと（もんもん）</a:t>
             </a:r>
             <a:endParaRPr kumimoji="1" lang="ja-JP" altLang="en-US" dirty="0"/>
           </a:p>
@@ -5200,20 +4995,1322 @@
             <p:ph sz="quarter" idx="1"/>
           </p:nvPr>
         </p:nvSpPr>
-        <p:spPr/>
-        <p:txBody>
-          <a:bodyPr/>
+        <p:spPr>
+          <a:xfrm>
+            <a:off x="612648" y="1600200"/>
+            <a:ext cx="8153400" cy="5069160"/>
+          </a:xfrm>
+        </p:spPr>
+        <p:txBody>
+          <a:bodyPr tIns="360000">
+            <a:normAutofit/>
+          </a:bodyPr>
           <a:lstStyle/>
           <a:p>
-            <a:endParaRPr kumimoji="1" lang="ja-JP" altLang="en-US"/>
-          </a:p>
-        </p:txBody>
-      </p:sp>
+            <a:pPr>
+              <a:spcBef>
+                <a:spcPts val="1200"/>
+              </a:spcBef>
+            </a:pPr>
+            <a:r>
+              <a:rPr lang="ja-JP" altLang="en-US" sz="3200" dirty="0" smtClean="0"/>
+              <a:t>カート内</a:t>
+            </a:r>
+            <a:r>
+              <a:rPr lang="ja-JP" altLang="en-US" sz="3200" dirty="0" smtClean="0"/>
+              <a:t>での商品</a:t>
+            </a:r>
+            <a:r>
+              <a:rPr lang="ja-JP" altLang="en-US" sz="3200" dirty="0" smtClean="0"/>
+              <a:t>追加</a:t>
+            </a:r>
+            <a:endParaRPr lang="en-US" altLang="ja-JP" sz="3200" dirty="0" smtClean="0"/>
+          </a:p>
+          <a:p>
+            <a:pPr>
+              <a:spcBef>
+                <a:spcPts val="1200"/>
+              </a:spcBef>
+              <a:buNone/>
+            </a:pPr>
+            <a:r>
+              <a:rPr lang="ja-JP" altLang="en-US" sz="3200" dirty="0" smtClean="0"/>
+              <a:t>　</a:t>
+            </a:r>
+            <a:r>
+              <a:rPr lang="ja-JP" altLang="en-US" sz="3200" dirty="0" smtClean="0"/>
+              <a:t>　</a:t>
+            </a:r>
+            <a:r>
+              <a:rPr lang="ja-JP" altLang="en-US" sz="2800" dirty="0" smtClean="0"/>
+              <a:t>カート画面から１個ずつ追加が可能</a:t>
+            </a:r>
+            <a:endParaRPr lang="en-US" altLang="ja-JP" sz="2800" dirty="0" smtClean="0"/>
+          </a:p>
+          <a:p>
+            <a:pPr>
+              <a:spcBef>
+                <a:spcPts val="1200"/>
+              </a:spcBef>
+            </a:pPr>
+            <a:r>
+              <a:rPr lang="ja-JP" altLang="en-US" sz="3200" dirty="0" smtClean="0"/>
+              <a:t>ダブルサブミット対策の強化</a:t>
+            </a:r>
+            <a:endParaRPr lang="en-US" altLang="ja-JP" sz="3200" dirty="0" smtClean="0"/>
+          </a:p>
+          <a:p>
+            <a:pPr>
+              <a:spcBef>
+                <a:spcPts val="1200"/>
+              </a:spcBef>
+              <a:buNone/>
+            </a:pPr>
+            <a:r>
+              <a:rPr kumimoji="1" lang="ja-JP" altLang="en-US" sz="3200" dirty="0" smtClean="0"/>
+              <a:t>　　</a:t>
+            </a:r>
+            <a:r>
+              <a:rPr kumimoji="1" lang="en-US" altLang="ja-JP" sz="2800" b="1" dirty="0" err="1" smtClean="0"/>
+              <a:t>javascript</a:t>
+            </a:r>
+            <a:r>
+              <a:rPr kumimoji="1" lang="ja-JP" altLang="en-US" sz="2800" dirty="0" smtClean="0"/>
+              <a:t>による対策を追加</a:t>
+            </a:r>
+            <a:endParaRPr kumimoji="1" lang="en-US" altLang="ja-JP" sz="2800" dirty="0" smtClean="0"/>
+          </a:p>
+          <a:p>
+            <a:pPr>
+              <a:spcBef>
+                <a:spcPts val="1200"/>
+              </a:spcBef>
+            </a:pPr>
+            <a:r>
+              <a:rPr lang="en-US" altLang="ja-JP" sz="3200" b="1" dirty="0" smtClean="0"/>
+              <a:t>URL</a:t>
+            </a:r>
+            <a:r>
+              <a:rPr lang="ja-JP" altLang="en-US" sz="3200" dirty="0" smtClean="0"/>
+              <a:t>に直接、でたらめな数字が入力された場合のエラー</a:t>
+            </a:r>
+            <a:r>
+              <a:rPr lang="ja-JP" altLang="en-US" sz="3200" dirty="0" smtClean="0"/>
+              <a:t>処理</a:t>
+            </a:r>
+            <a:endParaRPr lang="en-US" altLang="ja-JP" sz="3200" dirty="0" smtClean="0"/>
+          </a:p>
+          <a:p>
+            <a:pPr>
+              <a:spcBef>
+                <a:spcPts val="1200"/>
+              </a:spcBef>
+              <a:buNone/>
+            </a:pPr>
+            <a:r>
+              <a:rPr lang="ja-JP" altLang="en-US" sz="3200" dirty="0" smtClean="0"/>
+              <a:t>　　</a:t>
+            </a:r>
+            <a:r>
+              <a:rPr lang="ja-JP" altLang="en-US" sz="2800" dirty="0" smtClean="0"/>
+              <a:t>専用エラーページへ遷移</a:t>
+            </a:r>
+            <a:endParaRPr lang="en-US" altLang="ja-JP" sz="2800" dirty="0" smtClean="0"/>
+          </a:p>
+          <a:p>
+            <a:pPr>
+              <a:spcBef>
+                <a:spcPts val="1200"/>
+              </a:spcBef>
+              <a:buNone/>
+            </a:pPr>
+            <a:endParaRPr kumimoji="1" lang="en-US" altLang="ja-JP" sz="3200" dirty="0" smtClean="0"/>
+          </a:p>
+        </p:txBody>
+      </p:sp>
+      <p:pic>
+        <p:nvPicPr>
+          <p:cNvPr id="4" name="Picture 2" descr="C:\env\springworkspace\ecommerce-springC\src\main\webapp\img\rogo.png"/>
+          <p:cNvPicPr>
+            <a:picLocks noChangeAspect="1" noChangeArrowheads="1"/>
+          </p:cNvPicPr>
+          <p:nvPr/>
+        </p:nvPicPr>
+        <p:blipFill>
+          <a:blip r:embed="rId2" cstate="print"/>
+          <a:srcRect/>
+          <a:stretch>
+            <a:fillRect/>
+          </a:stretch>
+        </p:blipFill>
+        <p:spPr bwMode="auto">
+          <a:xfrm>
+            <a:off x="8172400" y="6021288"/>
+            <a:ext cx="659285" cy="659285"/>
+          </a:xfrm>
+          <a:prstGeom prst="rect">
+            <a:avLst/>
+          </a:prstGeom>
+          <a:noFill/>
+        </p:spPr>
+      </p:pic>
     </p:spTree>
   </p:cSld>
   <p:clrMapOvr>
     <a:masterClrMapping/>
   </p:clrMapOvr>
+  <p:timing>
+    <p:tnLst>
+      <p:par>
+        <p:cTn id="1" dur="indefinite" restart="never" nodeType="tmRoot">
+          <p:childTnLst>
+            <p:seq concurrent="1" nextAc="seek">
+              <p:cTn id="2" dur="indefinite" nodeType="mainSeq">
+                <p:childTnLst>
+                  <p:par>
+                    <p:cTn id="3" fill="hold">
+                      <p:stCondLst>
+                        <p:cond delay="indefinite"/>
+                      </p:stCondLst>
+                      <p:childTnLst>
+                        <p:par>
+                          <p:cTn id="4" fill="hold">
+                            <p:stCondLst>
+                              <p:cond delay="0"/>
+                            </p:stCondLst>
+                            <p:childTnLst>
+                              <p:par>
+                                <p:cTn id="5" presetID="41" presetClass="entr" presetSubtype="0" fill="hold" nodeType="clickEffect">
+                                  <p:stCondLst>
+                                    <p:cond delay="0"/>
+                                  </p:stCondLst>
+                                  <p:iterate type="lt">
+                                    <p:tmPct val="10000"/>
+                                  </p:iterate>
+                                  <p:childTnLst>
+                                    <p:set>
+                                      <p:cBhvr>
+                                        <p:cTn id="6" dur="1" fill="hold">
+                                          <p:stCondLst>
+                                            <p:cond delay="0"/>
+                                          </p:stCondLst>
+                                        </p:cTn>
+                                        <p:tgtEl>
+                                          <p:spTgt spid="3">
+                                            <p:txEl>
+                                              <p:pRg st="0" end="0"/>
+                                            </p:txEl>
+                                          </p:spTgt>
+                                        </p:tgtEl>
+                                        <p:attrNameLst>
+                                          <p:attrName>style.visibility</p:attrName>
+                                        </p:attrNameLst>
+                                      </p:cBhvr>
+                                      <p:to>
+                                        <p:strVal val="visible"/>
+                                      </p:to>
+                                    </p:set>
+                                    <p:anim calcmode="lin" valueType="num">
+                                      <p:cBhvr>
+                                        <p:cTn id="7" dur="500" fill="hold"/>
+                                        <p:tgtEl>
+                                          <p:spTgt spid="3">
+                                            <p:txEl>
+                                              <p:pRg st="0" end="0"/>
+                                            </p:txEl>
+                                          </p:spTgt>
+                                        </p:tgtEl>
+                                        <p:attrNameLst>
+                                          <p:attrName>ppt_x</p:attrName>
+                                        </p:attrNameLst>
+                                      </p:cBhvr>
+                                      <p:tavLst>
+                                        <p:tav tm="0">
+                                          <p:val>
+                                            <p:strVal val="#ppt_x"/>
+                                          </p:val>
+                                        </p:tav>
+                                        <p:tav tm="50000">
+                                          <p:val>
+                                            <p:strVal val="#ppt_x+.1"/>
+                                          </p:val>
+                                        </p:tav>
+                                        <p:tav tm="100000">
+                                          <p:val>
+                                            <p:strVal val="#ppt_x"/>
+                                          </p:val>
+                                        </p:tav>
+                                      </p:tavLst>
+                                    </p:anim>
+                                    <p:anim calcmode="lin" valueType="num">
+                                      <p:cBhvr>
+                                        <p:cTn id="8" dur="500" fill="hold"/>
+                                        <p:tgtEl>
+                                          <p:spTgt spid="3">
+                                            <p:txEl>
+                                              <p:pRg st="0" end="0"/>
+                                            </p:txEl>
+                                          </p:spTgt>
+                                        </p:tgtEl>
+                                        <p:attrNameLst>
+                                          <p:attrName>ppt_y</p:attrName>
+                                        </p:attrNameLst>
+                                      </p:cBhvr>
+                                      <p:tavLst>
+                                        <p:tav tm="0">
+                                          <p:val>
+                                            <p:strVal val="#ppt_y"/>
+                                          </p:val>
+                                        </p:tav>
+                                        <p:tav tm="100000">
+                                          <p:val>
+                                            <p:strVal val="#ppt_y"/>
+                                          </p:val>
+                                        </p:tav>
+                                      </p:tavLst>
+                                    </p:anim>
+                                    <p:anim calcmode="lin" valueType="num">
+                                      <p:cBhvr>
+                                        <p:cTn id="9" dur="500" fill="hold"/>
+                                        <p:tgtEl>
+                                          <p:spTgt spid="3">
+                                            <p:txEl>
+                                              <p:pRg st="0" end="0"/>
+                                            </p:txEl>
+                                          </p:spTgt>
+                                        </p:tgtEl>
+                                        <p:attrNameLst>
+                                          <p:attrName>ppt_h</p:attrName>
+                                        </p:attrNameLst>
+                                      </p:cBhvr>
+                                      <p:tavLst>
+                                        <p:tav tm="0">
+                                          <p:val>
+                                            <p:strVal val="#ppt_h/10"/>
+                                          </p:val>
+                                        </p:tav>
+                                        <p:tav tm="50000">
+                                          <p:val>
+                                            <p:strVal val="#ppt_h+.01"/>
+                                          </p:val>
+                                        </p:tav>
+                                        <p:tav tm="100000">
+                                          <p:val>
+                                            <p:strVal val="#ppt_h"/>
+                                          </p:val>
+                                        </p:tav>
+                                      </p:tavLst>
+                                    </p:anim>
+                                    <p:anim calcmode="lin" valueType="num">
+                                      <p:cBhvr>
+                                        <p:cTn id="10" dur="500" fill="hold"/>
+                                        <p:tgtEl>
+                                          <p:spTgt spid="3">
+                                            <p:txEl>
+                                              <p:pRg st="0" end="0"/>
+                                            </p:txEl>
+                                          </p:spTgt>
+                                        </p:tgtEl>
+                                        <p:attrNameLst>
+                                          <p:attrName>ppt_w</p:attrName>
+                                        </p:attrNameLst>
+                                      </p:cBhvr>
+                                      <p:tavLst>
+                                        <p:tav tm="0">
+                                          <p:val>
+                                            <p:strVal val="#ppt_w/10"/>
+                                          </p:val>
+                                        </p:tav>
+                                        <p:tav tm="50000">
+                                          <p:val>
+                                            <p:strVal val="#ppt_w+.01"/>
+                                          </p:val>
+                                        </p:tav>
+                                        <p:tav tm="100000">
+                                          <p:val>
+                                            <p:strVal val="#ppt_w"/>
+                                          </p:val>
+                                        </p:tav>
+                                      </p:tavLst>
+                                    </p:anim>
+                                    <p:animEffect transition="in" filter="fade">
+                                      <p:cBhvr>
+                                        <p:cTn id="11" dur="500" tmFilter="0,0; .5, 1; 1, 1"/>
+                                        <p:tgtEl>
+                                          <p:spTgt spid="3">
+                                            <p:txEl>
+                                              <p:pRg st="0" end="0"/>
+                                            </p:txEl>
+                                          </p:spTgt>
+                                        </p:tgtEl>
+                                      </p:cBhvr>
+                                    </p:animEffect>
+                                  </p:childTnLst>
+                                </p:cTn>
+                              </p:par>
+                            </p:childTnLst>
+                          </p:cTn>
+                        </p:par>
+                      </p:childTnLst>
+                    </p:cTn>
+                  </p:par>
+                  <p:par>
+                    <p:cTn id="12" fill="hold">
+                      <p:stCondLst>
+                        <p:cond delay="indefinite"/>
+                      </p:stCondLst>
+                      <p:childTnLst>
+                        <p:par>
+                          <p:cTn id="13" fill="hold">
+                            <p:stCondLst>
+                              <p:cond delay="0"/>
+                            </p:stCondLst>
+                            <p:childTnLst>
+                              <p:par>
+                                <p:cTn id="14" presetID="41" presetClass="entr" presetSubtype="0" fill="hold" nodeType="clickEffect">
+                                  <p:stCondLst>
+                                    <p:cond delay="0"/>
+                                  </p:stCondLst>
+                                  <p:iterate type="lt">
+                                    <p:tmPct val="10000"/>
+                                  </p:iterate>
+                                  <p:childTnLst>
+                                    <p:set>
+                                      <p:cBhvr>
+                                        <p:cTn id="15" dur="1" fill="hold">
+                                          <p:stCondLst>
+                                            <p:cond delay="0"/>
+                                          </p:stCondLst>
+                                        </p:cTn>
+                                        <p:tgtEl>
+                                          <p:spTgt spid="3">
+                                            <p:txEl>
+                                              <p:pRg st="1" end="1"/>
+                                            </p:txEl>
+                                          </p:spTgt>
+                                        </p:tgtEl>
+                                        <p:attrNameLst>
+                                          <p:attrName>style.visibility</p:attrName>
+                                        </p:attrNameLst>
+                                      </p:cBhvr>
+                                      <p:to>
+                                        <p:strVal val="visible"/>
+                                      </p:to>
+                                    </p:set>
+                                    <p:anim calcmode="lin" valueType="num">
+                                      <p:cBhvr>
+                                        <p:cTn id="16" dur="500" fill="hold"/>
+                                        <p:tgtEl>
+                                          <p:spTgt spid="3">
+                                            <p:txEl>
+                                              <p:pRg st="1" end="1"/>
+                                            </p:txEl>
+                                          </p:spTgt>
+                                        </p:tgtEl>
+                                        <p:attrNameLst>
+                                          <p:attrName>ppt_x</p:attrName>
+                                        </p:attrNameLst>
+                                      </p:cBhvr>
+                                      <p:tavLst>
+                                        <p:tav tm="0">
+                                          <p:val>
+                                            <p:strVal val="#ppt_x"/>
+                                          </p:val>
+                                        </p:tav>
+                                        <p:tav tm="50000">
+                                          <p:val>
+                                            <p:strVal val="#ppt_x+.1"/>
+                                          </p:val>
+                                        </p:tav>
+                                        <p:tav tm="100000">
+                                          <p:val>
+                                            <p:strVal val="#ppt_x"/>
+                                          </p:val>
+                                        </p:tav>
+                                      </p:tavLst>
+                                    </p:anim>
+                                    <p:anim calcmode="lin" valueType="num">
+                                      <p:cBhvr>
+                                        <p:cTn id="17" dur="500" fill="hold"/>
+                                        <p:tgtEl>
+                                          <p:spTgt spid="3">
+                                            <p:txEl>
+                                              <p:pRg st="1" end="1"/>
+                                            </p:txEl>
+                                          </p:spTgt>
+                                        </p:tgtEl>
+                                        <p:attrNameLst>
+                                          <p:attrName>ppt_y</p:attrName>
+                                        </p:attrNameLst>
+                                      </p:cBhvr>
+                                      <p:tavLst>
+                                        <p:tav tm="0">
+                                          <p:val>
+                                            <p:strVal val="#ppt_y"/>
+                                          </p:val>
+                                        </p:tav>
+                                        <p:tav tm="100000">
+                                          <p:val>
+                                            <p:strVal val="#ppt_y"/>
+                                          </p:val>
+                                        </p:tav>
+                                      </p:tavLst>
+                                    </p:anim>
+                                    <p:anim calcmode="lin" valueType="num">
+                                      <p:cBhvr>
+                                        <p:cTn id="18" dur="500" fill="hold"/>
+                                        <p:tgtEl>
+                                          <p:spTgt spid="3">
+                                            <p:txEl>
+                                              <p:pRg st="1" end="1"/>
+                                            </p:txEl>
+                                          </p:spTgt>
+                                        </p:tgtEl>
+                                        <p:attrNameLst>
+                                          <p:attrName>ppt_h</p:attrName>
+                                        </p:attrNameLst>
+                                      </p:cBhvr>
+                                      <p:tavLst>
+                                        <p:tav tm="0">
+                                          <p:val>
+                                            <p:strVal val="#ppt_h/10"/>
+                                          </p:val>
+                                        </p:tav>
+                                        <p:tav tm="50000">
+                                          <p:val>
+                                            <p:strVal val="#ppt_h+.01"/>
+                                          </p:val>
+                                        </p:tav>
+                                        <p:tav tm="100000">
+                                          <p:val>
+                                            <p:strVal val="#ppt_h"/>
+                                          </p:val>
+                                        </p:tav>
+                                      </p:tavLst>
+                                    </p:anim>
+                                    <p:anim calcmode="lin" valueType="num">
+                                      <p:cBhvr>
+                                        <p:cTn id="19" dur="500" fill="hold"/>
+                                        <p:tgtEl>
+                                          <p:spTgt spid="3">
+                                            <p:txEl>
+                                              <p:pRg st="1" end="1"/>
+                                            </p:txEl>
+                                          </p:spTgt>
+                                        </p:tgtEl>
+                                        <p:attrNameLst>
+                                          <p:attrName>ppt_w</p:attrName>
+                                        </p:attrNameLst>
+                                      </p:cBhvr>
+                                      <p:tavLst>
+                                        <p:tav tm="0">
+                                          <p:val>
+                                            <p:strVal val="#ppt_w/10"/>
+                                          </p:val>
+                                        </p:tav>
+                                        <p:tav tm="50000">
+                                          <p:val>
+                                            <p:strVal val="#ppt_w+.01"/>
+                                          </p:val>
+                                        </p:tav>
+                                        <p:tav tm="100000">
+                                          <p:val>
+                                            <p:strVal val="#ppt_w"/>
+                                          </p:val>
+                                        </p:tav>
+                                      </p:tavLst>
+                                    </p:anim>
+                                    <p:animEffect transition="in" filter="fade">
+                                      <p:cBhvr>
+                                        <p:cTn id="20" dur="500" tmFilter="0,0; .5, 1; 1, 1"/>
+                                        <p:tgtEl>
+                                          <p:spTgt spid="3">
+                                            <p:txEl>
+                                              <p:pRg st="1" end="1"/>
+                                            </p:txEl>
+                                          </p:spTgt>
+                                        </p:tgtEl>
+                                      </p:cBhvr>
+                                    </p:animEffect>
+                                  </p:childTnLst>
+                                </p:cTn>
+                              </p:par>
+                            </p:childTnLst>
+                          </p:cTn>
+                        </p:par>
+                      </p:childTnLst>
+                    </p:cTn>
+                  </p:par>
+                  <p:par>
+                    <p:cTn id="21" fill="hold">
+                      <p:stCondLst>
+                        <p:cond delay="indefinite"/>
+                      </p:stCondLst>
+                      <p:childTnLst>
+                        <p:par>
+                          <p:cTn id="22" fill="hold">
+                            <p:stCondLst>
+                              <p:cond delay="0"/>
+                            </p:stCondLst>
+                            <p:childTnLst>
+                              <p:par>
+                                <p:cTn id="23" presetID="41" presetClass="entr" presetSubtype="0" fill="hold" nodeType="clickEffect">
+                                  <p:stCondLst>
+                                    <p:cond delay="0"/>
+                                  </p:stCondLst>
+                                  <p:iterate type="lt">
+                                    <p:tmPct val="10000"/>
+                                  </p:iterate>
+                                  <p:childTnLst>
+                                    <p:set>
+                                      <p:cBhvr>
+                                        <p:cTn id="24" dur="1" fill="hold">
+                                          <p:stCondLst>
+                                            <p:cond delay="0"/>
+                                          </p:stCondLst>
+                                        </p:cTn>
+                                        <p:tgtEl>
+                                          <p:spTgt spid="3">
+                                            <p:txEl>
+                                              <p:pRg st="2" end="2"/>
+                                            </p:txEl>
+                                          </p:spTgt>
+                                        </p:tgtEl>
+                                        <p:attrNameLst>
+                                          <p:attrName>style.visibility</p:attrName>
+                                        </p:attrNameLst>
+                                      </p:cBhvr>
+                                      <p:to>
+                                        <p:strVal val="visible"/>
+                                      </p:to>
+                                    </p:set>
+                                    <p:anim calcmode="lin" valueType="num">
+                                      <p:cBhvr>
+                                        <p:cTn id="25" dur="500" fill="hold"/>
+                                        <p:tgtEl>
+                                          <p:spTgt spid="3">
+                                            <p:txEl>
+                                              <p:pRg st="2" end="2"/>
+                                            </p:txEl>
+                                          </p:spTgt>
+                                        </p:tgtEl>
+                                        <p:attrNameLst>
+                                          <p:attrName>ppt_x</p:attrName>
+                                        </p:attrNameLst>
+                                      </p:cBhvr>
+                                      <p:tavLst>
+                                        <p:tav tm="0">
+                                          <p:val>
+                                            <p:strVal val="#ppt_x"/>
+                                          </p:val>
+                                        </p:tav>
+                                        <p:tav tm="50000">
+                                          <p:val>
+                                            <p:strVal val="#ppt_x+.1"/>
+                                          </p:val>
+                                        </p:tav>
+                                        <p:tav tm="100000">
+                                          <p:val>
+                                            <p:strVal val="#ppt_x"/>
+                                          </p:val>
+                                        </p:tav>
+                                      </p:tavLst>
+                                    </p:anim>
+                                    <p:anim calcmode="lin" valueType="num">
+                                      <p:cBhvr>
+                                        <p:cTn id="26" dur="500" fill="hold"/>
+                                        <p:tgtEl>
+                                          <p:spTgt spid="3">
+                                            <p:txEl>
+                                              <p:pRg st="2" end="2"/>
+                                            </p:txEl>
+                                          </p:spTgt>
+                                        </p:tgtEl>
+                                        <p:attrNameLst>
+                                          <p:attrName>ppt_y</p:attrName>
+                                        </p:attrNameLst>
+                                      </p:cBhvr>
+                                      <p:tavLst>
+                                        <p:tav tm="0">
+                                          <p:val>
+                                            <p:strVal val="#ppt_y"/>
+                                          </p:val>
+                                        </p:tav>
+                                        <p:tav tm="100000">
+                                          <p:val>
+                                            <p:strVal val="#ppt_y"/>
+                                          </p:val>
+                                        </p:tav>
+                                      </p:tavLst>
+                                    </p:anim>
+                                    <p:anim calcmode="lin" valueType="num">
+                                      <p:cBhvr>
+                                        <p:cTn id="27" dur="500" fill="hold"/>
+                                        <p:tgtEl>
+                                          <p:spTgt spid="3">
+                                            <p:txEl>
+                                              <p:pRg st="2" end="2"/>
+                                            </p:txEl>
+                                          </p:spTgt>
+                                        </p:tgtEl>
+                                        <p:attrNameLst>
+                                          <p:attrName>ppt_h</p:attrName>
+                                        </p:attrNameLst>
+                                      </p:cBhvr>
+                                      <p:tavLst>
+                                        <p:tav tm="0">
+                                          <p:val>
+                                            <p:strVal val="#ppt_h/10"/>
+                                          </p:val>
+                                        </p:tav>
+                                        <p:tav tm="50000">
+                                          <p:val>
+                                            <p:strVal val="#ppt_h+.01"/>
+                                          </p:val>
+                                        </p:tav>
+                                        <p:tav tm="100000">
+                                          <p:val>
+                                            <p:strVal val="#ppt_h"/>
+                                          </p:val>
+                                        </p:tav>
+                                      </p:tavLst>
+                                    </p:anim>
+                                    <p:anim calcmode="lin" valueType="num">
+                                      <p:cBhvr>
+                                        <p:cTn id="28" dur="500" fill="hold"/>
+                                        <p:tgtEl>
+                                          <p:spTgt spid="3">
+                                            <p:txEl>
+                                              <p:pRg st="2" end="2"/>
+                                            </p:txEl>
+                                          </p:spTgt>
+                                        </p:tgtEl>
+                                        <p:attrNameLst>
+                                          <p:attrName>ppt_w</p:attrName>
+                                        </p:attrNameLst>
+                                      </p:cBhvr>
+                                      <p:tavLst>
+                                        <p:tav tm="0">
+                                          <p:val>
+                                            <p:strVal val="#ppt_w/10"/>
+                                          </p:val>
+                                        </p:tav>
+                                        <p:tav tm="50000">
+                                          <p:val>
+                                            <p:strVal val="#ppt_w+.01"/>
+                                          </p:val>
+                                        </p:tav>
+                                        <p:tav tm="100000">
+                                          <p:val>
+                                            <p:strVal val="#ppt_w"/>
+                                          </p:val>
+                                        </p:tav>
+                                      </p:tavLst>
+                                    </p:anim>
+                                    <p:animEffect transition="in" filter="fade">
+                                      <p:cBhvr>
+                                        <p:cTn id="29" dur="500" tmFilter="0,0; .5, 1; 1, 1"/>
+                                        <p:tgtEl>
+                                          <p:spTgt spid="3">
+                                            <p:txEl>
+                                              <p:pRg st="2" end="2"/>
+                                            </p:txEl>
+                                          </p:spTgt>
+                                        </p:tgtEl>
+                                      </p:cBhvr>
+                                    </p:animEffect>
+                                  </p:childTnLst>
+                                </p:cTn>
+                              </p:par>
+                            </p:childTnLst>
+                          </p:cTn>
+                        </p:par>
+                      </p:childTnLst>
+                    </p:cTn>
+                  </p:par>
+                  <p:par>
+                    <p:cTn id="30" fill="hold">
+                      <p:stCondLst>
+                        <p:cond delay="indefinite"/>
+                      </p:stCondLst>
+                      <p:childTnLst>
+                        <p:par>
+                          <p:cTn id="31" fill="hold">
+                            <p:stCondLst>
+                              <p:cond delay="0"/>
+                            </p:stCondLst>
+                            <p:childTnLst>
+                              <p:par>
+                                <p:cTn id="32" presetID="41" presetClass="entr" presetSubtype="0" fill="hold" nodeType="clickEffect">
+                                  <p:stCondLst>
+                                    <p:cond delay="0"/>
+                                  </p:stCondLst>
+                                  <p:iterate type="lt">
+                                    <p:tmPct val="10000"/>
+                                  </p:iterate>
+                                  <p:childTnLst>
+                                    <p:set>
+                                      <p:cBhvr>
+                                        <p:cTn id="33" dur="1" fill="hold">
+                                          <p:stCondLst>
+                                            <p:cond delay="0"/>
+                                          </p:stCondLst>
+                                        </p:cTn>
+                                        <p:tgtEl>
+                                          <p:spTgt spid="3">
+                                            <p:txEl>
+                                              <p:pRg st="3" end="3"/>
+                                            </p:txEl>
+                                          </p:spTgt>
+                                        </p:tgtEl>
+                                        <p:attrNameLst>
+                                          <p:attrName>style.visibility</p:attrName>
+                                        </p:attrNameLst>
+                                      </p:cBhvr>
+                                      <p:to>
+                                        <p:strVal val="visible"/>
+                                      </p:to>
+                                    </p:set>
+                                    <p:anim calcmode="lin" valueType="num">
+                                      <p:cBhvr>
+                                        <p:cTn id="34" dur="500" fill="hold"/>
+                                        <p:tgtEl>
+                                          <p:spTgt spid="3">
+                                            <p:txEl>
+                                              <p:pRg st="3" end="3"/>
+                                            </p:txEl>
+                                          </p:spTgt>
+                                        </p:tgtEl>
+                                        <p:attrNameLst>
+                                          <p:attrName>ppt_x</p:attrName>
+                                        </p:attrNameLst>
+                                      </p:cBhvr>
+                                      <p:tavLst>
+                                        <p:tav tm="0">
+                                          <p:val>
+                                            <p:strVal val="#ppt_x"/>
+                                          </p:val>
+                                        </p:tav>
+                                        <p:tav tm="50000">
+                                          <p:val>
+                                            <p:strVal val="#ppt_x+.1"/>
+                                          </p:val>
+                                        </p:tav>
+                                        <p:tav tm="100000">
+                                          <p:val>
+                                            <p:strVal val="#ppt_x"/>
+                                          </p:val>
+                                        </p:tav>
+                                      </p:tavLst>
+                                    </p:anim>
+                                    <p:anim calcmode="lin" valueType="num">
+                                      <p:cBhvr>
+                                        <p:cTn id="35" dur="500" fill="hold"/>
+                                        <p:tgtEl>
+                                          <p:spTgt spid="3">
+                                            <p:txEl>
+                                              <p:pRg st="3" end="3"/>
+                                            </p:txEl>
+                                          </p:spTgt>
+                                        </p:tgtEl>
+                                        <p:attrNameLst>
+                                          <p:attrName>ppt_y</p:attrName>
+                                        </p:attrNameLst>
+                                      </p:cBhvr>
+                                      <p:tavLst>
+                                        <p:tav tm="0">
+                                          <p:val>
+                                            <p:strVal val="#ppt_y"/>
+                                          </p:val>
+                                        </p:tav>
+                                        <p:tav tm="100000">
+                                          <p:val>
+                                            <p:strVal val="#ppt_y"/>
+                                          </p:val>
+                                        </p:tav>
+                                      </p:tavLst>
+                                    </p:anim>
+                                    <p:anim calcmode="lin" valueType="num">
+                                      <p:cBhvr>
+                                        <p:cTn id="36" dur="500" fill="hold"/>
+                                        <p:tgtEl>
+                                          <p:spTgt spid="3">
+                                            <p:txEl>
+                                              <p:pRg st="3" end="3"/>
+                                            </p:txEl>
+                                          </p:spTgt>
+                                        </p:tgtEl>
+                                        <p:attrNameLst>
+                                          <p:attrName>ppt_h</p:attrName>
+                                        </p:attrNameLst>
+                                      </p:cBhvr>
+                                      <p:tavLst>
+                                        <p:tav tm="0">
+                                          <p:val>
+                                            <p:strVal val="#ppt_h/10"/>
+                                          </p:val>
+                                        </p:tav>
+                                        <p:tav tm="50000">
+                                          <p:val>
+                                            <p:strVal val="#ppt_h+.01"/>
+                                          </p:val>
+                                        </p:tav>
+                                        <p:tav tm="100000">
+                                          <p:val>
+                                            <p:strVal val="#ppt_h"/>
+                                          </p:val>
+                                        </p:tav>
+                                      </p:tavLst>
+                                    </p:anim>
+                                    <p:anim calcmode="lin" valueType="num">
+                                      <p:cBhvr>
+                                        <p:cTn id="37" dur="500" fill="hold"/>
+                                        <p:tgtEl>
+                                          <p:spTgt spid="3">
+                                            <p:txEl>
+                                              <p:pRg st="3" end="3"/>
+                                            </p:txEl>
+                                          </p:spTgt>
+                                        </p:tgtEl>
+                                        <p:attrNameLst>
+                                          <p:attrName>ppt_w</p:attrName>
+                                        </p:attrNameLst>
+                                      </p:cBhvr>
+                                      <p:tavLst>
+                                        <p:tav tm="0">
+                                          <p:val>
+                                            <p:strVal val="#ppt_w/10"/>
+                                          </p:val>
+                                        </p:tav>
+                                        <p:tav tm="50000">
+                                          <p:val>
+                                            <p:strVal val="#ppt_w+.01"/>
+                                          </p:val>
+                                        </p:tav>
+                                        <p:tav tm="100000">
+                                          <p:val>
+                                            <p:strVal val="#ppt_w"/>
+                                          </p:val>
+                                        </p:tav>
+                                      </p:tavLst>
+                                    </p:anim>
+                                    <p:animEffect transition="in" filter="fade">
+                                      <p:cBhvr>
+                                        <p:cTn id="38" dur="500" tmFilter="0,0; .5, 1; 1, 1"/>
+                                        <p:tgtEl>
+                                          <p:spTgt spid="3">
+                                            <p:txEl>
+                                              <p:pRg st="3" end="3"/>
+                                            </p:txEl>
+                                          </p:spTgt>
+                                        </p:tgtEl>
+                                      </p:cBhvr>
+                                    </p:animEffect>
+                                  </p:childTnLst>
+                                </p:cTn>
+                              </p:par>
+                            </p:childTnLst>
+                          </p:cTn>
+                        </p:par>
+                      </p:childTnLst>
+                    </p:cTn>
+                  </p:par>
+                  <p:par>
+                    <p:cTn id="39" fill="hold">
+                      <p:stCondLst>
+                        <p:cond delay="indefinite"/>
+                      </p:stCondLst>
+                      <p:childTnLst>
+                        <p:par>
+                          <p:cTn id="40" fill="hold">
+                            <p:stCondLst>
+                              <p:cond delay="0"/>
+                            </p:stCondLst>
+                            <p:childTnLst>
+                              <p:par>
+                                <p:cTn id="41" presetID="41" presetClass="entr" presetSubtype="0" fill="hold" nodeType="clickEffect">
+                                  <p:stCondLst>
+                                    <p:cond delay="0"/>
+                                  </p:stCondLst>
+                                  <p:iterate type="lt">
+                                    <p:tmPct val="10000"/>
+                                  </p:iterate>
+                                  <p:childTnLst>
+                                    <p:set>
+                                      <p:cBhvr>
+                                        <p:cTn id="42" dur="1" fill="hold">
+                                          <p:stCondLst>
+                                            <p:cond delay="0"/>
+                                          </p:stCondLst>
+                                        </p:cTn>
+                                        <p:tgtEl>
+                                          <p:spTgt spid="3">
+                                            <p:txEl>
+                                              <p:pRg st="4" end="4"/>
+                                            </p:txEl>
+                                          </p:spTgt>
+                                        </p:tgtEl>
+                                        <p:attrNameLst>
+                                          <p:attrName>style.visibility</p:attrName>
+                                        </p:attrNameLst>
+                                      </p:cBhvr>
+                                      <p:to>
+                                        <p:strVal val="visible"/>
+                                      </p:to>
+                                    </p:set>
+                                    <p:anim calcmode="lin" valueType="num">
+                                      <p:cBhvr>
+                                        <p:cTn id="43" dur="500" fill="hold"/>
+                                        <p:tgtEl>
+                                          <p:spTgt spid="3">
+                                            <p:txEl>
+                                              <p:pRg st="4" end="4"/>
+                                            </p:txEl>
+                                          </p:spTgt>
+                                        </p:tgtEl>
+                                        <p:attrNameLst>
+                                          <p:attrName>ppt_x</p:attrName>
+                                        </p:attrNameLst>
+                                      </p:cBhvr>
+                                      <p:tavLst>
+                                        <p:tav tm="0">
+                                          <p:val>
+                                            <p:strVal val="#ppt_x"/>
+                                          </p:val>
+                                        </p:tav>
+                                        <p:tav tm="50000">
+                                          <p:val>
+                                            <p:strVal val="#ppt_x+.1"/>
+                                          </p:val>
+                                        </p:tav>
+                                        <p:tav tm="100000">
+                                          <p:val>
+                                            <p:strVal val="#ppt_x"/>
+                                          </p:val>
+                                        </p:tav>
+                                      </p:tavLst>
+                                    </p:anim>
+                                    <p:anim calcmode="lin" valueType="num">
+                                      <p:cBhvr>
+                                        <p:cTn id="44" dur="500" fill="hold"/>
+                                        <p:tgtEl>
+                                          <p:spTgt spid="3">
+                                            <p:txEl>
+                                              <p:pRg st="4" end="4"/>
+                                            </p:txEl>
+                                          </p:spTgt>
+                                        </p:tgtEl>
+                                        <p:attrNameLst>
+                                          <p:attrName>ppt_y</p:attrName>
+                                        </p:attrNameLst>
+                                      </p:cBhvr>
+                                      <p:tavLst>
+                                        <p:tav tm="0">
+                                          <p:val>
+                                            <p:strVal val="#ppt_y"/>
+                                          </p:val>
+                                        </p:tav>
+                                        <p:tav tm="100000">
+                                          <p:val>
+                                            <p:strVal val="#ppt_y"/>
+                                          </p:val>
+                                        </p:tav>
+                                      </p:tavLst>
+                                    </p:anim>
+                                    <p:anim calcmode="lin" valueType="num">
+                                      <p:cBhvr>
+                                        <p:cTn id="45" dur="500" fill="hold"/>
+                                        <p:tgtEl>
+                                          <p:spTgt spid="3">
+                                            <p:txEl>
+                                              <p:pRg st="4" end="4"/>
+                                            </p:txEl>
+                                          </p:spTgt>
+                                        </p:tgtEl>
+                                        <p:attrNameLst>
+                                          <p:attrName>ppt_h</p:attrName>
+                                        </p:attrNameLst>
+                                      </p:cBhvr>
+                                      <p:tavLst>
+                                        <p:tav tm="0">
+                                          <p:val>
+                                            <p:strVal val="#ppt_h/10"/>
+                                          </p:val>
+                                        </p:tav>
+                                        <p:tav tm="50000">
+                                          <p:val>
+                                            <p:strVal val="#ppt_h+.01"/>
+                                          </p:val>
+                                        </p:tav>
+                                        <p:tav tm="100000">
+                                          <p:val>
+                                            <p:strVal val="#ppt_h"/>
+                                          </p:val>
+                                        </p:tav>
+                                      </p:tavLst>
+                                    </p:anim>
+                                    <p:anim calcmode="lin" valueType="num">
+                                      <p:cBhvr>
+                                        <p:cTn id="46" dur="500" fill="hold"/>
+                                        <p:tgtEl>
+                                          <p:spTgt spid="3">
+                                            <p:txEl>
+                                              <p:pRg st="4" end="4"/>
+                                            </p:txEl>
+                                          </p:spTgt>
+                                        </p:tgtEl>
+                                        <p:attrNameLst>
+                                          <p:attrName>ppt_w</p:attrName>
+                                        </p:attrNameLst>
+                                      </p:cBhvr>
+                                      <p:tavLst>
+                                        <p:tav tm="0">
+                                          <p:val>
+                                            <p:strVal val="#ppt_w/10"/>
+                                          </p:val>
+                                        </p:tav>
+                                        <p:tav tm="50000">
+                                          <p:val>
+                                            <p:strVal val="#ppt_w+.01"/>
+                                          </p:val>
+                                        </p:tav>
+                                        <p:tav tm="100000">
+                                          <p:val>
+                                            <p:strVal val="#ppt_w"/>
+                                          </p:val>
+                                        </p:tav>
+                                      </p:tavLst>
+                                    </p:anim>
+                                    <p:animEffect transition="in" filter="fade">
+                                      <p:cBhvr>
+                                        <p:cTn id="47" dur="500" tmFilter="0,0; .5, 1; 1, 1"/>
+                                        <p:tgtEl>
+                                          <p:spTgt spid="3">
+                                            <p:txEl>
+                                              <p:pRg st="4" end="4"/>
+                                            </p:txEl>
+                                          </p:spTgt>
+                                        </p:tgtEl>
+                                      </p:cBhvr>
+                                    </p:animEffect>
+                                  </p:childTnLst>
+                                </p:cTn>
+                              </p:par>
+                            </p:childTnLst>
+                          </p:cTn>
+                        </p:par>
+                      </p:childTnLst>
+                    </p:cTn>
+                  </p:par>
+                  <p:par>
+                    <p:cTn id="48" fill="hold">
+                      <p:stCondLst>
+                        <p:cond delay="indefinite"/>
+                      </p:stCondLst>
+                      <p:childTnLst>
+                        <p:par>
+                          <p:cTn id="49" fill="hold">
+                            <p:stCondLst>
+                              <p:cond delay="0"/>
+                            </p:stCondLst>
+                            <p:childTnLst>
+                              <p:par>
+                                <p:cTn id="50" presetID="41" presetClass="entr" presetSubtype="0" fill="hold" nodeType="clickEffect">
+                                  <p:stCondLst>
+                                    <p:cond delay="0"/>
+                                  </p:stCondLst>
+                                  <p:iterate type="lt">
+                                    <p:tmPct val="10000"/>
+                                  </p:iterate>
+                                  <p:childTnLst>
+                                    <p:set>
+                                      <p:cBhvr>
+                                        <p:cTn id="51" dur="1" fill="hold">
+                                          <p:stCondLst>
+                                            <p:cond delay="0"/>
+                                          </p:stCondLst>
+                                        </p:cTn>
+                                        <p:tgtEl>
+                                          <p:spTgt spid="3">
+                                            <p:txEl>
+                                              <p:pRg st="5" end="5"/>
+                                            </p:txEl>
+                                          </p:spTgt>
+                                        </p:tgtEl>
+                                        <p:attrNameLst>
+                                          <p:attrName>style.visibility</p:attrName>
+                                        </p:attrNameLst>
+                                      </p:cBhvr>
+                                      <p:to>
+                                        <p:strVal val="visible"/>
+                                      </p:to>
+                                    </p:set>
+                                    <p:anim calcmode="lin" valueType="num">
+                                      <p:cBhvr>
+                                        <p:cTn id="52" dur="500" fill="hold"/>
+                                        <p:tgtEl>
+                                          <p:spTgt spid="3">
+                                            <p:txEl>
+                                              <p:pRg st="5" end="5"/>
+                                            </p:txEl>
+                                          </p:spTgt>
+                                        </p:tgtEl>
+                                        <p:attrNameLst>
+                                          <p:attrName>ppt_x</p:attrName>
+                                        </p:attrNameLst>
+                                      </p:cBhvr>
+                                      <p:tavLst>
+                                        <p:tav tm="0">
+                                          <p:val>
+                                            <p:strVal val="#ppt_x"/>
+                                          </p:val>
+                                        </p:tav>
+                                        <p:tav tm="50000">
+                                          <p:val>
+                                            <p:strVal val="#ppt_x+.1"/>
+                                          </p:val>
+                                        </p:tav>
+                                        <p:tav tm="100000">
+                                          <p:val>
+                                            <p:strVal val="#ppt_x"/>
+                                          </p:val>
+                                        </p:tav>
+                                      </p:tavLst>
+                                    </p:anim>
+                                    <p:anim calcmode="lin" valueType="num">
+                                      <p:cBhvr>
+                                        <p:cTn id="53" dur="500" fill="hold"/>
+                                        <p:tgtEl>
+                                          <p:spTgt spid="3">
+                                            <p:txEl>
+                                              <p:pRg st="5" end="5"/>
+                                            </p:txEl>
+                                          </p:spTgt>
+                                        </p:tgtEl>
+                                        <p:attrNameLst>
+                                          <p:attrName>ppt_y</p:attrName>
+                                        </p:attrNameLst>
+                                      </p:cBhvr>
+                                      <p:tavLst>
+                                        <p:tav tm="0">
+                                          <p:val>
+                                            <p:strVal val="#ppt_y"/>
+                                          </p:val>
+                                        </p:tav>
+                                        <p:tav tm="100000">
+                                          <p:val>
+                                            <p:strVal val="#ppt_y"/>
+                                          </p:val>
+                                        </p:tav>
+                                      </p:tavLst>
+                                    </p:anim>
+                                    <p:anim calcmode="lin" valueType="num">
+                                      <p:cBhvr>
+                                        <p:cTn id="54" dur="500" fill="hold"/>
+                                        <p:tgtEl>
+                                          <p:spTgt spid="3">
+                                            <p:txEl>
+                                              <p:pRg st="5" end="5"/>
+                                            </p:txEl>
+                                          </p:spTgt>
+                                        </p:tgtEl>
+                                        <p:attrNameLst>
+                                          <p:attrName>ppt_h</p:attrName>
+                                        </p:attrNameLst>
+                                      </p:cBhvr>
+                                      <p:tavLst>
+                                        <p:tav tm="0">
+                                          <p:val>
+                                            <p:strVal val="#ppt_h/10"/>
+                                          </p:val>
+                                        </p:tav>
+                                        <p:tav tm="50000">
+                                          <p:val>
+                                            <p:strVal val="#ppt_h+.01"/>
+                                          </p:val>
+                                        </p:tav>
+                                        <p:tav tm="100000">
+                                          <p:val>
+                                            <p:strVal val="#ppt_h"/>
+                                          </p:val>
+                                        </p:tav>
+                                      </p:tavLst>
+                                    </p:anim>
+                                    <p:anim calcmode="lin" valueType="num">
+                                      <p:cBhvr>
+                                        <p:cTn id="55" dur="500" fill="hold"/>
+                                        <p:tgtEl>
+                                          <p:spTgt spid="3">
+                                            <p:txEl>
+                                              <p:pRg st="5" end="5"/>
+                                            </p:txEl>
+                                          </p:spTgt>
+                                        </p:tgtEl>
+                                        <p:attrNameLst>
+                                          <p:attrName>ppt_w</p:attrName>
+                                        </p:attrNameLst>
+                                      </p:cBhvr>
+                                      <p:tavLst>
+                                        <p:tav tm="0">
+                                          <p:val>
+                                            <p:strVal val="#ppt_w/10"/>
+                                          </p:val>
+                                        </p:tav>
+                                        <p:tav tm="50000">
+                                          <p:val>
+                                            <p:strVal val="#ppt_w+.01"/>
+                                          </p:val>
+                                        </p:tav>
+                                        <p:tav tm="100000">
+                                          <p:val>
+                                            <p:strVal val="#ppt_w"/>
+                                          </p:val>
+                                        </p:tav>
+                                      </p:tavLst>
+                                    </p:anim>
+                                    <p:animEffect transition="in" filter="fade">
+                                      <p:cBhvr>
+                                        <p:cTn id="56" dur="500" tmFilter="0,0; .5, 1; 1, 1"/>
+                                        <p:tgtEl>
+                                          <p:spTgt spid="3">
+                                            <p:txEl>
+                                              <p:pRg st="5" end="5"/>
+                                            </p:txEl>
+                                          </p:spTgt>
+                                        </p:tgtEl>
+                                      </p:cBhvr>
+                                    </p:animEffect>
+                                  </p:childTnLst>
+                                </p:cTn>
+                              </p:par>
+                            </p:childTnLst>
+                          </p:cTn>
+                        </p:par>
+                      </p:childTnLst>
+                    </p:cTn>
+                  </p:par>
+                </p:childTnLst>
+              </p:cTn>
+              <p:prevCondLst>
+                <p:cond evt="onPrev" delay="0">
+                  <p:tgtEl>
+                    <p:sldTgt/>
+                  </p:tgtEl>
+                </p:cond>
+              </p:prevCondLst>
+              <p:nextCondLst>
+                <p:cond evt="onNext" delay="0">
+                  <p:tgtEl>
+                    <p:sldTgt/>
+                  </p:tgtEl>
+                </p:cond>
+              </p:nextCondLst>
+            </p:seq>
+          </p:childTnLst>
+        </p:cTn>
+      </p:par>
+    </p:tnLst>
+  </p:timing>
 </p:sld>
 </file>
 
@@ -5251,7 +6348,7 @@
           <a:p>
             <a:r>
               <a:rPr kumimoji="1" lang="ja-JP" altLang="en-US" dirty="0" smtClean="0"/>
-              <a:t>中野</a:t>
+              <a:t>苦労したこと（もんもん）</a:t>
             </a:r>
             <a:endParaRPr kumimoji="1" lang="ja-JP" altLang="en-US" dirty="0"/>
           </a:p>
@@ -5269,85 +6366,920 @@
         </p:nvSpPr>
         <p:spPr/>
         <p:txBody>
-          <a:bodyPr/>
+          <a:bodyPr lIns="54000" tIns="360000">
+            <a:normAutofit/>
+          </a:bodyPr>
           <a:lstStyle/>
           <a:p>
-            <a:endParaRPr kumimoji="1" lang="ja-JP" altLang="en-US"/>
-          </a:p>
-        </p:txBody>
-      </p:sp>
+            <a:pPr marL="468000">
+              <a:spcBef>
+                <a:spcPts val="1000"/>
+              </a:spcBef>
+            </a:pPr>
+            <a:r>
+              <a:rPr kumimoji="1" lang="ja-JP" altLang="en-US" sz="3200" dirty="0" smtClean="0"/>
+              <a:t>カート内</a:t>
+            </a:r>
+            <a:r>
+              <a:rPr kumimoji="1" lang="ja-JP" altLang="en-US" sz="3200" dirty="0" smtClean="0"/>
+              <a:t>にある商品一覧を表示</a:t>
+            </a:r>
+            <a:endParaRPr kumimoji="1" lang="en-US" altLang="ja-JP" sz="3200" dirty="0" smtClean="0"/>
+          </a:p>
+          <a:p>
+            <a:pPr marL="468000">
+              <a:spcBef>
+                <a:spcPts val="1000"/>
+              </a:spcBef>
+              <a:buNone/>
+            </a:pPr>
+            <a:r>
+              <a:rPr lang="ja-JP" altLang="en-US" sz="3200" dirty="0" smtClean="0"/>
+              <a:t>　</a:t>
+            </a:r>
+            <a:r>
+              <a:rPr lang="ja-JP" altLang="en-US" sz="3200" dirty="0" smtClean="0"/>
+              <a:t>　</a:t>
+            </a:r>
+            <a:r>
+              <a:rPr lang="ja-JP" altLang="en-US" sz="2800" dirty="0" smtClean="0"/>
+              <a:t>購入済み商品は表示しない</a:t>
+            </a:r>
+            <a:endParaRPr lang="en-US" altLang="ja-JP" sz="2800" dirty="0" smtClean="0"/>
+          </a:p>
+          <a:p>
+            <a:pPr marL="468000">
+              <a:spcBef>
+                <a:spcPts val="1000"/>
+              </a:spcBef>
+            </a:pPr>
+            <a:r>
+              <a:rPr kumimoji="1" lang="ja-JP" altLang="en-US" sz="3200" dirty="0" smtClean="0"/>
+              <a:t>カートへの商品追加</a:t>
+            </a:r>
+            <a:endParaRPr kumimoji="1" lang="en-US" altLang="ja-JP" sz="3200" dirty="0" smtClean="0"/>
+          </a:p>
+          <a:p>
+            <a:pPr marL="468000">
+              <a:spcBef>
+                <a:spcPts val="1000"/>
+              </a:spcBef>
+              <a:buNone/>
+            </a:pPr>
+            <a:r>
+              <a:rPr lang="ja-JP" altLang="en-US" sz="3200" dirty="0" smtClean="0"/>
+              <a:t>　　</a:t>
+            </a:r>
+            <a:r>
+              <a:rPr lang="ja-JP" altLang="en-US" sz="2800" dirty="0" smtClean="0"/>
+              <a:t>すでに注文情報が存在するか</a:t>
+            </a:r>
+            <a:endParaRPr lang="en-US" altLang="ja-JP" sz="2800" dirty="0" smtClean="0"/>
+          </a:p>
+          <a:p>
+            <a:pPr marL="468000">
+              <a:spcBef>
+                <a:spcPts val="1000"/>
+              </a:spcBef>
+            </a:pPr>
+            <a:r>
+              <a:rPr kumimoji="1" lang="ja-JP" altLang="en-US" sz="3200" dirty="0" smtClean="0"/>
+              <a:t>エラー</a:t>
+            </a:r>
+            <a:r>
+              <a:rPr kumimoji="1" lang="ja-JP" altLang="en-US" sz="3200" dirty="0" smtClean="0"/>
+              <a:t>改修</a:t>
+            </a:r>
+            <a:endParaRPr kumimoji="1" lang="en-US" altLang="ja-JP" sz="3200" dirty="0" smtClean="0"/>
+          </a:p>
+          <a:p>
+            <a:pPr marL="468000">
+              <a:spcBef>
+                <a:spcPts val="1000"/>
+              </a:spcBef>
+              <a:buNone/>
+            </a:pPr>
+            <a:r>
+              <a:rPr lang="ja-JP" altLang="en-US" sz="3200" dirty="0" smtClean="0"/>
+              <a:t>　</a:t>
+            </a:r>
+            <a:r>
+              <a:rPr lang="ja-JP" altLang="en-US" sz="3200" dirty="0" smtClean="0"/>
+              <a:t>　</a:t>
+            </a:r>
+            <a:r>
+              <a:rPr lang="ja-JP" altLang="en-US" sz="2800" dirty="0" smtClean="0"/>
+              <a:t>様々なエラーへの対処</a:t>
+            </a:r>
+            <a:endParaRPr kumimoji="1" lang="ja-JP" altLang="en-US" sz="2800" dirty="0"/>
+          </a:p>
+        </p:txBody>
+      </p:sp>
+      <p:pic>
+        <p:nvPicPr>
+          <p:cNvPr id="4" name="Picture 2" descr="C:\env\springworkspace\ecommerce-springC\src\main\webapp\img\rogo.png"/>
+          <p:cNvPicPr>
+            <a:picLocks noChangeAspect="1" noChangeArrowheads="1"/>
+          </p:cNvPicPr>
+          <p:nvPr/>
+        </p:nvPicPr>
+        <p:blipFill>
+          <a:blip r:embed="rId2" cstate="print"/>
+          <a:srcRect/>
+          <a:stretch>
+            <a:fillRect/>
+          </a:stretch>
+        </p:blipFill>
+        <p:spPr bwMode="auto">
+          <a:xfrm>
+            <a:off x="8172400" y="6021288"/>
+            <a:ext cx="659285" cy="659285"/>
+          </a:xfrm>
+          <a:prstGeom prst="rect">
+            <a:avLst/>
+          </a:prstGeom>
+          <a:noFill/>
+        </p:spPr>
+      </p:pic>
     </p:spTree>
   </p:cSld>
   <p:clrMapOvr>
     <a:masterClrMapping/>
   </p:clrMapOvr>
-</p:sld>
-</file>
-
-<file path=ppt/slides/slide9.xml><?xml version="1.0" encoding="utf-8"?>
-<p:sld xmlns:a="http://schemas.openxmlformats.org/drawingml/2006/main" xmlns:r="http://schemas.openxmlformats.org/officeDocument/2006/relationships" xmlns:p="http://schemas.openxmlformats.org/presentationml/2006/main">
-  <p:cSld>
-    <p:spTree>
-      <p:nvGrpSpPr>
-        <p:cNvPr id="1" name=""/>
-        <p:cNvGrpSpPr/>
-        <p:nvPr/>
-      </p:nvGrpSpPr>
-      <p:grpSpPr>
-        <a:xfrm>
-          <a:off x="0" y="0"/>
-          <a:ext cx="0" cy="0"/>
-          <a:chOff x="0" y="0"/>
-          <a:chExt cx="0" cy="0"/>
-        </a:xfrm>
-      </p:grpSpPr>
-      <p:sp>
-        <p:nvSpPr>
-          <p:cNvPr id="2" name="タイトル 1"/>
-          <p:cNvSpPr>
-            <a:spLocks noGrp="1"/>
-          </p:cNvSpPr>
-          <p:nvPr>
-            <p:ph type="title"/>
-          </p:nvPr>
-        </p:nvSpPr>
-        <p:spPr/>
-        <p:txBody>
-          <a:bodyPr/>
-          <a:lstStyle/>
-          <a:p>
-            <a:r>
-              <a:rPr lang="ja-JP" altLang="en-US" dirty="0" smtClean="0"/>
-              <a:t>坂田</a:t>
-            </a:r>
-            <a:endParaRPr kumimoji="1" lang="ja-JP" altLang="en-US" dirty="0"/>
-          </a:p>
-        </p:txBody>
-      </p:sp>
-      <p:sp>
-        <p:nvSpPr>
-          <p:cNvPr id="3" name="コンテンツ プレースホルダ 2"/>
-          <p:cNvSpPr>
-            <a:spLocks noGrp="1"/>
-          </p:cNvSpPr>
-          <p:nvPr>
-            <p:ph sz="quarter" idx="1"/>
-          </p:nvPr>
-        </p:nvSpPr>
-        <p:spPr/>
-        <p:txBody>
-          <a:bodyPr/>
-          <a:lstStyle/>
-          <a:p>
-            <a:endParaRPr kumimoji="1" lang="ja-JP" altLang="en-US"/>
-          </a:p>
-        </p:txBody>
-      </p:sp>
-    </p:spTree>
-  </p:cSld>
-  <p:clrMapOvr>
-    <a:masterClrMapping/>
-  </p:clrMapOvr>
+  <p:timing>
+    <p:tnLst>
+      <p:par>
+        <p:cTn id="1" dur="indefinite" restart="never" nodeType="tmRoot">
+          <p:childTnLst>
+            <p:seq concurrent="1" nextAc="seek">
+              <p:cTn id="2" dur="indefinite" nodeType="mainSeq">
+                <p:childTnLst>
+                  <p:par>
+                    <p:cTn id="3" fill="hold">
+                      <p:stCondLst>
+                        <p:cond delay="indefinite"/>
+                      </p:stCondLst>
+                      <p:childTnLst>
+                        <p:par>
+                          <p:cTn id="4" fill="hold">
+                            <p:stCondLst>
+                              <p:cond delay="0"/>
+                            </p:stCondLst>
+                            <p:childTnLst>
+                              <p:par>
+                                <p:cTn id="5" presetID="34" presetClass="entr" presetSubtype="0" fill="hold" nodeType="clickEffect">
+                                  <p:stCondLst>
+                                    <p:cond delay="0"/>
+                                  </p:stCondLst>
+                                  <p:childTnLst>
+                                    <p:set>
+                                      <p:cBhvr>
+                                        <p:cTn id="6" dur="1" fill="hold">
+                                          <p:stCondLst>
+                                            <p:cond delay="0"/>
+                                          </p:stCondLst>
+                                        </p:cTn>
+                                        <p:tgtEl>
+                                          <p:spTgt spid="3">
+                                            <p:txEl>
+                                              <p:pRg st="0" end="0"/>
+                                            </p:txEl>
+                                          </p:spTgt>
+                                        </p:tgtEl>
+                                        <p:attrNameLst>
+                                          <p:attrName>style.visibility</p:attrName>
+                                        </p:attrNameLst>
+                                      </p:cBhvr>
+                                      <p:to>
+                                        <p:strVal val="visible"/>
+                                      </p:to>
+                                    </p:set>
+                                    <p:anim from="(-#ppt_w/2)" to="(#ppt_x)" calcmode="lin" valueType="num">
+                                      <p:cBhvr>
+                                        <p:cTn id="7" dur="600" fill="hold">
+                                          <p:stCondLst>
+                                            <p:cond delay="0"/>
+                                          </p:stCondLst>
+                                        </p:cTn>
+                                        <p:tgtEl>
+                                          <p:spTgt spid="3">
+                                            <p:txEl>
+                                              <p:pRg st="0" end="0"/>
+                                            </p:txEl>
+                                          </p:spTgt>
+                                        </p:tgtEl>
+                                        <p:attrNameLst>
+                                          <p:attrName>ppt_x</p:attrName>
+                                        </p:attrNameLst>
+                                      </p:cBhvr>
+                                    </p:anim>
+                                    <p:anim from="0" to="-1.0" calcmode="lin" valueType="num">
+                                      <p:cBhvr>
+                                        <p:cTn id="8" dur="200" decel="50000" autoRev="1" fill="hold">
+                                          <p:stCondLst>
+                                            <p:cond delay="600"/>
+                                          </p:stCondLst>
+                                        </p:cTn>
+                                        <p:tgtEl>
+                                          <p:spTgt spid="3">
+                                            <p:txEl>
+                                              <p:pRg st="0" end="0"/>
+                                            </p:txEl>
+                                          </p:spTgt>
+                                        </p:tgtEl>
+                                        <p:attrNameLst>
+                                          <p:attrName>xshear</p:attrName>
+                                        </p:attrNameLst>
+                                      </p:cBhvr>
+                                    </p:anim>
+                                    <p:animScale>
+                                      <p:cBhvr>
+                                        <p:cTn id="9" dur="200" decel="100000" autoRev="1" fill="hold">
+                                          <p:stCondLst>
+                                            <p:cond delay="600"/>
+                                          </p:stCondLst>
+                                        </p:cTn>
+                                        <p:tgtEl>
+                                          <p:spTgt spid="3">
+                                            <p:txEl>
+                                              <p:pRg st="0" end="0"/>
+                                            </p:txEl>
+                                          </p:spTgt>
+                                        </p:tgtEl>
+                                      </p:cBhvr>
+                                      <p:from x="100000" y="100000"/>
+                                      <p:to x="80000" y="100000"/>
+                                    </p:animScale>
+                                    <p:anim by="(#ppt_h/3+#ppt_w*0.1)" calcmode="lin" valueType="num">
+                                      <p:cBhvr additive="sum">
+                                        <p:cTn id="10" dur="200" decel="100000" autoRev="1" fill="hold">
+                                          <p:stCondLst>
+                                            <p:cond delay="600"/>
+                                          </p:stCondLst>
+                                        </p:cTn>
+                                        <p:tgtEl>
+                                          <p:spTgt spid="3">
+                                            <p:txEl>
+                                              <p:pRg st="0" end="0"/>
+                                            </p:txEl>
+                                          </p:spTgt>
+                                        </p:tgtEl>
+                                        <p:attrNameLst>
+                                          <p:attrName>ppt_x</p:attrName>
+                                        </p:attrNameLst>
+                                      </p:cBhvr>
+                                    </p:anim>
+                                  </p:childTnLst>
+                                </p:cTn>
+                              </p:par>
+                            </p:childTnLst>
+                          </p:cTn>
+                        </p:par>
+                      </p:childTnLst>
+                    </p:cTn>
+                  </p:par>
+                  <p:par>
+                    <p:cTn id="11" fill="hold">
+                      <p:stCondLst>
+                        <p:cond delay="indefinite"/>
+                      </p:stCondLst>
+                      <p:childTnLst>
+                        <p:par>
+                          <p:cTn id="12" fill="hold">
+                            <p:stCondLst>
+                              <p:cond delay="0"/>
+                            </p:stCondLst>
+                            <p:childTnLst>
+                              <p:par>
+                                <p:cTn id="13" presetID="34" presetClass="entr" presetSubtype="0" fill="hold" nodeType="clickEffect">
+                                  <p:stCondLst>
+                                    <p:cond delay="0"/>
+                                  </p:stCondLst>
+                                  <p:childTnLst>
+                                    <p:set>
+                                      <p:cBhvr>
+                                        <p:cTn id="14" dur="1" fill="hold">
+                                          <p:stCondLst>
+                                            <p:cond delay="0"/>
+                                          </p:stCondLst>
+                                        </p:cTn>
+                                        <p:tgtEl>
+                                          <p:spTgt spid="3">
+                                            <p:txEl>
+                                              <p:pRg st="1" end="1"/>
+                                            </p:txEl>
+                                          </p:spTgt>
+                                        </p:tgtEl>
+                                        <p:attrNameLst>
+                                          <p:attrName>style.visibility</p:attrName>
+                                        </p:attrNameLst>
+                                      </p:cBhvr>
+                                      <p:to>
+                                        <p:strVal val="visible"/>
+                                      </p:to>
+                                    </p:set>
+                                    <p:anim from="(-#ppt_w/2)" to="(#ppt_x)" calcmode="lin" valueType="num">
+                                      <p:cBhvr>
+                                        <p:cTn id="15" dur="600" fill="hold">
+                                          <p:stCondLst>
+                                            <p:cond delay="0"/>
+                                          </p:stCondLst>
+                                        </p:cTn>
+                                        <p:tgtEl>
+                                          <p:spTgt spid="3">
+                                            <p:txEl>
+                                              <p:pRg st="1" end="1"/>
+                                            </p:txEl>
+                                          </p:spTgt>
+                                        </p:tgtEl>
+                                        <p:attrNameLst>
+                                          <p:attrName>ppt_x</p:attrName>
+                                        </p:attrNameLst>
+                                      </p:cBhvr>
+                                    </p:anim>
+                                    <p:anim from="0" to="-1.0" calcmode="lin" valueType="num">
+                                      <p:cBhvr>
+                                        <p:cTn id="16" dur="200" decel="50000" autoRev="1" fill="hold">
+                                          <p:stCondLst>
+                                            <p:cond delay="600"/>
+                                          </p:stCondLst>
+                                        </p:cTn>
+                                        <p:tgtEl>
+                                          <p:spTgt spid="3">
+                                            <p:txEl>
+                                              <p:pRg st="1" end="1"/>
+                                            </p:txEl>
+                                          </p:spTgt>
+                                        </p:tgtEl>
+                                        <p:attrNameLst>
+                                          <p:attrName>xshear</p:attrName>
+                                        </p:attrNameLst>
+                                      </p:cBhvr>
+                                    </p:anim>
+                                    <p:animScale>
+                                      <p:cBhvr>
+                                        <p:cTn id="17" dur="200" decel="100000" autoRev="1" fill="hold">
+                                          <p:stCondLst>
+                                            <p:cond delay="600"/>
+                                          </p:stCondLst>
+                                        </p:cTn>
+                                        <p:tgtEl>
+                                          <p:spTgt spid="3">
+                                            <p:txEl>
+                                              <p:pRg st="1" end="1"/>
+                                            </p:txEl>
+                                          </p:spTgt>
+                                        </p:tgtEl>
+                                      </p:cBhvr>
+                                      <p:from x="100000" y="100000"/>
+                                      <p:to x="80000" y="100000"/>
+                                    </p:animScale>
+                                    <p:anim by="(#ppt_h/3+#ppt_w*0.1)" calcmode="lin" valueType="num">
+                                      <p:cBhvr additive="sum">
+                                        <p:cTn id="18" dur="200" decel="100000" autoRev="1" fill="hold">
+                                          <p:stCondLst>
+                                            <p:cond delay="600"/>
+                                          </p:stCondLst>
+                                        </p:cTn>
+                                        <p:tgtEl>
+                                          <p:spTgt spid="3">
+                                            <p:txEl>
+                                              <p:pRg st="1" end="1"/>
+                                            </p:txEl>
+                                          </p:spTgt>
+                                        </p:tgtEl>
+                                        <p:attrNameLst>
+                                          <p:attrName>ppt_x</p:attrName>
+                                        </p:attrNameLst>
+                                      </p:cBhvr>
+                                    </p:anim>
+                                  </p:childTnLst>
+                                </p:cTn>
+                              </p:par>
+                            </p:childTnLst>
+                          </p:cTn>
+                        </p:par>
+                      </p:childTnLst>
+                    </p:cTn>
+                  </p:par>
+                  <p:par>
+                    <p:cTn id="19" fill="hold">
+                      <p:stCondLst>
+                        <p:cond delay="indefinite"/>
+                      </p:stCondLst>
+                      <p:childTnLst>
+                        <p:par>
+                          <p:cTn id="20" fill="hold">
+                            <p:stCondLst>
+                              <p:cond delay="0"/>
+                            </p:stCondLst>
+                            <p:childTnLst>
+                              <p:par>
+                                <p:cTn id="21" presetID="34" presetClass="entr" presetSubtype="0" fill="hold" nodeType="clickEffect">
+                                  <p:stCondLst>
+                                    <p:cond delay="0"/>
+                                  </p:stCondLst>
+                                  <p:childTnLst>
+                                    <p:set>
+                                      <p:cBhvr>
+                                        <p:cTn id="22" dur="1" fill="hold">
+                                          <p:stCondLst>
+                                            <p:cond delay="0"/>
+                                          </p:stCondLst>
+                                        </p:cTn>
+                                        <p:tgtEl>
+                                          <p:spTgt spid="3">
+                                            <p:txEl>
+                                              <p:pRg st="2" end="2"/>
+                                            </p:txEl>
+                                          </p:spTgt>
+                                        </p:tgtEl>
+                                        <p:attrNameLst>
+                                          <p:attrName>style.visibility</p:attrName>
+                                        </p:attrNameLst>
+                                      </p:cBhvr>
+                                      <p:to>
+                                        <p:strVal val="visible"/>
+                                      </p:to>
+                                    </p:set>
+                                    <p:anim from="(-#ppt_w/2)" to="(#ppt_x)" calcmode="lin" valueType="num">
+                                      <p:cBhvr>
+                                        <p:cTn id="23" dur="600" fill="hold">
+                                          <p:stCondLst>
+                                            <p:cond delay="0"/>
+                                          </p:stCondLst>
+                                        </p:cTn>
+                                        <p:tgtEl>
+                                          <p:spTgt spid="3">
+                                            <p:txEl>
+                                              <p:pRg st="2" end="2"/>
+                                            </p:txEl>
+                                          </p:spTgt>
+                                        </p:tgtEl>
+                                        <p:attrNameLst>
+                                          <p:attrName>ppt_x</p:attrName>
+                                        </p:attrNameLst>
+                                      </p:cBhvr>
+                                    </p:anim>
+                                    <p:anim from="0" to="-1.0" calcmode="lin" valueType="num">
+                                      <p:cBhvr>
+                                        <p:cTn id="24" dur="200" decel="50000" autoRev="1" fill="hold">
+                                          <p:stCondLst>
+                                            <p:cond delay="600"/>
+                                          </p:stCondLst>
+                                        </p:cTn>
+                                        <p:tgtEl>
+                                          <p:spTgt spid="3">
+                                            <p:txEl>
+                                              <p:pRg st="2" end="2"/>
+                                            </p:txEl>
+                                          </p:spTgt>
+                                        </p:tgtEl>
+                                        <p:attrNameLst>
+                                          <p:attrName>xshear</p:attrName>
+                                        </p:attrNameLst>
+                                      </p:cBhvr>
+                                    </p:anim>
+                                    <p:animScale>
+                                      <p:cBhvr>
+                                        <p:cTn id="25" dur="200" decel="100000" autoRev="1" fill="hold">
+                                          <p:stCondLst>
+                                            <p:cond delay="600"/>
+                                          </p:stCondLst>
+                                        </p:cTn>
+                                        <p:tgtEl>
+                                          <p:spTgt spid="3">
+                                            <p:txEl>
+                                              <p:pRg st="2" end="2"/>
+                                            </p:txEl>
+                                          </p:spTgt>
+                                        </p:tgtEl>
+                                      </p:cBhvr>
+                                      <p:from x="100000" y="100000"/>
+                                      <p:to x="80000" y="100000"/>
+                                    </p:animScale>
+                                    <p:anim by="(#ppt_h/3+#ppt_w*0.1)" calcmode="lin" valueType="num">
+                                      <p:cBhvr additive="sum">
+                                        <p:cTn id="26" dur="200" decel="100000" autoRev="1" fill="hold">
+                                          <p:stCondLst>
+                                            <p:cond delay="600"/>
+                                          </p:stCondLst>
+                                        </p:cTn>
+                                        <p:tgtEl>
+                                          <p:spTgt spid="3">
+                                            <p:txEl>
+                                              <p:pRg st="2" end="2"/>
+                                            </p:txEl>
+                                          </p:spTgt>
+                                        </p:tgtEl>
+                                        <p:attrNameLst>
+                                          <p:attrName>ppt_x</p:attrName>
+                                        </p:attrNameLst>
+                                      </p:cBhvr>
+                                    </p:anim>
+                                  </p:childTnLst>
+                                </p:cTn>
+                              </p:par>
+                            </p:childTnLst>
+                          </p:cTn>
+                        </p:par>
+                      </p:childTnLst>
+                    </p:cTn>
+                  </p:par>
+                  <p:par>
+                    <p:cTn id="27" fill="hold">
+                      <p:stCondLst>
+                        <p:cond delay="indefinite"/>
+                      </p:stCondLst>
+                      <p:childTnLst>
+                        <p:par>
+                          <p:cTn id="28" fill="hold">
+                            <p:stCondLst>
+                              <p:cond delay="0"/>
+                            </p:stCondLst>
+                            <p:childTnLst>
+                              <p:par>
+                                <p:cTn id="29" presetID="34" presetClass="entr" presetSubtype="0" fill="hold" nodeType="clickEffect">
+                                  <p:stCondLst>
+                                    <p:cond delay="0"/>
+                                  </p:stCondLst>
+                                  <p:childTnLst>
+                                    <p:set>
+                                      <p:cBhvr>
+                                        <p:cTn id="30" dur="1" fill="hold">
+                                          <p:stCondLst>
+                                            <p:cond delay="0"/>
+                                          </p:stCondLst>
+                                        </p:cTn>
+                                        <p:tgtEl>
+                                          <p:spTgt spid="3">
+                                            <p:txEl>
+                                              <p:pRg st="3" end="3"/>
+                                            </p:txEl>
+                                          </p:spTgt>
+                                        </p:tgtEl>
+                                        <p:attrNameLst>
+                                          <p:attrName>style.visibility</p:attrName>
+                                        </p:attrNameLst>
+                                      </p:cBhvr>
+                                      <p:to>
+                                        <p:strVal val="visible"/>
+                                      </p:to>
+                                    </p:set>
+                                    <p:anim from="(-#ppt_w/2)" to="(#ppt_x)" calcmode="lin" valueType="num">
+                                      <p:cBhvr>
+                                        <p:cTn id="31" dur="600" fill="hold">
+                                          <p:stCondLst>
+                                            <p:cond delay="0"/>
+                                          </p:stCondLst>
+                                        </p:cTn>
+                                        <p:tgtEl>
+                                          <p:spTgt spid="3">
+                                            <p:txEl>
+                                              <p:pRg st="3" end="3"/>
+                                            </p:txEl>
+                                          </p:spTgt>
+                                        </p:tgtEl>
+                                        <p:attrNameLst>
+                                          <p:attrName>ppt_x</p:attrName>
+                                        </p:attrNameLst>
+                                      </p:cBhvr>
+                                    </p:anim>
+                                    <p:anim from="0" to="-1.0" calcmode="lin" valueType="num">
+                                      <p:cBhvr>
+                                        <p:cTn id="32" dur="200" decel="50000" autoRev="1" fill="hold">
+                                          <p:stCondLst>
+                                            <p:cond delay="600"/>
+                                          </p:stCondLst>
+                                        </p:cTn>
+                                        <p:tgtEl>
+                                          <p:spTgt spid="3">
+                                            <p:txEl>
+                                              <p:pRg st="3" end="3"/>
+                                            </p:txEl>
+                                          </p:spTgt>
+                                        </p:tgtEl>
+                                        <p:attrNameLst>
+                                          <p:attrName>xshear</p:attrName>
+                                        </p:attrNameLst>
+                                      </p:cBhvr>
+                                    </p:anim>
+                                    <p:animScale>
+                                      <p:cBhvr>
+                                        <p:cTn id="33" dur="200" decel="100000" autoRev="1" fill="hold">
+                                          <p:stCondLst>
+                                            <p:cond delay="600"/>
+                                          </p:stCondLst>
+                                        </p:cTn>
+                                        <p:tgtEl>
+                                          <p:spTgt spid="3">
+                                            <p:txEl>
+                                              <p:pRg st="3" end="3"/>
+                                            </p:txEl>
+                                          </p:spTgt>
+                                        </p:tgtEl>
+                                      </p:cBhvr>
+                                      <p:from x="100000" y="100000"/>
+                                      <p:to x="80000" y="100000"/>
+                                    </p:animScale>
+                                    <p:anim by="(#ppt_h/3+#ppt_w*0.1)" calcmode="lin" valueType="num">
+                                      <p:cBhvr additive="sum">
+                                        <p:cTn id="34" dur="200" decel="100000" autoRev="1" fill="hold">
+                                          <p:stCondLst>
+                                            <p:cond delay="600"/>
+                                          </p:stCondLst>
+                                        </p:cTn>
+                                        <p:tgtEl>
+                                          <p:spTgt spid="3">
+                                            <p:txEl>
+                                              <p:pRg st="3" end="3"/>
+                                            </p:txEl>
+                                          </p:spTgt>
+                                        </p:tgtEl>
+                                        <p:attrNameLst>
+                                          <p:attrName>ppt_x</p:attrName>
+                                        </p:attrNameLst>
+                                      </p:cBhvr>
+                                    </p:anim>
+                                  </p:childTnLst>
+                                </p:cTn>
+                              </p:par>
+                            </p:childTnLst>
+                          </p:cTn>
+                        </p:par>
+                      </p:childTnLst>
+                    </p:cTn>
+                  </p:par>
+                  <p:par>
+                    <p:cTn id="35" fill="hold">
+                      <p:stCondLst>
+                        <p:cond delay="indefinite"/>
+                      </p:stCondLst>
+                      <p:childTnLst>
+                        <p:par>
+                          <p:cTn id="36" fill="hold">
+                            <p:stCondLst>
+                              <p:cond delay="0"/>
+                            </p:stCondLst>
+                            <p:childTnLst>
+                              <p:par>
+                                <p:cTn id="37" presetID="34" presetClass="entr" presetSubtype="0" fill="hold" nodeType="clickEffect">
+                                  <p:stCondLst>
+                                    <p:cond delay="0"/>
+                                  </p:stCondLst>
+                                  <p:childTnLst>
+                                    <p:set>
+                                      <p:cBhvr>
+                                        <p:cTn id="38" dur="1" fill="hold">
+                                          <p:stCondLst>
+                                            <p:cond delay="0"/>
+                                          </p:stCondLst>
+                                        </p:cTn>
+                                        <p:tgtEl>
+                                          <p:spTgt spid="3">
+                                            <p:txEl>
+                                              <p:pRg st="4" end="4"/>
+                                            </p:txEl>
+                                          </p:spTgt>
+                                        </p:tgtEl>
+                                        <p:attrNameLst>
+                                          <p:attrName>style.visibility</p:attrName>
+                                        </p:attrNameLst>
+                                      </p:cBhvr>
+                                      <p:to>
+                                        <p:strVal val="visible"/>
+                                      </p:to>
+                                    </p:set>
+                                    <p:anim from="(-#ppt_w/2)" to="(#ppt_x)" calcmode="lin" valueType="num">
+                                      <p:cBhvr>
+                                        <p:cTn id="39" dur="600" fill="hold">
+                                          <p:stCondLst>
+                                            <p:cond delay="0"/>
+                                          </p:stCondLst>
+                                        </p:cTn>
+                                        <p:tgtEl>
+                                          <p:spTgt spid="3">
+                                            <p:txEl>
+                                              <p:pRg st="4" end="4"/>
+                                            </p:txEl>
+                                          </p:spTgt>
+                                        </p:tgtEl>
+                                        <p:attrNameLst>
+                                          <p:attrName>ppt_x</p:attrName>
+                                        </p:attrNameLst>
+                                      </p:cBhvr>
+                                    </p:anim>
+                                    <p:anim from="0" to="-1.0" calcmode="lin" valueType="num">
+                                      <p:cBhvr>
+                                        <p:cTn id="40" dur="200" decel="50000" autoRev="1" fill="hold">
+                                          <p:stCondLst>
+                                            <p:cond delay="600"/>
+                                          </p:stCondLst>
+                                        </p:cTn>
+                                        <p:tgtEl>
+                                          <p:spTgt spid="3">
+                                            <p:txEl>
+                                              <p:pRg st="4" end="4"/>
+                                            </p:txEl>
+                                          </p:spTgt>
+                                        </p:tgtEl>
+                                        <p:attrNameLst>
+                                          <p:attrName>xshear</p:attrName>
+                                        </p:attrNameLst>
+                                      </p:cBhvr>
+                                    </p:anim>
+                                    <p:animScale>
+                                      <p:cBhvr>
+                                        <p:cTn id="41" dur="200" decel="100000" autoRev="1" fill="hold">
+                                          <p:stCondLst>
+                                            <p:cond delay="600"/>
+                                          </p:stCondLst>
+                                        </p:cTn>
+                                        <p:tgtEl>
+                                          <p:spTgt spid="3">
+                                            <p:txEl>
+                                              <p:pRg st="4" end="4"/>
+                                            </p:txEl>
+                                          </p:spTgt>
+                                        </p:tgtEl>
+                                      </p:cBhvr>
+                                      <p:from x="100000" y="100000"/>
+                                      <p:to x="80000" y="100000"/>
+                                    </p:animScale>
+                                    <p:anim by="(#ppt_h/3+#ppt_w*0.1)" calcmode="lin" valueType="num">
+                                      <p:cBhvr additive="sum">
+                                        <p:cTn id="42" dur="200" decel="100000" autoRev="1" fill="hold">
+                                          <p:stCondLst>
+                                            <p:cond delay="600"/>
+                                          </p:stCondLst>
+                                        </p:cTn>
+                                        <p:tgtEl>
+                                          <p:spTgt spid="3">
+                                            <p:txEl>
+                                              <p:pRg st="4" end="4"/>
+                                            </p:txEl>
+                                          </p:spTgt>
+                                        </p:tgtEl>
+                                        <p:attrNameLst>
+                                          <p:attrName>ppt_x</p:attrName>
+                                        </p:attrNameLst>
+                                      </p:cBhvr>
+                                    </p:anim>
+                                  </p:childTnLst>
+                                </p:cTn>
+                              </p:par>
+                            </p:childTnLst>
+                          </p:cTn>
+                        </p:par>
+                      </p:childTnLst>
+                    </p:cTn>
+                  </p:par>
+                  <p:par>
+                    <p:cTn id="43" fill="hold">
+                      <p:stCondLst>
+                        <p:cond delay="indefinite"/>
+                      </p:stCondLst>
+                      <p:childTnLst>
+                        <p:par>
+                          <p:cTn id="44" fill="hold">
+                            <p:stCondLst>
+                              <p:cond delay="0"/>
+                            </p:stCondLst>
+                            <p:childTnLst>
+                              <p:par>
+                                <p:cTn id="45" presetID="34" presetClass="entr" presetSubtype="0" fill="hold" nodeType="clickEffect">
+                                  <p:stCondLst>
+                                    <p:cond delay="0"/>
+                                  </p:stCondLst>
+                                  <p:childTnLst>
+                                    <p:set>
+                                      <p:cBhvr>
+                                        <p:cTn id="46" dur="1" fill="hold">
+                                          <p:stCondLst>
+                                            <p:cond delay="0"/>
+                                          </p:stCondLst>
+                                        </p:cTn>
+                                        <p:tgtEl>
+                                          <p:spTgt spid="3">
+                                            <p:txEl>
+                                              <p:pRg st="5" end="5"/>
+                                            </p:txEl>
+                                          </p:spTgt>
+                                        </p:tgtEl>
+                                        <p:attrNameLst>
+                                          <p:attrName>style.visibility</p:attrName>
+                                        </p:attrNameLst>
+                                      </p:cBhvr>
+                                      <p:to>
+                                        <p:strVal val="visible"/>
+                                      </p:to>
+                                    </p:set>
+                                    <p:anim from="(-#ppt_w/2)" to="(#ppt_x)" calcmode="lin" valueType="num">
+                                      <p:cBhvr>
+                                        <p:cTn id="47" dur="600" fill="hold">
+                                          <p:stCondLst>
+                                            <p:cond delay="0"/>
+                                          </p:stCondLst>
+                                        </p:cTn>
+                                        <p:tgtEl>
+                                          <p:spTgt spid="3">
+                                            <p:txEl>
+                                              <p:pRg st="5" end="5"/>
+                                            </p:txEl>
+                                          </p:spTgt>
+                                        </p:tgtEl>
+                                        <p:attrNameLst>
+                                          <p:attrName>ppt_x</p:attrName>
+                                        </p:attrNameLst>
+                                      </p:cBhvr>
+                                    </p:anim>
+                                    <p:anim from="0" to="-1.0" calcmode="lin" valueType="num">
+                                      <p:cBhvr>
+                                        <p:cTn id="48" dur="200" decel="50000" autoRev="1" fill="hold">
+                                          <p:stCondLst>
+                                            <p:cond delay="600"/>
+                                          </p:stCondLst>
+                                        </p:cTn>
+                                        <p:tgtEl>
+                                          <p:spTgt spid="3">
+                                            <p:txEl>
+                                              <p:pRg st="5" end="5"/>
+                                            </p:txEl>
+                                          </p:spTgt>
+                                        </p:tgtEl>
+                                        <p:attrNameLst>
+                                          <p:attrName>xshear</p:attrName>
+                                        </p:attrNameLst>
+                                      </p:cBhvr>
+                                    </p:anim>
+                                    <p:animScale>
+                                      <p:cBhvr>
+                                        <p:cTn id="49" dur="200" decel="100000" autoRev="1" fill="hold">
+                                          <p:stCondLst>
+                                            <p:cond delay="600"/>
+                                          </p:stCondLst>
+                                        </p:cTn>
+                                        <p:tgtEl>
+                                          <p:spTgt spid="3">
+                                            <p:txEl>
+                                              <p:pRg st="5" end="5"/>
+                                            </p:txEl>
+                                          </p:spTgt>
+                                        </p:tgtEl>
+                                      </p:cBhvr>
+                                      <p:from x="100000" y="100000"/>
+                                      <p:to x="80000" y="100000"/>
+                                    </p:animScale>
+                                    <p:anim by="(#ppt_h/3+#ppt_w*0.1)" calcmode="lin" valueType="num">
+                                      <p:cBhvr additive="sum">
+                                        <p:cTn id="50" dur="200" decel="100000" autoRev="1" fill="hold">
+                                          <p:stCondLst>
+                                            <p:cond delay="600"/>
+                                          </p:stCondLst>
+                                        </p:cTn>
+                                        <p:tgtEl>
+                                          <p:spTgt spid="3">
+                                            <p:txEl>
+                                              <p:pRg st="5" end="5"/>
+                                            </p:txEl>
+                                          </p:spTgt>
+                                        </p:tgtEl>
+                                        <p:attrNameLst>
+                                          <p:attrName>ppt_x</p:attrName>
+                                        </p:attrNameLst>
+                                      </p:cBhvr>
+                                    </p:anim>
+                                  </p:childTnLst>
+                                </p:cTn>
+                              </p:par>
+                            </p:childTnLst>
+                          </p:cTn>
+                        </p:par>
+                      </p:childTnLst>
+                    </p:cTn>
+                  </p:par>
+                </p:childTnLst>
+              </p:cTn>
+              <p:prevCondLst>
+                <p:cond evt="onPrev" delay="0">
+                  <p:tgtEl>
+                    <p:sldTgt/>
+                  </p:tgtEl>
+                </p:cond>
+              </p:prevCondLst>
+              <p:nextCondLst>
+                <p:cond evt="onNext" delay="0">
+                  <p:tgtEl>
+                    <p:sldTgt/>
+                  </p:tgtEl>
+                </p:cond>
+              </p:nextCondLst>
+            </p:seq>
+          </p:childTnLst>
+        </p:cTn>
+      </p:par>
+    </p:tnLst>
+  </p:timing>
 </p:sld>
 </file>
 

--- a/document/ECサイト.pptx
+++ b/document/ECサイト.pptx
@@ -1,6 +1,6 @@
 
 <file path=ppt/presentation.xml><?xml version="1.0" encoding="utf-8"?>
-<p:presentation xmlns:a="http://schemas.openxmlformats.org/drawingml/2006/main" xmlns:r="http://schemas.openxmlformats.org/officeDocument/2006/relationships" xmlns:p="http://schemas.openxmlformats.org/presentationml/2006/main" saveSubsetFonts="1">
+<p:presentation xmlns:a="http://schemas.openxmlformats.org/drawingml/2006/main" xmlns:r="http://schemas.openxmlformats.org/officeDocument/2006/relationships" xmlns:p="http://schemas.openxmlformats.org/presentationml/2006/main" serverZoom="18696" saveSubsetFonts="1">
   <p:sldMasterIdLst>
     <p:sldMasterId id="2147483660" r:id="rId1"/>
   </p:sldMasterIdLst>
@@ -4144,7 +4144,117 @@
           <a:bodyPr/>
           <a:lstStyle/>
           <a:p>
-            <a:endParaRPr kumimoji="1" lang="ja-JP" altLang="en-US"/>
+            <a:r>
+              <a:rPr lang="ja-JP" altLang="en-US" dirty="0" smtClean="0"/>
+              <a:t>商品一覧表示と検索</a:t>
+            </a:r>
+            <a:endParaRPr lang="en-US" altLang="ja-JP" dirty="0" smtClean="0"/>
+          </a:p>
+          <a:p>
+            <a:pPr>
+              <a:buNone/>
+            </a:pPr>
+            <a:r>
+              <a:rPr lang="ja-JP" altLang="en-US" dirty="0" smtClean="0"/>
+              <a:t>　・</a:t>
+            </a:r>
+            <a:r>
+              <a:rPr lang="ja-JP" altLang="en-US" sz="2600" dirty="0" smtClean="0"/>
+              <a:t>なにで商品検索をしたか</a:t>
+            </a:r>
+            <a:endParaRPr lang="en-US" altLang="ja-JP" sz="2600" dirty="0" smtClean="0"/>
+          </a:p>
+          <a:p>
+            <a:pPr>
+              <a:buNone/>
+            </a:pPr>
+            <a:r>
+              <a:rPr lang="ja-JP" altLang="en-US" sz="2600" dirty="0" smtClean="0"/>
+              <a:t>　・全角</a:t>
+            </a:r>
+            <a:r>
+              <a:rPr lang="en-US" altLang="ja-JP" sz="2600" dirty="0" smtClean="0"/>
+              <a:t>,</a:t>
+            </a:r>
+            <a:r>
+              <a:rPr lang="ja-JP" altLang="en-US" sz="2600" dirty="0" smtClean="0"/>
+              <a:t>半角</a:t>
+            </a:r>
+            <a:r>
+              <a:rPr lang="en-US" altLang="ja-JP" sz="2600" dirty="0" smtClean="0"/>
+              <a:t>,</a:t>
+            </a:r>
+            <a:r>
+              <a:rPr lang="ja-JP" altLang="en-US" sz="2600" dirty="0" smtClean="0"/>
+              <a:t>大文字</a:t>
+            </a:r>
+            <a:r>
+              <a:rPr lang="en-US" altLang="ja-JP" sz="2600" dirty="0" smtClean="0"/>
+              <a:t>,</a:t>
+            </a:r>
+            <a:r>
+              <a:rPr lang="ja-JP" altLang="en-US" sz="2600" dirty="0" smtClean="0"/>
+              <a:t>小文字関係なく検索できる</a:t>
+            </a:r>
+            <a:endParaRPr lang="en-US" altLang="ja-JP" sz="2600" dirty="0" smtClean="0"/>
+          </a:p>
+          <a:p>
+            <a:r>
+              <a:rPr lang="ja-JP" altLang="en-US" dirty="0" smtClean="0"/>
+              <a:t>Ｂｏｏｔｓｔｒａｐを使ってｊｓｐの成形</a:t>
+            </a:r>
+            <a:endParaRPr lang="en-US" altLang="ja-JP" dirty="0" smtClean="0"/>
+          </a:p>
+          <a:p>
+            <a:pPr>
+              <a:buNone/>
+            </a:pPr>
+            <a:r>
+              <a:rPr lang="ja-JP" altLang="en-US" sz="2600" dirty="0" smtClean="0"/>
+              <a:t>　・初めて使う技術で苦労した</a:t>
+            </a:r>
+            <a:endParaRPr lang="en-US" altLang="ja-JP" sz="2600" dirty="0" smtClean="0"/>
+          </a:p>
+          <a:p>
+            <a:pPr>
+              <a:buNone/>
+            </a:pPr>
+            <a:r>
+              <a:rPr lang="ja-JP" altLang="en-US" sz="2600" dirty="0" smtClean="0"/>
+              <a:t>　・イメージ通りに作れた</a:t>
+            </a:r>
+            <a:endParaRPr lang="en-US" altLang="ja-JP" sz="2600" dirty="0" smtClean="0"/>
+          </a:p>
+          <a:p>
+            <a:r>
+              <a:rPr lang="ja-JP" altLang="en-US" dirty="0" smtClean="0"/>
+              <a:t>削除した商品の再表示ボタン</a:t>
+            </a:r>
+            <a:endParaRPr lang="en-US" altLang="ja-JP" dirty="0" smtClean="0"/>
+          </a:p>
+          <a:p>
+            <a:pPr>
+              <a:buNone/>
+            </a:pPr>
+            <a:r>
+              <a:rPr lang="ja-JP" altLang="en-US" dirty="0" smtClean="0"/>
+              <a:t>　</a:t>
+            </a:r>
+            <a:r>
+              <a:rPr lang="ja-JP" altLang="en-US" dirty="0" smtClean="0"/>
+              <a:t>・</a:t>
+            </a:r>
+            <a:r>
+              <a:rPr lang="ja-JP" altLang="en-US" sz="2600" dirty="0" smtClean="0"/>
+              <a:t>管理者側でより使いやすいように</a:t>
+            </a:r>
+            <a:endParaRPr lang="en-US" altLang="ja-JP" dirty="0" smtClean="0"/>
+          </a:p>
+          <a:p>
+            <a:pPr>
+              <a:buNone/>
+            </a:pPr>
+            <a:endParaRPr lang="en-US" altLang="ja-JP" dirty="0" smtClean="0"/>
           </a:p>
         </p:txBody>
       </p:sp>

--- a/document/ECサイト.pptx
+++ b/document/ECサイト.pptx
@@ -1,6 +1,6 @@
 
 <file path=ppt/presentation.xml><?xml version="1.0" encoding="utf-8"?>
-<p:presentation xmlns:a="http://schemas.openxmlformats.org/drawingml/2006/main" xmlns:r="http://schemas.openxmlformats.org/officeDocument/2006/relationships" xmlns:p="http://schemas.openxmlformats.org/presentationml/2006/main" saveSubsetFonts="1">
+<p:presentation xmlns:a="http://schemas.openxmlformats.org/drawingml/2006/main" xmlns:r="http://schemas.openxmlformats.org/officeDocument/2006/relationships" xmlns:p="http://schemas.openxmlformats.org/presentationml/2006/main" serverZoom="29622" saveSubsetFonts="1">
   <p:sldMasterIdLst>
     <p:sldMasterId id="2147483660" r:id="rId1"/>
   </p:sldMasterIdLst>
@@ -16,7 +16,12 @@
     <p:sldId id="264" r:id="rId10"/>
     <p:sldId id="265" r:id="rId11"/>
     <p:sldId id="266" r:id="rId12"/>
-    <p:sldId id="267" r:id="rId13"/>
+    <p:sldId id="268" r:id="rId13"/>
+    <p:sldId id="269" r:id="rId14"/>
+    <p:sldId id="270" r:id="rId15"/>
+    <p:sldId id="272" r:id="rId16"/>
+    <p:sldId id="271" r:id="rId17"/>
+    <p:sldId id="267" r:id="rId18"/>
   </p:sldIdLst>
   <p:sldSz cx="9144000" cy="6858000" type="screen4x3"/>
   <p:notesSz cx="6858000" cy="9144000"/>
@@ -4211,7 +4216,7 @@
           <a:bodyPr/>
           <a:lstStyle/>
           <a:p>
-            <a:endParaRPr kumimoji="1" lang="ja-JP" altLang="en-US"/>
+            <a:endParaRPr kumimoji="1" lang="ja-JP" altLang="en-US" dirty="0"/>
           </a:p>
         </p:txBody>
       </p:sp>
@@ -4224,6 +4229,778 @@
 </file>
 
 <file path=ppt/slides/slide12.xml><?xml version="1.0" encoding="utf-8"?>
+<p:sld xmlns:a="http://schemas.openxmlformats.org/drawingml/2006/main" xmlns:r="http://schemas.openxmlformats.org/officeDocument/2006/relationships" xmlns:p="http://schemas.openxmlformats.org/presentationml/2006/main">
+  <p:cSld>
+    <p:spTree>
+      <p:nvGrpSpPr>
+        <p:cNvPr id="1" name=""/>
+        <p:cNvGrpSpPr/>
+        <p:nvPr/>
+      </p:nvGrpSpPr>
+      <p:grpSpPr>
+        <a:xfrm>
+          <a:off x="0" y="0"/>
+          <a:ext cx="0" cy="0"/>
+          <a:chOff x="0" y="0"/>
+          <a:chExt cx="0" cy="0"/>
+        </a:xfrm>
+      </p:grpSpPr>
+      <p:sp>
+        <p:nvSpPr>
+          <p:cNvPr id="2" name="タイトル 1"/>
+          <p:cNvSpPr>
+            <a:spLocks noGrp="1"/>
+          </p:cNvSpPr>
+          <p:nvPr>
+            <p:ph type="title"/>
+          </p:nvPr>
+        </p:nvSpPr>
+        <p:spPr/>
+        <p:txBody>
+          <a:bodyPr>
+            <a:normAutofit/>
+          </a:bodyPr>
+          <a:lstStyle/>
+          <a:p>
+            <a:r>
+              <a:rPr lang="ja-JP" altLang="en-US" dirty="0" smtClean="0"/>
+              <a:t>澤村</a:t>
+            </a:r>
+            <a:endParaRPr kumimoji="1" lang="ja-JP" altLang="en-US" dirty="0"/>
+          </a:p>
+        </p:txBody>
+      </p:sp>
+      <p:sp>
+        <p:nvSpPr>
+          <p:cNvPr id="3" name="コンテンツ プレースホルダ 2"/>
+          <p:cNvSpPr>
+            <a:spLocks noGrp="1"/>
+          </p:cNvSpPr>
+          <p:nvPr>
+            <p:ph sz="quarter" idx="1"/>
+          </p:nvPr>
+        </p:nvSpPr>
+        <p:spPr>
+          <a:xfrm>
+            <a:off x="612648" y="1600200"/>
+            <a:ext cx="8153400" cy="5429200"/>
+          </a:xfrm>
+        </p:spPr>
+        <p:txBody>
+          <a:bodyPr>
+            <a:normAutofit fontScale="92500" lnSpcReduction="20000"/>
+          </a:bodyPr>
+          <a:lstStyle/>
+          <a:p>
+            <a:r>
+              <a:rPr lang="ja-JP" altLang="en-US" dirty="0" smtClean="0"/>
+              <a:t>管理者登録</a:t>
+            </a:r>
+            <a:endParaRPr lang="en-US" altLang="ja-JP" dirty="0" smtClean="0"/>
+          </a:p>
+          <a:p>
+            <a:endParaRPr lang="en-US" altLang="ja-JP" dirty="0" smtClean="0"/>
+          </a:p>
+          <a:p>
+            <a:r>
+              <a:rPr kumimoji="1" lang="ja-JP" altLang="en-US" dirty="0" smtClean="0"/>
+              <a:t>利用者登録</a:t>
+            </a:r>
+            <a:endParaRPr kumimoji="1" lang="en-US" altLang="ja-JP" dirty="0" smtClean="0"/>
+          </a:p>
+          <a:p>
+            <a:endParaRPr kumimoji="1" lang="en-US" altLang="ja-JP" dirty="0" smtClean="0"/>
+          </a:p>
+          <a:p>
+            <a:r>
+              <a:rPr kumimoji="1" lang="ja-JP" altLang="en-US" dirty="0" smtClean="0"/>
+              <a:t>商品登録のエラー処理</a:t>
+            </a:r>
+            <a:endParaRPr kumimoji="1" lang="en-US" altLang="ja-JP" dirty="0" smtClean="0"/>
+          </a:p>
+          <a:p>
+            <a:endParaRPr lang="en-US" altLang="ja-JP" dirty="0" smtClean="0"/>
+          </a:p>
+          <a:p>
+            <a:r>
+              <a:rPr kumimoji="1" lang="en-US" altLang="ja-JP" dirty="0" err="1" smtClean="0"/>
+              <a:t>Warfail</a:t>
+            </a:r>
+            <a:r>
+              <a:rPr kumimoji="1" lang="ja-JP" altLang="en-US" dirty="0" smtClean="0"/>
+              <a:t>作成</a:t>
+            </a:r>
+            <a:endParaRPr kumimoji="1" lang="en-US" altLang="ja-JP" dirty="0" smtClean="0"/>
+          </a:p>
+          <a:p>
+            <a:endParaRPr kumimoji="1" lang="en-US" altLang="ja-JP" dirty="0" smtClean="0"/>
+          </a:p>
+          <a:p>
+            <a:r>
+              <a:rPr kumimoji="1" lang="en-US" altLang="ja-JP" dirty="0" smtClean="0"/>
+              <a:t>Linux</a:t>
+            </a:r>
+            <a:r>
+              <a:rPr lang="ja-JP" altLang="en-US" dirty="0" smtClean="0"/>
+              <a:t>上の</a:t>
+            </a:r>
+            <a:r>
+              <a:rPr lang="en-US" altLang="ja-JP" dirty="0" smtClean="0"/>
+              <a:t>tomcat</a:t>
+            </a:r>
+            <a:r>
+              <a:rPr lang="ja-JP" altLang="en-US" dirty="0" smtClean="0"/>
+              <a:t>にデプロイ</a:t>
+            </a:r>
+            <a:endParaRPr lang="en-US" altLang="ja-JP" dirty="0" smtClean="0"/>
+          </a:p>
+          <a:p>
+            <a:endParaRPr lang="en-US" altLang="ja-JP" dirty="0" smtClean="0"/>
+          </a:p>
+          <a:p>
+            <a:r>
+              <a:rPr kumimoji="1" lang="en-US" altLang="ja-JP" dirty="0" smtClean="0"/>
+              <a:t>Linux</a:t>
+            </a:r>
+            <a:r>
+              <a:rPr kumimoji="1" lang="ja-JP" altLang="en-US" dirty="0" smtClean="0"/>
+              <a:t>上の</a:t>
+            </a:r>
+            <a:r>
+              <a:rPr kumimoji="1" lang="en-US" altLang="ja-JP" dirty="0" err="1" smtClean="0"/>
+              <a:t>postgresql</a:t>
+            </a:r>
+            <a:r>
+              <a:rPr lang="ja-JP" altLang="en-US" dirty="0" smtClean="0"/>
+              <a:t>の</a:t>
+            </a:r>
+            <a:r>
+              <a:rPr lang="en-US" altLang="ja-JP" dirty="0" smtClean="0"/>
+              <a:t>SETUP</a:t>
+            </a:r>
+          </a:p>
+          <a:p>
+            <a:pPr>
+              <a:buNone/>
+            </a:pPr>
+            <a:r>
+              <a:rPr lang="ja-JP" altLang="en-US" dirty="0" smtClean="0"/>
+              <a:t>（伊賀さんのお力絶大）</a:t>
+            </a:r>
+            <a:endParaRPr lang="en-US" altLang="ja-JP" dirty="0" smtClean="0"/>
+          </a:p>
+          <a:p>
+            <a:endParaRPr kumimoji="1" lang="en-US" altLang="ja-JP" dirty="0" smtClean="0"/>
+          </a:p>
+          <a:p>
+            <a:endParaRPr kumimoji="1" lang="ja-JP" altLang="en-US" dirty="0"/>
+          </a:p>
+        </p:txBody>
+      </p:sp>
+    </p:spTree>
+  </p:cSld>
+  <p:clrMapOvr>
+    <a:masterClrMapping/>
+  </p:clrMapOvr>
+</p:sld>
+</file>
+
+<file path=ppt/slides/slide13.xml><?xml version="1.0" encoding="utf-8"?>
+<p:sld xmlns:a="http://schemas.openxmlformats.org/drawingml/2006/main" xmlns:r="http://schemas.openxmlformats.org/officeDocument/2006/relationships" xmlns:p="http://schemas.openxmlformats.org/presentationml/2006/main">
+  <p:cSld>
+    <p:spTree>
+      <p:nvGrpSpPr>
+        <p:cNvPr id="1" name=""/>
+        <p:cNvGrpSpPr/>
+        <p:nvPr/>
+      </p:nvGrpSpPr>
+      <p:grpSpPr>
+        <a:xfrm>
+          <a:off x="0" y="0"/>
+          <a:ext cx="0" cy="0"/>
+          <a:chOff x="0" y="0"/>
+          <a:chExt cx="0" cy="0"/>
+        </a:xfrm>
+      </p:grpSpPr>
+      <p:sp>
+        <p:nvSpPr>
+          <p:cNvPr id="2" name="タイトル 1"/>
+          <p:cNvSpPr>
+            <a:spLocks noGrp="1"/>
+          </p:cNvSpPr>
+          <p:nvPr>
+            <p:ph type="title"/>
+          </p:nvPr>
+        </p:nvSpPr>
+        <p:spPr/>
+        <p:txBody>
+          <a:bodyPr/>
+          <a:lstStyle/>
+          <a:p>
+            <a:endParaRPr kumimoji="1" lang="ja-JP" altLang="en-US"/>
+          </a:p>
+        </p:txBody>
+      </p:sp>
+      <p:sp>
+        <p:nvSpPr>
+          <p:cNvPr id="3" name="コンテンツ プレースホルダ 2"/>
+          <p:cNvSpPr>
+            <a:spLocks noGrp="1"/>
+          </p:cNvSpPr>
+          <p:nvPr>
+            <p:ph sz="quarter" idx="1"/>
+          </p:nvPr>
+        </p:nvSpPr>
+        <p:spPr/>
+        <p:txBody>
+          <a:bodyPr/>
+          <a:lstStyle/>
+          <a:p>
+            <a:endParaRPr kumimoji="1" lang="ja-JP" altLang="en-US" dirty="0"/>
+          </a:p>
+        </p:txBody>
+      </p:sp>
+    </p:spTree>
+  </p:cSld>
+  <p:clrMapOvr>
+    <a:masterClrMapping/>
+  </p:clrMapOvr>
+</p:sld>
+</file>
+
+<file path=ppt/slides/slide14.xml><?xml version="1.0" encoding="utf-8"?>
+<p:sld xmlns:a="http://schemas.openxmlformats.org/drawingml/2006/main" xmlns:r="http://schemas.openxmlformats.org/officeDocument/2006/relationships" xmlns:p="http://schemas.openxmlformats.org/presentationml/2006/main">
+  <p:cSld>
+    <p:spTree>
+      <p:nvGrpSpPr>
+        <p:cNvPr id="1" name=""/>
+        <p:cNvGrpSpPr/>
+        <p:nvPr/>
+      </p:nvGrpSpPr>
+      <p:grpSpPr>
+        <a:xfrm>
+          <a:off x="0" y="0"/>
+          <a:ext cx="0" cy="0"/>
+          <a:chOff x="0" y="0"/>
+          <a:chExt cx="0" cy="0"/>
+        </a:xfrm>
+      </p:grpSpPr>
+      <p:sp>
+        <p:nvSpPr>
+          <p:cNvPr id="2" name="タイトル 1"/>
+          <p:cNvSpPr>
+            <a:spLocks noGrp="1"/>
+          </p:cNvSpPr>
+          <p:nvPr>
+            <p:ph type="title"/>
+          </p:nvPr>
+        </p:nvSpPr>
+        <p:spPr/>
+        <p:txBody>
+          <a:bodyPr>
+            <a:normAutofit/>
+          </a:bodyPr>
+          <a:lstStyle/>
+          <a:p>
+            <a:r>
+              <a:rPr lang="ja-JP" altLang="en-US" dirty="0" smtClean="0"/>
+              <a:t>澤村</a:t>
+            </a:r>
+            <a:endParaRPr kumimoji="1" lang="ja-JP" altLang="en-US" dirty="0"/>
+          </a:p>
+        </p:txBody>
+      </p:sp>
+      <p:sp>
+        <p:nvSpPr>
+          <p:cNvPr id="3" name="コンテンツ プレースホルダ 2"/>
+          <p:cNvSpPr>
+            <a:spLocks noGrp="1"/>
+          </p:cNvSpPr>
+          <p:nvPr>
+            <p:ph sz="quarter" idx="1"/>
+          </p:nvPr>
+        </p:nvSpPr>
+        <p:spPr>
+          <a:xfrm>
+            <a:off x="612648" y="1600200"/>
+            <a:ext cx="8153400" cy="5429200"/>
+          </a:xfrm>
+        </p:spPr>
+        <p:txBody>
+          <a:bodyPr>
+            <a:normAutofit fontScale="92500" lnSpcReduction="20000"/>
+          </a:bodyPr>
+          <a:lstStyle/>
+          <a:p>
+            <a:r>
+              <a:rPr lang="ja-JP" altLang="en-US" dirty="0" smtClean="0"/>
+              <a:t>管理者登録</a:t>
+            </a:r>
+            <a:endParaRPr lang="en-US" altLang="ja-JP" dirty="0" smtClean="0"/>
+          </a:p>
+          <a:p>
+            <a:pPr>
+              <a:buNone/>
+            </a:pPr>
+            <a:r>
+              <a:rPr lang="ja-JP" altLang="en-US" dirty="0" smtClean="0"/>
+              <a:t>　　</a:t>
+            </a:r>
+            <a:endParaRPr lang="en-US" altLang="ja-JP" dirty="0" smtClean="0"/>
+          </a:p>
+          <a:p>
+            <a:r>
+              <a:rPr kumimoji="1" lang="ja-JP" altLang="en-US" dirty="0" smtClean="0"/>
+              <a:t>利用者登録</a:t>
+            </a:r>
+            <a:endParaRPr kumimoji="1" lang="en-US" altLang="ja-JP" dirty="0" smtClean="0"/>
+          </a:p>
+          <a:p>
+            <a:endParaRPr kumimoji="1" lang="en-US" altLang="ja-JP" dirty="0" smtClean="0"/>
+          </a:p>
+          <a:p>
+            <a:r>
+              <a:rPr kumimoji="1" lang="ja-JP" altLang="en-US" dirty="0" smtClean="0"/>
+              <a:t>商品登録のエラー処理</a:t>
+            </a:r>
+            <a:endParaRPr kumimoji="1" lang="en-US" altLang="ja-JP" dirty="0" smtClean="0"/>
+          </a:p>
+          <a:p>
+            <a:endParaRPr lang="en-US" altLang="ja-JP" dirty="0" smtClean="0"/>
+          </a:p>
+          <a:p>
+            <a:r>
+              <a:rPr kumimoji="1" lang="en-US" altLang="ja-JP" dirty="0" err="1" smtClean="0"/>
+              <a:t>Warfail</a:t>
+            </a:r>
+            <a:r>
+              <a:rPr kumimoji="1" lang="ja-JP" altLang="en-US" dirty="0" smtClean="0"/>
+              <a:t>作成</a:t>
+            </a:r>
+            <a:endParaRPr kumimoji="1" lang="en-US" altLang="ja-JP" dirty="0" smtClean="0"/>
+          </a:p>
+          <a:p>
+            <a:endParaRPr kumimoji="1" lang="en-US" altLang="ja-JP" dirty="0" smtClean="0"/>
+          </a:p>
+          <a:p>
+            <a:r>
+              <a:rPr kumimoji="1" lang="en-US" altLang="ja-JP" dirty="0" smtClean="0"/>
+              <a:t>Linux</a:t>
+            </a:r>
+            <a:r>
+              <a:rPr lang="ja-JP" altLang="en-US" dirty="0" smtClean="0"/>
+              <a:t>上の</a:t>
+            </a:r>
+            <a:r>
+              <a:rPr lang="en-US" altLang="ja-JP" dirty="0" smtClean="0"/>
+              <a:t>tomcat</a:t>
+            </a:r>
+            <a:r>
+              <a:rPr lang="ja-JP" altLang="en-US" dirty="0" smtClean="0"/>
+              <a:t>にデプロイ</a:t>
+            </a:r>
+            <a:endParaRPr lang="en-US" altLang="ja-JP" dirty="0" smtClean="0"/>
+          </a:p>
+          <a:p>
+            <a:endParaRPr lang="en-US" altLang="ja-JP" dirty="0" smtClean="0"/>
+          </a:p>
+          <a:p>
+            <a:r>
+              <a:rPr kumimoji="1" lang="en-US" altLang="ja-JP" dirty="0" smtClean="0"/>
+              <a:t>Linux</a:t>
+            </a:r>
+            <a:r>
+              <a:rPr kumimoji="1" lang="ja-JP" altLang="en-US" dirty="0" smtClean="0"/>
+              <a:t>上の</a:t>
+            </a:r>
+            <a:r>
+              <a:rPr kumimoji="1" lang="en-US" altLang="ja-JP" dirty="0" err="1" smtClean="0"/>
+              <a:t>postgresql</a:t>
+            </a:r>
+            <a:r>
+              <a:rPr lang="ja-JP" altLang="en-US" dirty="0" smtClean="0"/>
+              <a:t>の</a:t>
+            </a:r>
+            <a:r>
+              <a:rPr lang="en-US" altLang="ja-JP" dirty="0" smtClean="0"/>
+              <a:t>SETUP</a:t>
+            </a:r>
+          </a:p>
+          <a:p>
+            <a:pPr>
+              <a:buNone/>
+            </a:pPr>
+            <a:r>
+              <a:rPr lang="ja-JP" altLang="en-US" dirty="0" smtClean="0"/>
+              <a:t>（伊賀さんのお力絶大）</a:t>
+            </a:r>
+            <a:endParaRPr lang="en-US" altLang="ja-JP" dirty="0" smtClean="0"/>
+          </a:p>
+          <a:p>
+            <a:endParaRPr kumimoji="1" lang="en-US" altLang="ja-JP" dirty="0" smtClean="0"/>
+          </a:p>
+          <a:p>
+            <a:endParaRPr kumimoji="1" lang="ja-JP" altLang="en-US" dirty="0"/>
+          </a:p>
+        </p:txBody>
+      </p:sp>
+    </p:spTree>
+  </p:cSld>
+  <p:clrMapOvr>
+    <a:masterClrMapping/>
+  </p:clrMapOvr>
+</p:sld>
+</file>
+
+<file path=ppt/slides/slide15.xml><?xml version="1.0" encoding="utf-8"?>
+<p:sld xmlns:a="http://schemas.openxmlformats.org/drawingml/2006/main" xmlns:r="http://schemas.openxmlformats.org/officeDocument/2006/relationships" xmlns:p="http://schemas.openxmlformats.org/presentationml/2006/main">
+  <p:cSld>
+    <p:spTree>
+      <p:nvGrpSpPr>
+        <p:cNvPr id="1" name=""/>
+        <p:cNvGrpSpPr/>
+        <p:nvPr/>
+      </p:nvGrpSpPr>
+      <p:grpSpPr>
+        <a:xfrm>
+          <a:off x="0" y="0"/>
+          <a:ext cx="0" cy="0"/>
+          <a:chOff x="0" y="0"/>
+          <a:chExt cx="0" cy="0"/>
+        </a:xfrm>
+      </p:grpSpPr>
+      <p:sp>
+        <p:nvSpPr>
+          <p:cNvPr id="2" name="タイトル 1"/>
+          <p:cNvSpPr>
+            <a:spLocks noGrp="1"/>
+          </p:cNvSpPr>
+          <p:nvPr>
+            <p:ph type="title"/>
+          </p:nvPr>
+        </p:nvSpPr>
+        <p:spPr/>
+        <p:txBody>
+          <a:bodyPr/>
+          <a:lstStyle/>
+          <a:p>
+            <a:r>
+              <a:rPr kumimoji="1" lang="ja-JP" altLang="en-US" dirty="0" smtClean="0"/>
+              <a:t>澤村</a:t>
+            </a:r>
+            <a:endParaRPr kumimoji="1" lang="ja-JP" altLang="en-US" dirty="0"/>
+          </a:p>
+        </p:txBody>
+      </p:sp>
+      <p:sp>
+        <p:nvSpPr>
+          <p:cNvPr id="3" name="コンテンツ プレースホルダ 2"/>
+          <p:cNvSpPr>
+            <a:spLocks noGrp="1"/>
+          </p:cNvSpPr>
+          <p:nvPr>
+            <p:ph sz="quarter" idx="1"/>
+          </p:nvPr>
+        </p:nvSpPr>
+        <p:spPr/>
+        <p:txBody>
+          <a:bodyPr/>
+          <a:lstStyle/>
+          <a:p>
+            <a:r>
+              <a:rPr kumimoji="1" lang="ja-JP" altLang="en-US" dirty="0" smtClean="0"/>
+              <a:t>困ったこと</a:t>
+            </a:r>
+            <a:endParaRPr kumimoji="1" lang="en-US" altLang="ja-JP" dirty="0" smtClean="0"/>
+          </a:p>
+          <a:p>
+            <a:endParaRPr lang="en-US" altLang="ja-JP" dirty="0" smtClean="0"/>
+          </a:p>
+          <a:p>
+            <a:r>
+              <a:rPr kumimoji="1" lang="ja-JP" altLang="en-US" dirty="0" smtClean="0"/>
+              <a:t>クラス図作成中のブラックアウト＆強制シャットダウン計５回</a:t>
+            </a:r>
+            <a:endParaRPr kumimoji="1" lang="en-US" altLang="ja-JP" dirty="0" smtClean="0"/>
+          </a:p>
+          <a:p>
+            <a:pPr>
+              <a:buNone/>
+            </a:pPr>
+            <a:r>
+              <a:rPr lang="ja-JP" altLang="en-US" dirty="0" smtClean="0"/>
+              <a:t>　（クラス図書き直し、ｓｔｓの中のクラスが消え再度クローン）</a:t>
+            </a:r>
+            <a:endParaRPr lang="en-US" altLang="ja-JP" dirty="0" smtClean="0"/>
+          </a:p>
+          <a:p>
+            <a:endParaRPr lang="en-US" altLang="ja-JP" dirty="0" smtClean="0"/>
+          </a:p>
+          <a:p>
+            <a:r>
+              <a:rPr kumimoji="1" lang="ja-JP" altLang="en-US" dirty="0" smtClean="0"/>
+              <a:t>初面談による緊張</a:t>
+            </a:r>
+            <a:endParaRPr kumimoji="1" lang="en-US" altLang="ja-JP" dirty="0" smtClean="0"/>
+          </a:p>
+        </p:txBody>
+      </p:sp>
+      <p:pic>
+        <p:nvPicPr>
+          <p:cNvPr id="4" name="図 3" descr="thONJN6OQC.jpg"/>
+          <p:cNvPicPr>
+            <a:picLocks noChangeAspect="1"/>
+          </p:cNvPicPr>
+          <p:nvPr/>
+        </p:nvPicPr>
+        <p:blipFill>
+          <a:blip r:embed="rId2"/>
+          <a:stretch>
+            <a:fillRect/>
+          </a:stretch>
+        </p:blipFill>
+        <p:spPr>
+          <a:xfrm>
+            <a:off x="7668344" y="1628800"/>
+            <a:ext cx="874550" cy="1140718"/>
+          </a:xfrm>
+          <a:prstGeom prst="rect">
+            <a:avLst/>
+          </a:prstGeom>
+        </p:spPr>
+      </p:pic>
+    </p:spTree>
+  </p:cSld>
+  <p:clrMapOvr>
+    <a:masterClrMapping/>
+  </p:clrMapOvr>
+</p:sld>
+</file>
+
+<file path=ppt/slides/slide16.xml><?xml version="1.0" encoding="utf-8"?>
+<p:sld xmlns:a="http://schemas.openxmlformats.org/drawingml/2006/main" xmlns:r="http://schemas.openxmlformats.org/officeDocument/2006/relationships" xmlns:p="http://schemas.openxmlformats.org/presentationml/2006/main">
+  <p:cSld>
+    <p:spTree>
+      <p:nvGrpSpPr>
+        <p:cNvPr id="1" name=""/>
+        <p:cNvGrpSpPr/>
+        <p:nvPr/>
+      </p:nvGrpSpPr>
+      <p:grpSpPr>
+        <a:xfrm>
+          <a:off x="0" y="0"/>
+          <a:ext cx="0" cy="0"/>
+          <a:chOff x="0" y="0"/>
+          <a:chExt cx="0" cy="0"/>
+        </a:xfrm>
+      </p:grpSpPr>
+      <p:sp>
+        <p:nvSpPr>
+          <p:cNvPr id="2" name="タイトル 1"/>
+          <p:cNvSpPr>
+            <a:spLocks noGrp="1"/>
+          </p:cNvSpPr>
+          <p:nvPr>
+            <p:ph type="title"/>
+          </p:nvPr>
+        </p:nvSpPr>
+        <p:spPr/>
+        <p:txBody>
+          <a:bodyPr/>
+          <a:lstStyle/>
+          <a:p>
+            <a:r>
+              <a:rPr kumimoji="1" lang="ja-JP" altLang="en-US" dirty="0" smtClean="0"/>
+              <a:t>澤村</a:t>
+            </a:r>
+            <a:endParaRPr kumimoji="1" lang="ja-JP" altLang="en-US" dirty="0"/>
+          </a:p>
+        </p:txBody>
+      </p:sp>
+      <p:sp>
+        <p:nvSpPr>
+          <p:cNvPr id="3" name="コンテンツ プレースホルダ 2"/>
+          <p:cNvSpPr>
+            <a:spLocks noGrp="1"/>
+          </p:cNvSpPr>
+          <p:nvPr>
+            <p:ph sz="quarter" idx="1"/>
+          </p:nvPr>
+        </p:nvSpPr>
+        <p:spPr/>
+        <p:txBody>
+          <a:bodyPr>
+            <a:normAutofit fontScale="92500" lnSpcReduction="20000"/>
+          </a:bodyPr>
+          <a:lstStyle/>
+          <a:p>
+            <a:r>
+              <a:rPr lang="ja-JP" altLang="en-US" sz="2800" dirty="0" smtClean="0"/>
+              <a:t>難しかった点</a:t>
+            </a:r>
+            <a:endParaRPr lang="en-US" altLang="ja-JP" sz="2800" dirty="0" smtClean="0"/>
+          </a:p>
+          <a:p>
+            <a:endParaRPr kumimoji="1" lang="en-US" altLang="ja-JP" sz="2800" dirty="0" smtClean="0"/>
+          </a:p>
+          <a:p>
+            <a:r>
+              <a:rPr kumimoji="1" lang="en-US" altLang="ja-JP" sz="2800" dirty="0" smtClean="0"/>
+              <a:t>Linux</a:t>
+            </a:r>
+            <a:r>
+              <a:rPr lang="ja-JP" altLang="en-US" sz="2800" dirty="0" smtClean="0"/>
+              <a:t>の</a:t>
+            </a:r>
+            <a:r>
+              <a:rPr lang="en-US" altLang="ja-JP" sz="2800" dirty="0" err="1" smtClean="0"/>
+              <a:t>postgresql</a:t>
+            </a:r>
+            <a:r>
+              <a:rPr lang="ja-JP" altLang="en-US" sz="2800" dirty="0" smtClean="0"/>
+              <a:t>の環境構築</a:t>
+            </a:r>
+            <a:endParaRPr lang="en-US" altLang="ja-JP" sz="2800" dirty="0" smtClean="0"/>
+          </a:p>
+          <a:p>
+            <a:pPr>
+              <a:buNone/>
+            </a:pPr>
+            <a:r>
+              <a:rPr lang="ja-JP" altLang="en-US" sz="2800" dirty="0" smtClean="0"/>
+              <a:t>　　　</a:t>
+            </a:r>
+            <a:r>
+              <a:rPr lang="ja-JP" altLang="en-US" sz="2800" dirty="0" smtClean="0"/>
+              <a:t>テーブル</a:t>
+            </a:r>
+            <a:r>
+              <a:rPr lang="ja-JP" altLang="en-US" sz="2800" dirty="0" smtClean="0"/>
+              <a:t>の中身の確認ややクエリーの実行結　果確認</a:t>
+            </a:r>
+            <a:endParaRPr lang="en-US" altLang="ja-JP" sz="2800" dirty="0" smtClean="0"/>
+          </a:p>
+          <a:p>
+            <a:pPr>
+              <a:buNone/>
+            </a:pPr>
+            <a:r>
+              <a:rPr lang="ja-JP" altLang="en-US" sz="2800" dirty="0" smtClean="0"/>
+              <a:t>　</a:t>
+            </a:r>
+            <a:r>
+              <a:rPr lang="ja-JP" altLang="en-US" sz="2800" dirty="0" smtClean="0"/>
+              <a:t>　</a:t>
+            </a:r>
+            <a:endParaRPr lang="en-US" altLang="ja-JP" sz="2800" dirty="0" smtClean="0"/>
+          </a:p>
+          <a:p>
+            <a:r>
+              <a:rPr lang="ja-JP" altLang="en-US" sz="2800" dirty="0" smtClean="0"/>
+              <a:t>チーム開発でのコンフリクト</a:t>
+            </a:r>
+            <a:endParaRPr lang="en-US" altLang="ja-JP" sz="2800" dirty="0" smtClean="0"/>
+          </a:p>
+          <a:p>
+            <a:pPr>
+              <a:buNone/>
+            </a:pPr>
+            <a:r>
+              <a:rPr lang="ja-JP" altLang="en-US" sz="2800" dirty="0" smtClean="0"/>
+              <a:t>　</a:t>
+            </a:r>
+            <a:r>
+              <a:rPr lang="ja-JP" altLang="en-US" sz="2800" dirty="0" smtClean="0"/>
+              <a:t>　　自動的に</a:t>
+            </a:r>
+            <a:r>
+              <a:rPr lang="en-US" altLang="ja-JP" sz="2800" dirty="0" err="1" smtClean="0"/>
+              <a:t>pom</a:t>
+            </a:r>
+            <a:r>
+              <a:rPr lang="ja-JP" altLang="en-US" sz="2800" dirty="0" smtClean="0"/>
+              <a:t>が生成されコンフリクト</a:t>
+            </a:r>
+            <a:endParaRPr lang="en-US" altLang="ja-JP" sz="2800" dirty="0" smtClean="0"/>
+          </a:p>
+          <a:p>
+            <a:endParaRPr lang="en-US" altLang="ja-JP" sz="2800" dirty="0" smtClean="0"/>
+          </a:p>
+          <a:p>
+            <a:r>
+              <a:rPr lang="ja-JP" altLang="en-US" sz="2800" dirty="0" smtClean="0"/>
+              <a:t>正規表現式</a:t>
+            </a:r>
+            <a:endParaRPr lang="en-US" altLang="ja-JP" sz="2800" dirty="0" smtClean="0"/>
+          </a:p>
+          <a:p>
+            <a:pPr>
+              <a:buNone/>
+            </a:pPr>
+            <a:r>
+              <a:rPr lang="ja-JP" altLang="en-US" sz="2800" dirty="0" smtClean="0"/>
+              <a:t>　　　＠</a:t>
+            </a:r>
+            <a:r>
+              <a:rPr lang="en-US" altLang="ja-JP" sz="2800" dirty="0" err="1" smtClean="0"/>
+              <a:t>patterm</a:t>
+            </a:r>
+            <a:r>
+              <a:rPr lang="ja-JP" altLang="en-US" sz="2800" dirty="0" smtClean="0"/>
+              <a:t>で使用</a:t>
+            </a:r>
+            <a:endParaRPr lang="en-US" altLang="ja-JP" sz="2800" dirty="0" smtClean="0"/>
+          </a:p>
+          <a:p>
+            <a:pPr>
+              <a:buNone/>
+            </a:pPr>
+            <a:endParaRPr lang="en-US" altLang="ja-JP" sz="2800" dirty="0" smtClean="0"/>
+          </a:p>
+          <a:p>
+            <a:endParaRPr lang="en-US" altLang="ja-JP" sz="2800" dirty="0" smtClean="0"/>
+          </a:p>
+          <a:p>
+            <a:pPr>
+              <a:buNone/>
+            </a:pPr>
+            <a:endParaRPr lang="en-US" altLang="ja-JP" dirty="0" smtClean="0"/>
+          </a:p>
+        </p:txBody>
+      </p:sp>
+      <p:pic>
+        <p:nvPicPr>
+          <p:cNvPr id="5" name="図 4" descr="ダウンロード.jpg"/>
+          <p:cNvPicPr>
+            <a:picLocks noChangeAspect="1"/>
+          </p:cNvPicPr>
+          <p:nvPr/>
+        </p:nvPicPr>
+        <p:blipFill>
+          <a:blip r:embed="rId2"/>
+          <a:stretch>
+            <a:fillRect/>
+          </a:stretch>
+        </p:blipFill>
+        <p:spPr>
+          <a:xfrm>
+            <a:off x="7164288" y="5623560"/>
+            <a:ext cx="1676400" cy="1234440"/>
+          </a:xfrm>
+          <a:prstGeom prst="rect">
+            <a:avLst/>
+          </a:prstGeom>
+        </p:spPr>
+      </p:pic>
+    </p:spTree>
+  </p:cSld>
+  <p:clrMapOvr>
+    <a:masterClrMapping/>
+  </p:clrMapOvr>
+</p:sld>
+</file>
+
+<file path=ppt/slides/slide17.xml><?xml version="1.0" encoding="utf-8"?>
 <p:sld xmlns:a="http://schemas.openxmlformats.org/drawingml/2006/main" xmlns:r="http://schemas.openxmlformats.org/officeDocument/2006/relationships" xmlns:p="http://schemas.openxmlformats.org/presentationml/2006/main">
   <p:cSld>
     <p:spTree>

--- a/document/ECサイト.pptx
+++ b/document/ECサイト.pptx
@@ -1,6 +1,6 @@
 
 <file path=ppt/presentation.xml><?xml version="1.0" encoding="utf-8"?>
-<p:presentation xmlns:a="http://schemas.openxmlformats.org/drawingml/2006/main" xmlns:r="http://schemas.openxmlformats.org/officeDocument/2006/relationships" xmlns:p="http://schemas.openxmlformats.org/presentationml/2006/main" serverZoom="29622" saveSubsetFonts="1">
+<p:presentation xmlns:a="http://schemas.openxmlformats.org/drawingml/2006/main" xmlns:r="http://schemas.openxmlformats.org/officeDocument/2006/relationships" xmlns:p="http://schemas.openxmlformats.org/presentationml/2006/main" serverZoom="16838" saveSubsetFonts="1">
   <p:sldMasterIdLst>
     <p:sldMasterId id="2147483660" r:id="rId1"/>
   </p:sldMasterIdLst>
@@ -16,12 +16,18 @@
     <p:sldId id="264" r:id="rId10"/>
     <p:sldId id="265" r:id="rId11"/>
     <p:sldId id="266" r:id="rId12"/>
-    <p:sldId id="268" r:id="rId13"/>
-    <p:sldId id="269" r:id="rId14"/>
-    <p:sldId id="270" r:id="rId15"/>
-    <p:sldId id="272" r:id="rId16"/>
+    <p:sldId id="267" r:id="rId13"/>
+    <p:sldId id="268" r:id="rId14"/>
+    <p:sldId id="269" r:id="rId15"/>
+    <p:sldId id="270" r:id="rId16"/>
     <p:sldId id="271" r:id="rId17"/>
-    <p:sldId id="267" r:id="rId18"/>
+    <p:sldId id="272" r:id="rId18"/>
+    <p:sldId id="273" r:id="rId19"/>
+    <p:sldId id="274" r:id="rId20"/>
+    <p:sldId id="275" r:id="rId21"/>
+    <p:sldId id="276" r:id="rId22"/>
+    <p:sldId id="277" r:id="rId23"/>
+    <p:sldId id="278" r:id="rId24"/>
   </p:sldIdLst>
   <p:sldSz cx="9144000" cy="6858000" type="screen4x3"/>
   <p:notesSz cx="6858000" cy="9144000"/>
@@ -415,7 +421,7 @@
             <a:fld id="{C185541C-1EC8-4309-8DE2-E5452EF526F2}" type="datetimeFigureOut">
               <a:rPr kumimoji="1" lang="ja-JP" altLang="en-US" smtClean="0"/>
               <a:pPr/>
-              <a:t>2016/6/29</a:t>
+              <a:t>2016/6/30</a:t>
             </a:fld>
             <a:endParaRPr kumimoji="1" lang="ja-JP" altLang="en-US"/>
           </a:p>
@@ -640,7 +646,7 @@
             <a:fld id="{C185541C-1EC8-4309-8DE2-E5452EF526F2}" type="datetimeFigureOut">
               <a:rPr kumimoji="1" lang="ja-JP" altLang="en-US" smtClean="0"/>
               <a:pPr/>
-              <a:t>2016/6/29</a:t>
+              <a:t>2016/6/30</a:t>
             </a:fld>
             <a:endParaRPr kumimoji="1" lang="ja-JP" altLang="en-US"/>
           </a:p>
@@ -859,7 +865,7 @@
             <a:fld id="{C185541C-1EC8-4309-8DE2-E5452EF526F2}" type="datetimeFigureOut">
               <a:rPr kumimoji="1" lang="ja-JP" altLang="en-US" smtClean="0"/>
               <a:pPr/>
-              <a:t>2016/6/29</a:t>
+              <a:t>2016/6/30</a:t>
             </a:fld>
             <a:endParaRPr kumimoji="1" lang="ja-JP" altLang="en-US"/>
           </a:p>
@@ -1124,7 +1130,7 @@
             <a:fld id="{C185541C-1EC8-4309-8DE2-E5452EF526F2}" type="datetimeFigureOut">
               <a:rPr kumimoji="1" lang="ja-JP" altLang="en-US" smtClean="0"/>
               <a:pPr/>
-              <a:t>2016/6/29</a:t>
+              <a:t>2016/6/30</a:t>
             </a:fld>
             <a:endParaRPr kumimoji="1" lang="ja-JP" altLang="en-US"/>
           </a:p>
@@ -1574,7 +1580,7 @@
             <a:fld id="{C185541C-1EC8-4309-8DE2-E5452EF526F2}" type="datetimeFigureOut">
               <a:rPr kumimoji="1" lang="ja-JP" altLang="en-US" smtClean="0"/>
               <a:pPr/>
-              <a:t>2016/6/29</a:t>
+              <a:t>2016/6/30</a:t>
             </a:fld>
             <a:endParaRPr kumimoji="1" lang="ja-JP" altLang="en-US"/>
           </a:p>
@@ -1882,7 +1888,7 @@
             <a:fld id="{C185541C-1EC8-4309-8DE2-E5452EF526F2}" type="datetimeFigureOut">
               <a:rPr kumimoji="1" lang="ja-JP" altLang="en-US" smtClean="0"/>
               <a:pPr/>
-              <a:t>2016/6/29</a:t>
+              <a:t>2016/6/30</a:t>
             </a:fld>
             <a:endParaRPr kumimoji="1" lang="ja-JP" altLang="en-US"/>
           </a:p>
@@ -2184,7 +2190,7 @@
             <a:fld id="{C185541C-1EC8-4309-8DE2-E5452EF526F2}" type="datetimeFigureOut">
               <a:rPr kumimoji="1" lang="ja-JP" altLang="en-US" smtClean="0"/>
               <a:pPr/>
-              <a:t>2016/6/29</a:t>
+              <a:t>2016/6/30</a:t>
             </a:fld>
             <a:endParaRPr kumimoji="1" lang="ja-JP" altLang="en-US"/>
           </a:p>
@@ -2381,7 +2387,7 @@
             <a:fld id="{C185541C-1EC8-4309-8DE2-E5452EF526F2}" type="datetimeFigureOut">
               <a:rPr kumimoji="1" lang="ja-JP" altLang="en-US" smtClean="0"/>
               <a:pPr/>
-              <a:t>2016/6/29</a:t>
+              <a:t>2016/6/30</a:t>
             </a:fld>
             <a:endParaRPr kumimoji="1" lang="ja-JP" altLang="en-US"/>
           </a:p>
@@ -2481,7 +2487,7 @@
             <a:fld id="{C185541C-1EC8-4309-8DE2-E5452EF526F2}" type="datetimeFigureOut">
               <a:rPr kumimoji="1" lang="ja-JP" altLang="en-US" smtClean="0"/>
               <a:pPr/>
-              <a:t>2016/6/29</a:t>
+              <a:t>2016/6/30</a:t>
             </a:fld>
             <a:endParaRPr kumimoji="1" lang="ja-JP" altLang="en-US"/>
           </a:p>
@@ -2619,7 +2625,7 @@
             <a:fld id="{C185541C-1EC8-4309-8DE2-E5452EF526F2}" type="datetimeFigureOut">
               <a:rPr kumimoji="1" lang="ja-JP" altLang="en-US" smtClean="0"/>
               <a:pPr/>
-              <a:t>2016/6/29</a:t>
+              <a:t>2016/6/30</a:t>
             </a:fld>
             <a:endParaRPr kumimoji="1" lang="ja-JP" altLang="en-US"/>
           </a:p>
@@ -3171,7 +3177,7 @@
             <a:fld id="{C185541C-1EC8-4309-8DE2-E5452EF526F2}" type="datetimeFigureOut">
               <a:rPr kumimoji="1" lang="ja-JP" altLang="en-US" smtClean="0"/>
               <a:pPr/>
-              <a:t>2016/6/29</a:t>
+              <a:t>2016/6/30</a:t>
             </a:fld>
             <a:endParaRPr kumimoji="1" lang="ja-JP" altLang="en-US"/>
           </a:p>
@@ -3466,7 +3472,7 @@
             <a:fld id="{C185541C-1EC8-4309-8DE2-E5452EF526F2}" type="datetimeFigureOut">
               <a:rPr kumimoji="1" lang="ja-JP" altLang="en-US" smtClean="0"/>
               <a:pPr/>
-              <a:t>2016/6/29</a:t>
+              <a:t>2016/6/30</a:t>
             </a:fld>
             <a:endParaRPr kumimoji="1" lang="ja-JP" altLang="en-US"/>
           </a:p>
@@ -4033,7 +4039,7 @@
             </a:r>
             <a:r>
               <a:rPr kumimoji="1" lang="ja-JP" altLang="en-US" sz="6000" dirty="0" smtClean="0"/>
-              <a:t>サイト</a:t>
+              <a:t>シネマショップ</a:t>
             </a:r>
             <a:r>
               <a:rPr kumimoji="1" lang="en-US" altLang="ja-JP" dirty="0" smtClean="0"/>
@@ -4128,7 +4134,7 @@
           <a:p>
             <a:r>
               <a:rPr lang="ja-JP" altLang="en-US" dirty="0" smtClean="0"/>
-              <a:t>金子</a:t>
+              <a:t>開発の流れ</a:t>
             </a:r>
             <a:endParaRPr kumimoji="1" lang="ja-JP" altLang="en-US" dirty="0"/>
           </a:p>
@@ -4144,20 +4150,167 @@
             <p:ph sz="quarter" idx="1"/>
           </p:nvPr>
         </p:nvSpPr>
-        <p:spPr/>
-        <p:txBody>
-          <a:bodyPr/>
+        <p:spPr>
+          <a:xfrm>
+            <a:off x="612648" y="1600200"/>
+            <a:ext cx="8153400" cy="5069160"/>
+          </a:xfrm>
+        </p:spPr>
+        <p:txBody>
+          <a:bodyPr spcCol="360000">
+            <a:normAutofit/>
+          </a:bodyPr>
           <a:lstStyle/>
           <a:p>
-            <a:endParaRPr kumimoji="1" lang="ja-JP" altLang="en-US"/>
-          </a:p>
-        </p:txBody>
-      </p:sp>
+            <a:pPr marL="514350" indent="-514350">
+              <a:lnSpc>
+                <a:spcPct val="120000"/>
+              </a:lnSpc>
+              <a:spcBef>
+                <a:spcPts val="1000"/>
+              </a:spcBef>
+              <a:buFont typeface="+mj-lt"/>
+              <a:buAutoNum type="arabicPeriod"/>
+            </a:pPr>
+            <a:r>
+              <a:rPr lang="ja-JP" altLang="en-US" sz="3300" dirty="0" smtClean="0"/>
+              <a:t>ユースケースの確認</a:t>
+            </a:r>
+            <a:r>
+              <a:rPr lang="ja-JP" altLang="en-US" sz="3300" dirty="0" smtClean="0"/>
+              <a:t>、作業分担</a:t>
+            </a:r>
+            <a:endParaRPr lang="en-US" altLang="ja-JP" sz="3300" dirty="0" smtClean="0"/>
+          </a:p>
+          <a:p>
+            <a:pPr marL="514350" indent="-514350">
+              <a:lnSpc>
+                <a:spcPct val="120000"/>
+              </a:lnSpc>
+              <a:spcBef>
+                <a:spcPts val="1000"/>
+              </a:spcBef>
+              <a:buFont typeface="+mj-lt"/>
+              <a:buAutoNum type="arabicPeriod"/>
+            </a:pPr>
+            <a:r>
+              <a:rPr lang="ja-JP" altLang="en-US" sz="3300" dirty="0" smtClean="0"/>
+              <a:t>クラス図</a:t>
+            </a:r>
+            <a:r>
+              <a:rPr lang="ja-JP" altLang="en-US" sz="3300" dirty="0" smtClean="0"/>
+              <a:t>の作成</a:t>
+            </a:r>
+            <a:endParaRPr lang="en-US" altLang="ja-JP" sz="3300" dirty="0" smtClean="0"/>
+          </a:p>
+          <a:p>
+            <a:pPr marL="514350" indent="-514350">
+              <a:lnSpc>
+                <a:spcPct val="120000"/>
+              </a:lnSpc>
+              <a:spcBef>
+                <a:spcPts val="1000"/>
+              </a:spcBef>
+              <a:buFont typeface="+mj-lt"/>
+              <a:buAutoNum type="arabicPeriod"/>
+            </a:pPr>
+            <a:r>
+              <a:rPr lang="ja-JP" altLang="en-US" sz="3300" dirty="0" smtClean="0"/>
+              <a:t>実装</a:t>
+            </a:r>
+            <a:endParaRPr lang="en-US" altLang="ja-JP" sz="3300" dirty="0" smtClean="0"/>
+          </a:p>
+          <a:p>
+            <a:pPr marL="514350" indent="-514350">
+              <a:lnSpc>
+                <a:spcPct val="120000"/>
+              </a:lnSpc>
+              <a:spcBef>
+                <a:spcPts val="1000"/>
+              </a:spcBef>
+              <a:buFont typeface="+mj-lt"/>
+              <a:buAutoNum type="arabicPeriod"/>
+            </a:pPr>
+            <a:r>
+              <a:rPr lang="ja-JP" altLang="en-US" sz="3300" dirty="0" smtClean="0"/>
+              <a:t>結合</a:t>
+            </a:r>
+            <a:endParaRPr lang="en-US" altLang="ja-JP" sz="3300" dirty="0" smtClean="0"/>
+          </a:p>
+          <a:p>
+            <a:pPr marL="514350" indent="-514350">
+              <a:lnSpc>
+                <a:spcPct val="120000"/>
+              </a:lnSpc>
+              <a:spcBef>
+                <a:spcPts val="1000"/>
+              </a:spcBef>
+              <a:buFont typeface="+mj-lt"/>
+              <a:buAutoNum type="arabicPeriod"/>
+            </a:pPr>
+            <a:r>
+              <a:rPr lang="ja-JP" altLang="en-US" sz="3300" dirty="0" smtClean="0"/>
+              <a:t>テスト</a:t>
+            </a:r>
+            <a:endParaRPr lang="en-US" altLang="ja-JP" sz="3300" dirty="0" smtClean="0"/>
+          </a:p>
+          <a:p>
+            <a:pPr marL="514350" indent="-514350">
+              <a:lnSpc>
+                <a:spcPct val="120000"/>
+              </a:lnSpc>
+              <a:spcBef>
+                <a:spcPts val="1000"/>
+              </a:spcBef>
+              <a:buFont typeface="+mj-lt"/>
+              <a:buAutoNum type="arabicPeriod"/>
+            </a:pPr>
+            <a:r>
+              <a:rPr lang="ja-JP" altLang="en-US" sz="3300" dirty="0" smtClean="0"/>
+              <a:t>不具合修正、追加機能実装</a:t>
+            </a:r>
+            <a:endParaRPr lang="en-US" altLang="ja-JP" sz="3300" dirty="0" smtClean="0"/>
+          </a:p>
+        </p:txBody>
+      </p:sp>
+      <p:pic>
+        <p:nvPicPr>
+          <p:cNvPr id="4" name="Picture 2" descr="C:\env\springworkspace\ecommerce-springC\src\main\webapp\img\rogo.png"/>
+          <p:cNvPicPr>
+            <a:picLocks noChangeAspect="1" noChangeArrowheads="1"/>
+          </p:cNvPicPr>
+          <p:nvPr/>
+        </p:nvPicPr>
+        <p:blipFill>
+          <a:blip r:embed="rId2" cstate="print"/>
+          <a:srcRect/>
+          <a:stretch>
+            <a:fillRect/>
+          </a:stretch>
+        </p:blipFill>
+        <p:spPr bwMode="auto">
+          <a:xfrm>
+            <a:off x="8172400" y="6021288"/>
+            <a:ext cx="659285" cy="659285"/>
+          </a:xfrm>
+          <a:prstGeom prst="rect">
+            <a:avLst/>
+          </a:prstGeom>
+          <a:noFill/>
+        </p:spPr>
+      </p:pic>
     </p:spTree>
   </p:cSld>
   <p:clrMapOvr>
     <a:masterClrMapping/>
   </p:clrMapOvr>
+  <p:timing>
+    <p:tnLst>
+      <p:par>
+        <p:cTn id="1" dur="indefinite" restart="never" nodeType="tmRoot"/>
+      </p:par>
+    </p:tnLst>
+  </p:timing>
 </p:sld>
 </file>
 
@@ -4195,7 +4348,11 @@
           <a:p>
             <a:r>
               <a:rPr lang="ja-JP" altLang="en-US" dirty="0" smtClean="0"/>
-              <a:t>澤村</a:t>
+              <a:t>発表</a:t>
+            </a:r>
+            <a:r>
+              <a:rPr lang="ja-JP" altLang="en-US" dirty="0" smtClean="0"/>
+              <a:t>の概略</a:t>
             </a:r>
             <a:endParaRPr kumimoji="1" lang="ja-JP" altLang="en-US" dirty="0"/>
           </a:p>
@@ -4213,18 +4370,163 @@
         </p:nvSpPr>
         <p:spPr/>
         <p:txBody>
-          <a:bodyPr/>
+          <a:bodyPr tIns="180000" bIns="180000">
+            <a:normAutofit/>
+          </a:bodyPr>
           <a:lstStyle/>
           <a:p>
-            <a:endParaRPr kumimoji="1" lang="ja-JP" altLang="en-US" dirty="0"/>
-          </a:p>
-        </p:txBody>
-      </p:sp>
+            <a:pPr marL="514350" indent="-514350">
+              <a:buFont typeface="+mj-lt"/>
+              <a:buAutoNum type="arabicPeriod"/>
+            </a:pPr>
+            <a:r>
+              <a:rPr kumimoji="1" lang="ja-JP" altLang="en-US" sz="3200" dirty="0" smtClean="0">
+                <a:solidFill>
+                  <a:schemeClr val="bg1">
+                    <a:lumMod val="75000"/>
+                  </a:schemeClr>
+                </a:solidFill>
+              </a:rPr>
+              <a:t>システムの概要</a:t>
+            </a:r>
+            <a:endParaRPr kumimoji="1" lang="en-US" altLang="ja-JP" sz="3200" dirty="0" smtClean="0">
+              <a:solidFill>
+                <a:schemeClr val="bg1">
+                  <a:lumMod val="75000"/>
+                </a:schemeClr>
+              </a:solidFill>
+            </a:endParaRPr>
+          </a:p>
+          <a:p>
+            <a:pPr marL="514350" indent="-514350">
+              <a:buFont typeface="+mj-lt"/>
+              <a:buAutoNum type="arabicPeriod"/>
+            </a:pPr>
+            <a:r>
+              <a:rPr lang="ja-JP" altLang="en-US" sz="3200" dirty="0" smtClean="0">
+                <a:solidFill>
+                  <a:schemeClr val="bg1">
+                    <a:lumMod val="75000"/>
+                  </a:schemeClr>
+                </a:solidFill>
+              </a:rPr>
+              <a:t>開発の</a:t>
+            </a:r>
+            <a:r>
+              <a:rPr lang="ja-JP" altLang="en-US" sz="3200" dirty="0" smtClean="0">
+                <a:solidFill>
+                  <a:schemeClr val="bg1">
+                    <a:lumMod val="75000"/>
+                  </a:schemeClr>
+                </a:solidFill>
+              </a:rPr>
+              <a:t>流れ</a:t>
+            </a:r>
+            <a:endParaRPr lang="en-US" altLang="ja-JP" sz="3200" dirty="0" smtClean="0">
+              <a:solidFill>
+                <a:schemeClr val="bg1">
+                  <a:lumMod val="75000"/>
+                </a:schemeClr>
+              </a:solidFill>
+            </a:endParaRPr>
+          </a:p>
+          <a:p>
+            <a:pPr marL="514350" indent="-514350">
+              <a:buFont typeface="+mj-lt"/>
+              <a:buAutoNum type="arabicPeriod"/>
+            </a:pPr>
+            <a:r>
+              <a:rPr kumimoji="1" lang="ja-JP" altLang="en-US" sz="3200" dirty="0" smtClean="0"/>
+              <a:t>デモ</a:t>
+            </a:r>
+            <a:endParaRPr kumimoji="1" lang="en-US" altLang="ja-JP" sz="3200" dirty="0" smtClean="0"/>
+          </a:p>
+          <a:p>
+            <a:pPr marL="514350" indent="-514350">
+              <a:buFont typeface="+mj-lt"/>
+              <a:buAutoNum type="arabicPeriod"/>
+            </a:pPr>
+            <a:r>
+              <a:rPr kumimoji="1" lang="ja-JP" altLang="en-US" sz="3200" dirty="0" smtClean="0">
+                <a:solidFill>
+                  <a:schemeClr val="bg1">
+                    <a:lumMod val="75000"/>
+                  </a:schemeClr>
+                </a:solidFill>
+              </a:rPr>
+              <a:t>コメント、感想</a:t>
+            </a:r>
+            <a:endParaRPr kumimoji="1" lang="en-US" altLang="ja-JP" sz="3200" dirty="0" smtClean="0">
+              <a:solidFill>
+                <a:schemeClr val="bg1">
+                  <a:lumMod val="75000"/>
+                </a:schemeClr>
+              </a:solidFill>
+            </a:endParaRPr>
+          </a:p>
+          <a:p>
+            <a:pPr marL="514350" indent="-514350">
+              <a:buFont typeface="+mj-lt"/>
+              <a:buAutoNum type="arabicPeriod"/>
+            </a:pPr>
+            <a:r>
+              <a:rPr lang="ja-JP" altLang="en-US" sz="3200" dirty="0" smtClean="0">
+                <a:solidFill>
+                  <a:schemeClr val="bg1">
+                    <a:lumMod val="75000"/>
+                  </a:schemeClr>
+                </a:solidFill>
+              </a:rPr>
+              <a:t>まとめ</a:t>
+            </a:r>
+            <a:endParaRPr kumimoji="1" lang="ja-JP" altLang="en-US" sz="3200" dirty="0">
+              <a:solidFill>
+                <a:schemeClr val="bg1">
+                  <a:lumMod val="75000"/>
+                </a:schemeClr>
+              </a:solidFill>
+            </a:endParaRPr>
+          </a:p>
+        </p:txBody>
+      </p:sp>
+      <p:pic>
+        <p:nvPicPr>
+          <p:cNvPr id="5" name="Picture 2" descr="C:\env\springworkspace\ecommerce-springC\src\main\webapp\img\rogo.png"/>
+          <p:cNvPicPr>
+            <a:picLocks noChangeAspect="1" noChangeArrowheads="1"/>
+          </p:cNvPicPr>
+          <p:nvPr/>
+        </p:nvPicPr>
+        <p:blipFill>
+          <a:blip r:embed="rId2" cstate="print"/>
+          <a:srcRect/>
+          <a:stretch>
+            <a:fillRect/>
+          </a:stretch>
+        </p:blipFill>
+        <p:spPr bwMode="auto">
+          <a:xfrm>
+            <a:off x="8172400" y="6021288"/>
+            <a:ext cx="659285" cy="659285"/>
+          </a:xfrm>
+          <a:prstGeom prst="rect">
+            <a:avLst/>
+          </a:prstGeom>
+          <a:noFill/>
+        </p:spPr>
+      </p:pic>
     </p:spTree>
   </p:cSld>
   <p:clrMapOvr>
     <a:masterClrMapping/>
   </p:clrMapOvr>
+  <p:timing>
+    <p:tnLst>
+      <p:par>
+        <p:cTn id="1" dur="indefinite" restart="never" nodeType="tmRoot"/>
+      </p:par>
+    </p:tnLst>
+  </p:timing>
 </p:sld>
 </file>
 
@@ -4257,151 +4559,190 @@
         </p:nvSpPr>
         <p:spPr/>
         <p:txBody>
-          <a:bodyPr>
+          <a:bodyPr/>
+          <a:lstStyle/>
+          <a:p>
+            <a:r>
+              <a:rPr lang="ja-JP" altLang="en-US" dirty="0" smtClean="0"/>
+              <a:t>発表</a:t>
+            </a:r>
+            <a:r>
+              <a:rPr lang="ja-JP" altLang="en-US" dirty="0" smtClean="0"/>
+              <a:t>の概略</a:t>
+            </a:r>
+            <a:endParaRPr kumimoji="1" lang="ja-JP" altLang="en-US" dirty="0"/>
+          </a:p>
+        </p:txBody>
+      </p:sp>
+      <p:sp>
+        <p:nvSpPr>
+          <p:cNvPr id="3" name="コンテンツ プレースホルダ 2"/>
+          <p:cNvSpPr>
+            <a:spLocks noGrp="1"/>
+          </p:cNvSpPr>
+          <p:nvPr>
+            <p:ph sz="quarter" idx="1"/>
+          </p:nvPr>
+        </p:nvSpPr>
+        <p:spPr/>
+        <p:txBody>
+          <a:bodyPr tIns="180000" bIns="180000">
             <a:normAutofit/>
           </a:bodyPr>
           <a:lstStyle/>
           <a:p>
-            <a:r>
-              <a:rPr lang="ja-JP" altLang="en-US" dirty="0" smtClean="0"/>
-              <a:t>澤村</a:t>
-            </a:r>
-            <a:endParaRPr kumimoji="1" lang="ja-JP" altLang="en-US" dirty="0"/>
-          </a:p>
-        </p:txBody>
-      </p:sp>
-      <p:sp>
-        <p:nvSpPr>
-          <p:cNvPr id="3" name="コンテンツ プレースホルダ 2"/>
-          <p:cNvSpPr>
-            <a:spLocks noGrp="1"/>
-          </p:cNvSpPr>
-          <p:nvPr>
-            <p:ph sz="quarter" idx="1"/>
-          </p:nvPr>
-        </p:nvSpPr>
-        <p:spPr>
+            <a:pPr marL="514350" indent="-514350">
+              <a:buFont typeface="+mj-lt"/>
+              <a:buAutoNum type="arabicPeriod"/>
+            </a:pPr>
+            <a:r>
+              <a:rPr kumimoji="1" lang="ja-JP" altLang="en-US" sz="3200" dirty="0" smtClean="0">
+                <a:solidFill>
+                  <a:schemeClr val="bg1">
+                    <a:lumMod val="75000"/>
+                  </a:schemeClr>
+                </a:solidFill>
+              </a:rPr>
+              <a:t>システムの概要</a:t>
+            </a:r>
+            <a:endParaRPr kumimoji="1" lang="en-US" altLang="ja-JP" sz="3200" dirty="0" smtClean="0">
+              <a:solidFill>
+                <a:schemeClr val="bg1">
+                  <a:lumMod val="75000"/>
+                </a:schemeClr>
+              </a:solidFill>
+            </a:endParaRPr>
+          </a:p>
+          <a:p>
+            <a:pPr marL="514350" indent="-514350">
+              <a:buFont typeface="+mj-lt"/>
+              <a:buAutoNum type="arabicPeriod"/>
+            </a:pPr>
+            <a:r>
+              <a:rPr lang="ja-JP" altLang="en-US" sz="3200" dirty="0" smtClean="0">
+                <a:solidFill>
+                  <a:schemeClr val="bg1">
+                    <a:lumMod val="75000"/>
+                  </a:schemeClr>
+                </a:solidFill>
+              </a:rPr>
+              <a:t>開発の</a:t>
+            </a:r>
+            <a:r>
+              <a:rPr lang="ja-JP" altLang="en-US" sz="3200" dirty="0" smtClean="0">
+                <a:solidFill>
+                  <a:schemeClr val="bg1">
+                    <a:lumMod val="75000"/>
+                  </a:schemeClr>
+                </a:solidFill>
+              </a:rPr>
+              <a:t>流れ</a:t>
+            </a:r>
+            <a:endParaRPr lang="en-US" altLang="ja-JP" sz="3200" dirty="0" smtClean="0">
+              <a:solidFill>
+                <a:schemeClr val="bg1">
+                  <a:lumMod val="75000"/>
+                </a:schemeClr>
+              </a:solidFill>
+            </a:endParaRPr>
+          </a:p>
+          <a:p>
+            <a:pPr marL="514350" indent="-514350">
+              <a:buFont typeface="+mj-lt"/>
+              <a:buAutoNum type="arabicPeriod"/>
+            </a:pPr>
+            <a:r>
+              <a:rPr kumimoji="1" lang="ja-JP" altLang="en-US" sz="3200" dirty="0" smtClean="0">
+                <a:solidFill>
+                  <a:schemeClr val="bg1">
+                    <a:lumMod val="75000"/>
+                  </a:schemeClr>
+                </a:solidFill>
+              </a:rPr>
+              <a:t>デモ</a:t>
+            </a:r>
+            <a:endParaRPr kumimoji="1" lang="en-US" altLang="ja-JP" sz="3200" dirty="0" smtClean="0">
+              <a:solidFill>
+                <a:schemeClr val="bg1">
+                  <a:lumMod val="75000"/>
+                </a:schemeClr>
+              </a:solidFill>
+            </a:endParaRPr>
+          </a:p>
+          <a:p>
+            <a:pPr marL="514350" indent="-514350">
+              <a:buFont typeface="+mj-lt"/>
+              <a:buAutoNum type="arabicPeriod"/>
+            </a:pPr>
+            <a:r>
+              <a:rPr kumimoji="1" lang="ja-JP" altLang="en-US" sz="3200" dirty="0" smtClean="0"/>
+              <a:t>コメント、感想</a:t>
+            </a:r>
+            <a:endParaRPr kumimoji="1" lang="en-US" altLang="ja-JP" sz="3200" dirty="0" smtClean="0"/>
+          </a:p>
+          <a:p>
+            <a:pPr marL="514350" indent="-514350">
+              <a:buFont typeface="+mj-lt"/>
+              <a:buAutoNum type="arabicPeriod"/>
+            </a:pPr>
+            <a:r>
+              <a:rPr lang="ja-JP" altLang="en-US" sz="3200" dirty="0" smtClean="0">
+                <a:solidFill>
+                  <a:schemeClr val="bg1">
+                    <a:lumMod val="75000"/>
+                  </a:schemeClr>
+                </a:solidFill>
+              </a:rPr>
+              <a:t>まとめ</a:t>
+            </a:r>
+            <a:endParaRPr kumimoji="1" lang="ja-JP" altLang="en-US" sz="3200" dirty="0">
+              <a:solidFill>
+                <a:schemeClr val="bg1">
+                  <a:lumMod val="75000"/>
+                </a:schemeClr>
+              </a:solidFill>
+            </a:endParaRPr>
+          </a:p>
+        </p:txBody>
+      </p:sp>
+      <p:pic>
+        <p:nvPicPr>
+          <p:cNvPr id="5" name="Picture 2" descr="C:\env\springworkspace\ecommerce-springC\src\main\webapp\img\rogo.png"/>
+          <p:cNvPicPr>
+            <a:picLocks noChangeAspect="1" noChangeArrowheads="1"/>
+          </p:cNvPicPr>
+          <p:nvPr/>
+        </p:nvPicPr>
+        <p:blipFill>
+          <a:blip r:embed="rId2" cstate="print"/>
+          <a:srcRect/>
+          <a:stretch>
+            <a:fillRect/>
+          </a:stretch>
+        </p:blipFill>
+        <p:spPr bwMode="auto">
           <a:xfrm>
-            <a:off x="612648" y="1600200"/>
-            <a:ext cx="8153400" cy="5429200"/>
+            <a:off x="8172400" y="6021288"/>
+            <a:ext cx="659285" cy="659285"/>
           </a:xfrm>
+          <a:prstGeom prst="rect">
+            <a:avLst/>
+          </a:prstGeom>
+          <a:noFill/>
         </p:spPr>
-        <p:txBody>
-          <a:bodyPr>
-            <a:normAutofit fontScale="92500" lnSpcReduction="20000"/>
-          </a:bodyPr>
-          <a:lstStyle/>
-          <a:p>
-            <a:r>
-              <a:rPr lang="ja-JP" altLang="en-US" dirty="0" smtClean="0"/>
-              <a:t>管理者登録</a:t>
-            </a:r>
-            <a:endParaRPr lang="en-US" altLang="ja-JP" dirty="0" smtClean="0"/>
-          </a:p>
-          <a:p>
-            <a:endParaRPr lang="en-US" altLang="ja-JP" dirty="0" smtClean="0"/>
-          </a:p>
-          <a:p>
-            <a:r>
-              <a:rPr kumimoji="1" lang="ja-JP" altLang="en-US" dirty="0" smtClean="0"/>
-              <a:t>利用者登録</a:t>
-            </a:r>
-            <a:endParaRPr kumimoji="1" lang="en-US" altLang="ja-JP" dirty="0" smtClean="0"/>
-          </a:p>
-          <a:p>
-            <a:endParaRPr kumimoji="1" lang="en-US" altLang="ja-JP" dirty="0" smtClean="0"/>
-          </a:p>
-          <a:p>
-            <a:r>
-              <a:rPr kumimoji="1" lang="ja-JP" altLang="en-US" dirty="0" smtClean="0"/>
-              <a:t>商品登録のエラー処理</a:t>
-            </a:r>
-            <a:endParaRPr kumimoji="1" lang="en-US" altLang="ja-JP" dirty="0" smtClean="0"/>
-          </a:p>
-          <a:p>
-            <a:endParaRPr lang="en-US" altLang="ja-JP" dirty="0" smtClean="0"/>
-          </a:p>
-          <a:p>
-            <a:r>
-              <a:rPr kumimoji="1" lang="en-US" altLang="ja-JP" dirty="0" err="1" smtClean="0"/>
-              <a:t>Warfail</a:t>
-            </a:r>
-            <a:r>
-              <a:rPr kumimoji="1" lang="ja-JP" altLang="en-US" dirty="0" smtClean="0"/>
-              <a:t>作成</a:t>
-            </a:r>
-            <a:endParaRPr kumimoji="1" lang="en-US" altLang="ja-JP" dirty="0" smtClean="0"/>
-          </a:p>
-          <a:p>
-            <a:endParaRPr kumimoji="1" lang="en-US" altLang="ja-JP" dirty="0" smtClean="0"/>
-          </a:p>
-          <a:p>
-            <a:r>
-              <a:rPr kumimoji="1" lang="en-US" altLang="ja-JP" dirty="0" smtClean="0"/>
-              <a:t>Linux</a:t>
-            </a:r>
-            <a:r>
-              <a:rPr lang="ja-JP" altLang="en-US" dirty="0" smtClean="0"/>
-              <a:t>上の</a:t>
-            </a:r>
-            <a:r>
-              <a:rPr lang="en-US" altLang="ja-JP" dirty="0" smtClean="0"/>
-              <a:t>tomcat</a:t>
-            </a:r>
-            <a:r>
-              <a:rPr lang="ja-JP" altLang="en-US" dirty="0" smtClean="0"/>
-              <a:t>にデプロイ</a:t>
-            </a:r>
-            <a:endParaRPr lang="en-US" altLang="ja-JP" dirty="0" smtClean="0"/>
-          </a:p>
-          <a:p>
-            <a:endParaRPr lang="en-US" altLang="ja-JP" dirty="0" smtClean="0"/>
-          </a:p>
-          <a:p>
-            <a:r>
-              <a:rPr kumimoji="1" lang="en-US" altLang="ja-JP" dirty="0" smtClean="0"/>
-              <a:t>Linux</a:t>
-            </a:r>
-            <a:r>
-              <a:rPr kumimoji="1" lang="ja-JP" altLang="en-US" dirty="0" smtClean="0"/>
-              <a:t>上の</a:t>
-            </a:r>
-            <a:r>
-              <a:rPr kumimoji="1" lang="en-US" altLang="ja-JP" dirty="0" err="1" smtClean="0"/>
-              <a:t>postgresql</a:t>
-            </a:r>
-            <a:r>
-              <a:rPr lang="ja-JP" altLang="en-US" dirty="0" smtClean="0"/>
-              <a:t>の</a:t>
-            </a:r>
-            <a:r>
-              <a:rPr lang="en-US" altLang="ja-JP" dirty="0" smtClean="0"/>
-              <a:t>SETUP</a:t>
-            </a:r>
-          </a:p>
-          <a:p>
-            <a:pPr>
-              <a:buNone/>
-            </a:pPr>
-            <a:r>
-              <a:rPr lang="ja-JP" altLang="en-US" dirty="0" smtClean="0"/>
-              <a:t>（伊賀さんのお力絶大）</a:t>
-            </a:r>
-            <a:endParaRPr lang="en-US" altLang="ja-JP" dirty="0" smtClean="0"/>
-          </a:p>
-          <a:p>
-            <a:endParaRPr kumimoji="1" lang="en-US" altLang="ja-JP" dirty="0" smtClean="0"/>
-          </a:p>
-          <a:p>
-            <a:endParaRPr kumimoji="1" lang="ja-JP" altLang="en-US" dirty="0"/>
-          </a:p>
-        </p:txBody>
-      </p:sp>
+      </p:pic>
     </p:spTree>
   </p:cSld>
   <p:clrMapOvr>
     <a:masterClrMapping/>
   </p:clrMapOvr>
+  <p:timing>
+    <p:tnLst>
+      <p:par>
+        <p:cTn id="1" dur="indefinite" restart="never" nodeType="tmRoot"/>
+      </p:par>
+    </p:tnLst>
+  </p:timing>
 </p:sld>
 </file>
 
@@ -4437,7 +4778,11 @@
           <a:bodyPr/>
           <a:lstStyle/>
           <a:p>
-            <a:endParaRPr kumimoji="1" lang="ja-JP" altLang="en-US"/>
+            <a:r>
+              <a:rPr kumimoji="1" lang="ja-JP" altLang="en-US" dirty="0" smtClean="0"/>
+              <a:t>中野</a:t>
+            </a:r>
+            <a:endParaRPr kumimoji="1" lang="ja-JP" altLang="en-US" dirty="0"/>
           </a:p>
         </p:txBody>
       </p:sp>
@@ -4453,13 +4798,212 @@
         </p:nvSpPr>
         <p:spPr/>
         <p:txBody>
-          <a:bodyPr/>
+          <a:bodyPr>
+            <a:normAutofit fontScale="85000" lnSpcReduction="20000"/>
+          </a:bodyPr>
           <a:lstStyle/>
           <a:p>
+            <a:r>
+              <a:rPr lang="ja-JP" altLang="en-US" dirty="0" smtClean="0"/>
+              <a:t>工夫した点</a:t>
+            </a:r>
+          </a:p>
+          <a:p>
+            <a:pPr>
+              <a:buFont typeface="Wingdings" pitchFamily="2" charset="2"/>
+              <a:buChar char="l"/>
+            </a:pPr>
+            <a:r>
+              <a:rPr lang="ja-JP" altLang="en-US" dirty="0" smtClean="0"/>
+              <a:t>管理者機能：「商品を登録</a:t>
+            </a:r>
+            <a:r>
+              <a:rPr lang="en-US" altLang="ja-JP" dirty="0" smtClean="0"/>
+              <a:t>/</a:t>
+            </a:r>
+            <a:r>
+              <a:rPr lang="ja-JP" altLang="en-US" dirty="0" smtClean="0"/>
+              <a:t>更新する」</a:t>
+            </a:r>
+            <a:endParaRPr lang="en-US" altLang="ja-JP" dirty="0" smtClean="0"/>
+          </a:p>
+          <a:p>
+            <a:pPr>
+              <a:buNone/>
+            </a:pPr>
+            <a:r>
+              <a:rPr lang="en-US" altLang="ja-JP" dirty="0" smtClean="0"/>
+              <a:t>	</a:t>
+            </a:r>
+            <a:r>
+              <a:rPr lang="ja-JP" altLang="en-US" dirty="0" smtClean="0"/>
+              <a:t>「公開日」のデータ挿入→カレンダーによる登録</a:t>
+            </a:r>
+          </a:p>
+          <a:p>
+            <a:pPr>
+              <a:buFont typeface="Wingdings" pitchFamily="2" charset="2"/>
+              <a:buChar char="l"/>
+            </a:pPr>
+            <a:r>
+              <a:rPr lang="ja-JP" altLang="en-US" dirty="0" smtClean="0"/>
+              <a:t>管理者機能：「商品を更新する」</a:t>
+            </a:r>
+            <a:endParaRPr lang="en-US" altLang="ja-JP" dirty="0" smtClean="0"/>
+          </a:p>
+          <a:p>
+            <a:pPr>
+              <a:buNone/>
+            </a:pPr>
+            <a:r>
+              <a:rPr lang="en-US" altLang="ja-JP" dirty="0" smtClean="0"/>
+              <a:t>	</a:t>
+            </a:r>
+            <a:r>
+              <a:rPr lang="ja-JP" altLang="en-US" dirty="0" smtClean="0"/>
+              <a:t>「イメージ画像」のデータ挿入→デフォルトの設定</a:t>
+            </a:r>
+          </a:p>
+          <a:p>
+            <a:r>
+              <a:rPr lang="ja-JP" altLang="en-US" dirty="0" smtClean="0"/>
+              <a:t>難しかった点</a:t>
+            </a:r>
+          </a:p>
+          <a:p>
+            <a:pPr>
+              <a:buFont typeface="Wingdings" pitchFamily="2" charset="2"/>
+              <a:buChar char="l"/>
+            </a:pPr>
+            <a:r>
+              <a:rPr lang="en-US" altLang="ja-JP" dirty="0" smtClean="0"/>
+              <a:t>(</a:t>
+            </a:r>
+            <a:r>
+              <a:rPr lang="en-US" altLang="ja-JP" dirty="0" err="1" smtClean="0"/>
+              <a:t>Java.util</a:t>
+            </a:r>
+            <a:r>
+              <a:rPr lang="en-US" altLang="ja-JP" dirty="0" smtClean="0"/>
+              <a:t>.)Date</a:t>
+            </a:r>
+            <a:r>
+              <a:rPr lang="ja-JP" altLang="en-US" dirty="0" smtClean="0"/>
+              <a:t>と</a:t>
+            </a:r>
+            <a:r>
+              <a:rPr lang="en-US" altLang="ja-JP" dirty="0" err="1" smtClean="0"/>
+              <a:t>TimeStamp</a:t>
+            </a:r>
+            <a:r>
+              <a:rPr lang="ja-JP" altLang="en-US" dirty="0" smtClean="0"/>
+              <a:t>型データの取り扱い</a:t>
+            </a:r>
+          </a:p>
+          <a:p>
+            <a:r>
+              <a:rPr lang="ja-JP" altLang="en-US" dirty="0" smtClean="0"/>
+              <a:t>今後の課題</a:t>
+            </a:r>
+          </a:p>
+          <a:p>
+            <a:pPr>
+              <a:buFont typeface="Wingdings" pitchFamily="2" charset="2"/>
+              <a:buChar char="l"/>
+            </a:pPr>
+            <a:r>
+              <a:rPr lang="ja-JP" altLang="en-US" dirty="0" smtClean="0"/>
+              <a:t>管理者</a:t>
+            </a:r>
+            <a:r>
+              <a:rPr lang="en-US" altLang="ja-JP" dirty="0" smtClean="0"/>
+              <a:t>/</a:t>
+            </a:r>
+            <a:r>
+              <a:rPr lang="ja-JP" altLang="en-US" dirty="0" smtClean="0"/>
+              <a:t>（利用者）機能：「新規登録」</a:t>
+            </a:r>
+            <a:endParaRPr lang="en-US" altLang="ja-JP" dirty="0" smtClean="0"/>
+          </a:p>
+          <a:p>
+            <a:pPr>
+              <a:buNone/>
+            </a:pPr>
+            <a:r>
+              <a:rPr lang="en-US" altLang="ja-JP" dirty="0" smtClean="0"/>
+              <a:t>	</a:t>
+            </a:r>
+            <a:r>
+              <a:rPr lang="ja-JP" altLang="en-US" dirty="0" smtClean="0"/>
+              <a:t>エラーチェック→適切なエラー文を表示</a:t>
+            </a:r>
+          </a:p>
+          <a:p>
+            <a:pPr>
+              <a:buNone/>
+            </a:pPr>
+            <a:r>
+              <a:rPr lang="en-US" altLang="ja-JP" dirty="0" smtClean="0"/>
+              <a:t>	</a:t>
+            </a:r>
+            <a:r>
+              <a:rPr lang="ja-JP" altLang="en-US" dirty="0" smtClean="0"/>
+              <a:t>（</a:t>
+            </a:r>
+            <a:r>
+              <a:rPr lang="en-US" altLang="ja-JP" dirty="0" smtClean="0"/>
+              <a:t>@</a:t>
+            </a:r>
+            <a:r>
+              <a:rPr lang="en-US" altLang="ja-JP" dirty="0" err="1" smtClean="0"/>
+              <a:t>NotBlank</a:t>
+            </a:r>
+            <a:r>
+              <a:rPr lang="en-US" altLang="ja-JP" dirty="0" smtClean="0"/>
+              <a:t>, @Size… </a:t>
+            </a:r>
+            <a:r>
+              <a:rPr lang="ja-JP" altLang="en-US" dirty="0" smtClean="0"/>
+              <a:t>適切な</a:t>
+            </a:r>
+            <a:r>
+              <a:rPr lang="en-US" altLang="ja-JP" dirty="0" smtClean="0"/>
+              <a:t>message</a:t>
+            </a:r>
+            <a:r>
+              <a:rPr lang="ja-JP" altLang="en-US" smtClean="0"/>
+              <a:t>を表示）</a:t>
+            </a:r>
             <a:endParaRPr kumimoji="1" lang="ja-JP" altLang="en-US" dirty="0"/>
           </a:p>
         </p:txBody>
       </p:sp>
+      <p:pic>
+        <p:nvPicPr>
+          <p:cNvPr id="4" name="Picture 2" descr="C:\env\springworkspace\ecommerce-springC\src\main\webapp\img\rogo.png"/>
+          <p:cNvPicPr>
+            <a:picLocks noChangeAspect="1" noChangeArrowheads="1"/>
+          </p:cNvPicPr>
+          <p:nvPr/>
+        </p:nvPicPr>
+        <p:blipFill>
+          <a:blip r:embed="rId2" cstate="print"/>
+          <a:srcRect/>
+          <a:stretch>
+            <a:fillRect/>
+          </a:stretch>
+        </p:blipFill>
+        <p:spPr bwMode="auto">
+          <a:xfrm>
+            <a:off x="8172400" y="6021288"/>
+            <a:ext cx="659285" cy="659285"/>
+          </a:xfrm>
+          <a:prstGeom prst="rect">
+            <a:avLst/>
+          </a:prstGeom>
+          <a:noFill/>
+        </p:spPr>
+      </p:pic>
     </p:spTree>
   </p:cSld>
   <p:clrMapOvr>
@@ -4497,153 +5041,144 @@
         </p:nvSpPr>
         <p:spPr/>
         <p:txBody>
+          <a:bodyPr/>
+          <a:lstStyle/>
+          <a:p>
+            <a:r>
+              <a:rPr lang="ja-JP" altLang="en-US" dirty="0" smtClean="0"/>
+              <a:t>苦労した点（坂田）</a:t>
+            </a:r>
+            <a:endParaRPr kumimoji="1" lang="ja-JP" altLang="en-US" dirty="0"/>
+          </a:p>
+        </p:txBody>
+      </p:sp>
+      <p:sp>
+        <p:nvSpPr>
+          <p:cNvPr id="3" name="コンテンツ プレースホルダ 2"/>
+          <p:cNvSpPr>
+            <a:spLocks noGrp="1"/>
+          </p:cNvSpPr>
+          <p:nvPr>
+            <p:ph sz="quarter" idx="1"/>
+          </p:nvPr>
+        </p:nvSpPr>
+        <p:spPr>
+          <a:xfrm>
+            <a:off x="612648" y="1600200"/>
+            <a:ext cx="8153400" cy="4997152"/>
+          </a:xfrm>
+        </p:spPr>
+        <p:txBody>
           <a:bodyPr>
             <a:normAutofit/>
           </a:bodyPr>
           <a:lstStyle/>
           <a:p>
             <a:r>
-              <a:rPr lang="ja-JP" altLang="en-US" dirty="0" smtClean="0"/>
-              <a:t>澤村</a:t>
-            </a:r>
-            <a:endParaRPr kumimoji="1" lang="ja-JP" altLang="en-US" dirty="0"/>
-          </a:p>
-        </p:txBody>
-      </p:sp>
-      <p:sp>
-        <p:nvSpPr>
-          <p:cNvPr id="3" name="コンテンツ プレースホルダ 2"/>
-          <p:cNvSpPr>
-            <a:spLocks noGrp="1"/>
-          </p:cNvSpPr>
-          <p:nvPr>
-            <p:ph sz="quarter" idx="1"/>
-          </p:nvPr>
-        </p:nvSpPr>
-        <p:spPr>
+              <a:rPr kumimoji="1" lang="ja-JP" altLang="en-US" sz="3600" dirty="0" smtClean="0"/>
+              <a:t>ログインフィルター</a:t>
+            </a:r>
+            <a:endParaRPr kumimoji="1" lang="en-US" altLang="ja-JP" sz="3600" dirty="0" smtClean="0"/>
+          </a:p>
+          <a:p>
+            <a:pPr lvl="1">
+              <a:buFont typeface="Arial" pitchFamily="34" charset="0"/>
+              <a:buChar char="•"/>
+            </a:pPr>
+            <a:r>
+              <a:rPr kumimoji="1" lang="en-US" altLang="ja-JP" sz="3200" dirty="0" smtClean="0"/>
+              <a:t>Spring Security</a:t>
+            </a:r>
+            <a:r>
+              <a:rPr kumimoji="1" lang="ja-JP" altLang="en-US" sz="3200" dirty="0" smtClean="0"/>
+              <a:t>使用</a:t>
+            </a:r>
+            <a:endParaRPr kumimoji="1" lang="en-US" altLang="ja-JP" sz="3200" dirty="0" smtClean="0"/>
+          </a:p>
+          <a:p>
+            <a:pPr lvl="1">
+              <a:buFont typeface="Arial" pitchFamily="34" charset="0"/>
+              <a:buChar char="•"/>
+            </a:pPr>
+            <a:r>
+              <a:rPr lang="ja-JP" altLang="en-US" sz="3200" dirty="0" smtClean="0"/>
+              <a:t>管理者用と利用者用、二つのログインページを設定</a:t>
+            </a:r>
+            <a:endParaRPr kumimoji="1" lang="en-US" altLang="ja-JP" sz="3200" dirty="0" smtClean="0"/>
+          </a:p>
+          <a:p>
+            <a:pPr>
+              <a:spcBef>
+                <a:spcPts val="1800"/>
+              </a:spcBef>
+              <a:buFont typeface="Wingdings" pitchFamily="2" charset="2"/>
+              <a:buChar char="p"/>
+            </a:pPr>
+            <a:r>
+              <a:rPr lang="ja-JP" altLang="en-US" sz="3600" dirty="0" smtClean="0"/>
+              <a:t>例外ハンドリングとエラーページ</a:t>
+            </a:r>
+            <a:endParaRPr lang="en-US" altLang="ja-JP" sz="3600" dirty="0" smtClean="0"/>
+          </a:p>
+          <a:p>
+            <a:pPr lvl="1">
+              <a:buFont typeface="Arial" pitchFamily="34" charset="0"/>
+              <a:buChar char="•"/>
+            </a:pPr>
+            <a:r>
+              <a:rPr lang="en-US" altLang="ja-JP" sz="3200" dirty="0" smtClean="0"/>
+              <a:t>404</a:t>
+            </a:r>
+            <a:r>
+              <a:rPr lang="ja-JP" altLang="en-US" sz="3200" dirty="0" smtClean="0"/>
+              <a:t>や</a:t>
+            </a:r>
+            <a:r>
+              <a:rPr lang="en-US" altLang="ja-JP" sz="3200" dirty="0" smtClean="0"/>
+              <a:t>403</a:t>
+            </a:r>
+            <a:r>
+              <a:rPr lang="ja-JP" altLang="en-US" sz="3200" dirty="0" err="1" smtClean="0"/>
+              <a:t>、</a:t>
+            </a:r>
+            <a:r>
+              <a:rPr lang="en-US" altLang="ja-JP" sz="3200" dirty="0" smtClean="0"/>
+              <a:t>500</a:t>
+            </a:r>
+            <a:r>
+              <a:rPr lang="ja-JP" altLang="en-US" sz="3200" dirty="0" smtClean="0"/>
+              <a:t>といったエラーに対処して、事前に準備したエラーページを表示するよう設定</a:t>
+            </a:r>
+            <a:endParaRPr lang="en-US" altLang="ja-JP" sz="3200" dirty="0" smtClean="0"/>
+          </a:p>
+        </p:txBody>
+      </p:sp>
+      <p:pic>
+        <p:nvPicPr>
+          <p:cNvPr id="4" name="Picture 2" descr="C:\env\springworkspace\ecommerce-springC\src\main\webapp\img\rogo.png"/>
+          <p:cNvPicPr>
+            <a:picLocks noChangeAspect="1" noChangeArrowheads="1"/>
+          </p:cNvPicPr>
+          <p:nvPr/>
+        </p:nvPicPr>
+        <p:blipFill>
+          <a:blip r:embed="rId2" cstate="print"/>
+          <a:srcRect/>
+          <a:stretch>
+            <a:fillRect/>
+          </a:stretch>
+        </p:blipFill>
+        <p:spPr bwMode="auto">
           <a:xfrm>
-            <a:off x="612648" y="1600200"/>
-            <a:ext cx="8153400" cy="5429200"/>
+            <a:off x="8172400" y="6021288"/>
+            <a:ext cx="659285" cy="659285"/>
           </a:xfrm>
+          <a:prstGeom prst="rect">
+            <a:avLst/>
+          </a:prstGeom>
+          <a:noFill/>
         </p:spPr>
-        <p:txBody>
-          <a:bodyPr>
-            <a:normAutofit fontScale="92500" lnSpcReduction="20000"/>
-          </a:bodyPr>
-          <a:lstStyle/>
-          <a:p>
-            <a:r>
-              <a:rPr lang="ja-JP" altLang="en-US" dirty="0" smtClean="0"/>
-              <a:t>管理者登録</a:t>
-            </a:r>
-            <a:endParaRPr lang="en-US" altLang="ja-JP" dirty="0" smtClean="0"/>
-          </a:p>
-          <a:p>
-            <a:pPr>
-              <a:buNone/>
-            </a:pPr>
-            <a:r>
-              <a:rPr lang="ja-JP" altLang="en-US" dirty="0" smtClean="0"/>
-              <a:t>　　</a:t>
-            </a:r>
-            <a:endParaRPr lang="en-US" altLang="ja-JP" dirty="0" smtClean="0"/>
-          </a:p>
-          <a:p>
-            <a:r>
-              <a:rPr kumimoji="1" lang="ja-JP" altLang="en-US" dirty="0" smtClean="0"/>
-              <a:t>利用者登録</a:t>
-            </a:r>
-            <a:endParaRPr kumimoji="1" lang="en-US" altLang="ja-JP" dirty="0" smtClean="0"/>
-          </a:p>
-          <a:p>
-            <a:endParaRPr kumimoji="1" lang="en-US" altLang="ja-JP" dirty="0" smtClean="0"/>
-          </a:p>
-          <a:p>
-            <a:r>
-              <a:rPr kumimoji="1" lang="ja-JP" altLang="en-US" dirty="0" smtClean="0"/>
-              <a:t>商品登録のエラー処理</a:t>
-            </a:r>
-            <a:endParaRPr kumimoji="1" lang="en-US" altLang="ja-JP" dirty="0" smtClean="0"/>
-          </a:p>
-          <a:p>
-            <a:endParaRPr lang="en-US" altLang="ja-JP" dirty="0" smtClean="0"/>
-          </a:p>
-          <a:p>
-            <a:r>
-              <a:rPr kumimoji="1" lang="en-US" altLang="ja-JP" dirty="0" err="1" smtClean="0"/>
-              <a:t>Warfail</a:t>
-            </a:r>
-            <a:r>
-              <a:rPr kumimoji="1" lang="ja-JP" altLang="en-US" dirty="0" smtClean="0"/>
-              <a:t>作成</a:t>
-            </a:r>
-            <a:endParaRPr kumimoji="1" lang="en-US" altLang="ja-JP" dirty="0" smtClean="0"/>
-          </a:p>
-          <a:p>
-            <a:endParaRPr kumimoji="1" lang="en-US" altLang="ja-JP" dirty="0" smtClean="0"/>
-          </a:p>
-          <a:p>
-            <a:r>
-              <a:rPr kumimoji="1" lang="en-US" altLang="ja-JP" dirty="0" smtClean="0"/>
-              <a:t>Linux</a:t>
-            </a:r>
-            <a:r>
-              <a:rPr lang="ja-JP" altLang="en-US" dirty="0" smtClean="0"/>
-              <a:t>上の</a:t>
-            </a:r>
-            <a:r>
-              <a:rPr lang="en-US" altLang="ja-JP" dirty="0" smtClean="0"/>
-              <a:t>tomcat</a:t>
-            </a:r>
-            <a:r>
-              <a:rPr lang="ja-JP" altLang="en-US" dirty="0" smtClean="0"/>
-              <a:t>にデプロイ</a:t>
-            </a:r>
-            <a:endParaRPr lang="en-US" altLang="ja-JP" dirty="0" smtClean="0"/>
-          </a:p>
-          <a:p>
-            <a:endParaRPr lang="en-US" altLang="ja-JP" dirty="0" smtClean="0"/>
-          </a:p>
-          <a:p>
-            <a:r>
-              <a:rPr kumimoji="1" lang="en-US" altLang="ja-JP" dirty="0" smtClean="0"/>
-              <a:t>Linux</a:t>
-            </a:r>
-            <a:r>
-              <a:rPr kumimoji="1" lang="ja-JP" altLang="en-US" dirty="0" smtClean="0"/>
-              <a:t>上の</a:t>
-            </a:r>
-            <a:r>
-              <a:rPr kumimoji="1" lang="en-US" altLang="ja-JP" dirty="0" err="1" smtClean="0"/>
-              <a:t>postgresql</a:t>
-            </a:r>
-            <a:r>
-              <a:rPr lang="ja-JP" altLang="en-US" dirty="0" smtClean="0"/>
-              <a:t>の</a:t>
-            </a:r>
-            <a:r>
-              <a:rPr lang="en-US" altLang="ja-JP" dirty="0" smtClean="0"/>
-              <a:t>SETUP</a:t>
-            </a:r>
-          </a:p>
-          <a:p>
-            <a:pPr>
-              <a:buNone/>
-            </a:pPr>
-            <a:r>
-              <a:rPr lang="ja-JP" altLang="en-US" dirty="0" smtClean="0"/>
-              <a:t>（伊賀さんのお力絶大）</a:t>
-            </a:r>
-            <a:endParaRPr lang="en-US" altLang="ja-JP" dirty="0" smtClean="0"/>
-          </a:p>
-          <a:p>
-            <a:endParaRPr kumimoji="1" lang="en-US" altLang="ja-JP" dirty="0" smtClean="0"/>
-          </a:p>
-          <a:p>
-            <a:endParaRPr kumimoji="1" lang="ja-JP" altLang="en-US" dirty="0"/>
-          </a:p>
-        </p:txBody>
-      </p:sp>
+      </p:pic>
     </p:spTree>
   </p:cSld>
   <p:clrMapOvr>
@@ -4685,8 +5220,8 @@
           <a:lstStyle/>
           <a:p>
             <a:r>
-              <a:rPr kumimoji="1" lang="ja-JP" altLang="en-US" dirty="0" smtClean="0"/>
-              <a:t>澤村</a:t>
+              <a:rPr lang="ja-JP" altLang="en-US" dirty="0" smtClean="0"/>
+              <a:t>苦労した点（坂田）</a:t>
             </a:r>
             <a:endParaRPr kumimoji="1" lang="ja-JP" altLang="en-US" dirty="0"/>
           </a:p>
@@ -4702,71 +5237,135 @@
             <p:ph sz="quarter" idx="1"/>
           </p:nvPr>
         </p:nvSpPr>
-        <p:spPr/>
-        <p:txBody>
-          <a:bodyPr/>
+        <p:spPr>
+          <a:xfrm>
+            <a:off x="612648" y="1600200"/>
+            <a:ext cx="8153400" cy="4997152"/>
+          </a:xfrm>
+        </p:spPr>
+        <p:txBody>
+          <a:bodyPr>
+            <a:normAutofit/>
+          </a:bodyPr>
           <a:lstStyle/>
           <a:p>
-            <a:r>
-              <a:rPr kumimoji="1" lang="ja-JP" altLang="en-US" dirty="0" smtClean="0"/>
-              <a:t>困ったこと</a:t>
-            </a:r>
-            <a:endParaRPr kumimoji="1" lang="en-US" altLang="ja-JP" dirty="0" smtClean="0"/>
-          </a:p>
-          <a:p>
-            <a:endParaRPr lang="en-US" altLang="ja-JP" dirty="0" smtClean="0"/>
-          </a:p>
-          <a:p>
-            <a:r>
-              <a:rPr kumimoji="1" lang="ja-JP" altLang="en-US" dirty="0" smtClean="0"/>
-              <a:t>クラス図作成中のブラックアウト＆強制シャットダウン計５回</a:t>
-            </a:r>
-            <a:endParaRPr kumimoji="1" lang="en-US" altLang="ja-JP" dirty="0" smtClean="0"/>
-          </a:p>
-          <a:p>
             <a:pPr>
-              <a:buNone/>
+              <a:buFont typeface="Wingdings" pitchFamily="2" charset="2"/>
+              <a:buChar char="p"/>
             </a:pPr>
             <a:r>
-              <a:rPr lang="ja-JP" altLang="en-US" dirty="0" smtClean="0"/>
-              <a:t>　（クラス図書き直し、ｓｔｓの中のクラスが消え再度クローン）</a:t>
-            </a:r>
-            <a:endParaRPr lang="en-US" altLang="ja-JP" dirty="0" smtClean="0"/>
-          </a:p>
-          <a:p>
-            <a:endParaRPr lang="en-US" altLang="ja-JP" dirty="0" smtClean="0"/>
-          </a:p>
-          <a:p>
-            <a:r>
-              <a:rPr kumimoji="1" lang="ja-JP" altLang="en-US" dirty="0" smtClean="0"/>
-              <a:t>初面談による緊張</a:t>
-            </a:r>
-            <a:endParaRPr kumimoji="1" lang="en-US" altLang="ja-JP" dirty="0" smtClean="0"/>
+              <a:rPr lang="ja-JP" altLang="en-US" sz="3600" dirty="0" smtClean="0"/>
+              <a:t>ゲストユーザー機能</a:t>
+            </a:r>
+            <a:endParaRPr lang="en-US" altLang="ja-JP" sz="3600" dirty="0" smtClean="0"/>
+          </a:p>
+          <a:p>
+            <a:pPr lvl="1">
+              <a:buFont typeface="Arial" pitchFamily="34" charset="0"/>
+              <a:buChar char="•"/>
+            </a:pPr>
+            <a:r>
+              <a:rPr lang="en-US" altLang="ja-JP" sz="3200" dirty="0" smtClean="0"/>
+              <a:t>Cookie</a:t>
+            </a:r>
+            <a:r>
+              <a:rPr lang="ja-JP" altLang="en-US" sz="3200" dirty="0" smtClean="0"/>
+              <a:t>の情報を利用してゲスト</a:t>
+            </a:r>
+            <a:r>
+              <a:rPr lang="en-US" altLang="ja-JP" sz="3200" dirty="0" smtClean="0"/>
+              <a:t>ID</a:t>
+            </a:r>
+            <a:r>
+              <a:rPr lang="ja-JP" altLang="en-US" sz="3200" dirty="0" smtClean="0"/>
+              <a:t>を生成</a:t>
+            </a:r>
+            <a:endParaRPr lang="en-US" altLang="ja-JP" sz="3200" dirty="0" smtClean="0"/>
+          </a:p>
+          <a:p>
+            <a:pPr lvl="1">
+              <a:buFont typeface="Arial" pitchFamily="34" charset="0"/>
+              <a:buChar char="•"/>
+            </a:pPr>
+            <a:r>
+              <a:rPr lang="ja-JP" altLang="en-US" sz="3200" dirty="0" smtClean="0"/>
+              <a:t>ログイン後もカート情報を引き継ぐよう処理</a:t>
+            </a:r>
+            <a:endParaRPr lang="en-US" altLang="ja-JP" sz="3200" dirty="0" smtClean="0"/>
+          </a:p>
+          <a:p>
+            <a:pPr>
+              <a:spcBef>
+                <a:spcPts val="2400"/>
+              </a:spcBef>
+              <a:buFont typeface="Wingdings" pitchFamily="2" charset="2"/>
+              <a:buChar char="p"/>
+            </a:pPr>
+            <a:r>
+              <a:rPr lang="ja-JP" altLang="en-US" sz="3600" dirty="0" smtClean="0"/>
+              <a:t>タスク管理と進捗管理</a:t>
+            </a:r>
+            <a:endParaRPr lang="en-US" altLang="ja-JP" sz="3600" dirty="0" smtClean="0"/>
+          </a:p>
+          <a:p>
+            <a:pPr lvl="1">
+              <a:buFont typeface="Arial" pitchFamily="34" charset="0"/>
+              <a:buChar char="•"/>
+            </a:pPr>
+            <a:r>
+              <a:rPr lang="ja-JP" altLang="en-US" sz="3200" dirty="0" smtClean="0"/>
+              <a:t>必要な作業とそれにかかるコストの把握</a:t>
+            </a:r>
+            <a:endParaRPr lang="en-US" altLang="ja-JP" sz="3200" dirty="0" smtClean="0"/>
+          </a:p>
+          <a:p>
+            <a:pPr lvl="1">
+              <a:buFont typeface="Arial" pitchFamily="34" charset="0"/>
+              <a:buChar char="•"/>
+            </a:pPr>
+            <a:r>
+              <a:rPr lang="ja-JP" altLang="en-US" sz="3200" dirty="0" smtClean="0"/>
+              <a:t>メンバーの作業の進捗の把握</a:t>
+            </a:r>
+            <a:endParaRPr lang="en-US" altLang="ja-JP" sz="3200" dirty="0" smtClean="0"/>
+          </a:p>
+          <a:p>
+            <a:pPr lvl="1">
+              <a:buFont typeface="Arial" pitchFamily="34" charset="0"/>
+              <a:buChar char="•"/>
+            </a:pPr>
+            <a:r>
+              <a:rPr lang="ja-JP" altLang="en-US" sz="3200" dirty="0" smtClean="0"/>
+              <a:t>自分の作業との両立</a:t>
+            </a:r>
+            <a:endParaRPr lang="en-US" altLang="ja-JP" sz="3200" dirty="0" smtClean="0"/>
           </a:p>
         </p:txBody>
       </p:sp>
       <p:pic>
         <p:nvPicPr>
-          <p:cNvPr id="4" name="図 3" descr="thONJN6OQC.jpg"/>
+          <p:cNvPr id="4" name="Picture 2" descr="C:\env\springworkspace\ecommerce-springC\src\main\webapp\img\rogo.png"/>
           <p:cNvPicPr>
-            <a:picLocks noChangeAspect="1"/>
+            <a:picLocks noChangeAspect="1" noChangeArrowheads="1"/>
           </p:cNvPicPr>
           <p:nvPr/>
         </p:nvPicPr>
         <p:blipFill>
-          <a:blip r:embed="rId2"/>
+          <a:blip r:embed="rId2" cstate="print"/>
+          <a:srcRect/>
           <a:stretch>
             <a:fillRect/>
           </a:stretch>
         </p:blipFill>
-        <p:spPr>
+        <p:spPr bwMode="auto">
           <a:xfrm>
-            <a:off x="7668344" y="1628800"/>
-            <a:ext cx="874550" cy="1140718"/>
+            <a:off x="8172400" y="6021288"/>
+            <a:ext cx="659285" cy="659285"/>
           </a:xfrm>
           <a:prstGeom prst="rect">
             <a:avLst/>
           </a:prstGeom>
+          <a:noFill/>
         </p:spPr>
       </p:pic>
     </p:spTree>
@@ -4810,8 +5409,8 @@
           <a:lstStyle/>
           <a:p>
             <a:r>
-              <a:rPr kumimoji="1" lang="ja-JP" altLang="en-US" dirty="0" smtClean="0"/>
-              <a:t>澤村</a:t>
+              <a:rPr lang="ja-JP" altLang="en-US" dirty="0" smtClean="0"/>
+              <a:t>金子</a:t>
             </a:r>
             <a:endParaRPr kumimoji="1" lang="ja-JP" altLang="en-US" dirty="0"/>
           </a:p>
@@ -4830,135 +5429,103 @@
         <p:spPr/>
         <p:txBody>
           <a:bodyPr>
-            <a:normAutofit fontScale="92500" lnSpcReduction="20000"/>
+            <a:normAutofit/>
           </a:bodyPr>
           <a:lstStyle/>
           <a:p>
             <a:r>
-              <a:rPr lang="ja-JP" altLang="en-US" sz="2800" dirty="0" smtClean="0"/>
-              <a:t>難しかった点</a:t>
-            </a:r>
-            <a:endParaRPr lang="en-US" altLang="ja-JP" sz="2800" dirty="0" smtClean="0"/>
-          </a:p>
-          <a:p>
-            <a:endParaRPr kumimoji="1" lang="en-US" altLang="ja-JP" sz="2800" dirty="0" smtClean="0"/>
-          </a:p>
-          <a:p>
-            <a:r>
-              <a:rPr kumimoji="1" lang="en-US" altLang="ja-JP" sz="2800" dirty="0" smtClean="0"/>
-              <a:t>Linux</a:t>
-            </a:r>
-            <a:r>
-              <a:rPr lang="ja-JP" altLang="en-US" sz="2800" dirty="0" smtClean="0"/>
-              <a:t>の</a:t>
-            </a:r>
-            <a:r>
-              <a:rPr lang="en-US" altLang="ja-JP" sz="2800" dirty="0" err="1" smtClean="0"/>
-              <a:t>postgresql</a:t>
-            </a:r>
-            <a:r>
-              <a:rPr lang="ja-JP" altLang="en-US" sz="2800" dirty="0" smtClean="0"/>
-              <a:t>の環境構築</a:t>
-            </a:r>
-            <a:endParaRPr lang="en-US" altLang="ja-JP" sz="2800" dirty="0" smtClean="0"/>
+              <a:rPr lang="ja-JP" altLang="en-US" dirty="0" smtClean="0"/>
+              <a:t>商品一覧表示と検索</a:t>
+            </a:r>
+            <a:endParaRPr lang="en-US" altLang="ja-JP" dirty="0" smtClean="0"/>
           </a:p>
           <a:p>
             <a:pPr>
               <a:buNone/>
             </a:pPr>
             <a:r>
-              <a:rPr lang="ja-JP" altLang="en-US" sz="2800" dirty="0" smtClean="0"/>
-              <a:t>　　　</a:t>
-            </a:r>
-            <a:r>
-              <a:rPr lang="ja-JP" altLang="en-US" sz="2800" dirty="0" smtClean="0"/>
-              <a:t>テーブル</a:t>
-            </a:r>
-            <a:r>
-              <a:rPr lang="ja-JP" altLang="en-US" sz="2800" dirty="0" smtClean="0"/>
-              <a:t>の中身の確認ややクエリーの実行結　果確認</a:t>
-            </a:r>
-            <a:endParaRPr lang="en-US" altLang="ja-JP" sz="2800" dirty="0" smtClean="0"/>
+              <a:rPr lang="ja-JP" altLang="en-US" sz="2600" dirty="0" smtClean="0"/>
+              <a:t>    ・なにで商品検索をしたか</a:t>
+            </a:r>
+            <a:endParaRPr lang="en-US" altLang="ja-JP" sz="2600" dirty="0" smtClean="0"/>
           </a:p>
           <a:p>
             <a:pPr>
               <a:buNone/>
             </a:pPr>
             <a:r>
-              <a:rPr lang="ja-JP" altLang="en-US" sz="2800" dirty="0" smtClean="0"/>
-              <a:t>　</a:t>
-            </a:r>
-            <a:r>
-              <a:rPr lang="ja-JP" altLang="en-US" sz="2800" dirty="0" smtClean="0"/>
-              <a:t>　</a:t>
-            </a:r>
-            <a:endParaRPr lang="en-US" altLang="ja-JP" sz="2800" dirty="0" smtClean="0"/>
-          </a:p>
-          <a:p>
-            <a:r>
-              <a:rPr lang="ja-JP" altLang="en-US" sz="2800" dirty="0" smtClean="0"/>
-              <a:t>チーム開発でのコンフリクト</a:t>
-            </a:r>
-            <a:endParaRPr lang="en-US" altLang="ja-JP" sz="2800" dirty="0" smtClean="0"/>
+              <a:rPr lang="ja-JP" altLang="en-US" sz="2600" dirty="0" smtClean="0"/>
+              <a:t>    ・全角</a:t>
+            </a:r>
+            <a:r>
+              <a:rPr lang="en-US" altLang="ja-JP" sz="2600" dirty="0" smtClean="0"/>
+              <a:t>,</a:t>
+            </a:r>
+            <a:r>
+              <a:rPr lang="ja-JP" altLang="en-US" sz="2600" dirty="0" smtClean="0"/>
+              <a:t>半角</a:t>
+            </a:r>
+            <a:r>
+              <a:rPr lang="en-US" altLang="ja-JP" sz="2600" dirty="0" smtClean="0"/>
+              <a:t>,</a:t>
+            </a:r>
+            <a:r>
+              <a:rPr lang="ja-JP" altLang="en-US" sz="2600" dirty="0" smtClean="0"/>
+              <a:t>大文字</a:t>
+            </a:r>
+            <a:r>
+              <a:rPr lang="en-US" altLang="ja-JP" sz="2600" dirty="0" smtClean="0"/>
+              <a:t>,</a:t>
+            </a:r>
+            <a:r>
+              <a:rPr lang="ja-JP" altLang="en-US" sz="2600" dirty="0" smtClean="0"/>
+              <a:t>小文字関係なく検索できる</a:t>
+            </a:r>
+            <a:endParaRPr lang="en-US" altLang="ja-JP" sz="2600" dirty="0" smtClean="0"/>
+          </a:p>
+          <a:p>
+            <a:r>
+              <a:rPr lang="ja-JP" altLang="en-US" dirty="0" smtClean="0"/>
+              <a:t>Ｂｏｏｔｓｔｒａｐを使ってｊｓｐの成形</a:t>
+            </a:r>
+            <a:endParaRPr lang="en-US" altLang="ja-JP" dirty="0" smtClean="0"/>
           </a:p>
           <a:p>
             <a:pPr>
               <a:buNone/>
             </a:pPr>
             <a:r>
-              <a:rPr lang="ja-JP" altLang="en-US" sz="2800" dirty="0" smtClean="0"/>
-              <a:t>　</a:t>
-            </a:r>
-            <a:r>
-              <a:rPr lang="ja-JP" altLang="en-US" sz="2800" dirty="0" smtClean="0"/>
-              <a:t>　　自動的に</a:t>
-            </a:r>
-            <a:r>
-              <a:rPr lang="en-US" altLang="ja-JP" sz="2800" dirty="0" err="1" smtClean="0"/>
-              <a:t>pom</a:t>
-            </a:r>
-            <a:r>
-              <a:rPr lang="ja-JP" altLang="en-US" sz="2800" dirty="0" smtClean="0"/>
-              <a:t>が生成されコンフリクト</a:t>
-            </a:r>
-            <a:endParaRPr lang="en-US" altLang="ja-JP" sz="2800" dirty="0" smtClean="0"/>
-          </a:p>
-          <a:p>
-            <a:endParaRPr lang="en-US" altLang="ja-JP" sz="2800" dirty="0" smtClean="0"/>
-          </a:p>
-          <a:p>
-            <a:r>
-              <a:rPr lang="ja-JP" altLang="en-US" sz="2800" dirty="0" smtClean="0"/>
-              <a:t>正規表現式</a:t>
-            </a:r>
-            <a:endParaRPr lang="en-US" altLang="ja-JP" sz="2800" dirty="0" smtClean="0"/>
+              <a:rPr lang="ja-JP" altLang="en-US" sz="2600" dirty="0" smtClean="0"/>
+              <a:t>    ・初めて使う技術で苦労した</a:t>
+            </a:r>
+            <a:endParaRPr lang="en-US" altLang="ja-JP" sz="2600" dirty="0" smtClean="0"/>
           </a:p>
           <a:p>
             <a:pPr>
               <a:buNone/>
             </a:pPr>
             <a:r>
-              <a:rPr lang="ja-JP" altLang="en-US" sz="2800" dirty="0" smtClean="0"/>
-              <a:t>　　　＠</a:t>
-            </a:r>
-            <a:r>
-              <a:rPr lang="en-US" altLang="ja-JP" sz="2800" dirty="0" err="1" smtClean="0"/>
-              <a:t>patterm</a:t>
-            </a:r>
-            <a:r>
-              <a:rPr lang="ja-JP" altLang="en-US" sz="2800" dirty="0" smtClean="0"/>
-              <a:t>で使用</a:t>
-            </a:r>
-            <a:endParaRPr lang="en-US" altLang="ja-JP" sz="2800" dirty="0" smtClean="0"/>
+              <a:rPr lang="ja-JP" altLang="en-US" sz="2600" dirty="0" smtClean="0"/>
+              <a:t>    ・イメージ通りに作れた</a:t>
+            </a:r>
+            <a:endParaRPr lang="en-US" altLang="ja-JP" sz="2600" dirty="0" smtClean="0"/>
+          </a:p>
+          <a:p>
+            <a:r>
+              <a:rPr lang="ja-JP" altLang="en-US" dirty="0" smtClean="0"/>
+              <a:t>削除した商品の再表示ボタン</a:t>
+            </a:r>
+            <a:endParaRPr lang="en-US" altLang="ja-JP" dirty="0" smtClean="0"/>
           </a:p>
           <a:p>
             <a:pPr>
               <a:buNone/>
             </a:pPr>
-            <a:endParaRPr lang="en-US" altLang="ja-JP" sz="2800" dirty="0" smtClean="0"/>
-          </a:p>
-          <a:p>
-            <a:endParaRPr lang="en-US" altLang="ja-JP" sz="2800" dirty="0" smtClean="0"/>
+            <a:r>
+              <a:rPr lang="ja-JP" altLang="en-US" sz="2600" dirty="0" smtClean="0"/>
+              <a:t>    ・管理者側でより使いやすいように</a:t>
+            </a:r>
+            <a:endParaRPr lang="en-US" altLang="ja-JP" dirty="0" smtClean="0"/>
           </a:p>
           <a:p>
             <a:pPr>
@@ -4970,26 +5537,28 @@
       </p:sp>
       <p:pic>
         <p:nvPicPr>
-          <p:cNvPr id="5" name="図 4" descr="ダウンロード.jpg"/>
+          <p:cNvPr id="4" name="Picture 2" descr="C:\env\springworkspace\ecommerce-springC\src\main\webapp\img\rogo.png"/>
           <p:cNvPicPr>
-            <a:picLocks noChangeAspect="1"/>
+            <a:picLocks noChangeAspect="1" noChangeArrowheads="1"/>
           </p:cNvPicPr>
           <p:nvPr/>
         </p:nvPicPr>
         <p:blipFill>
-          <a:blip r:embed="rId2"/>
+          <a:blip r:embed="rId2" cstate="print"/>
+          <a:srcRect/>
           <a:stretch>
             <a:fillRect/>
           </a:stretch>
         </p:blipFill>
-        <p:spPr>
+        <p:spPr bwMode="auto">
           <a:xfrm>
-            <a:off x="7164288" y="5623560"/>
-            <a:ext cx="1676400" cy="1234440"/>
+            <a:off x="8172400" y="6021288"/>
+            <a:ext cx="659285" cy="659285"/>
           </a:xfrm>
           <a:prstGeom prst="rect">
             <a:avLst/>
           </a:prstGeom>
+          <a:noFill/>
         </p:spPr>
       </p:pic>
     </p:spTree>
@@ -4997,6 +5566,13 @@
   <p:clrMapOvr>
     <a:masterClrMapping/>
   </p:clrMapOvr>
+  <p:timing>
+    <p:tnLst>
+      <p:par>
+        <p:cTn id="1" dur="indefinite" restart="never" nodeType="tmRoot"/>
+      </p:par>
+    </p:tnLst>
+  </p:timing>
 </p:sld>
 </file>
 
@@ -5029,12 +5605,204 @@
         </p:nvSpPr>
         <p:spPr/>
         <p:txBody>
+          <a:bodyPr>
+            <a:normAutofit/>
+          </a:bodyPr>
+          <a:lstStyle/>
+          <a:p>
+            <a:r>
+              <a:rPr lang="ja-JP" altLang="en-US" dirty="0" smtClean="0"/>
+              <a:t>澤村</a:t>
+            </a:r>
+            <a:endParaRPr kumimoji="1" lang="ja-JP" altLang="en-US" dirty="0"/>
+          </a:p>
+        </p:txBody>
+      </p:sp>
+      <p:sp>
+        <p:nvSpPr>
+          <p:cNvPr id="3" name="コンテンツ プレースホルダ 2"/>
+          <p:cNvSpPr>
+            <a:spLocks noGrp="1"/>
+          </p:cNvSpPr>
+          <p:nvPr>
+            <p:ph sz="quarter" idx="1"/>
+          </p:nvPr>
+        </p:nvSpPr>
+        <p:spPr>
+          <a:xfrm>
+            <a:off x="612648" y="1600200"/>
+            <a:ext cx="8153400" cy="5429200"/>
+          </a:xfrm>
+        </p:spPr>
+        <p:txBody>
+          <a:bodyPr>
+            <a:normAutofit fontScale="92500" lnSpcReduction="20000"/>
+          </a:bodyPr>
+          <a:lstStyle/>
+          <a:p>
+            <a:r>
+              <a:rPr lang="ja-JP" altLang="en-US" dirty="0" smtClean="0"/>
+              <a:t>管理者登録</a:t>
+            </a:r>
+            <a:endParaRPr lang="en-US" altLang="ja-JP" dirty="0" smtClean="0"/>
+          </a:p>
+          <a:p>
+            <a:pPr>
+              <a:buNone/>
+            </a:pPr>
+            <a:r>
+              <a:rPr lang="ja-JP" altLang="en-US" dirty="0" smtClean="0"/>
+              <a:t>　　</a:t>
+            </a:r>
+            <a:endParaRPr lang="en-US" altLang="ja-JP" dirty="0" smtClean="0"/>
+          </a:p>
+          <a:p>
+            <a:r>
+              <a:rPr kumimoji="1" lang="ja-JP" altLang="en-US" dirty="0" smtClean="0"/>
+              <a:t>利用者登録</a:t>
+            </a:r>
+            <a:endParaRPr kumimoji="1" lang="en-US" altLang="ja-JP" dirty="0" smtClean="0"/>
+          </a:p>
+          <a:p>
+            <a:endParaRPr kumimoji="1" lang="en-US" altLang="ja-JP" dirty="0" smtClean="0"/>
+          </a:p>
+          <a:p>
+            <a:r>
+              <a:rPr kumimoji="1" lang="ja-JP" altLang="en-US" dirty="0" smtClean="0"/>
+              <a:t>商品登録のエラー処理</a:t>
+            </a:r>
+            <a:endParaRPr kumimoji="1" lang="en-US" altLang="ja-JP" dirty="0" smtClean="0"/>
+          </a:p>
+          <a:p>
+            <a:endParaRPr lang="en-US" altLang="ja-JP" dirty="0" smtClean="0"/>
+          </a:p>
+          <a:p>
+            <a:r>
+              <a:rPr kumimoji="1" lang="en-US" altLang="ja-JP" dirty="0" smtClean="0"/>
+              <a:t>War</a:t>
+            </a:r>
+            <a:r>
+              <a:rPr kumimoji="1" lang="ja-JP" altLang="en-US" dirty="0" smtClean="0"/>
+              <a:t> </a:t>
+            </a:r>
+            <a:r>
+              <a:rPr kumimoji="1" lang="en-US" altLang="ja-JP" dirty="0" smtClean="0"/>
+              <a:t>file</a:t>
+            </a:r>
+            <a:r>
+              <a:rPr kumimoji="1" lang="ja-JP" altLang="en-US" dirty="0" smtClean="0"/>
+              <a:t>作成</a:t>
+            </a:r>
+            <a:endParaRPr kumimoji="1" lang="en-US" altLang="ja-JP" dirty="0" smtClean="0"/>
+          </a:p>
+          <a:p>
+            <a:endParaRPr kumimoji="1" lang="en-US" altLang="ja-JP" dirty="0" smtClean="0"/>
+          </a:p>
+          <a:p>
+            <a:r>
+              <a:rPr kumimoji="1" lang="en-US" altLang="ja-JP" dirty="0" smtClean="0"/>
+              <a:t>Linux</a:t>
+            </a:r>
+            <a:r>
+              <a:rPr lang="ja-JP" altLang="en-US" dirty="0" smtClean="0"/>
+              <a:t>上の</a:t>
+            </a:r>
+            <a:r>
+              <a:rPr lang="en-US" altLang="ja-JP" dirty="0" smtClean="0"/>
+              <a:t>tomcat</a:t>
+            </a:r>
+            <a:r>
+              <a:rPr lang="ja-JP" altLang="en-US" dirty="0" smtClean="0"/>
+              <a:t>にデプロイ</a:t>
+            </a:r>
+            <a:endParaRPr lang="en-US" altLang="ja-JP" dirty="0" smtClean="0"/>
+          </a:p>
+          <a:p>
+            <a:endParaRPr lang="en-US" altLang="ja-JP" dirty="0" smtClean="0"/>
+          </a:p>
+          <a:p>
+            <a:r>
+              <a:rPr kumimoji="1" lang="en-US" altLang="ja-JP" dirty="0" smtClean="0"/>
+              <a:t>Linux</a:t>
+            </a:r>
+            <a:r>
+              <a:rPr kumimoji="1" lang="ja-JP" altLang="en-US" dirty="0" smtClean="0"/>
+              <a:t>上の</a:t>
+            </a:r>
+            <a:r>
+              <a:rPr kumimoji="1" lang="en-US" altLang="ja-JP" dirty="0" err="1" smtClean="0"/>
+              <a:t>postgresql</a:t>
+            </a:r>
+            <a:r>
+              <a:rPr lang="ja-JP" altLang="en-US" dirty="0" smtClean="0"/>
+              <a:t>の</a:t>
+            </a:r>
+            <a:r>
+              <a:rPr lang="en-US" altLang="ja-JP" dirty="0" smtClean="0"/>
+              <a:t>SETUP</a:t>
+            </a:r>
+          </a:p>
+          <a:p>
+            <a:pPr>
+              <a:buNone/>
+            </a:pPr>
+            <a:r>
+              <a:rPr lang="ja-JP" altLang="en-US" dirty="0" smtClean="0"/>
+              <a:t>（伊賀さんのお力絶大）</a:t>
+            </a:r>
+            <a:endParaRPr lang="en-US" altLang="ja-JP" dirty="0" smtClean="0"/>
+          </a:p>
+          <a:p>
+            <a:endParaRPr kumimoji="1" lang="en-US" altLang="ja-JP" dirty="0" smtClean="0"/>
+          </a:p>
+          <a:p>
+            <a:endParaRPr kumimoji="1" lang="ja-JP" altLang="en-US" dirty="0"/>
+          </a:p>
+        </p:txBody>
+      </p:sp>
+    </p:spTree>
+  </p:cSld>
+  <p:clrMapOvr>
+    <a:masterClrMapping/>
+  </p:clrMapOvr>
+</p:sld>
+</file>
+
+<file path=ppt/slides/slide18.xml><?xml version="1.0" encoding="utf-8"?>
+<p:sld xmlns:a="http://schemas.openxmlformats.org/drawingml/2006/main" xmlns:r="http://schemas.openxmlformats.org/officeDocument/2006/relationships" xmlns:p="http://schemas.openxmlformats.org/presentationml/2006/main">
+  <p:cSld>
+    <p:spTree>
+      <p:nvGrpSpPr>
+        <p:cNvPr id="1" name=""/>
+        <p:cNvGrpSpPr/>
+        <p:nvPr/>
+      </p:nvGrpSpPr>
+      <p:grpSpPr>
+        <a:xfrm>
+          <a:off x="0" y="0"/>
+          <a:ext cx="0" cy="0"/>
+          <a:chOff x="0" y="0"/>
+          <a:chExt cx="0" cy="0"/>
+        </a:xfrm>
+      </p:grpSpPr>
+      <p:sp>
+        <p:nvSpPr>
+          <p:cNvPr id="2" name="タイトル 1"/>
+          <p:cNvSpPr>
+            <a:spLocks noGrp="1"/>
+          </p:cNvSpPr>
+          <p:nvPr>
+            <p:ph type="title"/>
+          </p:nvPr>
+        </p:nvSpPr>
+        <p:spPr/>
+        <p:txBody>
           <a:bodyPr/>
           <a:lstStyle/>
           <a:p>
             <a:r>
-              <a:rPr lang="ja-JP" altLang="en-US" dirty="0" smtClean="0"/>
-              <a:t>藤本</a:t>
+              <a:rPr kumimoji="1" lang="ja-JP" altLang="en-US" dirty="0" smtClean="0"/>
+              <a:t>澤村</a:t>
             </a:r>
             <a:endParaRPr kumimoji="1" lang="ja-JP" altLang="en-US" dirty="0"/>
           </a:p>
@@ -5055,10 +5823,275 @@
           <a:bodyPr/>
           <a:lstStyle/>
           <a:p>
-            <a:endParaRPr kumimoji="1" lang="ja-JP" altLang="en-US"/>
-          </a:p>
-        </p:txBody>
-      </p:sp>
+            <a:r>
+              <a:rPr kumimoji="1" lang="ja-JP" altLang="en-US" dirty="0" smtClean="0"/>
+              <a:t>困ったこと</a:t>
+            </a:r>
+            <a:endParaRPr kumimoji="1" lang="en-US" altLang="ja-JP" dirty="0" smtClean="0"/>
+          </a:p>
+          <a:p>
+            <a:endParaRPr lang="en-US" altLang="ja-JP" dirty="0" smtClean="0"/>
+          </a:p>
+          <a:p>
+            <a:r>
+              <a:rPr kumimoji="1" lang="ja-JP" altLang="en-US" dirty="0" smtClean="0"/>
+              <a:t>クラス図作成中のブラックアウト＆強制シャットダウン計５回</a:t>
+            </a:r>
+            <a:endParaRPr kumimoji="1" lang="en-US" altLang="ja-JP" dirty="0" smtClean="0"/>
+          </a:p>
+          <a:p>
+            <a:pPr>
+              <a:buNone/>
+            </a:pPr>
+            <a:r>
+              <a:rPr lang="ja-JP" altLang="en-US" dirty="0" smtClean="0"/>
+              <a:t>　（クラス図書き直し、ｓｔｓの中のクラスが消え再度クローン）</a:t>
+            </a:r>
+            <a:endParaRPr lang="en-US" altLang="ja-JP" dirty="0" smtClean="0"/>
+          </a:p>
+          <a:p>
+            <a:endParaRPr lang="en-US" altLang="ja-JP" dirty="0" smtClean="0"/>
+          </a:p>
+          <a:p>
+            <a:r>
+              <a:rPr kumimoji="1" lang="ja-JP" altLang="en-US" dirty="0" smtClean="0"/>
+              <a:t>初面談による緊張</a:t>
+            </a:r>
+            <a:endParaRPr kumimoji="1" lang="en-US" altLang="ja-JP" dirty="0" smtClean="0"/>
+          </a:p>
+        </p:txBody>
+      </p:sp>
+      <p:pic>
+        <p:nvPicPr>
+          <p:cNvPr id="4" name="図 3" descr="thONJN6OQC.jpg"/>
+          <p:cNvPicPr>
+            <a:picLocks noChangeAspect="1"/>
+          </p:cNvPicPr>
+          <p:nvPr/>
+        </p:nvPicPr>
+        <p:blipFill>
+          <a:blip r:embed="rId2" cstate="print"/>
+          <a:stretch>
+            <a:fillRect/>
+          </a:stretch>
+        </p:blipFill>
+        <p:spPr>
+          <a:xfrm>
+            <a:off x="7668344" y="1628800"/>
+            <a:ext cx="874550" cy="1140718"/>
+          </a:xfrm>
+          <a:prstGeom prst="rect">
+            <a:avLst/>
+          </a:prstGeom>
+        </p:spPr>
+      </p:pic>
+    </p:spTree>
+  </p:cSld>
+  <p:clrMapOvr>
+    <a:masterClrMapping/>
+  </p:clrMapOvr>
+</p:sld>
+</file>
+
+<file path=ppt/slides/slide19.xml><?xml version="1.0" encoding="utf-8"?>
+<p:sld xmlns:a="http://schemas.openxmlformats.org/drawingml/2006/main" xmlns:r="http://schemas.openxmlformats.org/officeDocument/2006/relationships" xmlns:p="http://schemas.openxmlformats.org/presentationml/2006/main">
+  <p:cSld>
+    <p:spTree>
+      <p:nvGrpSpPr>
+        <p:cNvPr id="1" name=""/>
+        <p:cNvGrpSpPr/>
+        <p:nvPr/>
+      </p:nvGrpSpPr>
+      <p:grpSpPr>
+        <a:xfrm>
+          <a:off x="0" y="0"/>
+          <a:ext cx="0" cy="0"/>
+          <a:chOff x="0" y="0"/>
+          <a:chExt cx="0" cy="0"/>
+        </a:xfrm>
+      </p:grpSpPr>
+      <p:sp>
+        <p:nvSpPr>
+          <p:cNvPr id="2" name="タイトル 1"/>
+          <p:cNvSpPr>
+            <a:spLocks noGrp="1"/>
+          </p:cNvSpPr>
+          <p:nvPr>
+            <p:ph type="title"/>
+          </p:nvPr>
+        </p:nvSpPr>
+        <p:spPr/>
+        <p:txBody>
+          <a:bodyPr/>
+          <a:lstStyle/>
+          <a:p>
+            <a:r>
+              <a:rPr kumimoji="1" lang="ja-JP" altLang="en-US" dirty="0" smtClean="0"/>
+              <a:t>澤村</a:t>
+            </a:r>
+            <a:endParaRPr kumimoji="1" lang="ja-JP" altLang="en-US" dirty="0"/>
+          </a:p>
+        </p:txBody>
+      </p:sp>
+      <p:sp>
+        <p:nvSpPr>
+          <p:cNvPr id="3" name="コンテンツ プレースホルダ 2"/>
+          <p:cNvSpPr>
+            <a:spLocks noGrp="1"/>
+          </p:cNvSpPr>
+          <p:nvPr>
+            <p:ph sz="quarter" idx="1"/>
+          </p:nvPr>
+        </p:nvSpPr>
+        <p:spPr/>
+        <p:txBody>
+          <a:bodyPr>
+            <a:normAutofit fontScale="92500" lnSpcReduction="20000"/>
+          </a:bodyPr>
+          <a:lstStyle/>
+          <a:p>
+            <a:r>
+              <a:rPr lang="ja-JP" altLang="en-US" sz="2800" dirty="0" smtClean="0"/>
+              <a:t>難しかった点</a:t>
+            </a:r>
+            <a:endParaRPr lang="en-US" altLang="ja-JP" sz="2800" dirty="0" smtClean="0"/>
+          </a:p>
+          <a:p>
+            <a:endParaRPr kumimoji="1" lang="en-US" altLang="ja-JP" sz="2800" dirty="0" smtClean="0"/>
+          </a:p>
+          <a:p>
+            <a:r>
+              <a:rPr kumimoji="1" lang="en-US" altLang="ja-JP" sz="2800" dirty="0" smtClean="0"/>
+              <a:t>Linux</a:t>
+            </a:r>
+            <a:r>
+              <a:rPr lang="ja-JP" altLang="en-US" sz="2800" dirty="0" smtClean="0"/>
+              <a:t>の</a:t>
+            </a:r>
+            <a:r>
+              <a:rPr lang="en-US" altLang="ja-JP" sz="2800" dirty="0" err="1" smtClean="0"/>
+              <a:t>postgresql</a:t>
+            </a:r>
+            <a:r>
+              <a:rPr lang="ja-JP" altLang="en-US" sz="2800" dirty="0" smtClean="0"/>
+              <a:t>の環境構築</a:t>
+            </a:r>
+            <a:endParaRPr lang="en-US" altLang="ja-JP" sz="2800" dirty="0" smtClean="0"/>
+          </a:p>
+          <a:p>
+            <a:pPr>
+              <a:buNone/>
+            </a:pPr>
+            <a:r>
+              <a:rPr lang="ja-JP" altLang="en-US" sz="2800" dirty="0" smtClean="0"/>
+              <a:t>　　　テーブルの中身の確認ややクエリーの実行結　果確認</a:t>
+            </a:r>
+            <a:endParaRPr lang="en-US" altLang="ja-JP" sz="2800" dirty="0" smtClean="0"/>
+          </a:p>
+          <a:p>
+            <a:pPr>
+              <a:buNone/>
+            </a:pPr>
+            <a:r>
+              <a:rPr lang="ja-JP" altLang="en-US" sz="2800" dirty="0" smtClean="0"/>
+              <a:t>　　</a:t>
+            </a:r>
+            <a:endParaRPr lang="en-US" altLang="ja-JP" sz="2800" dirty="0" smtClean="0"/>
+          </a:p>
+          <a:p>
+            <a:r>
+              <a:rPr lang="ja-JP" altLang="en-US" sz="2800" dirty="0" smtClean="0"/>
+              <a:t>チーム開発でのコンフリクト</a:t>
+            </a:r>
+            <a:endParaRPr lang="en-US" altLang="ja-JP" sz="2800" dirty="0" smtClean="0"/>
+          </a:p>
+          <a:p>
+            <a:pPr>
+              <a:buNone/>
+            </a:pPr>
+            <a:r>
+              <a:rPr lang="ja-JP" altLang="en-US" sz="2800" dirty="0" smtClean="0"/>
+              <a:t>　　　自動的に</a:t>
+            </a:r>
+            <a:r>
+              <a:rPr lang="en-US" altLang="ja-JP" sz="2800" dirty="0" err="1" smtClean="0"/>
+              <a:t>pom</a:t>
+            </a:r>
+            <a:r>
+              <a:rPr lang="ja-JP" altLang="en-US" sz="2800" dirty="0" smtClean="0"/>
+              <a:t>が生成されコンフリクト</a:t>
+            </a:r>
+            <a:endParaRPr lang="en-US" altLang="ja-JP" sz="2800" dirty="0" smtClean="0"/>
+          </a:p>
+          <a:p>
+            <a:endParaRPr lang="en-US" altLang="ja-JP" sz="2800" dirty="0" smtClean="0"/>
+          </a:p>
+          <a:p>
+            <a:r>
+              <a:rPr lang="ja-JP" altLang="en-US" sz="2800" dirty="0" smtClean="0"/>
+              <a:t>正規表現式</a:t>
+            </a:r>
+            <a:endParaRPr lang="en-US" altLang="ja-JP" sz="2800" dirty="0" smtClean="0"/>
+          </a:p>
+          <a:p>
+            <a:pPr>
+              <a:buNone/>
+            </a:pPr>
+            <a:r>
+              <a:rPr lang="ja-JP" altLang="en-US" sz="2800" dirty="0" smtClean="0"/>
+              <a:t>　　　＠</a:t>
+            </a:r>
+            <a:r>
+              <a:rPr lang="en-US" altLang="ja-JP" sz="2800" dirty="0" err="1" smtClean="0"/>
+              <a:t>patterm</a:t>
+            </a:r>
+            <a:r>
+              <a:rPr lang="ja-JP" altLang="en-US" sz="2800" dirty="0" smtClean="0"/>
+              <a:t>で使用</a:t>
+            </a:r>
+            <a:endParaRPr lang="en-US" altLang="ja-JP" sz="2800" dirty="0" smtClean="0"/>
+          </a:p>
+          <a:p>
+            <a:pPr>
+              <a:buNone/>
+            </a:pPr>
+            <a:endParaRPr lang="en-US" altLang="ja-JP" sz="2800" dirty="0" smtClean="0"/>
+          </a:p>
+          <a:p>
+            <a:endParaRPr lang="en-US" altLang="ja-JP" sz="2800" dirty="0" smtClean="0"/>
+          </a:p>
+          <a:p>
+            <a:pPr>
+              <a:buNone/>
+            </a:pPr>
+            <a:endParaRPr lang="en-US" altLang="ja-JP" dirty="0" smtClean="0"/>
+          </a:p>
+        </p:txBody>
+      </p:sp>
+      <p:pic>
+        <p:nvPicPr>
+          <p:cNvPr id="5" name="図 4" descr="ダウンロード.jpg"/>
+          <p:cNvPicPr>
+            <a:picLocks noChangeAspect="1"/>
+          </p:cNvPicPr>
+          <p:nvPr/>
+        </p:nvPicPr>
+        <p:blipFill>
+          <a:blip r:embed="rId2" cstate="print"/>
+          <a:stretch>
+            <a:fillRect/>
+          </a:stretch>
+        </p:blipFill>
+        <p:spPr>
+          <a:xfrm>
+            <a:off x="7164288" y="5623560"/>
+            <a:ext cx="1676400" cy="1234440"/>
+          </a:xfrm>
+          <a:prstGeom prst="rect">
+            <a:avLst/>
+          </a:prstGeom>
+        </p:spPr>
+      </p:pic>
     </p:spTree>
   </p:cSld>
   <p:clrMapOvr>
@@ -5100,20 +6133,12 @@
           <a:lstStyle/>
           <a:p>
             <a:r>
-              <a:rPr kumimoji="1" lang="ja-JP" altLang="en-US" dirty="0" smtClean="0"/>
-              <a:t>基本機能</a:t>
-            </a:r>
-            <a:r>
-              <a:rPr kumimoji="1" lang="en-US" altLang="ja-JP" dirty="0" smtClean="0"/>
-              <a:t>(</a:t>
-            </a:r>
-            <a:r>
-              <a:rPr kumimoji="1" lang="ja-JP" altLang="en-US" dirty="0" smtClean="0"/>
-              <a:t>利用者</a:t>
-            </a:r>
-            <a:r>
-              <a:rPr kumimoji="1" lang="en-US" altLang="ja-JP" dirty="0" smtClean="0"/>
-              <a:t>)</a:t>
+              <a:rPr lang="ja-JP" altLang="en-US" dirty="0" smtClean="0"/>
+              <a:t>発表</a:t>
+            </a:r>
+            <a:r>
+              <a:rPr lang="ja-JP" altLang="en-US" dirty="0" smtClean="0"/>
+              <a:t>の概略</a:t>
             </a:r>
             <a:endParaRPr kumimoji="1" lang="ja-JP" altLang="en-US" dirty="0"/>
           </a:p>
@@ -5131,58 +6156,2735 @@
         </p:nvSpPr>
         <p:spPr/>
         <p:txBody>
-          <a:bodyPr tIns="180000" bIns="180000"/>
+          <a:bodyPr tIns="180000" bIns="180000">
+            <a:normAutofit/>
+          </a:bodyPr>
           <a:lstStyle/>
           <a:p>
-            <a:r>
-              <a:rPr lang="ja-JP" altLang="en-US" sz="3200" dirty="0"/>
-              <a:t>ログイン・ログアウト</a:t>
-            </a:r>
-            <a:endParaRPr lang="en-US" altLang="ja-JP" sz="3200" dirty="0"/>
-          </a:p>
-          <a:p>
+            <a:pPr marL="514350" indent="-514350">
+              <a:buFont typeface="+mj-lt"/>
+              <a:buAutoNum type="arabicPeriod"/>
+            </a:pPr>
+            <a:r>
+              <a:rPr kumimoji="1" lang="ja-JP" altLang="en-US" sz="3200" dirty="0" smtClean="0"/>
+              <a:t>システムの概要</a:t>
+            </a:r>
+            <a:endParaRPr kumimoji="1" lang="en-US" altLang="ja-JP" sz="3200" dirty="0" smtClean="0"/>
+          </a:p>
+          <a:p>
+            <a:pPr marL="514350" indent="-514350">
+              <a:buFont typeface="+mj-lt"/>
+              <a:buAutoNum type="arabicPeriod"/>
+            </a:pPr>
             <a:r>
               <a:rPr lang="ja-JP" altLang="en-US" sz="3200" dirty="0" smtClean="0"/>
-              <a:t>新規ユーザ登録</a:t>
+              <a:t>開発の</a:t>
+            </a:r>
+            <a:r>
+              <a:rPr lang="ja-JP" altLang="en-US" sz="3200" dirty="0" smtClean="0"/>
+              <a:t>流れ</a:t>
             </a:r>
             <a:endParaRPr lang="en-US" altLang="ja-JP" sz="3200" dirty="0" smtClean="0"/>
           </a:p>
           <a:p>
+            <a:pPr marL="514350" indent="-514350">
+              <a:buFont typeface="+mj-lt"/>
+              <a:buAutoNum type="arabicPeriod"/>
+            </a:pPr>
+            <a:r>
+              <a:rPr kumimoji="1" lang="ja-JP" altLang="en-US" sz="3200" dirty="0" smtClean="0"/>
+              <a:t>デモ</a:t>
+            </a:r>
+            <a:endParaRPr kumimoji="1" lang="en-US" altLang="ja-JP" sz="3200" dirty="0" smtClean="0"/>
+          </a:p>
+          <a:p>
+            <a:pPr marL="514350" indent="-514350">
+              <a:buFont typeface="+mj-lt"/>
+              <a:buAutoNum type="arabicPeriod"/>
+            </a:pPr>
+            <a:r>
+              <a:rPr kumimoji="1" lang="ja-JP" altLang="en-US" sz="3200" dirty="0" smtClean="0"/>
+              <a:t>コメント、感想</a:t>
+            </a:r>
+            <a:endParaRPr kumimoji="1" lang="en-US" altLang="ja-JP" sz="3200" dirty="0" smtClean="0"/>
+          </a:p>
+          <a:p>
+            <a:pPr marL="514350" indent="-514350">
+              <a:buFont typeface="+mj-lt"/>
+              <a:buAutoNum type="arabicPeriod"/>
+            </a:pPr>
             <a:r>
               <a:rPr lang="ja-JP" altLang="en-US" sz="3200" dirty="0" smtClean="0"/>
-              <a:t>販売商品の一覧表示</a:t>
-            </a:r>
-            <a:endParaRPr lang="en-US" altLang="ja-JP" sz="3200" dirty="0"/>
-          </a:p>
-          <a:p>
-            <a:r>
-              <a:rPr lang="ja-JP" altLang="en-US" sz="3200" dirty="0" smtClean="0"/>
-              <a:t>カートに商品を追加、削除</a:t>
-            </a:r>
-            <a:endParaRPr lang="en-US" altLang="ja-JP" sz="3200" dirty="0" smtClean="0"/>
-          </a:p>
-          <a:p>
-            <a:r>
-              <a:rPr lang="ja-JP" altLang="en-US" sz="3200" dirty="0" smtClean="0"/>
-              <a:t>カート内商品の一覧表示</a:t>
-            </a:r>
-            <a:endParaRPr lang="en-US" altLang="ja-JP" sz="3200" dirty="0" smtClean="0"/>
-          </a:p>
-          <a:p>
-            <a:r>
-              <a:rPr lang="ja-JP" altLang="en-US" sz="3200" dirty="0" smtClean="0"/>
-              <a:t>注文の決済</a:t>
-            </a:r>
-            <a:endParaRPr lang="ja-JP" altLang="en-US" sz="3200" dirty="0"/>
-          </a:p>
-          <a:p>
-            <a:endParaRPr kumimoji="1" lang="ja-JP" altLang="en-US" dirty="0"/>
+              <a:t>まとめ</a:t>
+            </a:r>
+            <a:endParaRPr kumimoji="1" lang="ja-JP" altLang="en-US" sz="3200" dirty="0"/>
           </a:p>
         </p:txBody>
       </p:sp>
       <p:pic>
         <p:nvPicPr>
           <p:cNvPr id="5" name="Picture 2" descr="C:\env\springworkspace\ecommerce-springC\src\main\webapp\img\rogo.png"/>
+          <p:cNvPicPr>
+            <a:picLocks noChangeAspect="1" noChangeArrowheads="1"/>
+          </p:cNvPicPr>
+          <p:nvPr/>
+        </p:nvPicPr>
+        <p:blipFill>
+          <a:blip r:embed="rId2" cstate="print"/>
+          <a:srcRect/>
+          <a:stretch>
+            <a:fillRect/>
+          </a:stretch>
+        </p:blipFill>
+        <p:spPr bwMode="auto">
+          <a:xfrm>
+            <a:off x="8172400" y="6021288"/>
+            <a:ext cx="659285" cy="659285"/>
+          </a:xfrm>
+          <a:prstGeom prst="rect">
+            <a:avLst/>
+          </a:prstGeom>
+          <a:noFill/>
+        </p:spPr>
+      </p:pic>
+    </p:spTree>
+  </p:cSld>
+  <p:clrMapOvr>
+    <a:masterClrMapping/>
+  </p:clrMapOvr>
+  <p:timing>
+    <p:tnLst>
+      <p:par>
+        <p:cTn id="1" dur="indefinite" restart="never" nodeType="tmRoot"/>
+      </p:par>
+    </p:tnLst>
+  </p:timing>
+</p:sld>
+</file>
+
+<file path=ppt/slides/slide20.xml><?xml version="1.0" encoding="utf-8"?>
+<p:sld xmlns:a="http://schemas.openxmlformats.org/drawingml/2006/main" xmlns:r="http://schemas.openxmlformats.org/officeDocument/2006/relationships" xmlns:p="http://schemas.openxmlformats.org/presentationml/2006/main">
+  <p:cSld>
+    <p:spTree>
+      <p:nvGrpSpPr>
+        <p:cNvPr id="1" name=""/>
+        <p:cNvGrpSpPr/>
+        <p:nvPr/>
+      </p:nvGrpSpPr>
+      <p:grpSpPr>
+        <a:xfrm>
+          <a:off x="0" y="0"/>
+          <a:ext cx="0" cy="0"/>
+          <a:chOff x="0" y="0"/>
+          <a:chExt cx="0" cy="0"/>
+        </a:xfrm>
+      </p:grpSpPr>
+      <p:sp>
+        <p:nvSpPr>
+          <p:cNvPr id="2" name="タイトル 1"/>
+          <p:cNvSpPr>
+            <a:spLocks noGrp="1"/>
+          </p:cNvSpPr>
+          <p:nvPr>
+            <p:ph type="title"/>
+          </p:nvPr>
+        </p:nvSpPr>
+        <p:spPr/>
+        <p:txBody>
+          <a:bodyPr/>
+          <a:lstStyle/>
+          <a:p>
+            <a:r>
+              <a:rPr kumimoji="1" lang="ja-JP" altLang="en-US" dirty="0" smtClean="0"/>
+              <a:t>工夫したこと</a:t>
+            </a:r>
+            <a:r>
+              <a:rPr kumimoji="1" lang="ja-JP" altLang="en-US" dirty="0" smtClean="0"/>
+              <a:t>（</a:t>
+            </a:r>
+            <a:r>
+              <a:rPr lang="ja-JP" altLang="en-US" dirty="0" smtClean="0"/>
+              <a:t>藤本</a:t>
+            </a:r>
+            <a:r>
+              <a:rPr kumimoji="1" lang="ja-JP" altLang="en-US" dirty="0" smtClean="0"/>
+              <a:t>）</a:t>
+            </a:r>
+            <a:endParaRPr kumimoji="1" lang="ja-JP" altLang="en-US" dirty="0"/>
+          </a:p>
+        </p:txBody>
+      </p:sp>
+      <p:sp>
+        <p:nvSpPr>
+          <p:cNvPr id="3" name="コンテンツ プレースホルダ 2"/>
+          <p:cNvSpPr>
+            <a:spLocks noGrp="1"/>
+          </p:cNvSpPr>
+          <p:nvPr>
+            <p:ph sz="quarter" idx="1"/>
+          </p:nvPr>
+        </p:nvSpPr>
+        <p:spPr>
+          <a:xfrm>
+            <a:off x="612648" y="1600200"/>
+            <a:ext cx="8153400" cy="5069160"/>
+          </a:xfrm>
+        </p:spPr>
+        <p:txBody>
+          <a:bodyPr tIns="360000">
+            <a:normAutofit/>
+          </a:bodyPr>
+          <a:lstStyle/>
+          <a:p>
+            <a:pPr>
+              <a:spcBef>
+                <a:spcPts val="1200"/>
+              </a:spcBef>
+            </a:pPr>
+            <a:r>
+              <a:rPr lang="ja-JP" altLang="en-US" sz="3200" dirty="0" smtClean="0"/>
+              <a:t>カート内での商品追加</a:t>
+            </a:r>
+            <a:endParaRPr lang="en-US" altLang="ja-JP" sz="3200" dirty="0" smtClean="0"/>
+          </a:p>
+          <a:p>
+            <a:pPr>
+              <a:spcBef>
+                <a:spcPts val="1200"/>
+              </a:spcBef>
+              <a:buNone/>
+            </a:pPr>
+            <a:r>
+              <a:rPr lang="ja-JP" altLang="en-US" sz="3200" dirty="0" smtClean="0"/>
+              <a:t>　　</a:t>
+            </a:r>
+            <a:r>
+              <a:rPr lang="ja-JP" altLang="en-US" sz="2800" dirty="0" smtClean="0"/>
+              <a:t>カート画面から１個ずつ追加が可能</a:t>
+            </a:r>
+            <a:endParaRPr lang="en-US" altLang="ja-JP" sz="2800" dirty="0" smtClean="0"/>
+          </a:p>
+          <a:p>
+            <a:pPr>
+              <a:spcBef>
+                <a:spcPts val="1200"/>
+              </a:spcBef>
+            </a:pPr>
+            <a:r>
+              <a:rPr lang="ja-JP" altLang="en-US" sz="3200" dirty="0" smtClean="0"/>
+              <a:t>ダブルサブミット対策の強化</a:t>
+            </a:r>
+            <a:endParaRPr lang="en-US" altLang="ja-JP" sz="3200" dirty="0" smtClean="0"/>
+          </a:p>
+          <a:p>
+            <a:pPr>
+              <a:spcBef>
+                <a:spcPts val="1200"/>
+              </a:spcBef>
+              <a:buNone/>
+            </a:pPr>
+            <a:r>
+              <a:rPr kumimoji="1" lang="ja-JP" altLang="en-US" sz="3200" dirty="0" smtClean="0"/>
+              <a:t>　　</a:t>
+            </a:r>
+            <a:r>
+              <a:rPr kumimoji="1" lang="en-US" altLang="ja-JP" sz="2800" b="1" dirty="0" err="1" smtClean="0"/>
+              <a:t>javascript</a:t>
+            </a:r>
+            <a:r>
+              <a:rPr kumimoji="1" lang="ja-JP" altLang="en-US" sz="2800" dirty="0" smtClean="0"/>
+              <a:t>による対策を追加</a:t>
+            </a:r>
+            <a:endParaRPr kumimoji="1" lang="en-US" altLang="ja-JP" sz="2800" dirty="0" smtClean="0"/>
+          </a:p>
+          <a:p>
+            <a:pPr>
+              <a:spcBef>
+                <a:spcPts val="1200"/>
+              </a:spcBef>
+            </a:pPr>
+            <a:r>
+              <a:rPr lang="en-US" altLang="ja-JP" sz="3200" b="1" dirty="0" smtClean="0"/>
+              <a:t>URL</a:t>
+            </a:r>
+            <a:r>
+              <a:rPr lang="ja-JP" altLang="en-US" sz="3200" dirty="0" smtClean="0"/>
+              <a:t>に直接、でたらめな数字が入力された場合のエラー処理</a:t>
+            </a:r>
+            <a:endParaRPr lang="en-US" altLang="ja-JP" sz="3200" dirty="0" smtClean="0"/>
+          </a:p>
+          <a:p>
+            <a:pPr>
+              <a:spcBef>
+                <a:spcPts val="1200"/>
+              </a:spcBef>
+              <a:buNone/>
+            </a:pPr>
+            <a:r>
+              <a:rPr lang="ja-JP" altLang="en-US" sz="3200" dirty="0" smtClean="0"/>
+              <a:t>　　</a:t>
+            </a:r>
+            <a:r>
+              <a:rPr lang="ja-JP" altLang="en-US" sz="2800" dirty="0" smtClean="0"/>
+              <a:t>専用エラーページへ遷移</a:t>
+            </a:r>
+            <a:endParaRPr lang="en-US" altLang="ja-JP" sz="2800" dirty="0" smtClean="0"/>
+          </a:p>
+          <a:p>
+            <a:pPr>
+              <a:spcBef>
+                <a:spcPts val="1200"/>
+              </a:spcBef>
+              <a:buNone/>
+            </a:pPr>
+            <a:endParaRPr kumimoji="1" lang="en-US" altLang="ja-JP" sz="3200" dirty="0" smtClean="0"/>
+          </a:p>
+        </p:txBody>
+      </p:sp>
+      <p:pic>
+        <p:nvPicPr>
+          <p:cNvPr id="4" name="Picture 2" descr="C:\env\springworkspace\ecommerce-springC\src\main\webapp\img\rogo.png"/>
+          <p:cNvPicPr>
+            <a:picLocks noChangeAspect="1" noChangeArrowheads="1"/>
+          </p:cNvPicPr>
+          <p:nvPr/>
+        </p:nvPicPr>
+        <p:blipFill>
+          <a:blip r:embed="rId2" cstate="print"/>
+          <a:srcRect/>
+          <a:stretch>
+            <a:fillRect/>
+          </a:stretch>
+        </p:blipFill>
+        <p:spPr bwMode="auto">
+          <a:xfrm>
+            <a:off x="8172400" y="6021288"/>
+            <a:ext cx="659285" cy="659285"/>
+          </a:xfrm>
+          <a:prstGeom prst="rect">
+            <a:avLst/>
+          </a:prstGeom>
+          <a:noFill/>
+        </p:spPr>
+      </p:pic>
+    </p:spTree>
+  </p:cSld>
+  <p:clrMapOvr>
+    <a:masterClrMapping/>
+  </p:clrMapOvr>
+  <p:timing>
+    <p:tnLst>
+      <p:par>
+        <p:cTn id="1" dur="indefinite" restart="never" nodeType="tmRoot">
+          <p:childTnLst>
+            <p:seq concurrent="1" nextAc="seek">
+              <p:cTn id="2" dur="indefinite" nodeType="mainSeq">
+                <p:childTnLst>
+                  <p:par>
+                    <p:cTn id="3" fill="hold">
+                      <p:stCondLst>
+                        <p:cond delay="indefinite"/>
+                      </p:stCondLst>
+                      <p:childTnLst>
+                        <p:par>
+                          <p:cTn id="4" fill="hold">
+                            <p:stCondLst>
+                              <p:cond delay="0"/>
+                            </p:stCondLst>
+                            <p:childTnLst>
+                              <p:par>
+                                <p:cTn id="5" presetID="41" presetClass="entr" presetSubtype="0" fill="hold" nodeType="clickEffect">
+                                  <p:stCondLst>
+                                    <p:cond delay="0"/>
+                                  </p:stCondLst>
+                                  <p:iterate type="lt">
+                                    <p:tmPct val="10000"/>
+                                  </p:iterate>
+                                  <p:childTnLst>
+                                    <p:set>
+                                      <p:cBhvr>
+                                        <p:cTn id="6" dur="1" fill="hold">
+                                          <p:stCondLst>
+                                            <p:cond delay="0"/>
+                                          </p:stCondLst>
+                                        </p:cTn>
+                                        <p:tgtEl>
+                                          <p:spTgt spid="3">
+                                            <p:txEl>
+                                              <p:pRg st="0" end="0"/>
+                                            </p:txEl>
+                                          </p:spTgt>
+                                        </p:tgtEl>
+                                        <p:attrNameLst>
+                                          <p:attrName>style.visibility</p:attrName>
+                                        </p:attrNameLst>
+                                      </p:cBhvr>
+                                      <p:to>
+                                        <p:strVal val="visible"/>
+                                      </p:to>
+                                    </p:set>
+                                    <p:anim calcmode="lin" valueType="num">
+                                      <p:cBhvr>
+                                        <p:cTn id="7" dur="500" fill="hold"/>
+                                        <p:tgtEl>
+                                          <p:spTgt spid="3">
+                                            <p:txEl>
+                                              <p:pRg st="0" end="0"/>
+                                            </p:txEl>
+                                          </p:spTgt>
+                                        </p:tgtEl>
+                                        <p:attrNameLst>
+                                          <p:attrName>ppt_x</p:attrName>
+                                        </p:attrNameLst>
+                                      </p:cBhvr>
+                                      <p:tavLst>
+                                        <p:tav tm="0">
+                                          <p:val>
+                                            <p:strVal val="#ppt_x"/>
+                                          </p:val>
+                                        </p:tav>
+                                        <p:tav tm="50000">
+                                          <p:val>
+                                            <p:strVal val="#ppt_x+.1"/>
+                                          </p:val>
+                                        </p:tav>
+                                        <p:tav tm="100000">
+                                          <p:val>
+                                            <p:strVal val="#ppt_x"/>
+                                          </p:val>
+                                        </p:tav>
+                                      </p:tavLst>
+                                    </p:anim>
+                                    <p:anim calcmode="lin" valueType="num">
+                                      <p:cBhvr>
+                                        <p:cTn id="8" dur="500" fill="hold"/>
+                                        <p:tgtEl>
+                                          <p:spTgt spid="3">
+                                            <p:txEl>
+                                              <p:pRg st="0" end="0"/>
+                                            </p:txEl>
+                                          </p:spTgt>
+                                        </p:tgtEl>
+                                        <p:attrNameLst>
+                                          <p:attrName>ppt_y</p:attrName>
+                                        </p:attrNameLst>
+                                      </p:cBhvr>
+                                      <p:tavLst>
+                                        <p:tav tm="0">
+                                          <p:val>
+                                            <p:strVal val="#ppt_y"/>
+                                          </p:val>
+                                        </p:tav>
+                                        <p:tav tm="100000">
+                                          <p:val>
+                                            <p:strVal val="#ppt_y"/>
+                                          </p:val>
+                                        </p:tav>
+                                      </p:tavLst>
+                                    </p:anim>
+                                    <p:anim calcmode="lin" valueType="num">
+                                      <p:cBhvr>
+                                        <p:cTn id="9" dur="500" fill="hold"/>
+                                        <p:tgtEl>
+                                          <p:spTgt spid="3">
+                                            <p:txEl>
+                                              <p:pRg st="0" end="0"/>
+                                            </p:txEl>
+                                          </p:spTgt>
+                                        </p:tgtEl>
+                                        <p:attrNameLst>
+                                          <p:attrName>ppt_h</p:attrName>
+                                        </p:attrNameLst>
+                                      </p:cBhvr>
+                                      <p:tavLst>
+                                        <p:tav tm="0">
+                                          <p:val>
+                                            <p:strVal val="#ppt_h/10"/>
+                                          </p:val>
+                                        </p:tav>
+                                        <p:tav tm="50000">
+                                          <p:val>
+                                            <p:strVal val="#ppt_h+.01"/>
+                                          </p:val>
+                                        </p:tav>
+                                        <p:tav tm="100000">
+                                          <p:val>
+                                            <p:strVal val="#ppt_h"/>
+                                          </p:val>
+                                        </p:tav>
+                                      </p:tavLst>
+                                    </p:anim>
+                                    <p:anim calcmode="lin" valueType="num">
+                                      <p:cBhvr>
+                                        <p:cTn id="10" dur="500" fill="hold"/>
+                                        <p:tgtEl>
+                                          <p:spTgt spid="3">
+                                            <p:txEl>
+                                              <p:pRg st="0" end="0"/>
+                                            </p:txEl>
+                                          </p:spTgt>
+                                        </p:tgtEl>
+                                        <p:attrNameLst>
+                                          <p:attrName>ppt_w</p:attrName>
+                                        </p:attrNameLst>
+                                      </p:cBhvr>
+                                      <p:tavLst>
+                                        <p:tav tm="0">
+                                          <p:val>
+                                            <p:strVal val="#ppt_w/10"/>
+                                          </p:val>
+                                        </p:tav>
+                                        <p:tav tm="50000">
+                                          <p:val>
+                                            <p:strVal val="#ppt_w+.01"/>
+                                          </p:val>
+                                        </p:tav>
+                                        <p:tav tm="100000">
+                                          <p:val>
+                                            <p:strVal val="#ppt_w"/>
+                                          </p:val>
+                                        </p:tav>
+                                      </p:tavLst>
+                                    </p:anim>
+                                    <p:animEffect transition="in" filter="fade">
+                                      <p:cBhvr>
+                                        <p:cTn id="11" dur="500" tmFilter="0,0; .5, 1; 1, 1"/>
+                                        <p:tgtEl>
+                                          <p:spTgt spid="3">
+                                            <p:txEl>
+                                              <p:pRg st="0" end="0"/>
+                                            </p:txEl>
+                                          </p:spTgt>
+                                        </p:tgtEl>
+                                      </p:cBhvr>
+                                    </p:animEffect>
+                                  </p:childTnLst>
+                                </p:cTn>
+                              </p:par>
+                            </p:childTnLst>
+                          </p:cTn>
+                        </p:par>
+                      </p:childTnLst>
+                    </p:cTn>
+                  </p:par>
+                  <p:par>
+                    <p:cTn id="12" fill="hold">
+                      <p:stCondLst>
+                        <p:cond delay="indefinite"/>
+                      </p:stCondLst>
+                      <p:childTnLst>
+                        <p:par>
+                          <p:cTn id="13" fill="hold">
+                            <p:stCondLst>
+                              <p:cond delay="0"/>
+                            </p:stCondLst>
+                            <p:childTnLst>
+                              <p:par>
+                                <p:cTn id="14" presetID="41" presetClass="entr" presetSubtype="0" fill="hold" nodeType="clickEffect">
+                                  <p:stCondLst>
+                                    <p:cond delay="0"/>
+                                  </p:stCondLst>
+                                  <p:iterate type="lt">
+                                    <p:tmPct val="10000"/>
+                                  </p:iterate>
+                                  <p:childTnLst>
+                                    <p:set>
+                                      <p:cBhvr>
+                                        <p:cTn id="15" dur="1" fill="hold">
+                                          <p:stCondLst>
+                                            <p:cond delay="0"/>
+                                          </p:stCondLst>
+                                        </p:cTn>
+                                        <p:tgtEl>
+                                          <p:spTgt spid="3">
+                                            <p:txEl>
+                                              <p:pRg st="1" end="1"/>
+                                            </p:txEl>
+                                          </p:spTgt>
+                                        </p:tgtEl>
+                                        <p:attrNameLst>
+                                          <p:attrName>style.visibility</p:attrName>
+                                        </p:attrNameLst>
+                                      </p:cBhvr>
+                                      <p:to>
+                                        <p:strVal val="visible"/>
+                                      </p:to>
+                                    </p:set>
+                                    <p:anim calcmode="lin" valueType="num">
+                                      <p:cBhvr>
+                                        <p:cTn id="16" dur="500" fill="hold"/>
+                                        <p:tgtEl>
+                                          <p:spTgt spid="3">
+                                            <p:txEl>
+                                              <p:pRg st="1" end="1"/>
+                                            </p:txEl>
+                                          </p:spTgt>
+                                        </p:tgtEl>
+                                        <p:attrNameLst>
+                                          <p:attrName>ppt_x</p:attrName>
+                                        </p:attrNameLst>
+                                      </p:cBhvr>
+                                      <p:tavLst>
+                                        <p:tav tm="0">
+                                          <p:val>
+                                            <p:strVal val="#ppt_x"/>
+                                          </p:val>
+                                        </p:tav>
+                                        <p:tav tm="50000">
+                                          <p:val>
+                                            <p:strVal val="#ppt_x+.1"/>
+                                          </p:val>
+                                        </p:tav>
+                                        <p:tav tm="100000">
+                                          <p:val>
+                                            <p:strVal val="#ppt_x"/>
+                                          </p:val>
+                                        </p:tav>
+                                      </p:tavLst>
+                                    </p:anim>
+                                    <p:anim calcmode="lin" valueType="num">
+                                      <p:cBhvr>
+                                        <p:cTn id="17" dur="500" fill="hold"/>
+                                        <p:tgtEl>
+                                          <p:spTgt spid="3">
+                                            <p:txEl>
+                                              <p:pRg st="1" end="1"/>
+                                            </p:txEl>
+                                          </p:spTgt>
+                                        </p:tgtEl>
+                                        <p:attrNameLst>
+                                          <p:attrName>ppt_y</p:attrName>
+                                        </p:attrNameLst>
+                                      </p:cBhvr>
+                                      <p:tavLst>
+                                        <p:tav tm="0">
+                                          <p:val>
+                                            <p:strVal val="#ppt_y"/>
+                                          </p:val>
+                                        </p:tav>
+                                        <p:tav tm="100000">
+                                          <p:val>
+                                            <p:strVal val="#ppt_y"/>
+                                          </p:val>
+                                        </p:tav>
+                                      </p:tavLst>
+                                    </p:anim>
+                                    <p:anim calcmode="lin" valueType="num">
+                                      <p:cBhvr>
+                                        <p:cTn id="18" dur="500" fill="hold"/>
+                                        <p:tgtEl>
+                                          <p:spTgt spid="3">
+                                            <p:txEl>
+                                              <p:pRg st="1" end="1"/>
+                                            </p:txEl>
+                                          </p:spTgt>
+                                        </p:tgtEl>
+                                        <p:attrNameLst>
+                                          <p:attrName>ppt_h</p:attrName>
+                                        </p:attrNameLst>
+                                      </p:cBhvr>
+                                      <p:tavLst>
+                                        <p:tav tm="0">
+                                          <p:val>
+                                            <p:strVal val="#ppt_h/10"/>
+                                          </p:val>
+                                        </p:tav>
+                                        <p:tav tm="50000">
+                                          <p:val>
+                                            <p:strVal val="#ppt_h+.01"/>
+                                          </p:val>
+                                        </p:tav>
+                                        <p:tav tm="100000">
+                                          <p:val>
+                                            <p:strVal val="#ppt_h"/>
+                                          </p:val>
+                                        </p:tav>
+                                      </p:tavLst>
+                                    </p:anim>
+                                    <p:anim calcmode="lin" valueType="num">
+                                      <p:cBhvr>
+                                        <p:cTn id="19" dur="500" fill="hold"/>
+                                        <p:tgtEl>
+                                          <p:spTgt spid="3">
+                                            <p:txEl>
+                                              <p:pRg st="1" end="1"/>
+                                            </p:txEl>
+                                          </p:spTgt>
+                                        </p:tgtEl>
+                                        <p:attrNameLst>
+                                          <p:attrName>ppt_w</p:attrName>
+                                        </p:attrNameLst>
+                                      </p:cBhvr>
+                                      <p:tavLst>
+                                        <p:tav tm="0">
+                                          <p:val>
+                                            <p:strVal val="#ppt_w/10"/>
+                                          </p:val>
+                                        </p:tav>
+                                        <p:tav tm="50000">
+                                          <p:val>
+                                            <p:strVal val="#ppt_w+.01"/>
+                                          </p:val>
+                                        </p:tav>
+                                        <p:tav tm="100000">
+                                          <p:val>
+                                            <p:strVal val="#ppt_w"/>
+                                          </p:val>
+                                        </p:tav>
+                                      </p:tavLst>
+                                    </p:anim>
+                                    <p:animEffect transition="in" filter="fade">
+                                      <p:cBhvr>
+                                        <p:cTn id="20" dur="500" tmFilter="0,0; .5, 1; 1, 1"/>
+                                        <p:tgtEl>
+                                          <p:spTgt spid="3">
+                                            <p:txEl>
+                                              <p:pRg st="1" end="1"/>
+                                            </p:txEl>
+                                          </p:spTgt>
+                                        </p:tgtEl>
+                                      </p:cBhvr>
+                                    </p:animEffect>
+                                  </p:childTnLst>
+                                </p:cTn>
+                              </p:par>
+                            </p:childTnLst>
+                          </p:cTn>
+                        </p:par>
+                      </p:childTnLst>
+                    </p:cTn>
+                  </p:par>
+                  <p:par>
+                    <p:cTn id="21" fill="hold">
+                      <p:stCondLst>
+                        <p:cond delay="indefinite"/>
+                      </p:stCondLst>
+                      <p:childTnLst>
+                        <p:par>
+                          <p:cTn id="22" fill="hold">
+                            <p:stCondLst>
+                              <p:cond delay="0"/>
+                            </p:stCondLst>
+                            <p:childTnLst>
+                              <p:par>
+                                <p:cTn id="23" presetID="41" presetClass="entr" presetSubtype="0" fill="hold" nodeType="clickEffect">
+                                  <p:stCondLst>
+                                    <p:cond delay="0"/>
+                                  </p:stCondLst>
+                                  <p:iterate type="lt">
+                                    <p:tmPct val="10000"/>
+                                  </p:iterate>
+                                  <p:childTnLst>
+                                    <p:set>
+                                      <p:cBhvr>
+                                        <p:cTn id="24" dur="1" fill="hold">
+                                          <p:stCondLst>
+                                            <p:cond delay="0"/>
+                                          </p:stCondLst>
+                                        </p:cTn>
+                                        <p:tgtEl>
+                                          <p:spTgt spid="3">
+                                            <p:txEl>
+                                              <p:pRg st="2" end="2"/>
+                                            </p:txEl>
+                                          </p:spTgt>
+                                        </p:tgtEl>
+                                        <p:attrNameLst>
+                                          <p:attrName>style.visibility</p:attrName>
+                                        </p:attrNameLst>
+                                      </p:cBhvr>
+                                      <p:to>
+                                        <p:strVal val="visible"/>
+                                      </p:to>
+                                    </p:set>
+                                    <p:anim calcmode="lin" valueType="num">
+                                      <p:cBhvr>
+                                        <p:cTn id="25" dur="500" fill="hold"/>
+                                        <p:tgtEl>
+                                          <p:spTgt spid="3">
+                                            <p:txEl>
+                                              <p:pRg st="2" end="2"/>
+                                            </p:txEl>
+                                          </p:spTgt>
+                                        </p:tgtEl>
+                                        <p:attrNameLst>
+                                          <p:attrName>ppt_x</p:attrName>
+                                        </p:attrNameLst>
+                                      </p:cBhvr>
+                                      <p:tavLst>
+                                        <p:tav tm="0">
+                                          <p:val>
+                                            <p:strVal val="#ppt_x"/>
+                                          </p:val>
+                                        </p:tav>
+                                        <p:tav tm="50000">
+                                          <p:val>
+                                            <p:strVal val="#ppt_x+.1"/>
+                                          </p:val>
+                                        </p:tav>
+                                        <p:tav tm="100000">
+                                          <p:val>
+                                            <p:strVal val="#ppt_x"/>
+                                          </p:val>
+                                        </p:tav>
+                                      </p:tavLst>
+                                    </p:anim>
+                                    <p:anim calcmode="lin" valueType="num">
+                                      <p:cBhvr>
+                                        <p:cTn id="26" dur="500" fill="hold"/>
+                                        <p:tgtEl>
+                                          <p:spTgt spid="3">
+                                            <p:txEl>
+                                              <p:pRg st="2" end="2"/>
+                                            </p:txEl>
+                                          </p:spTgt>
+                                        </p:tgtEl>
+                                        <p:attrNameLst>
+                                          <p:attrName>ppt_y</p:attrName>
+                                        </p:attrNameLst>
+                                      </p:cBhvr>
+                                      <p:tavLst>
+                                        <p:tav tm="0">
+                                          <p:val>
+                                            <p:strVal val="#ppt_y"/>
+                                          </p:val>
+                                        </p:tav>
+                                        <p:tav tm="100000">
+                                          <p:val>
+                                            <p:strVal val="#ppt_y"/>
+                                          </p:val>
+                                        </p:tav>
+                                      </p:tavLst>
+                                    </p:anim>
+                                    <p:anim calcmode="lin" valueType="num">
+                                      <p:cBhvr>
+                                        <p:cTn id="27" dur="500" fill="hold"/>
+                                        <p:tgtEl>
+                                          <p:spTgt spid="3">
+                                            <p:txEl>
+                                              <p:pRg st="2" end="2"/>
+                                            </p:txEl>
+                                          </p:spTgt>
+                                        </p:tgtEl>
+                                        <p:attrNameLst>
+                                          <p:attrName>ppt_h</p:attrName>
+                                        </p:attrNameLst>
+                                      </p:cBhvr>
+                                      <p:tavLst>
+                                        <p:tav tm="0">
+                                          <p:val>
+                                            <p:strVal val="#ppt_h/10"/>
+                                          </p:val>
+                                        </p:tav>
+                                        <p:tav tm="50000">
+                                          <p:val>
+                                            <p:strVal val="#ppt_h+.01"/>
+                                          </p:val>
+                                        </p:tav>
+                                        <p:tav tm="100000">
+                                          <p:val>
+                                            <p:strVal val="#ppt_h"/>
+                                          </p:val>
+                                        </p:tav>
+                                      </p:tavLst>
+                                    </p:anim>
+                                    <p:anim calcmode="lin" valueType="num">
+                                      <p:cBhvr>
+                                        <p:cTn id="28" dur="500" fill="hold"/>
+                                        <p:tgtEl>
+                                          <p:spTgt spid="3">
+                                            <p:txEl>
+                                              <p:pRg st="2" end="2"/>
+                                            </p:txEl>
+                                          </p:spTgt>
+                                        </p:tgtEl>
+                                        <p:attrNameLst>
+                                          <p:attrName>ppt_w</p:attrName>
+                                        </p:attrNameLst>
+                                      </p:cBhvr>
+                                      <p:tavLst>
+                                        <p:tav tm="0">
+                                          <p:val>
+                                            <p:strVal val="#ppt_w/10"/>
+                                          </p:val>
+                                        </p:tav>
+                                        <p:tav tm="50000">
+                                          <p:val>
+                                            <p:strVal val="#ppt_w+.01"/>
+                                          </p:val>
+                                        </p:tav>
+                                        <p:tav tm="100000">
+                                          <p:val>
+                                            <p:strVal val="#ppt_w"/>
+                                          </p:val>
+                                        </p:tav>
+                                      </p:tavLst>
+                                    </p:anim>
+                                    <p:animEffect transition="in" filter="fade">
+                                      <p:cBhvr>
+                                        <p:cTn id="29" dur="500" tmFilter="0,0; .5, 1; 1, 1"/>
+                                        <p:tgtEl>
+                                          <p:spTgt spid="3">
+                                            <p:txEl>
+                                              <p:pRg st="2" end="2"/>
+                                            </p:txEl>
+                                          </p:spTgt>
+                                        </p:tgtEl>
+                                      </p:cBhvr>
+                                    </p:animEffect>
+                                  </p:childTnLst>
+                                </p:cTn>
+                              </p:par>
+                            </p:childTnLst>
+                          </p:cTn>
+                        </p:par>
+                      </p:childTnLst>
+                    </p:cTn>
+                  </p:par>
+                  <p:par>
+                    <p:cTn id="30" fill="hold">
+                      <p:stCondLst>
+                        <p:cond delay="indefinite"/>
+                      </p:stCondLst>
+                      <p:childTnLst>
+                        <p:par>
+                          <p:cTn id="31" fill="hold">
+                            <p:stCondLst>
+                              <p:cond delay="0"/>
+                            </p:stCondLst>
+                            <p:childTnLst>
+                              <p:par>
+                                <p:cTn id="32" presetID="41" presetClass="entr" presetSubtype="0" fill="hold" nodeType="clickEffect">
+                                  <p:stCondLst>
+                                    <p:cond delay="0"/>
+                                  </p:stCondLst>
+                                  <p:iterate type="lt">
+                                    <p:tmPct val="10000"/>
+                                  </p:iterate>
+                                  <p:childTnLst>
+                                    <p:set>
+                                      <p:cBhvr>
+                                        <p:cTn id="33" dur="1" fill="hold">
+                                          <p:stCondLst>
+                                            <p:cond delay="0"/>
+                                          </p:stCondLst>
+                                        </p:cTn>
+                                        <p:tgtEl>
+                                          <p:spTgt spid="3">
+                                            <p:txEl>
+                                              <p:pRg st="3" end="3"/>
+                                            </p:txEl>
+                                          </p:spTgt>
+                                        </p:tgtEl>
+                                        <p:attrNameLst>
+                                          <p:attrName>style.visibility</p:attrName>
+                                        </p:attrNameLst>
+                                      </p:cBhvr>
+                                      <p:to>
+                                        <p:strVal val="visible"/>
+                                      </p:to>
+                                    </p:set>
+                                    <p:anim calcmode="lin" valueType="num">
+                                      <p:cBhvr>
+                                        <p:cTn id="34" dur="500" fill="hold"/>
+                                        <p:tgtEl>
+                                          <p:spTgt spid="3">
+                                            <p:txEl>
+                                              <p:pRg st="3" end="3"/>
+                                            </p:txEl>
+                                          </p:spTgt>
+                                        </p:tgtEl>
+                                        <p:attrNameLst>
+                                          <p:attrName>ppt_x</p:attrName>
+                                        </p:attrNameLst>
+                                      </p:cBhvr>
+                                      <p:tavLst>
+                                        <p:tav tm="0">
+                                          <p:val>
+                                            <p:strVal val="#ppt_x"/>
+                                          </p:val>
+                                        </p:tav>
+                                        <p:tav tm="50000">
+                                          <p:val>
+                                            <p:strVal val="#ppt_x+.1"/>
+                                          </p:val>
+                                        </p:tav>
+                                        <p:tav tm="100000">
+                                          <p:val>
+                                            <p:strVal val="#ppt_x"/>
+                                          </p:val>
+                                        </p:tav>
+                                      </p:tavLst>
+                                    </p:anim>
+                                    <p:anim calcmode="lin" valueType="num">
+                                      <p:cBhvr>
+                                        <p:cTn id="35" dur="500" fill="hold"/>
+                                        <p:tgtEl>
+                                          <p:spTgt spid="3">
+                                            <p:txEl>
+                                              <p:pRg st="3" end="3"/>
+                                            </p:txEl>
+                                          </p:spTgt>
+                                        </p:tgtEl>
+                                        <p:attrNameLst>
+                                          <p:attrName>ppt_y</p:attrName>
+                                        </p:attrNameLst>
+                                      </p:cBhvr>
+                                      <p:tavLst>
+                                        <p:tav tm="0">
+                                          <p:val>
+                                            <p:strVal val="#ppt_y"/>
+                                          </p:val>
+                                        </p:tav>
+                                        <p:tav tm="100000">
+                                          <p:val>
+                                            <p:strVal val="#ppt_y"/>
+                                          </p:val>
+                                        </p:tav>
+                                      </p:tavLst>
+                                    </p:anim>
+                                    <p:anim calcmode="lin" valueType="num">
+                                      <p:cBhvr>
+                                        <p:cTn id="36" dur="500" fill="hold"/>
+                                        <p:tgtEl>
+                                          <p:spTgt spid="3">
+                                            <p:txEl>
+                                              <p:pRg st="3" end="3"/>
+                                            </p:txEl>
+                                          </p:spTgt>
+                                        </p:tgtEl>
+                                        <p:attrNameLst>
+                                          <p:attrName>ppt_h</p:attrName>
+                                        </p:attrNameLst>
+                                      </p:cBhvr>
+                                      <p:tavLst>
+                                        <p:tav tm="0">
+                                          <p:val>
+                                            <p:strVal val="#ppt_h/10"/>
+                                          </p:val>
+                                        </p:tav>
+                                        <p:tav tm="50000">
+                                          <p:val>
+                                            <p:strVal val="#ppt_h+.01"/>
+                                          </p:val>
+                                        </p:tav>
+                                        <p:tav tm="100000">
+                                          <p:val>
+                                            <p:strVal val="#ppt_h"/>
+                                          </p:val>
+                                        </p:tav>
+                                      </p:tavLst>
+                                    </p:anim>
+                                    <p:anim calcmode="lin" valueType="num">
+                                      <p:cBhvr>
+                                        <p:cTn id="37" dur="500" fill="hold"/>
+                                        <p:tgtEl>
+                                          <p:spTgt spid="3">
+                                            <p:txEl>
+                                              <p:pRg st="3" end="3"/>
+                                            </p:txEl>
+                                          </p:spTgt>
+                                        </p:tgtEl>
+                                        <p:attrNameLst>
+                                          <p:attrName>ppt_w</p:attrName>
+                                        </p:attrNameLst>
+                                      </p:cBhvr>
+                                      <p:tavLst>
+                                        <p:tav tm="0">
+                                          <p:val>
+                                            <p:strVal val="#ppt_w/10"/>
+                                          </p:val>
+                                        </p:tav>
+                                        <p:tav tm="50000">
+                                          <p:val>
+                                            <p:strVal val="#ppt_w+.01"/>
+                                          </p:val>
+                                        </p:tav>
+                                        <p:tav tm="100000">
+                                          <p:val>
+                                            <p:strVal val="#ppt_w"/>
+                                          </p:val>
+                                        </p:tav>
+                                      </p:tavLst>
+                                    </p:anim>
+                                    <p:animEffect transition="in" filter="fade">
+                                      <p:cBhvr>
+                                        <p:cTn id="38" dur="500" tmFilter="0,0; .5, 1; 1, 1"/>
+                                        <p:tgtEl>
+                                          <p:spTgt spid="3">
+                                            <p:txEl>
+                                              <p:pRg st="3" end="3"/>
+                                            </p:txEl>
+                                          </p:spTgt>
+                                        </p:tgtEl>
+                                      </p:cBhvr>
+                                    </p:animEffect>
+                                  </p:childTnLst>
+                                </p:cTn>
+                              </p:par>
+                            </p:childTnLst>
+                          </p:cTn>
+                        </p:par>
+                      </p:childTnLst>
+                    </p:cTn>
+                  </p:par>
+                  <p:par>
+                    <p:cTn id="39" fill="hold">
+                      <p:stCondLst>
+                        <p:cond delay="indefinite"/>
+                      </p:stCondLst>
+                      <p:childTnLst>
+                        <p:par>
+                          <p:cTn id="40" fill="hold">
+                            <p:stCondLst>
+                              <p:cond delay="0"/>
+                            </p:stCondLst>
+                            <p:childTnLst>
+                              <p:par>
+                                <p:cTn id="41" presetID="41" presetClass="entr" presetSubtype="0" fill="hold" nodeType="clickEffect">
+                                  <p:stCondLst>
+                                    <p:cond delay="0"/>
+                                  </p:stCondLst>
+                                  <p:iterate type="lt">
+                                    <p:tmPct val="10000"/>
+                                  </p:iterate>
+                                  <p:childTnLst>
+                                    <p:set>
+                                      <p:cBhvr>
+                                        <p:cTn id="42" dur="1" fill="hold">
+                                          <p:stCondLst>
+                                            <p:cond delay="0"/>
+                                          </p:stCondLst>
+                                        </p:cTn>
+                                        <p:tgtEl>
+                                          <p:spTgt spid="3">
+                                            <p:txEl>
+                                              <p:pRg st="4" end="4"/>
+                                            </p:txEl>
+                                          </p:spTgt>
+                                        </p:tgtEl>
+                                        <p:attrNameLst>
+                                          <p:attrName>style.visibility</p:attrName>
+                                        </p:attrNameLst>
+                                      </p:cBhvr>
+                                      <p:to>
+                                        <p:strVal val="visible"/>
+                                      </p:to>
+                                    </p:set>
+                                    <p:anim calcmode="lin" valueType="num">
+                                      <p:cBhvr>
+                                        <p:cTn id="43" dur="500" fill="hold"/>
+                                        <p:tgtEl>
+                                          <p:spTgt spid="3">
+                                            <p:txEl>
+                                              <p:pRg st="4" end="4"/>
+                                            </p:txEl>
+                                          </p:spTgt>
+                                        </p:tgtEl>
+                                        <p:attrNameLst>
+                                          <p:attrName>ppt_x</p:attrName>
+                                        </p:attrNameLst>
+                                      </p:cBhvr>
+                                      <p:tavLst>
+                                        <p:tav tm="0">
+                                          <p:val>
+                                            <p:strVal val="#ppt_x"/>
+                                          </p:val>
+                                        </p:tav>
+                                        <p:tav tm="50000">
+                                          <p:val>
+                                            <p:strVal val="#ppt_x+.1"/>
+                                          </p:val>
+                                        </p:tav>
+                                        <p:tav tm="100000">
+                                          <p:val>
+                                            <p:strVal val="#ppt_x"/>
+                                          </p:val>
+                                        </p:tav>
+                                      </p:tavLst>
+                                    </p:anim>
+                                    <p:anim calcmode="lin" valueType="num">
+                                      <p:cBhvr>
+                                        <p:cTn id="44" dur="500" fill="hold"/>
+                                        <p:tgtEl>
+                                          <p:spTgt spid="3">
+                                            <p:txEl>
+                                              <p:pRg st="4" end="4"/>
+                                            </p:txEl>
+                                          </p:spTgt>
+                                        </p:tgtEl>
+                                        <p:attrNameLst>
+                                          <p:attrName>ppt_y</p:attrName>
+                                        </p:attrNameLst>
+                                      </p:cBhvr>
+                                      <p:tavLst>
+                                        <p:tav tm="0">
+                                          <p:val>
+                                            <p:strVal val="#ppt_y"/>
+                                          </p:val>
+                                        </p:tav>
+                                        <p:tav tm="100000">
+                                          <p:val>
+                                            <p:strVal val="#ppt_y"/>
+                                          </p:val>
+                                        </p:tav>
+                                      </p:tavLst>
+                                    </p:anim>
+                                    <p:anim calcmode="lin" valueType="num">
+                                      <p:cBhvr>
+                                        <p:cTn id="45" dur="500" fill="hold"/>
+                                        <p:tgtEl>
+                                          <p:spTgt spid="3">
+                                            <p:txEl>
+                                              <p:pRg st="4" end="4"/>
+                                            </p:txEl>
+                                          </p:spTgt>
+                                        </p:tgtEl>
+                                        <p:attrNameLst>
+                                          <p:attrName>ppt_h</p:attrName>
+                                        </p:attrNameLst>
+                                      </p:cBhvr>
+                                      <p:tavLst>
+                                        <p:tav tm="0">
+                                          <p:val>
+                                            <p:strVal val="#ppt_h/10"/>
+                                          </p:val>
+                                        </p:tav>
+                                        <p:tav tm="50000">
+                                          <p:val>
+                                            <p:strVal val="#ppt_h+.01"/>
+                                          </p:val>
+                                        </p:tav>
+                                        <p:tav tm="100000">
+                                          <p:val>
+                                            <p:strVal val="#ppt_h"/>
+                                          </p:val>
+                                        </p:tav>
+                                      </p:tavLst>
+                                    </p:anim>
+                                    <p:anim calcmode="lin" valueType="num">
+                                      <p:cBhvr>
+                                        <p:cTn id="46" dur="500" fill="hold"/>
+                                        <p:tgtEl>
+                                          <p:spTgt spid="3">
+                                            <p:txEl>
+                                              <p:pRg st="4" end="4"/>
+                                            </p:txEl>
+                                          </p:spTgt>
+                                        </p:tgtEl>
+                                        <p:attrNameLst>
+                                          <p:attrName>ppt_w</p:attrName>
+                                        </p:attrNameLst>
+                                      </p:cBhvr>
+                                      <p:tavLst>
+                                        <p:tav tm="0">
+                                          <p:val>
+                                            <p:strVal val="#ppt_w/10"/>
+                                          </p:val>
+                                        </p:tav>
+                                        <p:tav tm="50000">
+                                          <p:val>
+                                            <p:strVal val="#ppt_w+.01"/>
+                                          </p:val>
+                                        </p:tav>
+                                        <p:tav tm="100000">
+                                          <p:val>
+                                            <p:strVal val="#ppt_w"/>
+                                          </p:val>
+                                        </p:tav>
+                                      </p:tavLst>
+                                    </p:anim>
+                                    <p:animEffect transition="in" filter="fade">
+                                      <p:cBhvr>
+                                        <p:cTn id="47" dur="500" tmFilter="0,0; .5, 1; 1, 1"/>
+                                        <p:tgtEl>
+                                          <p:spTgt spid="3">
+                                            <p:txEl>
+                                              <p:pRg st="4" end="4"/>
+                                            </p:txEl>
+                                          </p:spTgt>
+                                        </p:tgtEl>
+                                      </p:cBhvr>
+                                    </p:animEffect>
+                                  </p:childTnLst>
+                                </p:cTn>
+                              </p:par>
+                            </p:childTnLst>
+                          </p:cTn>
+                        </p:par>
+                      </p:childTnLst>
+                    </p:cTn>
+                  </p:par>
+                  <p:par>
+                    <p:cTn id="48" fill="hold">
+                      <p:stCondLst>
+                        <p:cond delay="indefinite"/>
+                      </p:stCondLst>
+                      <p:childTnLst>
+                        <p:par>
+                          <p:cTn id="49" fill="hold">
+                            <p:stCondLst>
+                              <p:cond delay="0"/>
+                            </p:stCondLst>
+                            <p:childTnLst>
+                              <p:par>
+                                <p:cTn id="50" presetID="41" presetClass="entr" presetSubtype="0" fill="hold" nodeType="clickEffect">
+                                  <p:stCondLst>
+                                    <p:cond delay="0"/>
+                                  </p:stCondLst>
+                                  <p:iterate type="lt">
+                                    <p:tmPct val="10000"/>
+                                  </p:iterate>
+                                  <p:childTnLst>
+                                    <p:set>
+                                      <p:cBhvr>
+                                        <p:cTn id="51" dur="1" fill="hold">
+                                          <p:stCondLst>
+                                            <p:cond delay="0"/>
+                                          </p:stCondLst>
+                                        </p:cTn>
+                                        <p:tgtEl>
+                                          <p:spTgt spid="3">
+                                            <p:txEl>
+                                              <p:pRg st="5" end="5"/>
+                                            </p:txEl>
+                                          </p:spTgt>
+                                        </p:tgtEl>
+                                        <p:attrNameLst>
+                                          <p:attrName>style.visibility</p:attrName>
+                                        </p:attrNameLst>
+                                      </p:cBhvr>
+                                      <p:to>
+                                        <p:strVal val="visible"/>
+                                      </p:to>
+                                    </p:set>
+                                    <p:anim calcmode="lin" valueType="num">
+                                      <p:cBhvr>
+                                        <p:cTn id="52" dur="500" fill="hold"/>
+                                        <p:tgtEl>
+                                          <p:spTgt spid="3">
+                                            <p:txEl>
+                                              <p:pRg st="5" end="5"/>
+                                            </p:txEl>
+                                          </p:spTgt>
+                                        </p:tgtEl>
+                                        <p:attrNameLst>
+                                          <p:attrName>ppt_x</p:attrName>
+                                        </p:attrNameLst>
+                                      </p:cBhvr>
+                                      <p:tavLst>
+                                        <p:tav tm="0">
+                                          <p:val>
+                                            <p:strVal val="#ppt_x"/>
+                                          </p:val>
+                                        </p:tav>
+                                        <p:tav tm="50000">
+                                          <p:val>
+                                            <p:strVal val="#ppt_x+.1"/>
+                                          </p:val>
+                                        </p:tav>
+                                        <p:tav tm="100000">
+                                          <p:val>
+                                            <p:strVal val="#ppt_x"/>
+                                          </p:val>
+                                        </p:tav>
+                                      </p:tavLst>
+                                    </p:anim>
+                                    <p:anim calcmode="lin" valueType="num">
+                                      <p:cBhvr>
+                                        <p:cTn id="53" dur="500" fill="hold"/>
+                                        <p:tgtEl>
+                                          <p:spTgt spid="3">
+                                            <p:txEl>
+                                              <p:pRg st="5" end="5"/>
+                                            </p:txEl>
+                                          </p:spTgt>
+                                        </p:tgtEl>
+                                        <p:attrNameLst>
+                                          <p:attrName>ppt_y</p:attrName>
+                                        </p:attrNameLst>
+                                      </p:cBhvr>
+                                      <p:tavLst>
+                                        <p:tav tm="0">
+                                          <p:val>
+                                            <p:strVal val="#ppt_y"/>
+                                          </p:val>
+                                        </p:tav>
+                                        <p:tav tm="100000">
+                                          <p:val>
+                                            <p:strVal val="#ppt_y"/>
+                                          </p:val>
+                                        </p:tav>
+                                      </p:tavLst>
+                                    </p:anim>
+                                    <p:anim calcmode="lin" valueType="num">
+                                      <p:cBhvr>
+                                        <p:cTn id="54" dur="500" fill="hold"/>
+                                        <p:tgtEl>
+                                          <p:spTgt spid="3">
+                                            <p:txEl>
+                                              <p:pRg st="5" end="5"/>
+                                            </p:txEl>
+                                          </p:spTgt>
+                                        </p:tgtEl>
+                                        <p:attrNameLst>
+                                          <p:attrName>ppt_h</p:attrName>
+                                        </p:attrNameLst>
+                                      </p:cBhvr>
+                                      <p:tavLst>
+                                        <p:tav tm="0">
+                                          <p:val>
+                                            <p:strVal val="#ppt_h/10"/>
+                                          </p:val>
+                                        </p:tav>
+                                        <p:tav tm="50000">
+                                          <p:val>
+                                            <p:strVal val="#ppt_h+.01"/>
+                                          </p:val>
+                                        </p:tav>
+                                        <p:tav tm="100000">
+                                          <p:val>
+                                            <p:strVal val="#ppt_h"/>
+                                          </p:val>
+                                        </p:tav>
+                                      </p:tavLst>
+                                    </p:anim>
+                                    <p:anim calcmode="lin" valueType="num">
+                                      <p:cBhvr>
+                                        <p:cTn id="55" dur="500" fill="hold"/>
+                                        <p:tgtEl>
+                                          <p:spTgt spid="3">
+                                            <p:txEl>
+                                              <p:pRg st="5" end="5"/>
+                                            </p:txEl>
+                                          </p:spTgt>
+                                        </p:tgtEl>
+                                        <p:attrNameLst>
+                                          <p:attrName>ppt_w</p:attrName>
+                                        </p:attrNameLst>
+                                      </p:cBhvr>
+                                      <p:tavLst>
+                                        <p:tav tm="0">
+                                          <p:val>
+                                            <p:strVal val="#ppt_w/10"/>
+                                          </p:val>
+                                        </p:tav>
+                                        <p:tav tm="50000">
+                                          <p:val>
+                                            <p:strVal val="#ppt_w+.01"/>
+                                          </p:val>
+                                        </p:tav>
+                                        <p:tav tm="100000">
+                                          <p:val>
+                                            <p:strVal val="#ppt_w"/>
+                                          </p:val>
+                                        </p:tav>
+                                      </p:tavLst>
+                                    </p:anim>
+                                    <p:animEffect transition="in" filter="fade">
+                                      <p:cBhvr>
+                                        <p:cTn id="56" dur="500" tmFilter="0,0; .5, 1; 1, 1"/>
+                                        <p:tgtEl>
+                                          <p:spTgt spid="3">
+                                            <p:txEl>
+                                              <p:pRg st="5" end="5"/>
+                                            </p:txEl>
+                                          </p:spTgt>
+                                        </p:tgtEl>
+                                      </p:cBhvr>
+                                    </p:animEffect>
+                                  </p:childTnLst>
+                                </p:cTn>
+                              </p:par>
+                            </p:childTnLst>
+                          </p:cTn>
+                        </p:par>
+                      </p:childTnLst>
+                    </p:cTn>
+                  </p:par>
+                </p:childTnLst>
+              </p:cTn>
+              <p:prevCondLst>
+                <p:cond evt="onPrev" delay="0">
+                  <p:tgtEl>
+                    <p:sldTgt/>
+                  </p:tgtEl>
+                </p:cond>
+              </p:prevCondLst>
+              <p:nextCondLst>
+                <p:cond evt="onNext" delay="0">
+                  <p:tgtEl>
+                    <p:sldTgt/>
+                  </p:tgtEl>
+                </p:cond>
+              </p:nextCondLst>
+            </p:seq>
+          </p:childTnLst>
+        </p:cTn>
+      </p:par>
+    </p:tnLst>
+  </p:timing>
+</p:sld>
+</file>
+
+<file path=ppt/slides/slide21.xml><?xml version="1.0" encoding="utf-8"?>
+<p:sld xmlns:a="http://schemas.openxmlformats.org/drawingml/2006/main" xmlns:r="http://schemas.openxmlformats.org/officeDocument/2006/relationships" xmlns:p="http://schemas.openxmlformats.org/presentationml/2006/main">
+  <p:cSld>
+    <p:spTree>
+      <p:nvGrpSpPr>
+        <p:cNvPr id="1" name=""/>
+        <p:cNvGrpSpPr/>
+        <p:nvPr/>
+      </p:nvGrpSpPr>
+      <p:grpSpPr>
+        <a:xfrm>
+          <a:off x="0" y="0"/>
+          <a:ext cx="0" cy="0"/>
+          <a:chOff x="0" y="0"/>
+          <a:chExt cx="0" cy="0"/>
+        </a:xfrm>
+      </p:grpSpPr>
+      <p:sp>
+        <p:nvSpPr>
+          <p:cNvPr id="2" name="タイトル 1"/>
+          <p:cNvSpPr>
+            <a:spLocks noGrp="1"/>
+          </p:cNvSpPr>
+          <p:nvPr>
+            <p:ph type="title"/>
+          </p:nvPr>
+        </p:nvSpPr>
+        <p:spPr/>
+        <p:txBody>
+          <a:bodyPr/>
+          <a:lstStyle/>
+          <a:p>
+            <a:r>
+              <a:rPr kumimoji="1" lang="ja-JP" altLang="en-US" dirty="0" smtClean="0"/>
+              <a:t>苦労したこと</a:t>
+            </a:r>
+            <a:r>
+              <a:rPr kumimoji="1" lang="ja-JP" altLang="en-US" dirty="0" smtClean="0"/>
+              <a:t>（</a:t>
+            </a:r>
+            <a:r>
+              <a:rPr lang="ja-JP" altLang="en-US" dirty="0" smtClean="0"/>
+              <a:t>藤本</a:t>
+            </a:r>
+            <a:r>
+              <a:rPr kumimoji="1" lang="ja-JP" altLang="en-US" dirty="0" smtClean="0"/>
+              <a:t>）</a:t>
+            </a:r>
+            <a:endParaRPr kumimoji="1" lang="ja-JP" altLang="en-US" dirty="0"/>
+          </a:p>
+        </p:txBody>
+      </p:sp>
+      <p:sp>
+        <p:nvSpPr>
+          <p:cNvPr id="3" name="コンテンツ プレースホルダ 2"/>
+          <p:cNvSpPr>
+            <a:spLocks noGrp="1"/>
+          </p:cNvSpPr>
+          <p:nvPr>
+            <p:ph sz="quarter" idx="1"/>
+          </p:nvPr>
+        </p:nvSpPr>
+        <p:spPr/>
+        <p:txBody>
+          <a:bodyPr lIns="54000" tIns="360000">
+            <a:normAutofit/>
+          </a:bodyPr>
+          <a:lstStyle/>
+          <a:p>
+            <a:pPr marL="468000">
+              <a:spcBef>
+                <a:spcPts val="1000"/>
+              </a:spcBef>
+            </a:pPr>
+            <a:r>
+              <a:rPr kumimoji="1" lang="ja-JP" altLang="en-US" sz="3200" dirty="0" smtClean="0"/>
+              <a:t>カート内にある商品一覧を表示</a:t>
+            </a:r>
+            <a:endParaRPr kumimoji="1" lang="en-US" altLang="ja-JP" sz="3200" dirty="0" smtClean="0"/>
+          </a:p>
+          <a:p>
+            <a:pPr marL="468000">
+              <a:spcBef>
+                <a:spcPts val="1000"/>
+              </a:spcBef>
+              <a:buNone/>
+            </a:pPr>
+            <a:r>
+              <a:rPr lang="ja-JP" altLang="en-US" sz="3200" dirty="0" smtClean="0"/>
+              <a:t>　　</a:t>
+            </a:r>
+            <a:r>
+              <a:rPr lang="ja-JP" altLang="en-US" sz="2800" dirty="0" smtClean="0"/>
+              <a:t>購入済み商品は表示しない</a:t>
+            </a:r>
+            <a:endParaRPr lang="en-US" altLang="ja-JP" sz="2800" dirty="0" smtClean="0"/>
+          </a:p>
+          <a:p>
+            <a:pPr marL="468000">
+              <a:spcBef>
+                <a:spcPts val="1000"/>
+              </a:spcBef>
+            </a:pPr>
+            <a:r>
+              <a:rPr kumimoji="1" lang="ja-JP" altLang="en-US" sz="3200" dirty="0" smtClean="0"/>
+              <a:t>カートへの商品追加</a:t>
+            </a:r>
+            <a:endParaRPr kumimoji="1" lang="en-US" altLang="ja-JP" sz="3200" dirty="0" smtClean="0"/>
+          </a:p>
+          <a:p>
+            <a:pPr marL="468000">
+              <a:spcBef>
+                <a:spcPts val="1000"/>
+              </a:spcBef>
+              <a:buNone/>
+            </a:pPr>
+            <a:r>
+              <a:rPr lang="ja-JP" altLang="en-US" sz="3200" dirty="0" smtClean="0"/>
+              <a:t>　　</a:t>
+            </a:r>
+            <a:r>
+              <a:rPr lang="ja-JP" altLang="en-US" sz="2800" dirty="0" smtClean="0"/>
+              <a:t>すでに注文情報が存在するか</a:t>
+            </a:r>
+            <a:endParaRPr lang="en-US" altLang="ja-JP" sz="2800" dirty="0" smtClean="0"/>
+          </a:p>
+          <a:p>
+            <a:pPr marL="468000">
+              <a:spcBef>
+                <a:spcPts val="1000"/>
+              </a:spcBef>
+            </a:pPr>
+            <a:r>
+              <a:rPr kumimoji="1" lang="ja-JP" altLang="en-US" sz="3200" dirty="0" smtClean="0"/>
+              <a:t>エラー改修</a:t>
+            </a:r>
+            <a:endParaRPr kumimoji="1" lang="en-US" altLang="ja-JP" sz="3200" dirty="0" smtClean="0"/>
+          </a:p>
+          <a:p>
+            <a:pPr marL="468000">
+              <a:spcBef>
+                <a:spcPts val="1000"/>
+              </a:spcBef>
+              <a:buNone/>
+            </a:pPr>
+            <a:r>
+              <a:rPr lang="ja-JP" altLang="en-US" sz="3200" dirty="0" smtClean="0"/>
+              <a:t>　　</a:t>
+            </a:r>
+            <a:r>
+              <a:rPr lang="ja-JP" altLang="en-US" sz="2800" dirty="0" smtClean="0"/>
+              <a:t>様々なエラーへの対処</a:t>
+            </a:r>
+            <a:endParaRPr kumimoji="1" lang="ja-JP" altLang="en-US" sz="2800" dirty="0"/>
+          </a:p>
+        </p:txBody>
+      </p:sp>
+      <p:pic>
+        <p:nvPicPr>
+          <p:cNvPr id="4" name="Picture 2" descr="C:\env\springworkspace\ecommerce-springC\src\main\webapp\img\rogo.png"/>
+          <p:cNvPicPr>
+            <a:picLocks noChangeAspect="1" noChangeArrowheads="1"/>
+          </p:cNvPicPr>
+          <p:nvPr/>
+        </p:nvPicPr>
+        <p:blipFill>
+          <a:blip r:embed="rId2" cstate="print"/>
+          <a:srcRect/>
+          <a:stretch>
+            <a:fillRect/>
+          </a:stretch>
+        </p:blipFill>
+        <p:spPr bwMode="auto">
+          <a:xfrm>
+            <a:off x="8172400" y="6021288"/>
+            <a:ext cx="659285" cy="659285"/>
+          </a:xfrm>
+          <a:prstGeom prst="rect">
+            <a:avLst/>
+          </a:prstGeom>
+          <a:noFill/>
+        </p:spPr>
+      </p:pic>
+    </p:spTree>
+  </p:cSld>
+  <p:clrMapOvr>
+    <a:masterClrMapping/>
+  </p:clrMapOvr>
+  <p:timing>
+    <p:tnLst>
+      <p:par>
+        <p:cTn id="1" dur="indefinite" restart="never" nodeType="tmRoot">
+          <p:childTnLst>
+            <p:seq concurrent="1" nextAc="seek">
+              <p:cTn id="2" dur="indefinite" nodeType="mainSeq">
+                <p:childTnLst>
+                  <p:par>
+                    <p:cTn id="3" fill="hold">
+                      <p:stCondLst>
+                        <p:cond delay="indefinite"/>
+                      </p:stCondLst>
+                      <p:childTnLst>
+                        <p:par>
+                          <p:cTn id="4" fill="hold">
+                            <p:stCondLst>
+                              <p:cond delay="0"/>
+                            </p:stCondLst>
+                            <p:childTnLst>
+                              <p:par>
+                                <p:cTn id="5" presetID="34" presetClass="entr" presetSubtype="0" fill="hold" nodeType="clickEffect">
+                                  <p:stCondLst>
+                                    <p:cond delay="0"/>
+                                  </p:stCondLst>
+                                  <p:childTnLst>
+                                    <p:set>
+                                      <p:cBhvr>
+                                        <p:cTn id="6" dur="1" fill="hold">
+                                          <p:stCondLst>
+                                            <p:cond delay="0"/>
+                                          </p:stCondLst>
+                                        </p:cTn>
+                                        <p:tgtEl>
+                                          <p:spTgt spid="3">
+                                            <p:txEl>
+                                              <p:pRg st="0" end="0"/>
+                                            </p:txEl>
+                                          </p:spTgt>
+                                        </p:tgtEl>
+                                        <p:attrNameLst>
+                                          <p:attrName>style.visibility</p:attrName>
+                                        </p:attrNameLst>
+                                      </p:cBhvr>
+                                      <p:to>
+                                        <p:strVal val="visible"/>
+                                      </p:to>
+                                    </p:set>
+                                    <p:anim from="(-#ppt_w/2)" to="(#ppt_x)" calcmode="lin" valueType="num">
+                                      <p:cBhvr>
+                                        <p:cTn id="7" dur="600" fill="hold">
+                                          <p:stCondLst>
+                                            <p:cond delay="0"/>
+                                          </p:stCondLst>
+                                        </p:cTn>
+                                        <p:tgtEl>
+                                          <p:spTgt spid="3">
+                                            <p:txEl>
+                                              <p:pRg st="0" end="0"/>
+                                            </p:txEl>
+                                          </p:spTgt>
+                                        </p:tgtEl>
+                                        <p:attrNameLst>
+                                          <p:attrName>ppt_x</p:attrName>
+                                        </p:attrNameLst>
+                                      </p:cBhvr>
+                                    </p:anim>
+                                    <p:anim from="0" to="-1.0" calcmode="lin" valueType="num">
+                                      <p:cBhvr>
+                                        <p:cTn id="8" dur="200" decel="50000" autoRev="1" fill="hold">
+                                          <p:stCondLst>
+                                            <p:cond delay="600"/>
+                                          </p:stCondLst>
+                                        </p:cTn>
+                                        <p:tgtEl>
+                                          <p:spTgt spid="3">
+                                            <p:txEl>
+                                              <p:pRg st="0" end="0"/>
+                                            </p:txEl>
+                                          </p:spTgt>
+                                        </p:tgtEl>
+                                        <p:attrNameLst>
+                                          <p:attrName>xshear</p:attrName>
+                                        </p:attrNameLst>
+                                      </p:cBhvr>
+                                    </p:anim>
+                                    <p:animScale>
+                                      <p:cBhvr>
+                                        <p:cTn id="9" dur="200" decel="100000" autoRev="1" fill="hold">
+                                          <p:stCondLst>
+                                            <p:cond delay="600"/>
+                                          </p:stCondLst>
+                                        </p:cTn>
+                                        <p:tgtEl>
+                                          <p:spTgt spid="3">
+                                            <p:txEl>
+                                              <p:pRg st="0" end="0"/>
+                                            </p:txEl>
+                                          </p:spTgt>
+                                        </p:tgtEl>
+                                      </p:cBhvr>
+                                      <p:from x="100000" y="100000"/>
+                                      <p:to x="80000" y="100000"/>
+                                    </p:animScale>
+                                    <p:anim by="(#ppt_h/3+#ppt_w*0.1)" calcmode="lin" valueType="num">
+                                      <p:cBhvr additive="sum">
+                                        <p:cTn id="10" dur="200" decel="100000" autoRev="1" fill="hold">
+                                          <p:stCondLst>
+                                            <p:cond delay="600"/>
+                                          </p:stCondLst>
+                                        </p:cTn>
+                                        <p:tgtEl>
+                                          <p:spTgt spid="3">
+                                            <p:txEl>
+                                              <p:pRg st="0" end="0"/>
+                                            </p:txEl>
+                                          </p:spTgt>
+                                        </p:tgtEl>
+                                        <p:attrNameLst>
+                                          <p:attrName>ppt_x</p:attrName>
+                                        </p:attrNameLst>
+                                      </p:cBhvr>
+                                    </p:anim>
+                                  </p:childTnLst>
+                                </p:cTn>
+                              </p:par>
+                            </p:childTnLst>
+                          </p:cTn>
+                        </p:par>
+                      </p:childTnLst>
+                    </p:cTn>
+                  </p:par>
+                  <p:par>
+                    <p:cTn id="11" fill="hold">
+                      <p:stCondLst>
+                        <p:cond delay="indefinite"/>
+                      </p:stCondLst>
+                      <p:childTnLst>
+                        <p:par>
+                          <p:cTn id="12" fill="hold">
+                            <p:stCondLst>
+                              <p:cond delay="0"/>
+                            </p:stCondLst>
+                            <p:childTnLst>
+                              <p:par>
+                                <p:cTn id="13" presetID="34" presetClass="entr" presetSubtype="0" fill="hold" nodeType="clickEffect">
+                                  <p:stCondLst>
+                                    <p:cond delay="0"/>
+                                  </p:stCondLst>
+                                  <p:childTnLst>
+                                    <p:set>
+                                      <p:cBhvr>
+                                        <p:cTn id="14" dur="1" fill="hold">
+                                          <p:stCondLst>
+                                            <p:cond delay="0"/>
+                                          </p:stCondLst>
+                                        </p:cTn>
+                                        <p:tgtEl>
+                                          <p:spTgt spid="3">
+                                            <p:txEl>
+                                              <p:pRg st="1" end="1"/>
+                                            </p:txEl>
+                                          </p:spTgt>
+                                        </p:tgtEl>
+                                        <p:attrNameLst>
+                                          <p:attrName>style.visibility</p:attrName>
+                                        </p:attrNameLst>
+                                      </p:cBhvr>
+                                      <p:to>
+                                        <p:strVal val="visible"/>
+                                      </p:to>
+                                    </p:set>
+                                    <p:anim from="(-#ppt_w/2)" to="(#ppt_x)" calcmode="lin" valueType="num">
+                                      <p:cBhvr>
+                                        <p:cTn id="15" dur="600" fill="hold">
+                                          <p:stCondLst>
+                                            <p:cond delay="0"/>
+                                          </p:stCondLst>
+                                        </p:cTn>
+                                        <p:tgtEl>
+                                          <p:spTgt spid="3">
+                                            <p:txEl>
+                                              <p:pRg st="1" end="1"/>
+                                            </p:txEl>
+                                          </p:spTgt>
+                                        </p:tgtEl>
+                                        <p:attrNameLst>
+                                          <p:attrName>ppt_x</p:attrName>
+                                        </p:attrNameLst>
+                                      </p:cBhvr>
+                                    </p:anim>
+                                    <p:anim from="0" to="-1.0" calcmode="lin" valueType="num">
+                                      <p:cBhvr>
+                                        <p:cTn id="16" dur="200" decel="50000" autoRev="1" fill="hold">
+                                          <p:stCondLst>
+                                            <p:cond delay="600"/>
+                                          </p:stCondLst>
+                                        </p:cTn>
+                                        <p:tgtEl>
+                                          <p:spTgt spid="3">
+                                            <p:txEl>
+                                              <p:pRg st="1" end="1"/>
+                                            </p:txEl>
+                                          </p:spTgt>
+                                        </p:tgtEl>
+                                        <p:attrNameLst>
+                                          <p:attrName>xshear</p:attrName>
+                                        </p:attrNameLst>
+                                      </p:cBhvr>
+                                    </p:anim>
+                                    <p:animScale>
+                                      <p:cBhvr>
+                                        <p:cTn id="17" dur="200" decel="100000" autoRev="1" fill="hold">
+                                          <p:stCondLst>
+                                            <p:cond delay="600"/>
+                                          </p:stCondLst>
+                                        </p:cTn>
+                                        <p:tgtEl>
+                                          <p:spTgt spid="3">
+                                            <p:txEl>
+                                              <p:pRg st="1" end="1"/>
+                                            </p:txEl>
+                                          </p:spTgt>
+                                        </p:tgtEl>
+                                      </p:cBhvr>
+                                      <p:from x="100000" y="100000"/>
+                                      <p:to x="80000" y="100000"/>
+                                    </p:animScale>
+                                    <p:anim by="(#ppt_h/3+#ppt_w*0.1)" calcmode="lin" valueType="num">
+                                      <p:cBhvr additive="sum">
+                                        <p:cTn id="18" dur="200" decel="100000" autoRev="1" fill="hold">
+                                          <p:stCondLst>
+                                            <p:cond delay="600"/>
+                                          </p:stCondLst>
+                                        </p:cTn>
+                                        <p:tgtEl>
+                                          <p:spTgt spid="3">
+                                            <p:txEl>
+                                              <p:pRg st="1" end="1"/>
+                                            </p:txEl>
+                                          </p:spTgt>
+                                        </p:tgtEl>
+                                        <p:attrNameLst>
+                                          <p:attrName>ppt_x</p:attrName>
+                                        </p:attrNameLst>
+                                      </p:cBhvr>
+                                    </p:anim>
+                                  </p:childTnLst>
+                                </p:cTn>
+                              </p:par>
+                            </p:childTnLst>
+                          </p:cTn>
+                        </p:par>
+                      </p:childTnLst>
+                    </p:cTn>
+                  </p:par>
+                  <p:par>
+                    <p:cTn id="19" fill="hold">
+                      <p:stCondLst>
+                        <p:cond delay="indefinite"/>
+                      </p:stCondLst>
+                      <p:childTnLst>
+                        <p:par>
+                          <p:cTn id="20" fill="hold">
+                            <p:stCondLst>
+                              <p:cond delay="0"/>
+                            </p:stCondLst>
+                            <p:childTnLst>
+                              <p:par>
+                                <p:cTn id="21" presetID="34" presetClass="entr" presetSubtype="0" fill="hold" nodeType="clickEffect">
+                                  <p:stCondLst>
+                                    <p:cond delay="0"/>
+                                  </p:stCondLst>
+                                  <p:childTnLst>
+                                    <p:set>
+                                      <p:cBhvr>
+                                        <p:cTn id="22" dur="1" fill="hold">
+                                          <p:stCondLst>
+                                            <p:cond delay="0"/>
+                                          </p:stCondLst>
+                                        </p:cTn>
+                                        <p:tgtEl>
+                                          <p:spTgt spid="3">
+                                            <p:txEl>
+                                              <p:pRg st="2" end="2"/>
+                                            </p:txEl>
+                                          </p:spTgt>
+                                        </p:tgtEl>
+                                        <p:attrNameLst>
+                                          <p:attrName>style.visibility</p:attrName>
+                                        </p:attrNameLst>
+                                      </p:cBhvr>
+                                      <p:to>
+                                        <p:strVal val="visible"/>
+                                      </p:to>
+                                    </p:set>
+                                    <p:anim from="(-#ppt_w/2)" to="(#ppt_x)" calcmode="lin" valueType="num">
+                                      <p:cBhvr>
+                                        <p:cTn id="23" dur="600" fill="hold">
+                                          <p:stCondLst>
+                                            <p:cond delay="0"/>
+                                          </p:stCondLst>
+                                        </p:cTn>
+                                        <p:tgtEl>
+                                          <p:spTgt spid="3">
+                                            <p:txEl>
+                                              <p:pRg st="2" end="2"/>
+                                            </p:txEl>
+                                          </p:spTgt>
+                                        </p:tgtEl>
+                                        <p:attrNameLst>
+                                          <p:attrName>ppt_x</p:attrName>
+                                        </p:attrNameLst>
+                                      </p:cBhvr>
+                                    </p:anim>
+                                    <p:anim from="0" to="-1.0" calcmode="lin" valueType="num">
+                                      <p:cBhvr>
+                                        <p:cTn id="24" dur="200" decel="50000" autoRev="1" fill="hold">
+                                          <p:stCondLst>
+                                            <p:cond delay="600"/>
+                                          </p:stCondLst>
+                                        </p:cTn>
+                                        <p:tgtEl>
+                                          <p:spTgt spid="3">
+                                            <p:txEl>
+                                              <p:pRg st="2" end="2"/>
+                                            </p:txEl>
+                                          </p:spTgt>
+                                        </p:tgtEl>
+                                        <p:attrNameLst>
+                                          <p:attrName>xshear</p:attrName>
+                                        </p:attrNameLst>
+                                      </p:cBhvr>
+                                    </p:anim>
+                                    <p:animScale>
+                                      <p:cBhvr>
+                                        <p:cTn id="25" dur="200" decel="100000" autoRev="1" fill="hold">
+                                          <p:stCondLst>
+                                            <p:cond delay="600"/>
+                                          </p:stCondLst>
+                                        </p:cTn>
+                                        <p:tgtEl>
+                                          <p:spTgt spid="3">
+                                            <p:txEl>
+                                              <p:pRg st="2" end="2"/>
+                                            </p:txEl>
+                                          </p:spTgt>
+                                        </p:tgtEl>
+                                      </p:cBhvr>
+                                      <p:from x="100000" y="100000"/>
+                                      <p:to x="80000" y="100000"/>
+                                    </p:animScale>
+                                    <p:anim by="(#ppt_h/3+#ppt_w*0.1)" calcmode="lin" valueType="num">
+                                      <p:cBhvr additive="sum">
+                                        <p:cTn id="26" dur="200" decel="100000" autoRev="1" fill="hold">
+                                          <p:stCondLst>
+                                            <p:cond delay="600"/>
+                                          </p:stCondLst>
+                                        </p:cTn>
+                                        <p:tgtEl>
+                                          <p:spTgt spid="3">
+                                            <p:txEl>
+                                              <p:pRg st="2" end="2"/>
+                                            </p:txEl>
+                                          </p:spTgt>
+                                        </p:tgtEl>
+                                        <p:attrNameLst>
+                                          <p:attrName>ppt_x</p:attrName>
+                                        </p:attrNameLst>
+                                      </p:cBhvr>
+                                    </p:anim>
+                                  </p:childTnLst>
+                                </p:cTn>
+                              </p:par>
+                            </p:childTnLst>
+                          </p:cTn>
+                        </p:par>
+                      </p:childTnLst>
+                    </p:cTn>
+                  </p:par>
+                  <p:par>
+                    <p:cTn id="27" fill="hold">
+                      <p:stCondLst>
+                        <p:cond delay="indefinite"/>
+                      </p:stCondLst>
+                      <p:childTnLst>
+                        <p:par>
+                          <p:cTn id="28" fill="hold">
+                            <p:stCondLst>
+                              <p:cond delay="0"/>
+                            </p:stCondLst>
+                            <p:childTnLst>
+                              <p:par>
+                                <p:cTn id="29" presetID="34" presetClass="entr" presetSubtype="0" fill="hold" nodeType="clickEffect">
+                                  <p:stCondLst>
+                                    <p:cond delay="0"/>
+                                  </p:stCondLst>
+                                  <p:childTnLst>
+                                    <p:set>
+                                      <p:cBhvr>
+                                        <p:cTn id="30" dur="1" fill="hold">
+                                          <p:stCondLst>
+                                            <p:cond delay="0"/>
+                                          </p:stCondLst>
+                                        </p:cTn>
+                                        <p:tgtEl>
+                                          <p:spTgt spid="3">
+                                            <p:txEl>
+                                              <p:pRg st="3" end="3"/>
+                                            </p:txEl>
+                                          </p:spTgt>
+                                        </p:tgtEl>
+                                        <p:attrNameLst>
+                                          <p:attrName>style.visibility</p:attrName>
+                                        </p:attrNameLst>
+                                      </p:cBhvr>
+                                      <p:to>
+                                        <p:strVal val="visible"/>
+                                      </p:to>
+                                    </p:set>
+                                    <p:anim from="(-#ppt_w/2)" to="(#ppt_x)" calcmode="lin" valueType="num">
+                                      <p:cBhvr>
+                                        <p:cTn id="31" dur="600" fill="hold">
+                                          <p:stCondLst>
+                                            <p:cond delay="0"/>
+                                          </p:stCondLst>
+                                        </p:cTn>
+                                        <p:tgtEl>
+                                          <p:spTgt spid="3">
+                                            <p:txEl>
+                                              <p:pRg st="3" end="3"/>
+                                            </p:txEl>
+                                          </p:spTgt>
+                                        </p:tgtEl>
+                                        <p:attrNameLst>
+                                          <p:attrName>ppt_x</p:attrName>
+                                        </p:attrNameLst>
+                                      </p:cBhvr>
+                                    </p:anim>
+                                    <p:anim from="0" to="-1.0" calcmode="lin" valueType="num">
+                                      <p:cBhvr>
+                                        <p:cTn id="32" dur="200" decel="50000" autoRev="1" fill="hold">
+                                          <p:stCondLst>
+                                            <p:cond delay="600"/>
+                                          </p:stCondLst>
+                                        </p:cTn>
+                                        <p:tgtEl>
+                                          <p:spTgt spid="3">
+                                            <p:txEl>
+                                              <p:pRg st="3" end="3"/>
+                                            </p:txEl>
+                                          </p:spTgt>
+                                        </p:tgtEl>
+                                        <p:attrNameLst>
+                                          <p:attrName>xshear</p:attrName>
+                                        </p:attrNameLst>
+                                      </p:cBhvr>
+                                    </p:anim>
+                                    <p:animScale>
+                                      <p:cBhvr>
+                                        <p:cTn id="33" dur="200" decel="100000" autoRev="1" fill="hold">
+                                          <p:stCondLst>
+                                            <p:cond delay="600"/>
+                                          </p:stCondLst>
+                                        </p:cTn>
+                                        <p:tgtEl>
+                                          <p:spTgt spid="3">
+                                            <p:txEl>
+                                              <p:pRg st="3" end="3"/>
+                                            </p:txEl>
+                                          </p:spTgt>
+                                        </p:tgtEl>
+                                      </p:cBhvr>
+                                      <p:from x="100000" y="100000"/>
+                                      <p:to x="80000" y="100000"/>
+                                    </p:animScale>
+                                    <p:anim by="(#ppt_h/3+#ppt_w*0.1)" calcmode="lin" valueType="num">
+                                      <p:cBhvr additive="sum">
+                                        <p:cTn id="34" dur="200" decel="100000" autoRev="1" fill="hold">
+                                          <p:stCondLst>
+                                            <p:cond delay="600"/>
+                                          </p:stCondLst>
+                                        </p:cTn>
+                                        <p:tgtEl>
+                                          <p:spTgt spid="3">
+                                            <p:txEl>
+                                              <p:pRg st="3" end="3"/>
+                                            </p:txEl>
+                                          </p:spTgt>
+                                        </p:tgtEl>
+                                        <p:attrNameLst>
+                                          <p:attrName>ppt_x</p:attrName>
+                                        </p:attrNameLst>
+                                      </p:cBhvr>
+                                    </p:anim>
+                                  </p:childTnLst>
+                                </p:cTn>
+                              </p:par>
+                            </p:childTnLst>
+                          </p:cTn>
+                        </p:par>
+                      </p:childTnLst>
+                    </p:cTn>
+                  </p:par>
+                  <p:par>
+                    <p:cTn id="35" fill="hold">
+                      <p:stCondLst>
+                        <p:cond delay="indefinite"/>
+                      </p:stCondLst>
+                      <p:childTnLst>
+                        <p:par>
+                          <p:cTn id="36" fill="hold">
+                            <p:stCondLst>
+                              <p:cond delay="0"/>
+                            </p:stCondLst>
+                            <p:childTnLst>
+                              <p:par>
+                                <p:cTn id="37" presetID="34" presetClass="entr" presetSubtype="0" fill="hold" nodeType="clickEffect">
+                                  <p:stCondLst>
+                                    <p:cond delay="0"/>
+                                  </p:stCondLst>
+                                  <p:childTnLst>
+                                    <p:set>
+                                      <p:cBhvr>
+                                        <p:cTn id="38" dur="1" fill="hold">
+                                          <p:stCondLst>
+                                            <p:cond delay="0"/>
+                                          </p:stCondLst>
+                                        </p:cTn>
+                                        <p:tgtEl>
+                                          <p:spTgt spid="3">
+                                            <p:txEl>
+                                              <p:pRg st="4" end="4"/>
+                                            </p:txEl>
+                                          </p:spTgt>
+                                        </p:tgtEl>
+                                        <p:attrNameLst>
+                                          <p:attrName>style.visibility</p:attrName>
+                                        </p:attrNameLst>
+                                      </p:cBhvr>
+                                      <p:to>
+                                        <p:strVal val="visible"/>
+                                      </p:to>
+                                    </p:set>
+                                    <p:anim from="(-#ppt_w/2)" to="(#ppt_x)" calcmode="lin" valueType="num">
+                                      <p:cBhvr>
+                                        <p:cTn id="39" dur="600" fill="hold">
+                                          <p:stCondLst>
+                                            <p:cond delay="0"/>
+                                          </p:stCondLst>
+                                        </p:cTn>
+                                        <p:tgtEl>
+                                          <p:spTgt spid="3">
+                                            <p:txEl>
+                                              <p:pRg st="4" end="4"/>
+                                            </p:txEl>
+                                          </p:spTgt>
+                                        </p:tgtEl>
+                                        <p:attrNameLst>
+                                          <p:attrName>ppt_x</p:attrName>
+                                        </p:attrNameLst>
+                                      </p:cBhvr>
+                                    </p:anim>
+                                    <p:anim from="0" to="-1.0" calcmode="lin" valueType="num">
+                                      <p:cBhvr>
+                                        <p:cTn id="40" dur="200" decel="50000" autoRev="1" fill="hold">
+                                          <p:stCondLst>
+                                            <p:cond delay="600"/>
+                                          </p:stCondLst>
+                                        </p:cTn>
+                                        <p:tgtEl>
+                                          <p:spTgt spid="3">
+                                            <p:txEl>
+                                              <p:pRg st="4" end="4"/>
+                                            </p:txEl>
+                                          </p:spTgt>
+                                        </p:tgtEl>
+                                        <p:attrNameLst>
+                                          <p:attrName>xshear</p:attrName>
+                                        </p:attrNameLst>
+                                      </p:cBhvr>
+                                    </p:anim>
+                                    <p:animScale>
+                                      <p:cBhvr>
+                                        <p:cTn id="41" dur="200" decel="100000" autoRev="1" fill="hold">
+                                          <p:stCondLst>
+                                            <p:cond delay="600"/>
+                                          </p:stCondLst>
+                                        </p:cTn>
+                                        <p:tgtEl>
+                                          <p:spTgt spid="3">
+                                            <p:txEl>
+                                              <p:pRg st="4" end="4"/>
+                                            </p:txEl>
+                                          </p:spTgt>
+                                        </p:tgtEl>
+                                      </p:cBhvr>
+                                      <p:from x="100000" y="100000"/>
+                                      <p:to x="80000" y="100000"/>
+                                    </p:animScale>
+                                    <p:anim by="(#ppt_h/3+#ppt_w*0.1)" calcmode="lin" valueType="num">
+                                      <p:cBhvr additive="sum">
+                                        <p:cTn id="42" dur="200" decel="100000" autoRev="1" fill="hold">
+                                          <p:stCondLst>
+                                            <p:cond delay="600"/>
+                                          </p:stCondLst>
+                                        </p:cTn>
+                                        <p:tgtEl>
+                                          <p:spTgt spid="3">
+                                            <p:txEl>
+                                              <p:pRg st="4" end="4"/>
+                                            </p:txEl>
+                                          </p:spTgt>
+                                        </p:tgtEl>
+                                        <p:attrNameLst>
+                                          <p:attrName>ppt_x</p:attrName>
+                                        </p:attrNameLst>
+                                      </p:cBhvr>
+                                    </p:anim>
+                                  </p:childTnLst>
+                                </p:cTn>
+                              </p:par>
+                            </p:childTnLst>
+                          </p:cTn>
+                        </p:par>
+                      </p:childTnLst>
+                    </p:cTn>
+                  </p:par>
+                  <p:par>
+                    <p:cTn id="43" fill="hold">
+                      <p:stCondLst>
+                        <p:cond delay="indefinite"/>
+                      </p:stCondLst>
+                      <p:childTnLst>
+                        <p:par>
+                          <p:cTn id="44" fill="hold">
+                            <p:stCondLst>
+                              <p:cond delay="0"/>
+                            </p:stCondLst>
+                            <p:childTnLst>
+                              <p:par>
+                                <p:cTn id="45" presetID="34" presetClass="entr" presetSubtype="0" fill="hold" nodeType="clickEffect">
+                                  <p:stCondLst>
+                                    <p:cond delay="0"/>
+                                  </p:stCondLst>
+                                  <p:childTnLst>
+                                    <p:set>
+                                      <p:cBhvr>
+                                        <p:cTn id="46" dur="1" fill="hold">
+                                          <p:stCondLst>
+                                            <p:cond delay="0"/>
+                                          </p:stCondLst>
+                                        </p:cTn>
+                                        <p:tgtEl>
+                                          <p:spTgt spid="3">
+                                            <p:txEl>
+                                              <p:pRg st="5" end="5"/>
+                                            </p:txEl>
+                                          </p:spTgt>
+                                        </p:tgtEl>
+                                        <p:attrNameLst>
+                                          <p:attrName>style.visibility</p:attrName>
+                                        </p:attrNameLst>
+                                      </p:cBhvr>
+                                      <p:to>
+                                        <p:strVal val="visible"/>
+                                      </p:to>
+                                    </p:set>
+                                    <p:anim from="(-#ppt_w/2)" to="(#ppt_x)" calcmode="lin" valueType="num">
+                                      <p:cBhvr>
+                                        <p:cTn id="47" dur="600" fill="hold">
+                                          <p:stCondLst>
+                                            <p:cond delay="0"/>
+                                          </p:stCondLst>
+                                        </p:cTn>
+                                        <p:tgtEl>
+                                          <p:spTgt spid="3">
+                                            <p:txEl>
+                                              <p:pRg st="5" end="5"/>
+                                            </p:txEl>
+                                          </p:spTgt>
+                                        </p:tgtEl>
+                                        <p:attrNameLst>
+                                          <p:attrName>ppt_x</p:attrName>
+                                        </p:attrNameLst>
+                                      </p:cBhvr>
+                                    </p:anim>
+                                    <p:anim from="0" to="-1.0" calcmode="lin" valueType="num">
+                                      <p:cBhvr>
+                                        <p:cTn id="48" dur="200" decel="50000" autoRev="1" fill="hold">
+                                          <p:stCondLst>
+                                            <p:cond delay="600"/>
+                                          </p:stCondLst>
+                                        </p:cTn>
+                                        <p:tgtEl>
+                                          <p:spTgt spid="3">
+                                            <p:txEl>
+                                              <p:pRg st="5" end="5"/>
+                                            </p:txEl>
+                                          </p:spTgt>
+                                        </p:tgtEl>
+                                        <p:attrNameLst>
+                                          <p:attrName>xshear</p:attrName>
+                                        </p:attrNameLst>
+                                      </p:cBhvr>
+                                    </p:anim>
+                                    <p:animScale>
+                                      <p:cBhvr>
+                                        <p:cTn id="49" dur="200" decel="100000" autoRev="1" fill="hold">
+                                          <p:stCondLst>
+                                            <p:cond delay="600"/>
+                                          </p:stCondLst>
+                                        </p:cTn>
+                                        <p:tgtEl>
+                                          <p:spTgt spid="3">
+                                            <p:txEl>
+                                              <p:pRg st="5" end="5"/>
+                                            </p:txEl>
+                                          </p:spTgt>
+                                        </p:tgtEl>
+                                      </p:cBhvr>
+                                      <p:from x="100000" y="100000"/>
+                                      <p:to x="80000" y="100000"/>
+                                    </p:animScale>
+                                    <p:anim by="(#ppt_h/3+#ppt_w*0.1)" calcmode="lin" valueType="num">
+                                      <p:cBhvr additive="sum">
+                                        <p:cTn id="50" dur="200" decel="100000" autoRev="1" fill="hold">
+                                          <p:stCondLst>
+                                            <p:cond delay="600"/>
+                                          </p:stCondLst>
+                                        </p:cTn>
+                                        <p:tgtEl>
+                                          <p:spTgt spid="3">
+                                            <p:txEl>
+                                              <p:pRg st="5" end="5"/>
+                                            </p:txEl>
+                                          </p:spTgt>
+                                        </p:tgtEl>
+                                        <p:attrNameLst>
+                                          <p:attrName>ppt_x</p:attrName>
+                                        </p:attrNameLst>
+                                      </p:cBhvr>
+                                    </p:anim>
+                                  </p:childTnLst>
+                                </p:cTn>
+                              </p:par>
+                            </p:childTnLst>
+                          </p:cTn>
+                        </p:par>
+                      </p:childTnLst>
+                    </p:cTn>
+                  </p:par>
+                </p:childTnLst>
+              </p:cTn>
+              <p:prevCondLst>
+                <p:cond evt="onPrev" delay="0">
+                  <p:tgtEl>
+                    <p:sldTgt/>
+                  </p:tgtEl>
+                </p:cond>
+              </p:prevCondLst>
+              <p:nextCondLst>
+                <p:cond evt="onNext" delay="0">
+                  <p:tgtEl>
+                    <p:sldTgt/>
+                  </p:tgtEl>
+                </p:cond>
+              </p:nextCondLst>
+            </p:seq>
+          </p:childTnLst>
+        </p:cTn>
+      </p:par>
+    </p:tnLst>
+  </p:timing>
+</p:sld>
+</file>
+
+<file path=ppt/slides/slide22.xml><?xml version="1.0" encoding="utf-8"?>
+<p:sld xmlns:a="http://schemas.openxmlformats.org/drawingml/2006/main" xmlns:r="http://schemas.openxmlformats.org/officeDocument/2006/relationships" xmlns:p="http://schemas.openxmlformats.org/presentationml/2006/main">
+  <p:cSld>
+    <p:spTree>
+      <p:nvGrpSpPr>
+        <p:cNvPr id="1" name=""/>
+        <p:cNvGrpSpPr/>
+        <p:nvPr/>
+      </p:nvGrpSpPr>
+      <p:grpSpPr>
+        <a:xfrm>
+          <a:off x="0" y="0"/>
+          <a:ext cx="0" cy="0"/>
+          <a:chOff x="0" y="0"/>
+          <a:chExt cx="0" cy="0"/>
+        </a:xfrm>
+      </p:grpSpPr>
+      <p:sp>
+        <p:nvSpPr>
+          <p:cNvPr id="2" name="タイトル 1"/>
+          <p:cNvSpPr>
+            <a:spLocks noGrp="1"/>
+          </p:cNvSpPr>
+          <p:nvPr>
+            <p:ph type="title"/>
+          </p:nvPr>
+        </p:nvSpPr>
+        <p:spPr/>
+        <p:txBody>
+          <a:bodyPr/>
+          <a:lstStyle/>
+          <a:p>
+            <a:r>
+              <a:rPr lang="ja-JP" altLang="en-US" dirty="0" smtClean="0"/>
+              <a:t>発表</a:t>
+            </a:r>
+            <a:r>
+              <a:rPr lang="ja-JP" altLang="en-US" dirty="0" smtClean="0"/>
+              <a:t>の概略</a:t>
+            </a:r>
+            <a:endParaRPr kumimoji="1" lang="ja-JP" altLang="en-US" dirty="0"/>
+          </a:p>
+        </p:txBody>
+      </p:sp>
+      <p:sp>
+        <p:nvSpPr>
+          <p:cNvPr id="3" name="コンテンツ プレースホルダ 2"/>
+          <p:cNvSpPr>
+            <a:spLocks noGrp="1"/>
+          </p:cNvSpPr>
+          <p:nvPr>
+            <p:ph sz="quarter" idx="1"/>
+          </p:nvPr>
+        </p:nvSpPr>
+        <p:spPr/>
+        <p:txBody>
+          <a:bodyPr tIns="180000" bIns="180000">
+            <a:normAutofit/>
+          </a:bodyPr>
+          <a:lstStyle/>
+          <a:p>
+            <a:pPr marL="514350" indent="-514350">
+              <a:buFont typeface="+mj-lt"/>
+              <a:buAutoNum type="arabicPeriod"/>
+            </a:pPr>
+            <a:r>
+              <a:rPr kumimoji="1" lang="ja-JP" altLang="en-US" sz="3200" dirty="0" smtClean="0">
+                <a:solidFill>
+                  <a:schemeClr val="bg1">
+                    <a:lumMod val="75000"/>
+                  </a:schemeClr>
+                </a:solidFill>
+              </a:rPr>
+              <a:t>システムの概要</a:t>
+            </a:r>
+            <a:endParaRPr kumimoji="1" lang="en-US" altLang="ja-JP" sz="3200" dirty="0" smtClean="0">
+              <a:solidFill>
+                <a:schemeClr val="bg1">
+                  <a:lumMod val="75000"/>
+                </a:schemeClr>
+              </a:solidFill>
+            </a:endParaRPr>
+          </a:p>
+          <a:p>
+            <a:pPr marL="514350" indent="-514350">
+              <a:buFont typeface="+mj-lt"/>
+              <a:buAutoNum type="arabicPeriod"/>
+            </a:pPr>
+            <a:r>
+              <a:rPr lang="ja-JP" altLang="en-US" sz="3200" dirty="0" smtClean="0">
+                <a:solidFill>
+                  <a:schemeClr val="bg1">
+                    <a:lumMod val="75000"/>
+                  </a:schemeClr>
+                </a:solidFill>
+              </a:rPr>
+              <a:t>開発の</a:t>
+            </a:r>
+            <a:r>
+              <a:rPr lang="ja-JP" altLang="en-US" sz="3200" dirty="0" smtClean="0">
+                <a:solidFill>
+                  <a:schemeClr val="bg1">
+                    <a:lumMod val="75000"/>
+                  </a:schemeClr>
+                </a:solidFill>
+              </a:rPr>
+              <a:t>流れ</a:t>
+            </a:r>
+            <a:endParaRPr lang="en-US" altLang="ja-JP" sz="3200" dirty="0" smtClean="0">
+              <a:solidFill>
+                <a:schemeClr val="bg1">
+                  <a:lumMod val="75000"/>
+                </a:schemeClr>
+              </a:solidFill>
+            </a:endParaRPr>
+          </a:p>
+          <a:p>
+            <a:pPr marL="514350" indent="-514350">
+              <a:buFont typeface="+mj-lt"/>
+              <a:buAutoNum type="arabicPeriod"/>
+            </a:pPr>
+            <a:r>
+              <a:rPr kumimoji="1" lang="ja-JP" altLang="en-US" sz="3200" dirty="0" smtClean="0">
+                <a:solidFill>
+                  <a:schemeClr val="bg1">
+                    <a:lumMod val="75000"/>
+                  </a:schemeClr>
+                </a:solidFill>
+              </a:rPr>
+              <a:t>デモ</a:t>
+            </a:r>
+            <a:endParaRPr kumimoji="1" lang="en-US" altLang="ja-JP" sz="3200" dirty="0" smtClean="0">
+              <a:solidFill>
+                <a:schemeClr val="bg1">
+                  <a:lumMod val="75000"/>
+                </a:schemeClr>
+              </a:solidFill>
+            </a:endParaRPr>
+          </a:p>
+          <a:p>
+            <a:pPr marL="514350" indent="-514350">
+              <a:buFont typeface="+mj-lt"/>
+              <a:buAutoNum type="arabicPeriod"/>
+            </a:pPr>
+            <a:r>
+              <a:rPr kumimoji="1" lang="ja-JP" altLang="en-US" sz="3200" dirty="0" smtClean="0">
+                <a:solidFill>
+                  <a:schemeClr val="bg1">
+                    <a:lumMod val="75000"/>
+                  </a:schemeClr>
+                </a:solidFill>
+              </a:rPr>
+              <a:t>コメント、感想</a:t>
+            </a:r>
+            <a:endParaRPr kumimoji="1" lang="en-US" altLang="ja-JP" sz="3200" dirty="0" smtClean="0">
+              <a:solidFill>
+                <a:schemeClr val="bg1">
+                  <a:lumMod val="75000"/>
+                </a:schemeClr>
+              </a:solidFill>
+            </a:endParaRPr>
+          </a:p>
+          <a:p>
+            <a:pPr marL="514350" indent="-514350">
+              <a:buFont typeface="+mj-lt"/>
+              <a:buAutoNum type="arabicPeriod"/>
+            </a:pPr>
+            <a:r>
+              <a:rPr lang="ja-JP" altLang="en-US" sz="3200" dirty="0" smtClean="0"/>
+              <a:t>まとめ</a:t>
+            </a:r>
+            <a:endParaRPr kumimoji="1" lang="ja-JP" altLang="en-US" sz="3200" dirty="0"/>
+          </a:p>
+        </p:txBody>
+      </p:sp>
+      <p:pic>
+        <p:nvPicPr>
+          <p:cNvPr id="5" name="Picture 2" descr="C:\env\springworkspace\ecommerce-springC\src\main\webapp\img\rogo.png"/>
+          <p:cNvPicPr>
+            <a:picLocks noChangeAspect="1" noChangeArrowheads="1"/>
+          </p:cNvPicPr>
+          <p:nvPr/>
+        </p:nvPicPr>
+        <p:blipFill>
+          <a:blip r:embed="rId2" cstate="print"/>
+          <a:srcRect/>
+          <a:stretch>
+            <a:fillRect/>
+          </a:stretch>
+        </p:blipFill>
+        <p:spPr bwMode="auto">
+          <a:xfrm>
+            <a:off x="8172400" y="6021288"/>
+            <a:ext cx="659285" cy="659285"/>
+          </a:xfrm>
+          <a:prstGeom prst="rect">
+            <a:avLst/>
+          </a:prstGeom>
+          <a:noFill/>
+        </p:spPr>
+      </p:pic>
+    </p:spTree>
+  </p:cSld>
+  <p:clrMapOvr>
+    <a:masterClrMapping/>
+  </p:clrMapOvr>
+  <p:timing>
+    <p:tnLst>
+      <p:par>
+        <p:cTn id="1" dur="indefinite" restart="never" nodeType="tmRoot"/>
+      </p:par>
+    </p:tnLst>
+  </p:timing>
+</p:sld>
+</file>
+
+<file path=ppt/slides/slide23.xml><?xml version="1.0" encoding="utf-8"?>
+<p:sld xmlns:a="http://schemas.openxmlformats.org/drawingml/2006/main" xmlns:r="http://schemas.openxmlformats.org/officeDocument/2006/relationships" xmlns:p="http://schemas.openxmlformats.org/presentationml/2006/main">
+  <p:cSld>
+    <p:spTree>
+      <p:nvGrpSpPr>
+        <p:cNvPr id="1" name=""/>
+        <p:cNvGrpSpPr/>
+        <p:nvPr/>
+      </p:nvGrpSpPr>
+      <p:grpSpPr>
+        <a:xfrm>
+          <a:off x="0" y="0"/>
+          <a:ext cx="0" cy="0"/>
+          <a:chOff x="0" y="0"/>
+          <a:chExt cx="0" cy="0"/>
+        </a:xfrm>
+      </p:grpSpPr>
+      <p:sp>
+        <p:nvSpPr>
+          <p:cNvPr id="2" name="タイトル 1"/>
+          <p:cNvSpPr>
+            <a:spLocks noGrp="1"/>
+          </p:cNvSpPr>
+          <p:nvPr>
+            <p:ph type="title"/>
+          </p:nvPr>
+        </p:nvSpPr>
+        <p:spPr/>
+        <p:txBody>
+          <a:bodyPr/>
+          <a:lstStyle/>
+          <a:p>
+            <a:r>
+              <a:rPr kumimoji="1" lang="ja-JP" altLang="en-US" dirty="0" smtClean="0"/>
+              <a:t>まとめ</a:t>
+            </a:r>
+            <a:endParaRPr kumimoji="1" lang="ja-JP" altLang="en-US" dirty="0"/>
+          </a:p>
+        </p:txBody>
+      </p:sp>
+      <p:sp>
+        <p:nvSpPr>
+          <p:cNvPr id="3" name="コンテンツ プレースホルダ 2"/>
+          <p:cNvSpPr>
+            <a:spLocks noGrp="1"/>
+          </p:cNvSpPr>
+          <p:nvPr>
+            <p:ph sz="quarter" idx="1"/>
+          </p:nvPr>
+        </p:nvSpPr>
+        <p:spPr>
+          <a:xfrm>
+            <a:off x="612648" y="1600200"/>
+            <a:ext cx="8153400" cy="5069160"/>
+          </a:xfrm>
+        </p:spPr>
+        <p:txBody>
+          <a:bodyPr spcCol="360000">
+            <a:normAutofit/>
+          </a:bodyPr>
+          <a:lstStyle/>
+          <a:p>
+            <a:pPr>
+              <a:lnSpc>
+                <a:spcPct val="120000"/>
+              </a:lnSpc>
+              <a:spcBef>
+                <a:spcPts val="1000"/>
+              </a:spcBef>
+            </a:pPr>
+            <a:endParaRPr lang="en-US" altLang="ja-JP" sz="3600" dirty="0" smtClean="0"/>
+          </a:p>
+        </p:txBody>
+      </p:sp>
+      <p:pic>
+        <p:nvPicPr>
+          <p:cNvPr id="4" name="Picture 2" descr="C:\env\springworkspace\ecommerce-springC\src\main\webapp\img\rogo.png"/>
           <p:cNvPicPr>
             <a:picLocks noChangeAspect="1" noChangeArrowheads="1"/>
           </p:cNvPicPr>
@@ -5254,20 +8956,12 @@
           <a:lstStyle/>
           <a:p>
             <a:r>
-              <a:rPr kumimoji="1" lang="ja-JP" altLang="en-US" dirty="0" smtClean="0"/>
-              <a:t>基本機能</a:t>
-            </a:r>
-            <a:r>
-              <a:rPr kumimoji="1" lang="en-US" altLang="ja-JP" dirty="0" smtClean="0"/>
-              <a:t>(</a:t>
-            </a:r>
-            <a:r>
-              <a:rPr kumimoji="1" lang="ja-JP" altLang="en-US" dirty="0" smtClean="0"/>
-              <a:t>管理者</a:t>
-            </a:r>
-            <a:r>
-              <a:rPr kumimoji="1" lang="en-US" altLang="ja-JP" dirty="0" smtClean="0"/>
-              <a:t>)</a:t>
+              <a:rPr lang="ja-JP" altLang="en-US" dirty="0" smtClean="0"/>
+              <a:t>発表</a:t>
+            </a:r>
+            <a:r>
+              <a:rPr lang="ja-JP" altLang="en-US" dirty="0" smtClean="0"/>
+              <a:t>の概略</a:t>
             </a:r>
             <a:endParaRPr kumimoji="1" lang="ja-JP" altLang="en-US" dirty="0"/>
           </a:p>
@@ -5285,49 +8979,122 @@
         </p:nvSpPr>
         <p:spPr/>
         <p:txBody>
-          <a:bodyPr tIns="180000" bIns="180000"/>
+          <a:bodyPr tIns="180000" bIns="180000">
+            <a:normAutofit/>
+          </a:bodyPr>
           <a:lstStyle/>
           <a:p>
+            <a:pPr marL="514350" indent="-514350">
+              <a:buFont typeface="+mj-lt"/>
+              <a:buAutoNum type="arabicPeriod"/>
+            </a:pPr>
             <a:r>
               <a:rPr kumimoji="1" lang="ja-JP" altLang="en-US" sz="3200" dirty="0" smtClean="0"/>
-              <a:t>ログイン・ログアウト</a:t>
+              <a:t>システムの概要</a:t>
             </a:r>
             <a:endParaRPr kumimoji="1" lang="en-US" altLang="ja-JP" sz="3200" dirty="0" smtClean="0"/>
           </a:p>
           <a:p>
-            <a:r>
-              <a:rPr lang="ja-JP" altLang="en-US" sz="3200" dirty="0" smtClean="0"/>
-              <a:t>管理者登録</a:t>
-            </a:r>
-            <a:endParaRPr lang="en-US" altLang="ja-JP" sz="3200" dirty="0" smtClean="0"/>
-          </a:p>
-          <a:p>
-            <a:r>
-              <a:rPr kumimoji="1" lang="ja-JP" altLang="en-US" sz="3200" dirty="0" smtClean="0"/>
-              <a:t>商品追加・商品情報変更</a:t>
-            </a:r>
-            <a:endParaRPr kumimoji="1" lang="en-US" altLang="ja-JP" sz="3200" dirty="0" smtClean="0"/>
-          </a:p>
-          <a:p>
-            <a:r>
-              <a:rPr lang="ja-JP" altLang="en-US" sz="3200" dirty="0" smtClean="0"/>
-              <a:t>販売商品の一覧表示</a:t>
-            </a:r>
-            <a:endParaRPr lang="en-US" altLang="ja-JP" sz="3200" dirty="0" smtClean="0"/>
-          </a:p>
-          <a:p>
-            <a:r>
-              <a:rPr kumimoji="1" lang="ja-JP" altLang="en-US" sz="3200" dirty="0" smtClean="0"/>
-              <a:t>注文一覧の表示</a:t>
-            </a:r>
-            <a:r>
-              <a:rPr lang="ja-JP" altLang="en-US" sz="3200" dirty="0" smtClean="0"/>
-              <a:t>、ステータス変更</a:t>
-            </a:r>
-            <a:endParaRPr kumimoji="1" lang="en-US" altLang="ja-JP" sz="3200" dirty="0" smtClean="0"/>
-          </a:p>
-          <a:p>
-            <a:endParaRPr lang="en-US" altLang="ja-JP" dirty="0" smtClean="0"/>
+            <a:pPr marL="514350" indent="-514350">
+              <a:buFont typeface="+mj-lt"/>
+              <a:buAutoNum type="arabicPeriod"/>
+            </a:pPr>
+            <a:r>
+              <a:rPr lang="ja-JP" altLang="en-US" sz="3200" dirty="0" smtClean="0">
+                <a:solidFill>
+                  <a:schemeClr val="bg1">
+                    <a:lumMod val="75000"/>
+                  </a:schemeClr>
+                </a:solidFill>
+              </a:rPr>
+              <a:t>開発の</a:t>
+            </a:r>
+            <a:r>
+              <a:rPr lang="ja-JP" altLang="en-US" sz="3200" dirty="0" smtClean="0">
+                <a:solidFill>
+                  <a:schemeClr val="bg1">
+                    <a:lumMod val="75000"/>
+                  </a:schemeClr>
+                </a:solidFill>
+              </a:rPr>
+              <a:t>流れ</a:t>
+            </a:r>
+            <a:endParaRPr lang="en-US" altLang="ja-JP" sz="3200" dirty="0" smtClean="0">
+              <a:solidFill>
+                <a:schemeClr val="bg1">
+                  <a:lumMod val="75000"/>
+                </a:schemeClr>
+              </a:solidFill>
+            </a:endParaRPr>
+          </a:p>
+          <a:p>
+            <a:pPr marL="514350" indent="-514350">
+              <a:buFont typeface="+mj-lt"/>
+              <a:buAutoNum type="arabicPeriod"/>
+            </a:pPr>
+            <a:r>
+              <a:rPr kumimoji="1" lang="ja-JP" altLang="en-US" sz="3200" dirty="0" smtClean="0">
+                <a:solidFill>
+                  <a:schemeClr val="bg1">
+                    <a:lumMod val="75000"/>
+                  </a:schemeClr>
+                </a:solidFill>
+              </a:rPr>
+              <a:t>デモ</a:t>
+            </a:r>
+            <a:endParaRPr kumimoji="1" lang="en-US" altLang="ja-JP" sz="3200" dirty="0" smtClean="0">
+              <a:solidFill>
+                <a:schemeClr val="bg1">
+                  <a:lumMod val="75000"/>
+                </a:schemeClr>
+              </a:solidFill>
+            </a:endParaRPr>
+          </a:p>
+          <a:p>
+            <a:pPr marL="514350" indent="-514350">
+              <a:buFont typeface="+mj-lt"/>
+              <a:buAutoNum type="arabicPeriod"/>
+            </a:pPr>
+            <a:r>
+              <a:rPr kumimoji="1" lang="ja-JP" altLang="en-US" sz="3200" dirty="0" smtClean="0">
+                <a:solidFill>
+                  <a:schemeClr val="bg1">
+                    <a:lumMod val="75000"/>
+                  </a:schemeClr>
+                </a:solidFill>
+              </a:rPr>
+              <a:t>コメント、感想</a:t>
+            </a:r>
+            <a:endParaRPr kumimoji="1" lang="en-US" altLang="ja-JP" sz="3200" dirty="0" smtClean="0">
+              <a:solidFill>
+                <a:schemeClr val="bg1">
+                  <a:lumMod val="75000"/>
+                </a:schemeClr>
+              </a:solidFill>
+            </a:endParaRPr>
+          </a:p>
+          <a:p>
+            <a:pPr marL="514350" indent="-514350">
+              <a:buFont typeface="+mj-lt"/>
+              <a:buAutoNum type="arabicPeriod"/>
+            </a:pPr>
+            <a:r>
+              <a:rPr lang="ja-JP" altLang="en-US" sz="3200" dirty="0" smtClean="0">
+                <a:solidFill>
+                  <a:schemeClr val="bg1">
+                    <a:lumMod val="75000"/>
+                  </a:schemeClr>
+                </a:solidFill>
+              </a:rPr>
+              <a:t>まとめ</a:t>
+            </a:r>
+            <a:endParaRPr kumimoji="1" lang="ja-JP" altLang="en-US" sz="3200" dirty="0">
+              <a:solidFill>
+                <a:schemeClr val="bg1">
+                  <a:lumMod val="75000"/>
+                </a:schemeClr>
+              </a:solidFill>
+            </a:endParaRPr>
           </a:p>
         </p:txBody>
       </p:sp>
@@ -5406,7 +9173,7 @@
           <a:p>
             <a:r>
               <a:rPr kumimoji="1" lang="ja-JP" altLang="en-US" dirty="0" smtClean="0"/>
-              <a:t>追加機能</a:t>
+              <a:t>システム概要</a:t>
             </a:r>
             <a:endParaRPr kumimoji="1" lang="ja-JP" altLang="en-US" dirty="0"/>
           </a:p>
@@ -5414,7 +9181,7 @@
       </p:sp>
       <p:sp>
         <p:nvSpPr>
-          <p:cNvPr id="3" name="コンテンツ プレースホルダ 2"/>
+          <p:cNvPr id="7" name="コンテンツ プレースホルダ 6"/>
           <p:cNvSpPr>
             <a:spLocks noGrp="1"/>
           </p:cNvSpPr>
@@ -5424,55 +9191,51 @@
         </p:nvSpPr>
         <p:spPr/>
         <p:txBody>
-          <a:bodyPr>
-            <a:normAutofit/>
-          </a:bodyPr>
+          <a:bodyPr/>
           <a:lstStyle/>
           <a:p>
-            <a:pPr>
-              <a:spcBef>
-                <a:spcPts val="1000"/>
-              </a:spcBef>
-            </a:pPr>
-            <a:r>
-              <a:rPr lang="ja-JP" altLang="en-US" sz="2800" dirty="0" smtClean="0"/>
-              <a:t>商品登録時の画像アップロード</a:t>
-            </a:r>
-            <a:endParaRPr lang="en-US" altLang="ja-JP" sz="2800" dirty="0" smtClean="0"/>
-          </a:p>
-          <a:p>
-            <a:pPr>
-              <a:spcBef>
-                <a:spcPts val="1000"/>
-              </a:spcBef>
-              <a:buNone/>
-            </a:pPr>
-            <a:r>
-              <a:rPr lang="ja-JP" altLang="en-US" sz="2800" dirty="0" smtClean="0"/>
-              <a:t>　　・画像をフォルダから選び、アップデートが可能</a:t>
-            </a:r>
-            <a:endParaRPr lang="en-US" altLang="ja-JP" sz="2800" dirty="0" smtClean="0"/>
-          </a:p>
-          <a:p>
-            <a:pPr>
-              <a:spcBef>
-                <a:spcPts val="1000"/>
-              </a:spcBef>
-              <a:buNone/>
-            </a:pPr>
-            <a:r>
-              <a:rPr lang="ja-JP" altLang="en-US" sz="2800" dirty="0" smtClean="0"/>
-              <a:t>　　・画像は５０</a:t>
-            </a:r>
-            <a:r>
-              <a:rPr lang="en-US" altLang="ja-JP" sz="2800" b="1" dirty="0" smtClean="0"/>
-              <a:t>MB</a:t>
-            </a:r>
-            <a:r>
-              <a:rPr lang="ja-JP" altLang="en-US" sz="2800" dirty="0" smtClean="0"/>
-              <a:t>が上限</a:t>
-            </a:r>
-            <a:endParaRPr lang="en-US" altLang="ja-JP" sz="2800" dirty="0" smtClean="0"/>
+            <a:r>
+              <a:rPr kumimoji="1" lang="ja-JP" altLang="en-US" dirty="0" smtClean="0"/>
+              <a:t>映画</a:t>
+            </a:r>
+            <a:r>
+              <a:rPr kumimoji="1" lang="en-US" altLang="ja-JP" dirty="0" smtClean="0"/>
+              <a:t>DVD</a:t>
+            </a:r>
+            <a:r>
+              <a:rPr kumimoji="1" lang="ja-JP" altLang="en-US" dirty="0" smtClean="0"/>
+              <a:t>または</a:t>
+            </a:r>
+            <a:r>
+              <a:rPr lang="en-US" altLang="ja-JP" dirty="0" err="1" smtClean="0"/>
+              <a:t>Blu</a:t>
+            </a:r>
+            <a:r>
+              <a:rPr lang="en-US" altLang="ja-JP" dirty="0" smtClean="0"/>
+              <a:t>-ray </a:t>
+            </a:r>
+            <a:r>
+              <a:rPr lang="en-US" altLang="ja-JP" dirty="0" smtClean="0"/>
+              <a:t>Disc</a:t>
+            </a:r>
+            <a:r>
+              <a:rPr lang="ja-JP" altLang="en-US" dirty="0" smtClean="0"/>
+              <a:t>を販売する通販サイト</a:t>
+            </a:r>
+            <a:endParaRPr lang="en-US" altLang="ja-JP" dirty="0" smtClean="0"/>
+          </a:p>
+          <a:p>
+            <a:endParaRPr lang="en-US" altLang="ja-JP" dirty="0" smtClean="0"/>
+          </a:p>
+          <a:p>
+            <a:r>
+              <a:rPr lang="ja-JP" altLang="en-US" dirty="0" smtClean="0"/>
+              <a:t>利用者側機能と管理者側機能</a:t>
+            </a:r>
+            <a:endParaRPr lang="en-US" altLang="ja-JP" dirty="0" smtClean="0"/>
+          </a:p>
+          <a:p>
+            <a:endParaRPr kumimoji="1" lang="ja-JP" altLang="en-US" dirty="0"/>
           </a:p>
         </p:txBody>
       </p:sp>
@@ -5551,7 +9314,19 @@
           <a:p>
             <a:r>
               <a:rPr kumimoji="1" lang="ja-JP" altLang="en-US" dirty="0" smtClean="0"/>
-              <a:t>追加機能</a:t>
+              <a:t>基本機能</a:t>
+            </a:r>
+            <a:r>
+              <a:rPr kumimoji="1" lang="en-US" altLang="ja-JP" dirty="0" smtClean="0"/>
+              <a:t>(</a:t>
+            </a:r>
+            <a:r>
+              <a:rPr kumimoji="1" lang="ja-JP" altLang="en-US" dirty="0" smtClean="0"/>
+              <a:t>利用者</a:t>
+            </a:r>
+            <a:r>
+              <a:rPr kumimoji="1" lang="en-US" altLang="ja-JP" dirty="0" smtClean="0"/>
+              <a:t>)</a:t>
             </a:r>
             <a:endParaRPr kumimoji="1" lang="ja-JP" altLang="en-US" dirty="0"/>
           </a:p>
@@ -5569,80 +9344,49 @@
         </p:nvSpPr>
         <p:spPr/>
         <p:txBody>
-          <a:bodyPr>
-            <a:normAutofit/>
-          </a:bodyPr>
+          <a:bodyPr tIns="180000" bIns="180000"/>
           <a:lstStyle/>
           <a:p>
-            <a:pPr>
-              <a:spcBef>
-                <a:spcPts val="1000"/>
-              </a:spcBef>
-            </a:pPr>
-            <a:r>
-              <a:rPr lang="ja-JP" altLang="en-US" sz="2800" dirty="0" smtClean="0"/>
-              <a:t>商品登録時の画像アップロード</a:t>
-            </a:r>
-            <a:endParaRPr lang="en-US" altLang="ja-JP" sz="2800" dirty="0" smtClean="0"/>
-          </a:p>
-          <a:p>
-            <a:pPr>
-              <a:spcBef>
-                <a:spcPts val="1000"/>
-              </a:spcBef>
-              <a:buNone/>
-            </a:pPr>
-            <a:r>
-              <a:rPr lang="ja-JP" altLang="en-US" sz="2800" dirty="0" smtClean="0"/>
-              <a:t>　　・画像をフォルダから選び、アップデートが可能</a:t>
-            </a:r>
-            <a:endParaRPr lang="en-US" altLang="ja-JP" sz="2800" dirty="0" smtClean="0"/>
-          </a:p>
-          <a:p>
-            <a:pPr>
-              <a:spcBef>
-                <a:spcPts val="1000"/>
-              </a:spcBef>
-              <a:buNone/>
-            </a:pPr>
-            <a:r>
-              <a:rPr lang="ja-JP" altLang="en-US" sz="2800" dirty="0" smtClean="0"/>
-              <a:t>　　・画像は５０</a:t>
-            </a:r>
-            <a:r>
-              <a:rPr lang="en-US" altLang="ja-JP" sz="2800" b="1" dirty="0" smtClean="0"/>
-              <a:t>MB</a:t>
-            </a:r>
-            <a:r>
-              <a:rPr lang="ja-JP" altLang="en-US" sz="2800" dirty="0" smtClean="0"/>
-              <a:t>が上限</a:t>
-            </a:r>
-            <a:endParaRPr lang="en-US" altLang="ja-JP" sz="2800" dirty="0" smtClean="0"/>
-          </a:p>
-          <a:p>
-            <a:pPr>
-              <a:spcBef>
-                <a:spcPts val="1000"/>
-              </a:spcBef>
-            </a:pPr>
-            <a:r>
-              <a:rPr lang="ja-JP" altLang="en-US" sz="2800" dirty="0" smtClean="0"/>
-              <a:t>あいまい検索</a:t>
-            </a:r>
-            <a:endParaRPr lang="en-US" altLang="ja-JP" sz="2800" dirty="0" smtClean="0"/>
-          </a:p>
-          <a:p>
-            <a:pPr>
-              <a:spcBef>
-                <a:spcPts val="1000"/>
-              </a:spcBef>
-              <a:buNone/>
-            </a:pPr>
-            <a:r>
-              <a:rPr lang="ja-JP" altLang="en-US" sz="2800" dirty="0" smtClean="0"/>
-              <a:t>　　 大文字、小文字、全角、半角を区別しない</a:t>
-            </a:r>
-            <a:endParaRPr lang="en-US" altLang="ja-JP" sz="2800" dirty="0" smtClean="0"/>
+            <a:r>
+              <a:rPr lang="ja-JP" altLang="en-US" sz="3200" dirty="0"/>
+              <a:t>ログイン・ログアウト</a:t>
+            </a:r>
+            <a:endParaRPr lang="en-US" altLang="ja-JP" sz="3200" dirty="0"/>
+          </a:p>
+          <a:p>
+            <a:r>
+              <a:rPr lang="ja-JP" altLang="en-US" sz="3200" dirty="0" smtClean="0"/>
+              <a:t>新規ユーザ登録</a:t>
+            </a:r>
+            <a:endParaRPr lang="en-US" altLang="ja-JP" sz="3200" dirty="0" smtClean="0"/>
+          </a:p>
+          <a:p>
+            <a:r>
+              <a:rPr lang="ja-JP" altLang="en-US" sz="3200" dirty="0" smtClean="0"/>
+              <a:t>販売商品の一覧表示</a:t>
+            </a:r>
+            <a:endParaRPr lang="en-US" altLang="ja-JP" sz="3200" dirty="0"/>
+          </a:p>
+          <a:p>
+            <a:r>
+              <a:rPr lang="ja-JP" altLang="en-US" sz="3200" dirty="0" smtClean="0"/>
+              <a:t>カートに商品を追加、削除</a:t>
+            </a:r>
+            <a:endParaRPr lang="en-US" altLang="ja-JP" sz="3200" dirty="0" smtClean="0"/>
+          </a:p>
+          <a:p>
+            <a:r>
+              <a:rPr lang="ja-JP" altLang="en-US" sz="3200" dirty="0" smtClean="0"/>
+              <a:t>カート内商品の一覧表示</a:t>
+            </a:r>
+            <a:endParaRPr lang="en-US" altLang="ja-JP" sz="3200" dirty="0" smtClean="0"/>
+          </a:p>
+          <a:p>
+            <a:r>
+              <a:rPr lang="ja-JP" altLang="en-US" sz="3200" dirty="0" smtClean="0"/>
+              <a:t>注文の決済</a:t>
+            </a:r>
+            <a:endParaRPr lang="ja-JP" altLang="en-US" sz="3200" dirty="0"/>
           </a:p>
           <a:p>
             <a:endParaRPr kumimoji="1" lang="ja-JP" altLang="en-US" dirty="0"/>
@@ -5724,7 +9468,19 @@
           <a:p>
             <a:r>
               <a:rPr kumimoji="1" lang="ja-JP" altLang="en-US" dirty="0" smtClean="0"/>
-              <a:t>追加機能</a:t>
+              <a:t>基本機能</a:t>
+            </a:r>
+            <a:r>
+              <a:rPr kumimoji="1" lang="en-US" altLang="ja-JP" dirty="0" smtClean="0"/>
+              <a:t>(</a:t>
+            </a:r>
+            <a:r>
+              <a:rPr kumimoji="1" lang="ja-JP" altLang="en-US" dirty="0" smtClean="0"/>
+              <a:t>管理者</a:t>
+            </a:r>
+            <a:r>
+              <a:rPr kumimoji="1" lang="en-US" altLang="ja-JP" dirty="0" smtClean="0"/>
+              <a:t>)</a:t>
             </a:r>
             <a:endParaRPr kumimoji="1" lang="ja-JP" altLang="en-US" dirty="0"/>
           </a:p>
@@ -5740,155 +9496,57 @@
             <p:ph sz="quarter" idx="1"/>
           </p:nvPr>
         </p:nvSpPr>
-        <p:spPr>
-          <a:xfrm>
-            <a:off x="612648" y="1600200"/>
-            <a:ext cx="8153400" cy="4493096"/>
-          </a:xfrm>
-        </p:spPr>
-        <p:txBody>
-          <a:bodyPr spcCol="360000">
-            <a:normAutofit fontScale="77500" lnSpcReduction="20000"/>
-          </a:bodyPr>
+        <p:spPr/>
+        <p:txBody>
+          <a:bodyPr tIns="180000" bIns="180000"/>
           <a:lstStyle/>
           <a:p>
-            <a:pPr>
-              <a:lnSpc>
-                <a:spcPct val="120000"/>
-              </a:lnSpc>
-              <a:spcBef>
-                <a:spcPts val="1000"/>
-              </a:spcBef>
-            </a:pPr>
-            <a:r>
-              <a:rPr lang="ja-JP" altLang="en-US" sz="3600" dirty="0" smtClean="0"/>
-              <a:t>商品登録時の画像アップロード</a:t>
-            </a:r>
-            <a:endParaRPr lang="en-US" altLang="ja-JP" sz="3600" dirty="0" smtClean="0"/>
-          </a:p>
-          <a:p>
-            <a:pPr>
-              <a:lnSpc>
-                <a:spcPct val="120000"/>
-              </a:lnSpc>
-              <a:spcBef>
-                <a:spcPts val="1000"/>
-              </a:spcBef>
-              <a:buNone/>
-            </a:pPr>
-            <a:r>
-              <a:rPr lang="ja-JP" altLang="en-US" sz="3600" dirty="0" smtClean="0"/>
-              <a:t>　　・画像をフォルダから選び、アップデートが可能</a:t>
-            </a:r>
-            <a:endParaRPr lang="en-US" altLang="ja-JP" sz="3600" dirty="0" smtClean="0"/>
-          </a:p>
-          <a:p>
-            <a:pPr>
-              <a:lnSpc>
-                <a:spcPct val="120000"/>
-              </a:lnSpc>
-              <a:spcBef>
-                <a:spcPts val="1000"/>
-              </a:spcBef>
-              <a:buNone/>
-            </a:pPr>
-            <a:r>
-              <a:rPr lang="ja-JP" altLang="en-US" sz="3600" dirty="0" smtClean="0"/>
-              <a:t>　　・画像は５０</a:t>
-            </a:r>
-            <a:r>
-              <a:rPr lang="en-US" altLang="ja-JP" sz="3600" b="1" dirty="0" smtClean="0"/>
-              <a:t>MB</a:t>
-            </a:r>
-            <a:r>
-              <a:rPr lang="ja-JP" altLang="en-US" sz="3600" dirty="0" smtClean="0"/>
-              <a:t>が上限</a:t>
-            </a:r>
-            <a:endParaRPr lang="en-US" altLang="ja-JP" sz="3600" dirty="0" smtClean="0"/>
-          </a:p>
-          <a:p>
-            <a:pPr>
-              <a:lnSpc>
-                <a:spcPct val="120000"/>
-              </a:lnSpc>
-              <a:spcBef>
-                <a:spcPts val="1000"/>
-              </a:spcBef>
-            </a:pPr>
-            <a:r>
-              <a:rPr lang="ja-JP" altLang="en-US" sz="3600" dirty="0" smtClean="0"/>
-              <a:t>あいまい検索</a:t>
-            </a:r>
-            <a:endParaRPr lang="en-US" altLang="ja-JP" sz="3600" dirty="0" smtClean="0"/>
-          </a:p>
-          <a:p>
-            <a:pPr>
-              <a:lnSpc>
-                <a:spcPct val="120000"/>
-              </a:lnSpc>
-              <a:spcBef>
-                <a:spcPts val="1000"/>
-              </a:spcBef>
-              <a:buNone/>
-            </a:pPr>
-            <a:r>
-              <a:rPr lang="ja-JP" altLang="en-US" sz="3600" dirty="0" smtClean="0"/>
-              <a:t>　　 大文字、小文字、全角、半角を区別しない</a:t>
-            </a:r>
-            <a:endParaRPr lang="en-US" altLang="ja-JP" sz="3600" dirty="0" smtClean="0"/>
-          </a:p>
-          <a:p>
-            <a:pPr>
-              <a:lnSpc>
-                <a:spcPct val="120000"/>
-              </a:lnSpc>
-              <a:spcBef>
-                <a:spcPts val="1000"/>
-              </a:spcBef>
-            </a:pPr>
-            <a:r>
-              <a:rPr lang="ja-JP" altLang="en-US" sz="3600" dirty="0" smtClean="0"/>
-              <a:t>価格帯、ジャンル、メディアタイプ検索</a:t>
-            </a:r>
-            <a:endParaRPr lang="en-US" altLang="ja-JP" sz="3600" dirty="0" smtClean="0"/>
-          </a:p>
-          <a:p>
-            <a:pPr>
-              <a:lnSpc>
-                <a:spcPct val="120000"/>
-              </a:lnSpc>
-              <a:spcBef>
-                <a:spcPts val="1000"/>
-              </a:spcBef>
-              <a:buNone/>
-            </a:pPr>
-            <a:r>
-              <a:rPr lang="ja-JP" altLang="en-US" sz="3600" dirty="0" smtClean="0"/>
-              <a:t>　　・タイトル以外の条件で検索が可能</a:t>
-            </a:r>
-            <a:endParaRPr lang="en-US" altLang="ja-JP" sz="3600" dirty="0" smtClean="0"/>
-          </a:p>
-          <a:p>
-            <a:pPr>
-              <a:lnSpc>
-                <a:spcPct val="120000"/>
-              </a:lnSpc>
-              <a:spcBef>
-                <a:spcPts val="1000"/>
-              </a:spcBef>
-              <a:buNone/>
-            </a:pPr>
-            <a:r>
-              <a:rPr lang="ja-JP" altLang="en-US" sz="3600" dirty="0" smtClean="0"/>
-              <a:t>　　・それぞれの条件を組み合わせた絞り込み検索</a:t>
-            </a:r>
-            <a:endParaRPr lang="en-US" altLang="ja-JP" sz="3600" dirty="0" smtClean="0"/>
+            <a:r>
+              <a:rPr kumimoji="1" lang="ja-JP" altLang="en-US" sz="3200" dirty="0" smtClean="0"/>
+              <a:t>ログイン・ログアウト</a:t>
+            </a:r>
+            <a:endParaRPr kumimoji="1" lang="en-US" altLang="ja-JP" sz="3200" dirty="0" smtClean="0"/>
+          </a:p>
+          <a:p>
+            <a:r>
+              <a:rPr lang="ja-JP" altLang="en-US" sz="3200" dirty="0" smtClean="0"/>
+              <a:t>管理者登録</a:t>
+            </a:r>
+            <a:endParaRPr lang="en-US" altLang="ja-JP" sz="3200" dirty="0" smtClean="0"/>
+          </a:p>
+          <a:p>
+            <a:r>
+              <a:rPr kumimoji="1" lang="ja-JP" altLang="en-US" sz="3200" dirty="0" smtClean="0"/>
+              <a:t>商品追加・商品情報変更</a:t>
+            </a:r>
+            <a:endParaRPr kumimoji="1" lang="en-US" altLang="ja-JP" sz="3200" dirty="0" smtClean="0"/>
+          </a:p>
+          <a:p>
+            <a:r>
+              <a:rPr lang="ja-JP" altLang="en-US" sz="3200" dirty="0" smtClean="0"/>
+              <a:t>販売商品の一覧表示</a:t>
+            </a:r>
+            <a:endParaRPr lang="en-US" altLang="ja-JP" sz="3200" dirty="0" smtClean="0"/>
+          </a:p>
+          <a:p>
+            <a:r>
+              <a:rPr kumimoji="1" lang="ja-JP" altLang="en-US" sz="3200" dirty="0" smtClean="0"/>
+              <a:t>注文一覧の表示</a:t>
+            </a:r>
+            <a:r>
+              <a:rPr lang="ja-JP" altLang="en-US" sz="3200" dirty="0" smtClean="0"/>
+              <a:t>、ステータス変更</a:t>
+            </a:r>
+            <a:endParaRPr kumimoji="1" lang="en-US" altLang="ja-JP" sz="3200" dirty="0" smtClean="0"/>
+          </a:p>
+          <a:p>
+            <a:endParaRPr lang="en-US" altLang="ja-JP" dirty="0" smtClean="0"/>
           </a:p>
         </p:txBody>
       </p:sp>
       <p:pic>
         <p:nvPicPr>
-          <p:cNvPr id="4" name="Picture 2" descr="C:\env\springworkspace\ecommerce-springC\src\main\webapp\img\rogo.png"/>
+          <p:cNvPr id="5" name="Picture 2" descr="C:\env\springworkspace\ecommerce-springC\src\main\webapp\img\rogo.png"/>
           <p:cNvPicPr>
             <a:picLocks noChangeAspect="1" noChangeArrowheads="1"/>
           </p:cNvPicPr>
@@ -5961,7 +9619,7 @@
           <a:p>
             <a:r>
               <a:rPr kumimoji="1" lang="ja-JP" altLang="en-US" dirty="0" smtClean="0"/>
-              <a:t>中野</a:t>
+              <a:t>追加機能</a:t>
             </a:r>
             <a:endParaRPr kumimoji="1" lang="ja-JP" altLang="en-US" dirty="0"/>
           </a:p>
@@ -5977,20 +9635,205 @@
             <p:ph sz="quarter" idx="1"/>
           </p:nvPr>
         </p:nvSpPr>
-        <p:spPr/>
-        <p:txBody>
-          <a:bodyPr/>
+        <p:spPr>
+          <a:xfrm>
+            <a:off x="612648" y="1600200"/>
+            <a:ext cx="8153400" cy="5069160"/>
+          </a:xfrm>
+        </p:spPr>
+        <p:txBody>
+          <a:bodyPr spcCol="360000">
+            <a:normAutofit fontScale="77500" lnSpcReduction="20000"/>
+          </a:bodyPr>
           <a:lstStyle/>
           <a:p>
-            <a:endParaRPr kumimoji="1" lang="ja-JP" altLang="en-US"/>
-          </a:p>
-        </p:txBody>
-      </p:sp>
+            <a:pPr>
+              <a:lnSpc>
+                <a:spcPct val="120000"/>
+              </a:lnSpc>
+              <a:spcBef>
+                <a:spcPts val="1000"/>
+              </a:spcBef>
+            </a:pPr>
+            <a:r>
+              <a:rPr lang="ja-JP" altLang="en-US" sz="3600" dirty="0" smtClean="0"/>
+              <a:t>商品登録時の画像アップロード</a:t>
+            </a:r>
+            <a:endParaRPr lang="en-US" altLang="ja-JP" sz="3600" dirty="0" smtClean="0"/>
+          </a:p>
+          <a:p>
+            <a:pPr>
+              <a:lnSpc>
+                <a:spcPct val="120000"/>
+              </a:lnSpc>
+              <a:spcBef>
+                <a:spcPts val="1000"/>
+              </a:spcBef>
+              <a:buNone/>
+            </a:pPr>
+            <a:r>
+              <a:rPr lang="ja-JP" altLang="en-US" sz="3600" dirty="0" smtClean="0"/>
+              <a:t>　　・画像をフォルダから選び、アップデートが可能</a:t>
+            </a:r>
+            <a:endParaRPr lang="en-US" altLang="ja-JP" sz="3600" dirty="0" smtClean="0"/>
+          </a:p>
+          <a:p>
+            <a:pPr>
+              <a:lnSpc>
+                <a:spcPct val="120000"/>
+              </a:lnSpc>
+              <a:spcBef>
+                <a:spcPts val="1000"/>
+              </a:spcBef>
+              <a:buNone/>
+            </a:pPr>
+            <a:r>
+              <a:rPr lang="ja-JP" altLang="en-US" sz="3600" dirty="0" smtClean="0"/>
+              <a:t>　　・画像は５０</a:t>
+            </a:r>
+            <a:r>
+              <a:rPr lang="en-US" altLang="ja-JP" sz="3600" b="1" dirty="0" smtClean="0"/>
+              <a:t>MB</a:t>
+            </a:r>
+            <a:r>
+              <a:rPr lang="ja-JP" altLang="en-US" sz="3600" dirty="0" smtClean="0"/>
+              <a:t>が上限</a:t>
+            </a:r>
+            <a:endParaRPr lang="en-US" altLang="ja-JP" sz="3600" dirty="0" smtClean="0"/>
+          </a:p>
+          <a:p>
+            <a:pPr>
+              <a:lnSpc>
+                <a:spcPct val="120000"/>
+              </a:lnSpc>
+              <a:spcBef>
+                <a:spcPts val="1000"/>
+              </a:spcBef>
+            </a:pPr>
+            <a:r>
+              <a:rPr lang="ja-JP" altLang="en-US" sz="3600" dirty="0" smtClean="0"/>
+              <a:t>あいまい検索</a:t>
+            </a:r>
+            <a:endParaRPr lang="en-US" altLang="ja-JP" sz="3600" dirty="0" smtClean="0"/>
+          </a:p>
+          <a:p>
+            <a:pPr>
+              <a:lnSpc>
+                <a:spcPct val="120000"/>
+              </a:lnSpc>
+              <a:spcBef>
+                <a:spcPts val="1000"/>
+              </a:spcBef>
+              <a:buNone/>
+            </a:pPr>
+            <a:r>
+              <a:rPr lang="ja-JP" altLang="en-US" sz="3600" dirty="0" smtClean="0"/>
+              <a:t>　　 大文字、小文字、全角、半角を区別しない</a:t>
+            </a:r>
+            <a:endParaRPr lang="en-US" altLang="ja-JP" sz="3600" dirty="0" smtClean="0"/>
+          </a:p>
+          <a:p>
+            <a:pPr>
+              <a:lnSpc>
+                <a:spcPct val="120000"/>
+              </a:lnSpc>
+              <a:spcBef>
+                <a:spcPts val="1000"/>
+              </a:spcBef>
+            </a:pPr>
+            <a:r>
+              <a:rPr lang="ja-JP" altLang="en-US" sz="3600" dirty="0" smtClean="0"/>
+              <a:t>価格帯、ジャンル、メディアタイプ検索</a:t>
+            </a:r>
+            <a:endParaRPr lang="en-US" altLang="ja-JP" sz="3600" dirty="0" smtClean="0"/>
+          </a:p>
+          <a:p>
+            <a:pPr>
+              <a:lnSpc>
+                <a:spcPct val="120000"/>
+              </a:lnSpc>
+              <a:spcBef>
+                <a:spcPts val="1000"/>
+              </a:spcBef>
+              <a:buNone/>
+            </a:pPr>
+            <a:r>
+              <a:rPr lang="ja-JP" altLang="en-US" sz="3600" dirty="0" smtClean="0"/>
+              <a:t>　　・タイトル以外の条件で検索が可能</a:t>
+            </a:r>
+            <a:endParaRPr lang="en-US" altLang="ja-JP" sz="3600" dirty="0" smtClean="0"/>
+          </a:p>
+          <a:p>
+            <a:pPr>
+              <a:lnSpc>
+                <a:spcPct val="120000"/>
+              </a:lnSpc>
+              <a:spcBef>
+                <a:spcPts val="1000"/>
+              </a:spcBef>
+            </a:pPr>
+            <a:r>
+              <a:rPr lang="ja-JP" altLang="en-US" sz="3600" dirty="0" smtClean="0"/>
+              <a:t>商品削除、再表示機能</a:t>
+            </a:r>
+            <a:endParaRPr lang="en-US" altLang="ja-JP" sz="3600" dirty="0" smtClean="0"/>
+          </a:p>
+          <a:p>
+            <a:pPr>
+              <a:lnSpc>
+                <a:spcPct val="120000"/>
+              </a:lnSpc>
+              <a:spcBef>
+                <a:spcPts val="1000"/>
+              </a:spcBef>
+              <a:buNone/>
+            </a:pPr>
+            <a:r>
+              <a:rPr lang="ja-JP" altLang="en-US" sz="3600" dirty="0" smtClean="0"/>
+              <a:t>　　・削除ボタンには確認ダイアログを設置</a:t>
+            </a:r>
+            <a:endParaRPr lang="en-US" altLang="ja-JP" sz="3600" dirty="0" smtClean="0"/>
+          </a:p>
+        </p:txBody>
+      </p:sp>
+      <p:pic>
+        <p:nvPicPr>
+          <p:cNvPr id="4" name="Picture 2" descr="C:\env\springworkspace\ecommerce-springC\src\main\webapp\img\rogo.png"/>
+          <p:cNvPicPr>
+            <a:picLocks noChangeAspect="1" noChangeArrowheads="1"/>
+          </p:cNvPicPr>
+          <p:nvPr/>
+        </p:nvPicPr>
+        <p:blipFill>
+          <a:blip r:embed="rId2" cstate="print"/>
+          <a:srcRect/>
+          <a:stretch>
+            <a:fillRect/>
+          </a:stretch>
+        </p:blipFill>
+        <p:spPr bwMode="auto">
+          <a:xfrm>
+            <a:off x="8172400" y="6021288"/>
+            <a:ext cx="659285" cy="659285"/>
+          </a:xfrm>
+          <a:prstGeom prst="rect">
+            <a:avLst/>
+          </a:prstGeom>
+          <a:noFill/>
+        </p:spPr>
+      </p:pic>
     </p:spTree>
   </p:cSld>
   <p:clrMapOvr>
     <a:masterClrMapping/>
   </p:clrMapOvr>
+  <p:timing>
+    <p:tnLst>
+      <p:par>
+        <p:cTn id="1" dur="indefinite" restart="never" nodeType="tmRoot"/>
+      </p:par>
+    </p:tnLst>
+  </p:timing>
 </p:sld>
 </file>
 
@@ -6027,8 +9870,12 @@
           <a:lstStyle/>
           <a:p>
             <a:r>
-              <a:rPr kumimoji="1" lang="ja-JP" altLang="en-US" dirty="0" smtClean="0"/>
-              <a:t>中野</a:t>
+              <a:rPr lang="ja-JP" altLang="en-US" dirty="0" smtClean="0"/>
+              <a:t>発表</a:t>
+            </a:r>
+            <a:r>
+              <a:rPr lang="ja-JP" altLang="en-US" dirty="0" smtClean="0"/>
+              <a:t>の概略</a:t>
             </a:r>
             <a:endParaRPr kumimoji="1" lang="ja-JP" altLang="en-US" dirty="0"/>
           </a:p>
@@ -6046,18 +9893,157 @@
         </p:nvSpPr>
         <p:spPr/>
         <p:txBody>
-          <a:bodyPr/>
+          <a:bodyPr tIns="180000" bIns="180000">
+            <a:normAutofit/>
+          </a:bodyPr>
           <a:lstStyle/>
           <a:p>
-            <a:endParaRPr kumimoji="1" lang="ja-JP" altLang="en-US"/>
-          </a:p>
-        </p:txBody>
-      </p:sp>
+            <a:pPr marL="514350" indent="-514350">
+              <a:buFont typeface="+mj-lt"/>
+              <a:buAutoNum type="arabicPeriod"/>
+            </a:pPr>
+            <a:r>
+              <a:rPr kumimoji="1" lang="ja-JP" altLang="en-US" sz="3200" dirty="0" smtClean="0">
+                <a:solidFill>
+                  <a:schemeClr val="bg1">
+                    <a:lumMod val="75000"/>
+                  </a:schemeClr>
+                </a:solidFill>
+              </a:rPr>
+              <a:t>システムの概要</a:t>
+            </a:r>
+            <a:endParaRPr kumimoji="1" lang="en-US" altLang="ja-JP" sz="3200" dirty="0" smtClean="0">
+              <a:solidFill>
+                <a:schemeClr val="bg1">
+                  <a:lumMod val="75000"/>
+                </a:schemeClr>
+              </a:solidFill>
+            </a:endParaRPr>
+          </a:p>
+          <a:p>
+            <a:pPr marL="514350" indent="-514350">
+              <a:buFont typeface="+mj-lt"/>
+              <a:buAutoNum type="arabicPeriod"/>
+            </a:pPr>
+            <a:r>
+              <a:rPr lang="ja-JP" altLang="en-US" sz="3200" dirty="0" smtClean="0"/>
+              <a:t>開発の</a:t>
+            </a:r>
+            <a:r>
+              <a:rPr lang="ja-JP" altLang="en-US" sz="3200" dirty="0" smtClean="0"/>
+              <a:t>流れ</a:t>
+            </a:r>
+            <a:endParaRPr lang="en-US" altLang="ja-JP" sz="3200" dirty="0" smtClean="0"/>
+          </a:p>
+          <a:p>
+            <a:pPr marL="514350" indent="-514350">
+              <a:buFont typeface="+mj-lt"/>
+              <a:buAutoNum type="arabicPeriod"/>
+            </a:pPr>
+            <a:r>
+              <a:rPr kumimoji="1" lang="ja-JP" altLang="en-US" sz="3200" dirty="0" smtClean="0">
+                <a:solidFill>
+                  <a:schemeClr val="bg1">
+                    <a:lumMod val="75000"/>
+                  </a:schemeClr>
+                </a:solidFill>
+              </a:rPr>
+              <a:t>デモ</a:t>
+            </a:r>
+            <a:endParaRPr kumimoji="1" lang="en-US" altLang="ja-JP" sz="3200" dirty="0" smtClean="0">
+              <a:solidFill>
+                <a:schemeClr val="bg1">
+                  <a:lumMod val="75000"/>
+                </a:schemeClr>
+              </a:solidFill>
+            </a:endParaRPr>
+          </a:p>
+          <a:p>
+            <a:pPr marL="514350" indent="-514350">
+              <a:buFont typeface="+mj-lt"/>
+              <a:buAutoNum type="arabicPeriod"/>
+            </a:pPr>
+            <a:r>
+              <a:rPr kumimoji="1" lang="ja-JP" altLang="en-US" sz="3200" dirty="0" smtClean="0">
+                <a:solidFill>
+                  <a:schemeClr val="bg1">
+                    <a:lumMod val="75000"/>
+                  </a:schemeClr>
+                </a:solidFill>
+              </a:rPr>
+              <a:t>コメント、感想</a:t>
+            </a:r>
+            <a:endParaRPr kumimoji="1" lang="en-US" altLang="ja-JP" sz="3200" dirty="0" smtClean="0">
+              <a:solidFill>
+                <a:schemeClr val="bg1">
+                  <a:lumMod val="75000"/>
+                </a:schemeClr>
+              </a:solidFill>
+            </a:endParaRPr>
+          </a:p>
+          <a:p>
+            <a:pPr marL="514350" indent="-514350">
+              <a:buFont typeface="+mj-lt"/>
+              <a:buAutoNum type="arabicPeriod"/>
+            </a:pPr>
+            <a:r>
+              <a:rPr lang="ja-JP" altLang="en-US" sz="3200" dirty="0" smtClean="0">
+                <a:solidFill>
+                  <a:schemeClr val="bg1">
+                    <a:lumMod val="75000"/>
+                  </a:schemeClr>
+                </a:solidFill>
+              </a:rPr>
+              <a:t>まとめ</a:t>
+            </a:r>
+            <a:endParaRPr kumimoji="1" lang="ja-JP" altLang="en-US" sz="3200" dirty="0">
+              <a:solidFill>
+                <a:schemeClr val="bg1">
+                  <a:lumMod val="75000"/>
+                </a:schemeClr>
+              </a:solidFill>
+            </a:endParaRPr>
+          </a:p>
+        </p:txBody>
+      </p:sp>
+      <p:pic>
+        <p:nvPicPr>
+          <p:cNvPr id="5" name="Picture 2" descr="C:\env\springworkspace\ecommerce-springC\src\main\webapp\img\rogo.png"/>
+          <p:cNvPicPr>
+            <a:picLocks noChangeAspect="1" noChangeArrowheads="1"/>
+          </p:cNvPicPr>
+          <p:nvPr/>
+        </p:nvPicPr>
+        <p:blipFill>
+          <a:blip r:embed="rId2" cstate="print"/>
+          <a:srcRect/>
+          <a:stretch>
+            <a:fillRect/>
+          </a:stretch>
+        </p:blipFill>
+        <p:spPr bwMode="auto">
+          <a:xfrm>
+            <a:off x="8172400" y="6021288"/>
+            <a:ext cx="659285" cy="659285"/>
+          </a:xfrm>
+          <a:prstGeom prst="rect">
+            <a:avLst/>
+          </a:prstGeom>
+          <a:noFill/>
+        </p:spPr>
+      </p:pic>
     </p:spTree>
   </p:cSld>
   <p:clrMapOvr>
     <a:masterClrMapping/>
   </p:clrMapOvr>
+  <p:timing>
+    <p:tnLst>
+      <p:par>
+        <p:cTn id="1" dur="indefinite" restart="never" nodeType="tmRoot"/>
+      </p:par>
+    </p:tnLst>
+  </p:timing>
 </p:sld>
 </file>
 
@@ -6095,7 +10081,7 @@
           <a:p>
             <a:r>
               <a:rPr lang="ja-JP" altLang="en-US" dirty="0" smtClean="0"/>
-              <a:t>坂田</a:t>
+              <a:t>開発の流れ</a:t>
             </a:r>
             <a:endParaRPr kumimoji="1" lang="ja-JP" altLang="en-US" dirty="0"/>
           </a:p>
@@ -6111,20 +10097,161 @@
             <p:ph sz="quarter" idx="1"/>
           </p:nvPr>
         </p:nvSpPr>
-        <p:spPr/>
-        <p:txBody>
-          <a:bodyPr/>
+        <p:spPr>
+          <a:xfrm>
+            <a:off x="612648" y="1600200"/>
+            <a:ext cx="8153400" cy="5069160"/>
+          </a:xfrm>
+        </p:spPr>
+        <p:txBody>
+          <a:bodyPr spcCol="360000">
+            <a:normAutofit/>
+          </a:bodyPr>
           <a:lstStyle/>
           <a:p>
-            <a:endParaRPr kumimoji="1" lang="ja-JP" altLang="en-US"/>
-          </a:p>
-        </p:txBody>
-      </p:sp>
+            <a:pPr>
+              <a:lnSpc>
+                <a:spcPct val="120000"/>
+              </a:lnSpc>
+              <a:spcBef>
+                <a:spcPts val="1000"/>
+              </a:spcBef>
+            </a:pPr>
+            <a:r>
+              <a:rPr lang="ja-JP" altLang="en-US" sz="3600" dirty="0" smtClean="0"/>
+              <a:t>チーム内での役割分担</a:t>
+            </a:r>
+            <a:endParaRPr lang="en-US" altLang="ja-JP" sz="3600" dirty="0" smtClean="0"/>
+          </a:p>
+          <a:p>
+            <a:pPr lvl="1">
+              <a:lnSpc>
+                <a:spcPct val="120000"/>
+              </a:lnSpc>
+              <a:spcBef>
+                <a:spcPts val="1000"/>
+              </a:spcBef>
+              <a:buFont typeface="Arial" pitchFamily="34" charset="0"/>
+              <a:buChar char="•"/>
+            </a:pPr>
+            <a:r>
+              <a:rPr lang="ja-JP" altLang="en-US" sz="3300" dirty="0" smtClean="0"/>
+              <a:t>リーダー ： 金子</a:t>
+            </a:r>
+            <a:endParaRPr lang="en-US" altLang="ja-JP" sz="3300" dirty="0" smtClean="0"/>
+          </a:p>
+          <a:p>
+            <a:pPr lvl="1">
+              <a:lnSpc>
+                <a:spcPct val="120000"/>
+              </a:lnSpc>
+              <a:spcBef>
+                <a:spcPts val="1000"/>
+              </a:spcBef>
+              <a:buFont typeface="Arial" pitchFamily="34" charset="0"/>
+              <a:buChar char="•"/>
+            </a:pPr>
+            <a:r>
+              <a:rPr lang="ja-JP" altLang="en-US" sz="3300" dirty="0" smtClean="0"/>
+              <a:t>進捗</a:t>
+            </a:r>
+            <a:r>
+              <a:rPr lang="ja-JP" altLang="en-US" sz="3300" dirty="0" smtClean="0"/>
+              <a:t>管理：坂田</a:t>
+            </a:r>
+            <a:endParaRPr lang="en-US" altLang="ja-JP" sz="3300" dirty="0" smtClean="0"/>
+          </a:p>
+          <a:p>
+            <a:pPr lvl="1">
+              <a:lnSpc>
+                <a:spcPct val="120000"/>
+              </a:lnSpc>
+              <a:spcBef>
+                <a:spcPts val="1000"/>
+              </a:spcBef>
+              <a:buFont typeface="Arial" pitchFamily="34" charset="0"/>
+              <a:buChar char="•"/>
+            </a:pPr>
+            <a:r>
+              <a:rPr lang="ja-JP" altLang="en-US" sz="3300" dirty="0" smtClean="0"/>
+              <a:t>スクラム担当：中野</a:t>
+            </a:r>
+            <a:endParaRPr lang="en-US" altLang="ja-JP" sz="3300" dirty="0" smtClean="0"/>
+          </a:p>
+          <a:p>
+            <a:pPr lvl="1">
+              <a:lnSpc>
+                <a:spcPct val="120000"/>
+              </a:lnSpc>
+              <a:spcBef>
+                <a:spcPts val="1000"/>
+              </a:spcBef>
+              <a:buFont typeface="Arial" pitchFamily="34" charset="0"/>
+              <a:buChar char="•"/>
+            </a:pPr>
+            <a:r>
+              <a:rPr lang="ja-JP" altLang="en-US" sz="3300" dirty="0" smtClean="0"/>
+              <a:t>技術担当：藤本</a:t>
+            </a:r>
+            <a:endParaRPr lang="en-US" altLang="ja-JP" sz="3300" dirty="0" smtClean="0"/>
+          </a:p>
+          <a:p>
+            <a:pPr lvl="1">
+              <a:lnSpc>
+                <a:spcPct val="120000"/>
+              </a:lnSpc>
+              <a:spcBef>
+                <a:spcPts val="1000"/>
+              </a:spcBef>
+              <a:buFont typeface="Arial" pitchFamily="34" charset="0"/>
+              <a:buChar char="•"/>
+            </a:pPr>
+            <a:r>
+              <a:rPr lang="ja-JP" altLang="en-US" sz="3300" dirty="0" smtClean="0"/>
+              <a:t>成果物管理：澤村</a:t>
+            </a:r>
+            <a:endParaRPr lang="en-US" altLang="ja-JP" sz="3300" dirty="0" smtClean="0"/>
+          </a:p>
+        </p:txBody>
+      </p:sp>
+      <p:pic>
+        <p:nvPicPr>
+          <p:cNvPr id="4" name="Picture 2" descr="C:\env\springworkspace\ecommerce-springC\src\main\webapp\img\rogo.png"/>
+          <p:cNvPicPr>
+            <a:picLocks noChangeAspect="1" noChangeArrowheads="1"/>
+          </p:cNvPicPr>
+          <p:nvPr/>
+        </p:nvPicPr>
+        <p:blipFill>
+          <a:blip r:embed="rId2" cstate="print"/>
+          <a:srcRect/>
+          <a:stretch>
+            <a:fillRect/>
+          </a:stretch>
+        </p:blipFill>
+        <p:spPr bwMode="auto">
+          <a:xfrm>
+            <a:off x="8172400" y="6021288"/>
+            <a:ext cx="659285" cy="659285"/>
+          </a:xfrm>
+          <a:prstGeom prst="rect">
+            <a:avLst/>
+          </a:prstGeom>
+          <a:noFill/>
+        </p:spPr>
+      </p:pic>
     </p:spTree>
   </p:cSld>
   <p:clrMapOvr>
     <a:masterClrMapping/>
   </p:clrMapOvr>
+  <p:timing>
+    <p:tnLst>
+      <p:par>
+        <p:cTn id="1" dur="indefinite" restart="never" nodeType="tmRoot"/>
+      </p:par>
+    </p:tnLst>
+  </p:timing>
 </p:sld>
 </file>
 

--- a/document/ECサイト.pptx
+++ b/document/ECサイト.pptx
@@ -16,10 +16,10 @@
     <p:sldId id="264" r:id="rId10"/>
     <p:sldId id="265" r:id="rId11"/>
     <p:sldId id="266" r:id="rId12"/>
-    <p:sldId id="267" r:id="rId13"/>
-    <p:sldId id="268" r:id="rId14"/>
-    <p:sldId id="269" r:id="rId15"/>
-    <p:sldId id="270" r:id="rId16"/>
+    <p:sldId id="279" r:id="rId13"/>
+    <p:sldId id="267" r:id="rId14"/>
+    <p:sldId id="268" r:id="rId15"/>
+    <p:sldId id="269" r:id="rId16"/>
     <p:sldId id="271" r:id="rId17"/>
     <p:sldId id="272" r:id="rId18"/>
     <p:sldId id="273" r:id="rId19"/>
@@ -3998,6 +3998,14 @@
 <file path=ppt/slides/slide1.xml><?xml version="1.0" encoding="utf-8"?>
 <p:sld xmlns:a="http://schemas.openxmlformats.org/drawingml/2006/main" xmlns:r="http://schemas.openxmlformats.org/officeDocument/2006/relationships" xmlns:p="http://schemas.openxmlformats.org/presentationml/2006/main">
   <p:cSld>
+    <p:bg>
+      <p:bgPr>
+        <a:solidFill>
+          <a:schemeClr val="tx1"/>
+        </a:solidFill>
+        <a:effectLst/>
+      </p:bgPr>
+    </p:bg>
     <p:spTree>
       <p:nvGrpSpPr>
         <p:cNvPr id="1" name=""/>
@@ -4012,6 +4020,34 @@
           <a:chExt cx="0" cy="0"/>
         </a:xfrm>
       </p:grpSpPr>
+      <p:pic>
+        <p:nvPicPr>
+          <p:cNvPr id="6" name="Picture 2" descr="C:\env\springworkspace\ecommerce-springC\src\main\webapp\img\rogo.png"/>
+          <p:cNvPicPr>
+            <a:picLocks noChangeAspect="1" noChangeArrowheads="1"/>
+          </p:cNvPicPr>
+          <p:nvPr/>
+        </p:nvPicPr>
+        <p:blipFill>
+          <a:blip r:embed="rId2" cstate="print">
+            <a:lum bright="70000" contrast="-70000"/>
+          </a:blip>
+          <a:srcRect/>
+          <a:stretch>
+            <a:fillRect/>
+          </a:stretch>
+        </p:blipFill>
+        <p:spPr bwMode="auto">
+          <a:xfrm>
+            <a:off x="0" y="0"/>
+            <a:ext cx="5220072" cy="5220072"/>
+          </a:xfrm>
+          <a:prstGeom prst="rect">
+            <a:avLst/>
+          </a:prstGeom>
+          <a:noFill/>
+        </p:spPr>
+      </p:pic>
       <p:sp>
         <p:nvSpPr>
           <p:cNvPr id="2" name="タイトル 1"/>
@@ -4034,18 +4070,41 @@
           <a:p>
             <a:pPr algn="ctr"/>
             <a:r>
-              <a:rPr kumimoji="1" lang="en-US" altLang="ja-JP" sz="6000" dirty="0" smtClean="0"/>
+              <a:rPr lang="en-US" altLang="ja-JP" sz="6500" b="1" dirty="0" smtClean="0">
+                <a:ln w="19050">
+                  <a:solidFill>
+                    <a:srgbClr val="002060"/>
+                  </a:solidFill>
+                </a:ln>
+                <a:solidFill>
+                  <a:srgbClr val="43AEFF"/>
+                </a:solidFill>
+              </a:rPr>
               <a:t>EC</a:t>
             </a:r>
             <a:r>
-              <a:rPr kumimoji="1" lang="ja-JP" altLang="en-US" sz="6000" dirty="0" smtClean="0"/>
+              <a:rPr lang="ja-JP" altLang="en-US" sz="6000" dirty="0" smtClean="0">
+                <a:ln w="19050">
+                  <a:solidFill>
+                    <a:srgbClr val="002060"/>
+                  </a:solidFill>
+                </a:ln>
+                <a:solidFill>
+                  <a:srgbClr val="43AEFF"/>
+                </a:solidFill>
+              </a:rPr>
               <a:t>シネマショップ</a:t>
             </a:r>
-            <a:r>
-              <a:rPr kumimoji="1" lang="en-US" altLang="ja-JP" dirty="0" smtClean="0"/>
-              <a:t>	</a:t>
-            </a:r>
-            <a:endParaRPr kumimoji="1" lang="ja-JP" altLang="en-US" dirty="0"/>
+            <a:endParaRPr kumimoji="1" lang="ja-JP" altLang="en-US" dirty="0">
+              <a:ln w="19050">
+                <a:solidFill>
+                  <a:srgbClr val="002060"/>
+                </a:solidFill>
+              </a:ln>
+              <a:solidFill>
+                <a:srgbClr val="43AEFF"/>
+              </a:solidFill>
+            </a:endParaRPr>
           </a:p>
         </p:txBody>
       </p:sp>
@@ -4174,11 +4233,7 @@
             </a:pPr>
             <a:r>
               <a:rPr lang="ja-JP" altLang="en-US" sz="3300" dirty="0" smtClean="0"/>
-              <a:t>ユースケースの確認</a:t>
-            </a:r>
-            <a:r>
-              <a:rPr lang="ja-JP" altLang="en-US" sz="3300" dirty="0" smtClean="0"/>
-              <a:t>、作業分担</a:t>
+              <a:t>ユースケースの確認、作業分担</a:t>
             </a:r>
             <a:endParaRPr lang="en-US" altLang="ja-JP" sz="3300" dirty="0" smtClean="0"/>
           </a:p>
@@ -4195,11 +4250,7 @@
             </a:pPr>
             <a:r>
               <a:rPr lang="ja-JP" altLang="en-US" sz="3300" dirty="0" smtClean="0"/>
-              <a:t>クラス図</a:t>
-            </a:r>
-            <a:r>
-              <a:rPr lang="ja-JP" altLang="en-US" sz="3300" dirty="0" smtClean="0"/>
-              <a:t>の作成</a:t>
+              <a:t>クラス図の作成</a:t>
             </a:r>
             <a:endParaRPr lang="en-US" altLang="ja-JP" sz="3300" dirty="0" smtClean="0"/>
           </a:p>
@@ -4348,11 +4399,7 @@
           <a:p>
             <a:r>
               <a:rPr lang="ja-JP" altLang="en-US" dirty="0" smtClean="0"/>
-              <a:t>発表</a:t>
-            </a:r>
-            <a:r>
-              <a:rPr lang="ja-JP" altLang="en-US" dirty="0" smtClean="0"/>
-              <a:t>の概略</a:t>
+              <a:t>発表の概略</a:t>
             </a:r>
             <a:endParaRPr kumimoji="1" lang="ja-JP" altLang="en-US" dirty="0"/>
           </a:p>
@@ -4410,17 +4457,7 @@
                   </a:schemeClr>
                 </a:solidFill>
               </a:rPr>
-              <a:t>開発の</a:t>
-            </a:r>
-            <a:r>
-              <a:rPr lang="ja-JP" altLang="en-US" sz="3200" dirty="0" smtClean="0">
-                <a:solidFill>
-                  <a:schemeClr val="bg1">
-                    <a:lumMod val="75000"/>
-                  </a:schemeClr>
-                </a:solidFill>
-              </a:rPr>
-              <a:t>流れ</a:t>
+              <a:t>開発の流れ</a:t>
             </a:r>
             <a:endParaRPr lang="en-US" altLang="ja-JP" sz="3200" dirty="0" smtClean="0">
               <a:solidFill>
@@ -4564,11 +4601,7 @@
           <a:p>
             <a:r>
               <a:rPr lang="ja-JP" altLang="en-US" dirty="0" smtClean="0"/>
-              <a:t>発表</a:t>
-            </a:r>
-            <a:r>
-              <a:rPr lang="ja-JP" altLang="en-US" dirty="0" smtClean="0"/>
-              <a:t>の概略</a:t>
+              <a:t>デモ</a:t>
             </a:r>
             <a:endParaRPr kumimoji="1" lang="ja-JP" altLang="en-US" dirty="0"/>
           </a:p>
@@ -4584,124 +4617,35 @@
             <p:ph sz="quarter" idx="1"/>
           </p:nvPr>
         </p:nvSpPr>
-        <p:spPr/>
+        <p:spPr>
+          <a:xfrm>
+            <a:off x="612648" y="2708920"/>
+            <a:ext cx="8153400" cy="2278360"/>
+          </a:xfrm>
+        </p:spPr>
         <p:txBody>
           <a:bodyPr tIns="180000" bIns="180000">
             <a:normAutofit/>
           </a:bodyPr>
           <a:lstStyle/>
           <a:p>
-            <a:pPr marL="514350" indent="-514350">
-              <a:buFont typeface="+mj-lt"/>
-              <a:buAutoNum type="arabicPeriod"/>
-            </a:pPr>
-            <a:r>
-              <a:rPr kumimoji="1" lang="ja-JP" altLang="en-US" sz="3200" dirty="0" smtClean="0">
-                <a:solidFill>
-                  <a:schemeClr val="bg1">
-                    <a:lumMod val="75000"/>
-                  </a:schemeClr>
-                </a:solidFill>
-              </a:rPr>
-              <a:t>システムの概要</a:t>
-            </a:r>
-            <a:endParaRPr kumimoji="1" lang="en-US" altLang="ja-JP" sz="3200" dirty="0" smtClean="0">
-              <a:solidFill>
-                <a:schemeClr val="bg1">
-                  <a:lumMod val="75000"/>
-                </a:schemeClr>
-              </a:solidFill>
-            </a:endParaRPr>
-          </a:p>
-          <a:p>
-            <a:pPr marL="514350" indent="-514350">
-              <a:buFont typeface="+mj-lt"/>
-              <a:buAutoNum type="arabicPeriod"/>
-            </a:pPr>
-            <a:r>
-              <a:rPr lang="ja-JP" altLang="en-US" sz="3200" dirty="0" smtClean="0">
-                <a:solidFill>
-                  <a:schemeClr val="bg1">
-                    <a:lumMod val="75000"/>
-                  </a:schemeClr>
-                </a:solidFill>
-              </a:rPr>
-              <a:t>開発の</a:t>
-            </a:r>
-            <a:r>
-              <a:rPr lang="ja-JP" altLang="en-US" sz="3200" dirty="0" smtClean="0">
-                <a:solidFill>
-                  <a:schemeClr val="bg1">
-                    <a:lumMod val="75000"/>
-                  </a:schemeClr>
-                </a:solidFill>
-              </a:rPr>
-              <a:t>流れ</a:t>
-            </a:r>
-            <a:endParaRPr lang="en-US" altLang="ja-JP" sz="3200" dirty="0" smtClean="0">
-              <a:solidFill>
-                <a:schemeClr val="bg1">
-                  <a:lumMod val="75000"/>
-                </a:schemeClr>
-              </a:solidFill>
-            </a:endParaRPr>
-          </a:p>
-          <a:p>
-            <a:pPr marL="514350" indent="-514350">
-              <a:buFont typeface="+mj-lt"/>
-              <a:buAutoNum type="arabicPeriod"/>
-            </a:pPr>
-            <a:r>
-              <a:rPr kumimoji="1" lang="ja-JP" altLang="en-US" sz="3200" dirty="0" smtClean="0">
-                <a:solidFill>
-                  <a:schemeClr val="bg1">
-                    <a:lumMod val="75000"/>
-                  </a:schemeClr>
-                </a:solidFill>
-              </a:rPr>
-              <a:t>デモ</a:t>
-            </a:r>
-            <a:endParaRPr kumimoji="1" lang="en-US" altLang="ja-JP" sz="3200" dirty="0" smtClean="0">
-              <a:solidFill>
-                <a:schemeClr val="bg1">
-                  <a:lumMod val="75000"/>
-                </a:schemeClr>
-              </a:solidFill>
-            </a:endParaRPr>
-          </a:p>
-          <a:p>
-            <a:pPr marL="514350" indent="-514350">
-              <a:buFont typeface="+mj-lt"/>
-              <a:buAutoNum type="arabicPeriod"/>
-            </a:pPr>
-            <a:r>
-              <a:rPr kumimoji="1" lang="ja-JP" altLang="en-US" sz="3200" dirty="0" smtClean="0"/>
-              <a:t>コメント、感想</a:t>
-            </a:r>
-            <a:endParaRPr kumimoji="1" lang="en-US" altLang="ja-JP" sz="3200" dirty="0" smtClean="0"/>
-          </a:p>
-          <a:p>
-            <a:pPr marL="514350" indent="-514350">
-              <a:buFont typeface="+mj-lt"/>
-              <a:buAutoNum type="arabicPeriod"/>
-            </a:pPr>
-            <a:r>
-              <a:rPr lang="ja-JP" altLang="en-US" sz="3200" dirty="0" smtClean="0">
-                <a:solidFill>
-                  <a:schemeClr val="bg1">
-                    <a:lumMod val="75000"/>
-                  </a:schemeClr>
-                </a:solidFill>
-              </a:rPr>
-              <a:t>まとめ</a:t>
-            </a:r>
-            <a:endParaRPr kumimoji="1" lang="ja-JP" altLang="en-US" sz="3200" dirty="0">
-              <a:solidFill>
-                <a:schemeClr val="bg1">
-                  <a:lumMod val="75000"/>
-                </a:schemeClr>
-              </a:solidFill>
-            </a:endParaRPr>
+            <a:pPr marL="514350" indent="-514350"/>
+            <a:r>
+              <a:rPr lang="en-US" altLang="ja-JP" sz="3200" dirty="0" smtClean="0"/>
+              <a:t>EC</a:t>
+            </a:r>
+            <a:r>
+              <a:rPr lang="ja-JP" altLang="en-US" sz="3200" dirty="0" smtClean="0"/>
+              <a:t>シネマショップ</a:t>
+            </a:r>
+            <a:endParaRPr lang="en-US" altLang="ja-JP" sz="3200" dirty="0" smtClean="0"/>
+          </a:p>
+          <a:p>
+            <a:pPr marL="514350" indent="-514350"/>
+            <a:r>
+              <a:rPr lang="en-US" altLang="ja-JP" sz="3200" dirty="0" smtClean="0"/>
+              <a:t>http://192.168.42.159:8080/</a:t>
+            </a:r>
           </a:p>
         </p:txBody>
       </p:sp>
@@ -4779,6 +4723,208 @@
           <a:lstStyle/>
           <a:p>
             <a:r>
+              <a:rPr lang="ja-JP" altLang="en-US" dirty="0" smtClean="0"/>
+              <a:t>発表の概略</a:t>
+            </a:r>
+            <a:endParaRPr kumimoji="1" lang="ja-JP" altLang="en-US" dirty="0"/>
+          </a:p>
+        </p:txBody>
+      </p:sp>
+      <p:sp>
+        <p:nvSpPr>
+          <p:cNvPr id="3" name="コンテンツ プレースホルダ 2"/>
+          <p:cNvSpPr>
+            <a:spLocks noGrp="1"/>
+          </p:cNvSpPr>
+          <p:nvPr>
+            <p:ph sz="quarter" idx="1"/>
+          </p:nvPr>
+        </p:nvSpPr>
+        <p:spPr/>
+        <p:txBody>
+          <a:bodyPr tIns="180000" bIns="180000">
+            <a:normAutofit/>
+          </a:bodyPr>
+          <a:lstStyle/>
+          <a:p>
+            <a:pPr marL="514350" indent="-514350">
+              <a:buFont typeface="+mj-lt"/>
+              <a:buAutoNum type="arabicPeriod"/>
+            </a:pPr>
+            <a:r>
+              <a:rPr kumimoji="1" lang="ja-JP" altLang="en-US" sz="3200" dirty="0" smtClean="0">
+                <a:solidFill>
+                  <a:schemeClr val="bg1">
+                    <a:lumMod val="75000"/>
+                  </a:schemeClr>
+                </a:solidFill>
+              </a:rPr>
+              <a:t>システムの概要</a:t>
+            </a:r>
+            <a:endParaRPr kumimoji="1" lang="en-US" altLang="ja-JP" sz="3200" dirty="0" smtClean="0">
+              <a:solidFill>
+                <a:schemeClr val="bg1">
+                  <a:lumMod val="75000"/>
+                </a:schemeClr>
+              </a:solidFill>
+            </a:endParaRPr>
+          </a:p>
+          <a:p>
+            <a:pPr marL="514350" indent="-514350">
+              <a:buFont typeface="+mj-lt"/>
+              <a:buAutoNum type="arabicPeriod"/>
+            </a:pPr>
+            <a:r>
+              <a:rPr lang="ja-JP" altLang="en-US" sz="3200" dirty="0" smtClean="0">
+                <a:solidFill>
+                  <a:schemeClr val="bg1">
+                    <a:lumMod val="75000"/>
+                  </a:schemeClr>
+                </a:solidFill>
+              </a:rPr>
+              <a:t>開発の流れ</a:t>
+            </a:r>
+            <a:endParaRPr lang="en-US" altLang="ja-JP" sz="3200" dirty="0" smtClean="0">
+              <a:solidFill>
+                <a:schemeClr val="bg1">
+                  <a:lumMod val="75000"/>
+                </a:schemeClr>
+              </a:solidFill>
+            </a:endParaRPr>
+          </a:p>
+          <a:p>
+            <a:pPr marL="514350" indent="-514350">
+              <a:buFont typeface="+mj-lt"/>
+              <a:buAutoNum type="arabicPeriod"/>
+            </a:pPr>
+            <a:r>
+              <a:rPr kumimoji="1" lang="ja-JP" altLang="en-US" sz="3200" dirty="0" smtClean="0">
+                <a:solidFill>
+                  <a:schemeClr val="bg1">
+                    <a:lumMod val="75000"/>
+                  </a:schemeClr>
+                </a:solidFill>
+              </a:rPr>
+              <a:t>デモ</a:t>
+            </a:r>
+            <a:endParaRPr kumimoji="1" lang="en-US" altLang="ja-JP" sz="3200" dirty="0" smtClean="0">
+              <a:solidFill>
+                <a:schemeClr val="bg1">
+                  <a:lumMod val="75000"/>
+                </a:schemeClr>
+              </a:solidFill>
+            </a:endParaRPr>
+          </a:p>
+          <a:p>
+            <a:pPr marL="514350" indent="-514350">
+              <a:buFont typeface="+mj-lt"/>
+              <a:buAutoNum type="arabicPeriod"/>
+            </a:pPr>
+            <a:r>
+              <a:rPr kumimoji="1" lang="ja-JP" altLang="en-US" sz="3200" dirty="0" smtClean="0"/>
+              <a:t>コメント、感想</a:t>
+            </a:r>
+            <a:endParaRPr kumimoji="1" lang="en-US" altLang="ja-JP" sz="3200" dirty="0" smtClean="0"/>
+          </a:p>
+          <a:p>
+            <a:pPr marL="514350" indent="-514350">
+              <a:buFont typeface="+mj-lt"/>
+              <a:buAutoNum type="arabicPeriod"/>
+            </a:pPr>
+            <a:r>
+              <a:rPr lang="ja-JP" altLang="en-US" sz="3200" dirty="0" smtClean="0">
+                <a:solidFill>
+                  <a:schemeClr val="bg1">
+                    <a:lumMod val="75000"/>
+                  </a:schemeClr>
+                </a:solidFill>
+              </a:rPr>
+              <a:t>まとめ</a:t>
+            </a:r>
+            <a:endParaRPr kumimoji="1" lang="ja-JP" altLang="en-US" sz="3200" dirty="0">
+              <a:solidFill>
+                <a:schemeClr val="bg1">
+                  <a:lumMod val="75000"/>
+                </a:schemeClr>
+              </a:solidFill>
+            </a:endParaRPr>
+          </a:p>
+        </p:txBody>
+      </p:sp>
+      <p:pic>
+        <p:nvPicPr>
+          <p:cNvPr id="5" name="Picture 2" descr="C:\env\springworkspace\ecommerce-springC\src\main\webapp\img\rogo.png"/>
+          <p:cNvPicPr>
+            <a:picLocks noChangeAspect="1" noChangeArrowheads="1"/>
+          </p:cNvPicPr>
+          <p:nvPr/>
+        </p:nvPicPr>
+        <p:blipFill>
+          <a:blip r:embed="rId2" cstate="print"/>
+          <a:srcRect/>
+          <a:stretch>
+            <a:fillRect/>
+          </a:stretch>
+        </p:blipFill>
+        <p:spPr bwMode="auto">
+          <a:xfrm>
+            <a:off x="8172400" y="6021288"/>
+            <a:ext cx="659285" cy="659285"/>
+          </a:xfrm>
+          <a:prstGeom prst="rect">
+            <a:avLst/>
+          </a:prstGeom>
+          <a:noFill/>
+        </p:spPr>
+      </p:pic>
+    </p:spTree>
+  </p:cSld>
+  <p:clrMapOvr>
+    <a:masterClrMapping/>
+  </p:clrMapOvr>
+  <p:timing>
+    <p:tnLst>
+      <p:par>
+        <p:cTn id="1" dur="indefinite" restart="never" nodeType="tmRoot"/>
+      </p:par>
+    </p:tnLst>
+  </p:timing>
+</p:sld>
+</file>
+
+<file path=ppt/slides/slide14.xml><?xml version="1.0" encoding="utf-8"?>
+<p:sld xmlns:a="http://schemas.openxmlformats.org/drawingml/2006/main" xmlns:r="http://schemas.openxmlformats.org/officeDocument/2006/relationships" xmlns:p="http://schemas.openxmlformats.org/presentationml/2006/main">
+  <p:cSld>
+    <p:spTree>
+      <p:nvGrpSpPr>
+        <p:cNvPr id="1" name=""/>
+        <p:cNvGrpSpPr/>
+        <p:nvPr/>
+      </p:nvGrpSpPr>
+      <p:grpSpPr>
+        <a:xfrm>
+          <a:off x="0" y="0"/>
+          <a:ext cx="0" cy="0"/>
+          <a:chOff x="0" y="0"/>
+          <a:chExt cx="0" cy="0"/>
+        </a:xfrm>
+      </p:grpSpPr>
+      <p:sp>
+        <p:nvSpPr>
+          <p:cNvPr id="2" name="タイトル 1"/>
+          <p:cNvSpPr>
+            <a:spLocks noGrp="1"/>
+          </p:cNvSpPr>
+          <p:nvPr>
+            <p:ph type="title"/>
+          </p:nvPr>
+        </p:nvSpPr>
+        <p:spPr/>
+        <p:txBody>
+          <a:bodyPr/>
+          <a:lstStyle/>
+          <a:p>
+            <a:r>
               <a:rPr kumimoji="1" lang="ja-JP" altLang="en-US" dirty="0" smtClean="0"/>
               <a:t>中野</a:t>
             </a:r>
@@ -4971,7 +5117,7 @@
               <a:t>message</a:t>
             </a:r>
             <a:r>
-              <a:rPr lang="ja-JP" altLang="en-US" smtClean="0"/>
+              <a:rPr lang="ja-JP" altLang="en-US" dirty="0" smtClean="0"/>
               <a:t>を表示）</a:t>
             </a:r>
             <a:endParaRPr kumimoji="1" lang="ja-JP" altLang="en-US" dirty="0"/>
@@ -5009,10 +5155,17 @@
   <p:clrMapOvr>
     <a:masterClrMapping/>
   </p:clrMapOvr>
+  <p:timing>
+    <p:tnLst>
+      <p:par>
+        <p:cTn id="1" dur="indefinite" restart="never" nodeType="tmRoot"/>
+      </p:par>
+    </p:tnLst>
+  </p:timing>
 </p:sld>
 </file>
 
-<file path=ppt/slides/slide14.xml><?xml version="1.0" encoding="utf-8"?>
+<file path=ppt/slides/slide15.xml><?xml version="1.0" encoding="utf-8"?>
 <p:sld xmlns:a="http://schemas.openxmlformats.org/drawingml/2006/main" xmlns:r="http://schemas.openxmlformats.org/officeDocument/2006/relationships" xmlns:p="http://schemas.openxmlformats.org/presentationml/2006/main">
   <p:cSld>
     <p:spTree>
@@ -5046,7 +5199,7 @@
           <a:p>
             <a:r>
               <a:rPr lang="ja-JP" altLang="en-US" dirty="0" smtClean="0"/>
-              <a:t>苦労した点（坂田）</a:t>
+              <a:t>坂田</a:t>
             </a:r>
             <a:endParaRPr kumimoji="1" lang="ja-JP" altLang="en-US" dirty="0"/>
           </a:p>
@@ -5065,7 +5218,7 @@
         <p:spPr>
           <a:xfrm>
             <a:off x="612648" y="1600200"/>
-            <a:ext cx="8153400" cy="4997152"/>
+            <a:ext cx="8153400" cy="5257800"/>
           </a:xfrm>
         </p:spPr>
         <p:txBody>
@@ -5075,10 +5228,10 @@
           <a:lstStyle/>
           <a:p>
             <a:r>
-              <a:rPr kumimoji="1" lang="ja-JP" altLang="en-US" sz="3600" dirty="0" smtClean="0"/>
+              <a:rPr kumimoji="1" lang="ja-JP" altLang="en-US" sz="2800" dirty="0" smtClean="0"/>
               <a:t>ログインフィルター</a:t>
             </a:r>
-            <a:endParaRPr kumimoji="1" lang="en-US" altLang="ja-JP" sz="3600" dirty="0" smtClean="0"/>
+            <a:endParaRPr kumimoji="1" lang="en-US" altLang="ja-JP" sz="2800" dirty="0" smtClean="0"/>
           </a:p>
           <a:p>
             <a:pPr lvl="1">
@@ -5086,14 +5239,14 @@
               <a:buChar char="•"/>
             </a:pPr>
             <a:r>
-              <a:rPr kumimoji="1" lang="en-US" altLang="ja-JP" sz="3200" dirty="0" smtClean="0"/>
+              <a:rPr kumimoji="1" lang="en-US" altLang="ja-JP" sz="2400" dirty="0" smtClean="0"/>
               <a:t>Spring Security</a:t>
             </a:r>
             <a:r>
-              <a:rPr kumimoji="1" lang="ja-JP" altLang="en-US" sz="3200" dirty="0" smtClean="0"/>
+              <a:rPr kumimoji="1" lang="ja-JP" altLang="en-US" sz="2400" dirty="0" smtClean="0"/>
               <a:t>使用</a:t>
             </a:r>
-            <a:endParaRPr kumimoji="1" lang="en-US" altLang="ja-JP" sz="3200" dirty="0" smtClean="0"/>
+            <a:endParaRPr kumimoji="1" lang="en-US" altLang="ja-JP" sz="2400" dirty="0" smtClean="0"/>
           </a:p>
           <a:p>
             <a:pPr lvl="1">
@@ -5101,24 +5254,24 @@
               <a:buChar char="•"/>
             </a:pPr>
             <a:r>
-              <a:rPr lang="ja-JP" altLang="en-US" sz="3200" dirty="0" smtClean="0"/>
+              <a:rPr lang="ja-JP" altLang="en-US" sz="2400" dirty="0" smtClean="0"/>
               <a:t>管理者用と利用者用、二つのログインページを設定</a:t>
             </a:r>
-            <a:endParaRPr kumimoji="1" lang="en-US" altLang="ja-JP" sz="3200" dirty="0" smtClean="0"/>
+            <a:endParaRPr kumimoji="1" lang="en-US" altLang="ja-JP" sz="2400" dirty="0" smtClean="0"/>
           </a:p>
           <a:p>
             <a:pPr>
               <a:spcBef>
-                <a:spcPts val="1800"/>
+                <a:spcPts val="600"/>
               </a:spcBef>
               <a:buFont typeface="Wingdings" pitchFamily="2" charset="2"/>
               <a:buChar char="p"/>
             </a:pPr>
             <a:r>
-              <a:rPr lang="ja-JP" altLang="en-US" sz="3600" dirty="0" smtClean="0"/>
+              <a:rPr lang="ja-JP" altLang="en-US" sz="2800" dirty="0" smtClean="0"/>
               <a:t>例外ハンドリングとエラーページ</a:t>
             </a:r>
-            <a:endParaRPr lang="en-US" altLang="ja-JP" sz="3600" dirty="0" smtClean="0"/>
+            <a:endParaRPr lang="en-US" altLang="ja-JP" sz="2800" dirty="0" smtClean="0"/>
           </a:p>
           <a:p>
             <a:pPr lvl="1">
@@ -5126,30 +5279,112 @@
               <a:buChar char="•"/>
             </a:pPr>
             <a:r>
-              <a:rPr lang="en-US" altLang="ja-JP" sz="3200" dirty="0" smtClean="0"/>
+              <a:rPr lang="en-US" altLang="ja-JP" sz="2400" dirty="0" smtClean="0"/>
               <a:t>404</a:t>
             </a:r>
             <a:r>
-              <a:rPr lang="ja-JP" altLang="en-US" sz="3200" dirty="0" smtClean="0"/>
+              <a:rPr lang="ja-JP" altLang="en-US" sz="2400" dirty="0" smtClean="0"/>
               <a:t>や</a:t>
             </a:r>
             <a:r>
-              <a:rPr lang="en-US" altLang="ja-JP" sz="3200" dirty="0" smtClean="0"/>
+              <a:rPr lang="en-US" altLang="ja-JP" sz="2400" dirty="0" smtClean="0"/>
               <a:t>403</a:t>
             </a:r>
             <a:r>
-              <a:rPr lang="ja-JP" altLang="en-US" sz="3200" dirty="0" err="1" smtClean="0"/>
+              <a:rPr lang="ja-JP" altLang="en-US" sz="2400" dirty="0" err="1" smtClean="0"/>
               <a:t>、</a:t>
             </a:r>
             <a:r>
-              <a:rPr lang="en-US" altLang="ja-JP" sz="3200" dirty="0" smtClean="0"/>
+              <a:rPr lang="en-US" altLang="ja-JP" sz="2400" dirty="0" smtClean="0"/>
               <a:t>500</a:t>
             </a:r>
             <a:r>
-              <a:rPr lang="ja-JP" altLang="en-US" sz="3200" dirty="0" smtClean="0"/>
-              <a:t>といったエラーに対処して、事前に準備したエラーページを表示するよう設定</a:t>
-            </a:r>
-            <a:endParaRPr lang="en-US" altLang="ja-JP" sz="3200" dirty="0" smtClean="0"/>
+              <a:rPr lang="ja-JP" altLang="en-US" sz="2400" dirty="0" smtClean="0"/>
+              <a:t>といったエラーに対処して、事前に準備したエラーページを表示するよう</a:t>
+            </a:r>
+            <a:r>
+              <a:rPr lang="ja-JP" altLang="en-US" sz="2400" dirty="0" smtClean="0"/>
+              <a:t>設定</a:t>
+            </a:r>
+            <a:endParaRPr lang="en-US" altLang="ja-JP" sz="2400" dirty="0" smtClean="0"/>
+          </a:p>
+          <a:p>
+            <a:pPr marL="502920" indent="-457200">
+              <a:spcBef>
+                <a:spcPts val="600"/>
+              </a:spcBef>
+              <a:buFont typeface="Wingdings" pitchFamily="2" charset="2"/>
+              <a:buChar char="p"/>
+            </a:pPr>
+            <a:r>
+              <a:rPr lang="ja-JP" altLang="en-US" sz="2800" dirty="0" smtClean="0"/>
+              <a:t>ゲストユーザー</a:t>
+            </a:r>
+            <a:r>
+              <a:rPr lang="ja-JP" altLang="en-US" sz="2800" dirty="0" smtClean="0"/>
+              <a:t>機能</a:t>
+            </a:r>
+          </a:p>
+          <a:p>
+            <a:pPr lvl="1">
+              <a:buFont typeface="Arial" pitchFamily="34" charset="0"/>
+              <a:buChar char="•"/>
+            </a:pPr>
+            <a:r>
+              <a:rPr lang="en-US" altLang="ja-JP" sz="2400" dirty="0" smtClean="0"/>
+              <a:t>Cookie</a:t>
+            </a:r>
+            <a:r>
+              <a:rPr lang="ja-JP" altLang="en-US" sz="2400" dirty="0" smtClean="0"/>
+              <a:t>の情報を利用してゲスト</a:t>
+            </a:r>
+            <a:r>
+              <a:rPr lang="en-US" altLang="ja-JP" sz="2400" dirty="0" smtClean="0"/>
+              <a:t>ID</a:t>
+            </a:r>
+            <a:r>
+              <a:rPr lang="ja-JP" altLang="en-US" sz="2400" dirty="0" smtClean="0"/>
+              <a:t>を生成</a:t>
+            </a:r>
+          </a:p>
+          <a:p>
+            <a:pPr lvl="1">
+              <a:buFont typeface="Arial" pitchFamily="34" charset="0"/>
+              <a:buChar char="•"/>
+            </a:pPr>
+            <a:r>
+              <a:rPr lang="ja-JP" altLang="en-US" sz="2400" dirty="0" smtClean="0"/>
+              <a:t>ログイン後もカート情報を引き継ぐよう処理</a:t>
+            </a:r>
+          </a:p>
+          <a:p>
+            <a:pPr>
+              <a:spcBef>
+                <a:spcPts val="600"/>
+              </a:spcBef>
+              <a:buFont typeface="Wingdings" pitchFamily="2" charset="2"/>
+              <a:buChar char="p"/>
+            </a:pPr>
+            <a:r>
+              <a:rPr lang="ja-JP" altLang="en-US" sz="2800" dirty="0" smtClean="0"/>
+              <a:t>決済機能</a:t>
+            </a:r>
+            <a:endParaRPr lang="en-US" altLang="ja-JP" sz="2800" dirty="0" smtClean="0"/>
+          </a:p>
+          <a:p>
+            <a:pPr lvl="1">
+              <a:buFont typeface="Arial" pitchFamily="34" charset="0"/>
+              <a:buChar char="•"/>
+            </a:pPr>
+            <a:r>
+              <a:rPr lang="ja-JP" altLang="en-US" sz="2400" dirty="0" smtClean="0"/>
+              <a:t>決済確認メールの送信は次期開発となった</a:t>
+            </a:r>
+            <a:r>
+              <a:rPr lang="ja-JP" altLang="en-US" sz="2400" dirty="0" smtClean="0"/>
+              <a:t>。</a:t>
+            </a:r>
+            <a:endParaRPr lang="en-US" altLang="ja-JP" sz="2400" dirty="0" smtClean="0"/>
           </a:p>
         </p:txBody>
       </p:sp>
@@ -5184,195 +5419,13 @@
   <p:clrMapOvr>
     <a:masterClrMapping/>
   </p:clrMapOvr>
-</p:sld>
-</file>
-
-<file path=ppt/slides/slide15.xml><?xml version="1.0" encoding="utf-8"?>
-<p:sld xmlns:a="http://schemas.openxmlformats.org/drawingml/2006/main" xmlns:r="http://schemas.openxmlformats.org/officeDocument/2006/relationships" xmlns:p="http://schemas.openxmlformats.org/presentationml/2006/main">
-  <p:cSld>
-    <p:spTree>
-      <p:nvGrpSpPr>
-        <p:cNvPr id="1" name=""/>
-        <p:cNvGrpSpPr/>
-        <p:nvPr/>
-      </p:nvGrpSpPr>
-      <p:grpSpPr>
-        <a:xfrm>
-          <a:off x="0" y="0"/>
-          <a:ext cx="0" cy="0"/>
-          <a:chOff x="0" y="0"/>
-          <a:chExt cx="0" cy="0"/>
-        </a:xfrm>
-      </p:grpSpPr>
-      <p:sp>
-        <p:nvSpPr>
-          <p:cNvPr id="2" name="タイトル 1"/>
-          <p:cNvSpPr>
-            <a:spLocks noGrp="1"/>
-          </p:cNvSpPr>
-          <p:nvPr>
-            <p:ph type="title"/>
-          </p:nvPr>
-        </p:nvSpPr>
-        <p:spPr/>
-        <p:txBody>
-          <a:bodyPr/>
-          <a:lstStyle/>
-          <a:p>
-            <a:r>
-              <a:rPr lang="ja-JP" altLang="en-US" dirty="0" smtClean="0"/>
-              <a:t>苦労した点（坂田）</a:t>
-            </a:r>
-            <a:endParaRPr kumimoji="1" lang="ja-JP" altLang="en-US" dirty="0"/>
-          </a:p>
-        </p:txBody>
-      </p:sp>
-      <p:sp>
-        <p:nvSpPr>
-          <p:cNvPr id="3" name="コンテンツ プレースホルダ 2"/>
-          <p:cNvSpPr>
-            <a:spLocks noGrp="1"/>
-          </p:cNvSpPr>
-          <p:nvPr>
-            <p:ph sz="quarter" idx="1"/>
-          </p:nvPr>
-        </p:nvSpPr>
-        <p:spPr>
-          <a:xfrm>
-            <a:off x="612648" y="1600200"/>
-            <a:ext cx="8153400" cy="4997152"/>
-          </a:xfrm>
-        </p:spPr>
-        <p:txBody>
-          <a:bodyPr>
-            <a:normAutofit/>
-          </a:bodyPr>
-          <a:lstStyle/>
-          <a:p>
-            <a:pPr>
-              <a:buFont typeface="Wingdings" pitchFamily="2" charset="2"/>
-              <a:buChar char="p"/>
-            </a:pPr>
-            <a:r>
-              <a:rPr lang="ja-JP" altLang="en-US" sz="3600" dirty="0" smtClean="0"/>
-              <a:t>ゲストユーザー機能</a:t>
-            </a:r>
-            <a:endParaRPr lang="en-US" altLang="ja-JP" sz="3600" dirty="0" smtClean="0"/>
-          </a:p>
-          <a:p>
-            <a:pPr lvl="1">
-              <a:buFont typeface="Arial" pitchFamily="34" charset="0"/>
-              <a:buChar char="•"/>
-            </a:pPr>
-            <a:r>
-              <a:rPr lang="en-US" altLang="ja-JP" sz="3200" dirty="0" smtClean="0"/>
-              <a:t>Cookie</a:t>
-            </a:r>
-            <a:r>
-              <a:rPr lang="ja-JP" altLang="en-US" sz="3200" dirty="0" smtClean="0"/>
-              <a:t>の情報を利用してゲスト</a:t>
-            </a:r>
-            <a:r>
-              <a:rPr lang="en-US" altLang="ja-JP" sz="3200" dirty="0" smtClean="0"/>
-              <a:t>ID</a:t>
-            </a:r>
-            <a:r>
-              <a:rPr lang="ja-JP" altLang="en-US" sz="3200" dirty="0" smtClean="0"/>
-              <a:t>を生成</a:t>
-            </a:r>
-            <a:endParaRPr lang="en-US" altLang="ja-JP" sz="3200" dirty="0" smtClean="0"/>
-          </a:p>
-          <a:p>
-            <a:pPr lvl="1">
-              <a:buFont typeface="Arial" pitchFamily="34" charset="0"/>
-              <a:buChar char="•"/>
-            </a:pPr>
-            <a:r>
-              <a:rPr lang="ja-JP" altLang="en-US" sz="3200" dirty="0" smtClean="0"/>
-              <a:t>ログイン後もカート情報を引き継ぐよう処理</a:t>
-            </a:r>
-            <a:endParaRPr lang="en-US" altLang="ja-JP" sz="3200" dirty="0" smtClean="0"/>
-          </a:p>
-          <a:p>
-            <a:pPr>
-              <a:spcBef>
-                <a:spcPts val="2400"/>
-              </a:spcBef>
-              <a:buFont typeface="Wingdings" pitchFamily="2" charset="2"/>
-              <a:buChar char="p"/>
-            </a:pPr>
-            <a:r>
-              <a:rPr lang="ja-JP" altLang="en-US" sz="3600" dirty="0" smtClean="0"/>
-              <a:t>タスク管理と進捗管理</a:t>
-            </a:r>
-            <a:endParaRPr lang="en-US" altLang="ja-JP" sz="3600" dirty="0" smtClean="0"/>
-          </a:p>
-          <a:p>
-            <a:pPr lvl="1">
-              <a:buFont typeface="Arial" pitchFamily="34" charset="0"/>
-              <a:buChar char="•"/>
-            </a:pPr>
-            <a:r>
-              <a:rPr lang="ja-JP" altLang="en-US" sz="3200" dirty="0" smtClean="0"/>
-              <a:t>必要な作業とそれにかかるコストの把握</a:t>
-            </a:r>
-            <a:endParaRPr lang="en-US" altLang="ja-JP" sz="3200" dirty="0" smtClean="0"/>
-          </a:p>
-          <a:p>
-            <a:pPr lvl="1">
-              <a:buFont typeface="Arial" pitchFamily="34" charset="0"/>
-              <a:buChar char="•"/>
-            </a:pPr>
-            <a:r>
-              <a:rPr lang="ja-JP" altLang="en-US" sz="3200" dirty="0" smtClean="0"/>
-              <a:t>メンバーの作業の進捗の把握</a:t>
-            </a:r>
-            <a:endParaRPr lang="en-US" altLang="ja-JP" sz="3200" dirty="0" smtClean="0"/>
-          </a:p>
-          <a:p>
-            <a:pPr lvl="1">
-              <a:buFont typeface="Arial" pitchFamily="34" charset="0"/>
-              <a:buChar char="•"/>
-            </a:pPr>
-            <a:r>
-              <a:rPr lang="ja-JP" altLang="en-US" sz="3200" dirty="0" smtClean="0"/>
-              <a:t>自分の作業との両立</a:t>
-            </a:r>
-            <a:endParaRPr lang="en-US" altLang="ja-JP" sz="3200" dirty="0" smtClean="0"/>
-          </a:p>
-        </p:txBody>
-      </p:sp>
-      <p:pic>
-        <p:nvPicPr>
-          <p:cNvPr id="4" name="Picture 2" descr="C:\env\springworkspace\ecommerce-springC\src\main\webapp\img\rogo.png"/>
-          <p:cNvPicPr>
-            <a:picLocks noChangeAspect="1" noChangeArrowheads="1"/>
-          </p:cNvPicPr>
-          <p:nvPr/>
-        </p:nvPicPr>
-        <p:blipFill>
-          <a:blip r:embed="rId2" cstate="print"/>
-          <a:srcRect/>
-          <a:stretch>
-            <a:fillRect/>
-          </a:stretch>
-        </p:blipFill>
-        <p:spPr bwMode="auto">
-          <a:xfrm>
-            <a:off x="8172400" y="6021288"/>
-            <a:ext cx="659285" cy="659285"/>
-          </a:xfrm>
-          <a:prstGeom prst="rect">
-            <a:avLst/>
-          </a:prstGeom>
-          <a:noFill/>
-        </p:spPr>
-      </p:pic>
-    </p:spTree>
-  </p:cSld>
-  <p:clrMapOvr>
-    <a:masterClrMapping/>
-  </p:clrMapOvr>
+  <p:timing>
+    <p:tnLst>
+      <p:par>
+        <p:cTn id="1" dur="indefinite" restart="never" nodeType="tmRoot"/>
+      </p:par>
+    </p:tnLst>
+  </p:timing>
 </p:sld>
 </file>
 
@@ -5486,7 +5539,15 @@
           <a:p>
             <a:r>
               <a:rPr lang="ja-JP" altLang="en-US" dirty="0" smtClean="0"/>
-              <a:t>Ｂｏｏｔｓｔｒａｐを使ってｊｓｐの成形</a:t>
+              <a:t>Ｂｏｏｔｓｔｒａｐを使ってｊｓｐ</a:t>
+            </a:r>
+            <a:r>
+              <a:rPr lang="ja-JP" altLang="en-US" dirty="0" smtClean="0"/>
+              <a:t>の</a:t>
+            </a:r>
+            <a:r>
+              <a:rPr lang="ja-JP" altLang="en-US" dirty="0" smtClean="0"/>
+              <a:t>整形</a:t>
             </a:r>
             <a:endParaRPr lang="en-US" altLang="ja-JP" dirty="0" smtClean="0"/>
           </a:p>
@@ -5603,7 +5664,12 @@
             <p:ph type="title"/>
           </p:nvPr>
         </p:nvSpPr>
-        <p:spPr/>
+        <p:spPr>
+          <a:xfrm>
+            <a:off x="612648" y="228600"/>
+            <a:ext cx="8153400" cy="959327"/>
+          </a:xfrm>
+        </p:spPr>
         <p:txBody>
           <a:bodyPr>
             <a:normAutofit/>
@@ -5631,7 +5697,7 @@
         <p:spPr>
           <a:xfrm>
             <a:off x="612648" y="1600200"/>
-            <a:ext cx="8153400" cy="5429200"/>
+            <a:ext cx="8153400" cy="5069160"/>
           </a:xfrm>
         </p:spPr>
         <p:txBody>
@@ -5752,19 +5818,46 @@
             </a:r>
             <a:endParaRPr lang="en-US" altLang="ja-JP" dirty="0" smtClean="0"/>
           </a:p>
-          <a:p>
-            <a:endParaRPr kumimoji="1" lang="en-US" altLang="ja-JP" dirty="0" smtClean="0"/>
-          </a:p>
-          <a:p>
-            <a:endParaRPr kumimoji="1" lang="ja-JP" altLang="en-US" dirty="0"/>
-          </a:p>
-        </p:txBody>
-      </p:sp>
+        </p:txBody>
+      </p:sp>
+      <p:pic>
+        <p:nvPicPr>
+          <p:cNvPr id="4" name="Picture 2" descr="C:\env\springworkspace\ecommerce-springC\src\main\webapp\img\rogo.png"/>
+          <p:cNvPicPr>
+            <a:picLocks noChangeAspect="1" noChangeArrowheads="1"/>
+          </p:cNvPicPr>
+          <p:nvPr/>
+        </p:nvPicPr>
+        <p:blipFill>
+          <a:blip r:embed="rId2" cstate="print"/>
+          <a:srcRect/>
+          <a:stretch>
+            <a:fillRect/>
+          </a:stretch>
+        </p:blipFill>
+        <p:spPr bwMode="auto">
+          <a:xfrm>
+            <a:off x="8172400" y="6021288"/>
+            <a:ext cx="659285" cy="659285"/>
+          </a:xfrm>
+          <a:prstGeom prst="rect">
+            <a:avLst/>
+          </a:prstGeom>
+          <a:noFill/>
+        </p:spPr>
+      </p:pic>
     </p:spTree>
   </p:cSld>
   <p:clrMapOvr>
     <a:masterClrMapping/>
   </p:clrMapOvr>
+  <p:timing>
+    <p:tnLst>
+      <p:par>
+        <p:cTn id="1" dur="indefinite" restart="never" nodeType="tmRoot"/>
+      </p:par>
+    </p:tnLst>
+  </p:timing>
 </p:sld>
 </file>
 
@@ -5820,7 +5913,9 @@
         </p:nvSpPr>
         <p:spPr/>
         <p:txBody>
-          <a:bodyPr/>
+          <a:bodyPr>
+            <a:normAutofit lnSpcReduction="10000"/>
+          </a:bodyPr>
           <a:lstStyle/>
           <a:p>
             <a:r>
@@ -5854,10 +5949,30 @@
           </a:p>
           <a:p>
             <a:r>
-              <a:rPr kumimoji="1" lang="ja-JP" altLang="en-US" dirty="0" smtClean="0"/>
-              <a:t>初面談による緊張</a:t>
-            </a:r>
-            <a:endParaRPr kumimoji="1" lang="en-US" altLang="ja-JP" dirty="0" smtClean="0"/>
+              <a:rPr lang="en-US" altLang="ja-JP" dirty="0" smtClean="0"/>
+              <a:t>Linux</a:t>
+            </a:r>
+            <a:r>
+              <a:rPr lang="ja-JP" altLang="en-US" dirty="0" smtClean="0"/>
+              <a:t>の</a:t>
+            </a:r>
+            <a:r>
+              <a:rPr lang="en-US" altLang="ja-JP" dirty="0" err="1" smtClean="0"/>
+              <a:t>postgresql</a:t>
+            </a:r>
+            <a:r>
+              <a:rPr lang="ja-JP" altLang="en-US" dirty="0" smtClean="0"/>
+              <a:t>設定ファイル</a:t>
+            </a:r>
+            <a:r>
+              <a:rPr lang="en-US" altLang="ja-JP" dirty="0" err="1" smtClean="0"/>
+              <a:t>pg_hba.conf</a:t>
+            </a:r>
+            <a:r>
+              <a:rPr lang="ja-JP" altLang="en-US" dirty="0" smtClean="0"/>
+              <a:t>設定ミス</a:t>
+            </a:r>
+            <a:endParaRPr lang="en-US" altLang="ja-JP" dirty="0" smtClean="0"/>
           </a:p>
         </p:txBody>
       </p:sp>
@@ -5885,11 +6000,44 @@
           </a:prstGeom>
         </p:spPr>
       </p:pic>
+      <p:pic>
+        <p:nvPicPr>
+          <p:cNvPr id="5" name="Picture 2" descr="C:\env\springworkspace\ecommerce-springC\src\main\webapp\img\rogo.png"/>
+          <p:cNvPicPr>
+            <a:picLocks noChangeAspect="1" noChangeArrowheads="1"/>
+          </p:cNvPicPr>
+          <p:nvPr/>
+        </p:nvPicPr>
+        <p:blipFill>
+          <a:blip r:embed="rId3" cstate="print"/>
+          <a:srcRect/>
+          <a:stretch>
+            <a:fillRect/>
+          </a:stretch>
+        </p:blipFill>
+        <p:spPr bwMode="auto">
+          <a:xfrm>
+            <a:off x="8172400" y="6021288"/>
+            <a:ext cx="659285" cy="659285"/>
+          </a:xfrm>
+          <a:prstGeom prst="rect">
+            <a:avLst/>
+          </a:prstGeom>
+          <a:noFill/>
+        </p:spPr>
+      </p:pic>
     </p:spTree>
   </p:cSld>
   <p:clrMapOvr>
     <a:masterClrMapping/>
   </p:clrMapOvr>
+  <p:timing>
+    <p:tnLst>
+      <p:par>
+        <p:cTn id="1" dur="indefinite" restart="never" nodeType="tmRoot"/>
+      </p:par>
+    </p:tnLst>
+  </p:timing>
 </p:sld>
 </file>
 
@@ -5910,6 +6058,32 @@
           <a:chExt cx="0" cy="0"/>
         </a:xfrm>
       </p:grpSpPr>
+      <p:pic>
+        <p:nvPicPr>
+          <p:cNvPr id="6" name="Picture 2" descr="C:\env\springworkspace\ecommerce-springC\src\main\webapp\img\rogo.png"/>
+          <p:cNvPicPr>
+            <a:picLocks noChangeAspect="1" noChangeArrowheads="1"/>
+          </p:cNvPicPr>
+          <p:nvPr/>
+        </p:nvPicPr>
+        <p:blipFill>
+          <a:blip r:embed="rId2" cstate="print"/>
+          <a:srcRect/>
+          <a:stretch>
+            <a:fillRect/>
+          </a:stretch>
+        </p:blipFill>
+        <p:spPr bwMode="auto">
+          <a:xfrm>
+            <a:off x="8172400" y="6021288"/>
+            <a:ext cx="659285" cy="659285"/>
+          </a:xfrm>
+          <a:prstGeom prst="rect">
+            <a:avLst/>
+          </a:prstGeom>
+          <a:noFill/>
+        </p:spPr>
+      </p:pic>
       <p:sp>
         <p:nvSpPr>
           <p:cNvPr id="2" name="タイトル 1"/>
@@ -5946,7 +6120,7 @@
         <p:spPr/>
         <p:txBody>
           <a:bodyPr>
-            <a:normAutofit fontScale="92500" lnSpcReduction="20000"/>
+            <a:normAutofit fontScale="92500" lnSpcReduction="10000"/>
           </a:bodyPr>
           <a:lstStyle/>
           <a:p>
@@ -5984,7 +6158,23 @@
             </a:pPr>
             <a:r>
               <a:rPr lang="ja-JP" altLang="en-US" sz="2800" dirty="0" smtClean="0"/>
-              <a:t>　　　テーブルの中身の確認ややクエリーの実行結　果確認</a:t>
+              <a:t>　　　テーブルの中身の確認</a:t>
+            </a:r>
+            <a:r>
+              <a:rPr lang="ja-JP" altLang="en-US" sz="2800" dirty="0" smtClean="0"/>
+              <a:t>やクエリー</a:t>
+            </a:r>
+            <a:r>
+              <a:rPr lang="ja-JP" altLang="en-US" sz="2800" dirty="0" smtClean="0"/>
+              <a:t>の実行</a:t>
+            </a:r>
+            <a:r>
+              <a:rPr lang="ja-JP" altLang="en-US" sz="2800" dirty="0" smtClean="0"/>
+              <a:t>結果</a:t>
+            </a:r>
+            <a:r>
+              <a:rPr lang="ja-JP" altLang="en-US" sz="2800" dirty="0" smtClean="0"/>
+              <a:t>確認</a:t>
             </a:r>
             <a:endParaRPr lang="en-US" altLang="ja-JP" sz="2800" dirty="0" smtClean="0"/>
           </a:p>
@@ -6050,21 +6240,6 @@
               <a:t>で使用</a:t>
             </a:r>
             <a:endParaRPr lang="en-US" altLang="ja-JP" sz="2800" dirty="0" smtClean="0"/>
-          </a:p>
-          <a:p>
-            <a:pPr>
-              <a:buNone/>
-            </a:pPr>
-            <a:endParaRPr lang="en-US" altLang="ja-JP" sz="2800" dirty="0" smtClean="0"/>
-          </a:p>
-          <a:p>
-            <a:endParaRPr lang="en-US" altLang="ja-JP" sz="2800" dirty="0" smtClean="0"/>
-          </a:p>
-          <a:p>
-            <a:pPr>
-              <a:buNone/>
-            </a:pPr>
-            <a:endParaRPr lang="en-US" altLang="ja-JP" dirty="0" smtClean="0"/>
           </a:p>
         </p:txBody>
       </p:sp>
@@ -6077,7 +6252,18 @@
           <p:nvPr/>
         </p:nvPicPr>
         <p:blipFill>
-          <a:blip r:embed="rId2" cstate="print"/>
+          <a:blip r:embed="rId3" cstate="print">
+            <a:clrChange>
+              <a:clrFrom>
+                <a:srgbClr val="FFFFFF"/>
+              </a:clrFrom>
+              <a:clrTo>
+                <a:srgbClr val="FFFFFF">
+                  <a:alpha val="0"/>
+                </a:srgbClr>
+              </a:clrTo>
+            </a:clrChange>
+          </a:blip>
           <a:stretch>
             <a:fillRect/>
           </a:stretch>
@@ -6097,6 +6283,13 @@
   <p:clrMapOvr>
     <a:masterClrMapping/>
   </p:clrMapOvr>
+  <p:timing>
+    <p:tnLst>
+      <p:par>
+        <p:cTn id="1" dur="indefinite" restart="never" nodeType="tmRoot"/>
+      </p:par>
+    </p:tnLst>
+  </p:timing>
 </p:sld>
 </file>
 
@@ -6134,11 +6327,7 @@
           <a:p>
             <a:r>
               <a:rPr lang="ja-JP" altLang="en-US" dirty="0" smtClean="0"/>
-              <a:t>発表</a:t>
-            </a:r>
-            <a:r>
-              <a:rPr lang="ja-JP" altLang="en-US" dirty="0" smtClean="0"/>
-              <a:t>の概略</a:t>
+              <a:t>発表の概略</a:t>
             </a:r>
             <a:endParaRPr kumimoji="1" lang="ja-JP" altLang="en-US" dirty="0"/>
           </a:p>
@@ -6178,11 +6367,7 @@
             </a:pPr>
             <a:r>
               <a:rPr lang="ja-JP" altLang="en-US" sz="3200" dirty="0" smtClean="0"/>
-              <a:t>開発の</a:t>
-            </a:r>
-            <a:r>
-              <a:rPr lang="ja-JP" altLang="en-US" sz="3200" dirty="0" smtClean="0"/>
-              <a:t>流れ</a:t>
+              <a:t>開発の流れ</a:t>
             </a:r>
             <a:endParaRPr lang="en-US" altLang="ja-JP" sz="3200" dirty="0" smtClean="0"/>
           </a:p>
@@ -6296,11 +6481,7 @@
           <a:p>
             <a:r>
               <a:rPr kumimoji="1" lang="ja-JP" altLang="en-US" dirty="0" smtClean="0"/>
-              <a:t>工夫したこと</a:t>
-            </a:r>
-            <a:r>
-              <a:rPr kumimoji="1" lang="ja-JP" altLang="en-US" dirty="0" smtClean="0"/>
-              <a:t>（</a:t>
+              <a:t>工夫したこと（</a:t>
             </a:r>
             <a:r>
               <a:rPr lang="ja-JP" altLang="en-US" dirty="0" smtClean="0"/>
@@ -6404,14 +6585,10 @@
               </a:spcBef>
             </a:pPr>
             <a:r>
-              <a:rPr lang="en-US" altLang="ja-JP" sz="3200" b="1" dirty="0" smtClean="0"/>
-              <a:t>URL</a:t>
-            </a:r>
-            <a:r>
-              <a:rPr lang="ja-JP" altLang="en-US" sz="3200" dirty="0" smtClean="0"/>
-              <a:t>に直接、でたらめな数字が入力された場合のエラー処理</a:t>
-            </a:r>
-            <a:endParaRPr lang="en-US" altLang="ja-JP" sz="3200" dirty="0" smtClean="0"/>
+              <a:rPr lang="ja-JP" altLang="en-US" sz="2800" dirty="0" smtClean="0"/>
+              <a:t>不正なリクエストパラメータへの対処</a:t>
+            </a:r>
+            <a:endParaRPr lang="en-US" altLang="ja-JP" sz="2800" dirty="0" smtClean="0"/>
           </a:p>
           <a:p>
             <a:pPr>
@@ -6421,12 +6598,20 @@
               <a:buNone/>
             </a:pPr>
             <a:r>
-              <a:rPr lang="ja-JP" altLang="en-US" sz="3200" dirty="0" smtClean="0"/>
-              <a:t>　　</a:t>
-            </a:r>
-            <a:r>
               <a:rPr lang="ja-JP" altLang="en-US" sz="2800" dirty="0" smtClean="0"/>
-              <a:t>専用エラーページへ遷移</a:t>
+              <a:t>　</a:t>
+            </a:r>
+            <a:r>
+              <a:rPr lang="ja-JP" altLang="en-US" sz="2800" dirty="0" smtClean="0"/>
+              <a:t>　直接</a:t>
+            </a:r>
+            <a:r>
+              <a:rPr lang="en-US" altLang="ja-JP" sz="2800" dirty="0" smtClean="0"/>
+              <a:t>URL</a:t>
+            </a:r>
+            <a:r>
+              <a:rPr lang="ja-JP" altLang="en-US" sz="2800" dirty="0" smtClean="0"/>
+              <a:t>にでたらめな数字が入力された場合に適切な例外を発生させる</a:t>
             </a:r>
             <a:endParaRPr lang="en-US" altLang="ja-JP" sz="2800" dirty="0" smtClean="0"/>
           </a:p>
@@ -6475,1152 +6660,7 @@
   <p:timing>
     <p:tnLst>
       <p:par>
-        <p:cTn id="1" dur="indefinite" restart="never" nodeType="tmRoot">
-          <p:childTnLst>
-            <p:seq concurrent="1" nextAc="seek">
-              <p:cTn id="2" dur="indefinite" nodeType="mainSeq">
-                <p:childTnLst>
-                  <p:par>
-                    <p:cTn id="3" fill="hold">
-                      <p:stCondLst>
-                        <p:cond delay="indefinite"/>
-                      </p:stCondLst>
-                      <p:childTnLst>
-                        <p:par>
-                          <p:cTn id="4" fill="hold">
-                            <p:stCondLst>
-                              <p:cond delay="0"/>
-                            </p:stCondLst>
-                            <p:childTnLst>
-                              <p:par>
-                                <p:cTn id="5" presetID="41" presetClass="entr" presetSubtype="0" fill="hold" nodeType="clickEffect">
-                                  <p:stCondLst>
-                                    <p:cond delay="0"/>
-                                  </p:stCondLst>
-                                  <p:iterate type="lt">
-                                    <p:tmPct val="10000"/>
-                                  </p:iterate>
-                                  <p:childTnLst>
-                                    <p:set>
-                                      <p:cBhvr>
-                                        <p:cTn id="6" dur="1" fill="hold">
-                                          <p:stCondLst>
-                                            <p:cond delay="0"/>
-                                          </p:stCondLst>
-                                        </p:cTn>
-                                        <p:tgtEl>
-                                          <p:spTgt spid="3">
-                                            <p:txEl>
-                                              <p:pRg st="0" end="0"/>
-                                            </p:txEl>
-                                          </p:spTgt>
-                                        </p:tgtEl>
-                                        <p:attrNameLst>
-                                          <p:attrName>style.visibility</p:attrName>
-                                        </p:attrNameLst>
-                                      </p:cBhvr>
-                                      <p:to>
-                                        <p:strVal val="visible"/>
-                                      </p:to>
-                                    </p:set>
-                                    <p:anim calcmode="lin" valueType="num">
-                                      <p:cBhvr>
-                                        <p:cTn id="7" dur="500" fill="hold"/>
-                                        <p:tgtEl>
-                                          <p:spTgt spid="3">
-                                            <p:txEl>
-                                              <p:pRg st="0" end="0"/>
-                                            </p:txEl>
-                                          </p:spTgt>
-                                        </p:tgtEl>
-                                        <p:attrNameLst>
-                                          <p:attrName>ppt_x</p:attrName>
-                                        </p:attrNameLst>
-                                      </p:cBhvr>
-                                      <p:tavLst>
-                                        <p:tav tm="0">
-                                          <p:val>
-                                            <p:strVal val="#ppt_x"/>
-                                          </p:val>
-                                        </p:tav>
-                                        <p:tav tm="50000">
-                                          <p:val>
-                                            <p:strVal val="#ppt_x+.1"/>
-                                          </p:val>
-                                        </p:tav>
-                                        <p:tav tm="100000">
-                                          <p:val>
-                                            <p:strVal val="#ppt_x"/>
-                                          </p:val>
-                                        </p:tav>
-                                      </p:tavLst>
-                                    </p:anim>
-                                    <p:anim calcmode="lin" valueType="num">
-                                      <p:cBhvr>
-                                        <p:cTn id="8" dur="500" fill="hold"/>
-                                        <p:tgtEl>
-                                          <p:spTgt spid="3">
-                                            <p:txEl>
-                                              <p:pRg st="0" end="0"/>
-                                            </p:txEl>
-                                          </p:spTgt>
-                                        </p:tgtEl>
-                                        <p:attrNameLst>
-                                          <p:attrName>ppt_y</p:attrName>
-                                        </p:attrNameLst>
-                                      </p:cBhvr>
-                                      <p:tavLst>
-                                        <p:tav tm="0">
-                                          <p:val>
-                                            <p:strVal val="#ppt_y"/>
-                                          </p:val>
-                                        </p:tav>
-                                        <p:tav tm="100000">
-                                          <p:val>
-                                            <p:strVal val="#ppt_y"/>
-                                          </p:val>
-                                        </p:tav>
-                                      </p:tavLst>
-                                    </p:anim>
-                                    <p:anim calcmode="lin" valueType="num">
-                                      <p:cBhvr>
-                                        <p:cTn id="9" dur="500" fill="hold"/>
-                                        <p:tgtEl>
-                                          <p:spTgt spid="3">
-                                            <p:txEl>
-                                              <p:pRg st="0" end="0"/>
-                                            </p:txEl>
-                                          </p:spTgt>
-                                        </p:tgtEl>
-                                        <p:attrNameLst>
-                                          <p:attrName>ppt_h</p:attrName>
-                                        </p:attrNameLst>
-                                      </p:cBhvr>
-                                      <p:tavLst>
-                                        <p:tav tm="0">
-                                          <p:val>
-                                            <p:strVal val="#ppt_h/10"/>
-                                          </p:val>
-                                        </p:tav>
-                                        <p:tav tm="50000">
-                                          <p:val>
-                                            <p:strVal val="#ppt_h+.01"/>
-                                          </p:val>
-                                        </p:tav>
-                                        <p:tav tm="100000">
-                                          <p:val>
-                                            <p:strVal val="#ppt_h"/>
-                                          </p:val>
-                                        </p:tav>
-                                      </p:tavLst>
-                                    </p:anim>
-                                    <p:anim calcmode="lin" valueType="num">
-                                      <p:cBhvr>
-                                        <p:cTn id="10" dur="500" fill="hold"/>
-                                        <p:tgtEl>
-                                          <p:spTgt spid="3">
-                                            <p:txEl>
-                                              <p:pRg st="0" end="0"/>
-                                            </p:txEl>
-                                          </p:spTgt>
-                                        </p:tgtEl>
-                                        <p:attrNameLst>
-                                          <p:attrName>ppt_w</p:attrName>
-                                        </p:attrNameLst>
-                                      </p:cBhvr>
-                                      <p:tavLst>
-                                        <p:tav tm="0">
-                                          <p:val>
-                                            <p:strVal val="#ppt_w/10"/>
-                                          </p:val>
-                                        </p:tav>
-                                        <p:tav tm="50000">
-                                          <p:val>
-                                            <p:strVal val="#ppt_w+.01"/>
-                                          </p:val>
-                                        </p:tav>
-                                        <p:tav tm="100000">
-                                          <p:val>
-                                            <p:strVal val="#ppt_w"/>
-                                          </p:val>
-                                        </p:tav>
-                                      </p:tavLst>
-                                    </p:anim>
-                                    <p:animEffect transition="in" filter="fade">
-                                      <p:cBhvr>
-                                        <p:cTn id="11" dur="500" tmFilter="0,0; .5, 1; 1, 1"/>
-                                        <p:tgtEl>
-                                          <p:spTgt spid="3">
-                                            <p:txEl>
-                                              <p:pRg st="0" end="0"/>
-                                            </p:txEl>
-                                          </p:spTgt>
-                                        </p:tgtEl>
-                                      </p:cBhvr>
-                                    </p:animEffect>
-                                  </p:childTnLst>
-                                </p:cTn>
-                              </p:par>
-                            </p:childTnLst>
-                          </p:cTn>
-                        </p:par>
-                      </p:childTnLst>
-                    </p:cTn>
-                  </p:par>
-                  <p:par>
-                    <p:cTn id="12" fill="hold">
-                      <p:stCondLst>
-                        <p:cond delay="indefinite"/>
-                      </p:stCondLst>
-                      <p:childTnLst>
-                        <p:par>
-                          <p:cTn id="13" fill="hold">
-                            <p:stCondLst>
-                              <p:cond delay="0"/>
-                            </p:stCondLst>
-                            <p:childTnLst>
-                              <p:par>
-                                <p:cTn id="14" presetID="41" presetClass="entr" presetSubtype="0" fill="hold" nodeType="clickEffect">
-                                  <p:stCondLst>
-                                    <p:cond delay="0"/>
-                                  </p:stCondLst>
-                                  <p:iterate type="lt">
-                                    <p:tmPct val="10000"/>
-                                  </p:iterate>
-                                  <p:childTnLst>
-                                    <p:set>
-                                      <p:cBhvr>
-                                        <p:cTn id="15" dur="1" fill="hold">
-                                          <p:stCondLst>
-                                            <p:cond delay="0"/>
-                                          </p:stCondLst>
-                                        </p:cTn>
-                                        <p:tgtEl>
-                                          <p:spTgt spid="3">
-                                            <p:txEl>
-                                              <p:pRg st="1" end="1"/>
-                                            </p:txEl>
-                                          </p:spTgt>
-                                        </p:tgtEl>
-                                        <p:attrNameLst>
-                                          <p:attrName>style.visibility</p:attrName>
-                                        </p:attrNameLst>
-                                      </p:cBhvr>
-                                      <p:to>
-                                        <p:strVal val="visible"/>
-                                      </p:to>
-                                    </p:set>
-                                    <p:anim calcmode="lin" valueType="num">
-                                      <p:cBhvr>
-                                        <p:cTn id="16" dur="500" fill="hold"/>
-                                        <p:tgtEl>
-                                          <p:spTgt spid="3">
-                                            <p:txEl>
-                                              <p:pRg st="1" end="1"/>
-                                            </p:txEl>
-                                          </p:spTgt>
-                                        </p:tgtEl>
-                                        <p:attrNameLst>
-                                          <p:attrName>ppt_x</p:attrName>
-                                        </p:attrNameLst>
-                                      </p:cBhvr>
-                                      <p:tavLst>
-                                        <p:tav tm="0">
-                                          <p:val>
-                                            <p:strVal val="#ppt_x"/>
-                                          </p:val>
-                                        </p:tav>
-                                        <p:tav tm="50000">
-                                          <p:val>
-                                            <p:strVal val="#ppt_x+.1"/>
-                                          </p:val>
-                                        </p:tav>
-                                        <p:tav tm="100000">
-                                          <p:val>
-                                            <p:strVal val="#ppt_x"/>
-                                          </p:val>
-                                        </p:tav>
-                                      </p:tavLst>
-                                    </p:anim>
-                                    <p:anim calcmode="lin" valueType="num">
-                                      <p:cBhvr>
-                                        <p:cTn id="17" dur="500" fill="hold"/>
-                                        <p:tgtEl>
-                                          <p:spTgt spid="3">
-                                            <p:txEl>
-                                              <p:pRg st="1" end="1"/>
-                                            </p:txEl>
-                                          </p:spTgt>
-                                        </p:tgtEl>
-                                        <p:attrNameLst>
-                                          <p:attrName>ppt_y</p:attrName>
-                                        </p:attrNameLst>
-                                      </p:cBhvr>
-                                      <p:tavLst>
-                                        <p:tav tm="0">
-                                          <p:val>
-                                            <p:strVal val="#ppt_y"/>
-                                          </p:val>
-                                        </p:tav>
-                                        <p:tav tm="100000">
-                                          <p:val>
-                                            <p:strVal val="#ppt_y"/>
-                                          </p:val>
-                                        </p:tav>
-                                      </p:tavLst>
-                                    </p:anim>
-                                    <p:anim calcmode="lin" valueType="num">
-                                      <p:cBhvr>
-                                        <p:cTn id="18" dur="500" fill="hold"/>
-                                        <p:tgtEl>
-                                          <p:spTgt spid="3">
-                                            <p:txEl>
-                                              <p:pRg st="1" end="1"/>
-                                            </p:txEl>
-                                          </p:spTgt>
-                                        </p:tgtEl>
-                                        <p:attrNameLst>
-                                          <p:attrName>ppt_h</p:attrName>
-                                        </p:attrNameLst>
-                                      </p:cBhvr>
-                                      <p:tavLst>
-                                        <p:tav tm="0">
-                                          <p:val>
-                                            <p:strVal val="#ppt_h/10"/>
-                                          </p:val>
-                                        </p:tav>
-                                        <p:tav tm="50000">
-                                          <p:val>
-                                            <p:strVal val="#ppt_h+.01"/>
-                                          </p:val>
-                                        </p:tav>
-                                        <p:tav tm="100000">
-                                          <p:val>
-                                            <p:strVal val="#ppt_h"/>
-                                          </p:val>
-                                        </p:tav>
-                                      </p:tavLst>
-                                    </p:anim>
-                                    <p:anim calcmode="lin" valueType="num">
-                                      <p:cBhvr>
-                                        <p:cTn id="19" dur="500" fill="hold"/>
-                                        <p:tgtEl>
-                                          <p:spTgt spid="3">
-                                            <p:txEl>
-                                              <p:pRg st="1" end="1"/>
-                                            </p:txEl>
-                                          </p:spTgt>
-                                        </p:tgtEl>
-                                        <p:attrNameLst>
-                                          <p:attrName>ppt_w</p:attrName>
-                                        </p:attrNameLst>
-                                      </p:cBhvr>
-                                      <p:tavLst>
-                                        <p:tav tm="0">
-                                          <p:val>
-                                            <p:strVal val="#ppt_w/10"/>
-                                          </p:val>
-                                        </p:tav>
-                                        <p:tav tm="50000">
-                                          <p:val>
-                                            <p:strVal val="#ppt_w+.01"/>
-                                          </p:val>
-                                        </p:tav>
-                                        <p:tav tm="100000">
-                                          <p:val>
-                                            <p:strVal val="#ppt_w"/>
-                                          </p:val>
-                                        </p:tav>
-                                      </p:tavLst>
-                                    </p:anim>
-                                    <p:animEffect transition="in" filter="fade">
-                                      <p:cBhvr>
-                                        <p:cTn id="20" dur="500" tmFilter="0,0; .5, 1; 1, 1"/>
-                                        <p:tgtEl>
-                                          <p:spTgt spid="3">
-                                            <p:txEl>
-                                              <p:pRg st="1" end="1"/>
-                                            </p:txEl>
-                                          </p:spTgt>
-                                        </p:tgtEl>
-                                      </p:cBhvr>
-                                    </p:animEffect>
-                                  </p:childTnLst>
-                                </p:cTn>
-                              </p:par>
-                            </p:childTnLst>
-                          </p:cTn>
-                        </p:par>
-                      </p:childTnLst>
-                    </p:cTn>
-                  </p:par>
-                  <p:par>
-                    <p:cTn id="21" fill="hold">
-                      <p:stCondLst>
-                        <p:cond delay="indefinite"/>
-                      </p:stCondLst>
-                      <p:childTnLst>
-                        <p:par>
-                          <p:cTn id="22" fill="hold">
-                            <p:stCondLst>
-                              <p:cond delay="0"/>
-                            </p:stCondLst>
-                            <p:childTnLst>
-                              <p:par>
-                                <p:cTn id="23" presetID="41" presetClass="entr" presetSubtype="0" fill="hold" nodeType="clickEffect">
-                                  <p:stCondLst>
-                                    <p:cond delay="0"/>
-                                  </p:stCondLst>
-                                  <p:iterate type="lt">
-                                    <p:tmPct val="10000"/>
-                                  </p:iterate>
-                                  <p:childTnLst>
-                                    <p:set>
-                                      <p:cBhvr>
-                                        <p:cTn id="24" dur="1" fill="hold">
-                                          <p:stCondLst>
-                                            <p:cond delay="0"/>
-                                          </p:stCondLst>
-                                        </p:cTn>
-                                        <p:tgtEl>
-                                          <p:spTgt spid="3">
-                                            <p:txEl>
-                                              <p:pRg st="2" end="2"/>
-                                            </p:txEl>
-                                          </p:spTgt>
-                                        </p:tgtEl>
-                                        <p:attrNameLst>
-                                          <p:attrName>style.visibility</p:attrName>
-                                        </p:attrNameLst>
-                                      </p:cBhvr>
-                                      <p:to>
-                                        <p:strVal val="visible"/>
-                                      </p:to>
-                                    </p:set>
-                                    <p:anim calcmode="lin" valueType="num">
-                                      <p:cBhvr>
-                                        <p:cTn id="25" dur="500" fill="hold"/>
-                                        <p:tgtEl>
-                                          <p:spTgt spid="3">
-                                            <p:txEl>
-                                              <p:pRg st="2" end="2"/>
-                                            </p:txEl>
-                                          </p:spTgt>
-                                        </p:tgtEl>
-                                        <p:attrNameLst>
-                                          <p:attrName>ppt_x</p:attrName>
-                                        </p:attrNameLst>
-                                      </p:cBhvr>
-                                      <p:tavLst>
-                                        <p:tav tm="0">
-                                          <p:val>
-                                            <p:strVal val="#ppt_x"/>
-                                          </p:val>
-                                        </p:tav>
-                                        <p:tav tm="50000">
-                                          <p:val>
-                                            <p:strVal val="#ppt_x+.1"/>
-                                          </p:val>
-                                        </p:tav>
-                                        <p:tav tm="100000">
-                                          <p:val>
-                                            <p:strVal val="#ppt_x"/>
-                                          </p:val>
-                                        </p:tav>
-                                      </p:tavLst>
-                                    </p:anim>
-                                    <p:anim calcmode="lin" valueType="num">
-                                      <p:cBhvr>
-                                        <p:cTn id="26" dur="500" fill="hold"/>
-                                        <p:tgtEl>
-                                          <p:spTgt spid="3">
-                                            <p:txEl>
-                                              <p:pRg st="2" end="2"/>
-                                            </p:txEl>
-                                          </p:spTgt>
-                                        </p:tgtEl>
-                                        <p:attrNameLst>
-                                          <p:attrName>ppt_y</p:attrName>
-                                        </p:attrNameLst>
-                                      </p:cBhvr>
-                                      <p:tavLst>
-                                        <p:tav tm="0">
-                                          <p:val>
-                                            <p:strVal val="#ppt_y"/>
-                                          </p:val>
-                                        </p:tav>
-                                        <p:tav tm="100000">
-                                          <p:val>
-                                            <p:strVal val="#ppt_y"/>
-                                          </p:val>
-                                        </p:tav>
-                                      </p:tavLst>
-                                    </p:anim>
-                                    <p:anim calcmode="lin" valueType="num">
-                                      <p:cBhvr>
-                                        <p:cTn id="27" dur="500" fill="hold"/>
-                                        <p:tgtEl>
-                                          <p:spTgt spid="3">
-                                            <p:txEl>
-                                              <p:pRg st="2" end="2"/>
-                                            </p:txEl>
-                                          </p:spTgt>
-                                        </p:tgtEl>
-                                        <p:attrNameLst>
-                                          <p:attrName>ppt_h</p:attrName>
-                                        </p:attrNameLst>
-                                      </p:cBhvr>
-                                      <p:tavLst>
-                                        <p:tav tm="0">
-                                          <p:val>
-                                            <p:strVal val="#ppt_h/10"/>
-                                          </p:val>
-                                        </p:tav>
-                                        <p:tav tm="50000">
-                                          <p:val>
-                                            <p:strVal val="#ppt_h+.01"/>
-                                          </p:val>
-                                        </p:tav>
-                                        <p:tav tm="100000">
-                                          <p:val>
-                                            <p:strVal val="#ppt_h"/>
-                                          </p:val>
-                                        </p:tav>
-                                      </p:tavLst>
-                                    </p:anim>
-                                    <p:anim calcmode="lin" valueType="num">
-                                      <p:cBhvr>
-                                        <p:cTn id="28" dur="500" fill="hold"/>
-                                        <p:tgtEl>
-                                          <p:spTgt spid="3">
-                                            <p:txEl>
-                                              <p:pRg st="2" end="2"/>
-                                            </p:txEl>
-                                          </p:spTgt>
-                                        </p:tgtEl>
-                                        <p:attrNameLst>
-                                          <p:attrName>ppt_w</p:attrName>
-                                        </p:attrNameLst>
-                                      </p:cBhvr>
-                                      <p:tavLst>
-                                        <p:tav tm="0">
-                                          <p:val>
-                                            <p:strVal val="#ppt_w/10"/>
-                                          </p:val>
-                                        </p:tav>
-                                        <p:tav tm="50000">
-                                          <p:val>
-                                            <p:strVal val="#ppt_w+.01"/>
-                                          </p:val>
-                                        </p:tav>
-                                        <p:tav tm="100000">
-                                          <p:val>
-                                            <p:strVal val="#ppt_w"/>
-                                          </p:val>
-                                        </p:tav>
-                                      </p:tavLst>
-                                    </p:anim>
-                                    <p:animEffect transition="in" filter="fade">
-                                      <p:cBhvr>
-                                        <p:cTn id="29" dur="500" tmFilter="0,0; .5, 1; 1, 1"/>
-                                        <p:tgtEl>
-                                          <p:spTgt spid="3">
-                                            <p:txEl>
-                                              <p:pRg st="2" end="2"/>
-                                            </p:txEl>
-                                          </p:spTgt>
-                                        </p:tgtEl>
-                                      </p:cBhvr>
-                                    </p:animEffect>
-                                  </p:childTnLst>
-                                </p:cTn>
-                              </p:par>
-                            </p:childTnLst>
-                          </p:cTn>
-                        </p:par>
-                      </p:childTnLst>
-                    </p:cTn>
-                  </p:par>
-                  <p:par>
-                    <p:cTn id="30" fill="hold">
-                      <p:stCondLst>
-                        <p:cond delay="indefinite"/>
-                      </p:stCondLst>
-                      <p:childTnLst>
-                        <p:par>
-                          <p:cTn id="31" fill="hold">
-                            <p:stCondLst>
-                              <p:cond delay="0"/>
-                            </p:stCondLst>
-                            <p:childTnLst>
-                              <p:par>
-                                <p:cTn id="32" presetID="41" presetClass="entr" presetSubtype="0" fill="hold" nodeType="clickEffect">
-                                  <p:stCondLst>
-                                    <p:cond delay="0"/>
-                                  </p:stCondLst>
-                                  <p:iterate type="lt">
-                                    <p:tmPct val="10000"/>
-                                  </p:iterate>
-                                  <p:childTnLst>
-                                    <p:set>
-                                      <p:cBhvr>
-                                        <p:cTn id="33" dur="1" fill="hold">
-                                          <p:stCondLst>
-                                            <p:cond delay="0"/>
-                                          </p:stCondLst>
-                                        </p:cTn>
-                                        <p:tgtEl>
-                                          <p:spTgt spid="3">
-                                            <p:txEl>
-                                              <p:pRg st="3" end="3"/>
-                                            </p:txEl>
-                                          </p:spTgt>
-                                        </p:tgtEl>
-                                        <p:attrNameLst>
-                                          <p:attrName>style.visibility</p:attrName>
-                                        </p:attrNameLst>
-                                      </p:cBhvr>
-                                      <p:to>
-                                        <p:strVal val="visible"/>
-                                      </p:to>
-                                    </p:set>
-                                    <p:anim calcmode="lin" valueType="num">
-                                      <p:cBhvr>
-                                        <p:cTn id="34" dur="500" fill="hold"/>
-                                        <p:tgtEl>
-                                          <p:spTgt spid="3">
-                                            <p:txEl>
-                                              <p:pRg st="3" end="3"/>
-                                            </p:txEl>
-                                          </p:spTgt>
-                                        </p:tgtEl>
-                                        <p:attrNameLst>
-                                          <p:attrName>ppt_x</p:attrName>
-                                        </p:attrNameLst>
-                                      </p:cBhvr>
-                                      <p:tavLst>
-                                        <p:tav tm="0">
-                                          <p:val>
-                                            <p:strVal val="#ppt_x"/>
-                                          </p:val>
-                                        </p:tav>
-                                        <p:tav tm="50000">
-                                          <p:val>
-                                            <p:strVal val="#ppt_x+.1"/>
-                                          </p:val>
-                                        </p:tav>
-                                        <p:tav tm="100000">
-                                          <p:val>
-                                            <p:strVal val="#ppt_x"/>
-                                          </p:val>
-                                        </p:tav>
-                                      </p:tavLst>
-                                    </p:anim>
-                                    <p:anim calcmode="lin" valueType="num">
-                                      <p:cBhvr>
-                                        <p:cTn id="35" dur="500" fill="hold"/>
-                                        <p:tgtEl>
-                                          <p:spTgt spid="3">
-                                            <p:txEl>
-                                              <p:pRg st="3" end="3"/>
-                                            </p:txEl>
-                                          </p:spTgt>
-                                        </p:tgtEl>
-                                        <p:attrNameLst>
-                                          <p:attrName>ppt_y</p:attrName>
-                                        </p:attrNameLst>
-                                      </p:cBhvr>
-                                      <p:tavLst>
-                                        <p:tav tm="0">
-                                          <p:val>
-                                            <p:strVal val="#ppt_y"/>
-                                          </p:val>
-                                        </p:tav>
-                                        <p:tav tm="100000">
-                                          <p:val>
-                                            <p:strVal val="#ppt_y"/>
-                                          </p:val>
-                                        </p:tav>
-                                      </p:tavLst>
-                                    </p:anim>
-                                    <p:anim calcmode="lin" valueType="num">
-                                      <p:cBhvr>
-                                        <p:cTn id="36" dur="500" fill="hold"/>
-                                        <p:tgtEl>
-                                          <p:spTgt spid="3">
-                                            <p:txEl>
-                                              <p:pRg st="3" end="3"/>
-                                            </p:txEl>
-                                          </p:spTgt>
-                                        </p:tgtEl>
-                                        <p:attrNameLst>
-                                          <p:attrName>ppt_h</p:attrName>
-                                        </p:attrNameLst>
-                                      </p:cBhvr>
-                                      <p:tavLst>
-                                        <p:tav tm="0">
-                                          <p:val>
-                                            <p:strVal val="#ppt_h/10"/>
-                                          </p:val>
-                                        </p:tav>
-                                        <p:tav tm="50000">
-                                          <p:val>
-                                            <p:strVal val="#ppt_h+.01"/>
-                                          </p:val>
-                                        </p:tav>
-                                        <p:tav tm="100000">
-                                          <p:val>
-                                            <p:strVal val="#ppt_h"/>
-                                          </p:val>
-                                        </p:tav>
-                                      </p:tavLst>
-                                    </p:anim>
-                                    <p:anim calcmode="lin" valueType="num">
-                                      <p:cBhvr>
-                                        <p:cTn id="37" dur="500" fill="hold"/>
-                                        <p:tgtEl>
-                                          <p:spTgt spid="3">
-                                            <p:txEl>
-                                              <p:pRg st="3" end="3"/>
-                                            </p:txEl>
-                                          </p:spTgt>
-                                        </p:tgtEl>
-                                        <p:attrNameLst>
-                                          <p:attrName>ppt_w</p:attrName>
-                                        </p:attrNameLst>
-                                      </p:cBhvr>
-                                      <p:tavLst>
-                                        <p:tav tm="0">
-                                          <p:val>
-                                            <p:strVal val="#ppt_w/10"/>
-                                          </p:val>
-                                        </p:tav>
-                                        <p:tav tm="50000">
-                                          <p:val>
-                                            <p:strVal val="#ppt_w+.01"/>
-                                          </p:val>
-                                        </p:tav>
-                                        <p:tav tm="100000">
-                                          <p:val>
-                                            <p:strVal val="#ppt_w"/>
-                                          </p:val>
-                                        </p:tav>
-                                      </p:tavLst>
-                                    </p:anim>
-                                    <p:animEffect transition="in" filter="fade">
-                                      <p:cBhvr>
-                                        <p:cTn id="38" dur="500" tmFilter="0,0; .5, 1; 1, 1"/>
-                                        <p:tgtEl>
-                                          <p:spTgt spid="3">
-                                            <p:txEl>
-                                              <p:pRg st="3" end="3"/>
-                                            </p:txEl>
-                                          </p:spTgt>
-                                        </p:tgtEl>
-                                      </p:cBhvr>
-                                    </p:animEffect>
-                                  </p:childTnLst>
-                                </p:cTn>
-                              </p:par>
-                            </p:childTnLst>
-                          </p:cTn>
-                        </p:par>
-                      </p:childTnLst>
-                    </p:cTn>
-                  </p:par>
-                  <p:par>
-                    <p:cTn id="39" fill="hold">
-                      <p:stCondLst>
-                        <p:cond delay="indefinite"/>
-                      </p:stCondLst>
-                      <p:childTnLst>
-                        <p:par>
-                          <p:cTn id="40" fill="hold">
-                            <p:stCondLst>
-                              <p:cond delay="0"/>
-                            </p:stCondLst>
-                            <p:childTnLst>
-                              <p:par>
-                                <p:cTn id="41" presetID="41" presetClass="entr" presetSubtype="0" fill="hold" nodeType="clickEffect">
-                                  <p:stCondLst>
-                                    <p:cond delay="0"/>
-                                  </p:stCondLst>
-                                  <p:iterate type="lt">
-                                    <p:tmPct val="10000"/>
-                                  </p:iterate>
-                                  <p:childTnLst>
-                                    <p:set>
-                                      <p:cBhvr>
-                                        <p:cTn id="42" dur="1" fill="hold">
-                                          <p:stCondLst>
-                                            <p:cond delay="0"/>
-                                          </p:stCondLst>
-                                        </p:cTn>
-                                        <p:tgtEl>
-                                          <p:spTgt spid="3">
-                                            <p:txEl>
-                                              <p:pRg st="4" end="4"/>
-                                            </p:txEl>
-                                          </p:spTgt>
-                                        </p:tgtEl>
-                                        <p:attrNameLst>
-                                          <p:attrName>style.visibility</p:attrName>
-                                        </p:attrNameLst>
-                                      </p:cBhvr>
-                                      <p:to>
-                                        <p:strVal val="visible"/>
-                                      </p:to>
-                                    </p:set>
-                                    <p:anim calcmode="lin" valueType="num">
-                                      <p:cBhvr>
-                                        <p:cTn id="43" dur="500" fill="hold"/>
-                                        <p:tgtEl>
-                                          <p:spTgt spid="3">
-                                            <p:txEl>
-                                              <p:pRg st="4" end="4"/>
-                                            </p:txEl>
-                                          </p:spTgt>
-                                        </p:tgtEl>
-                                        <p:attrNameLst>
-                                          <p:attrName>ppt_x</p:attrName>
-                                        </p:attrNameLst>
-                                      </p:cBhvr>
-                                      <p:tavLst>
-                                        <p:tav tm="0">
-                                          <p:val>
-                                            <p:strVal val="#ppt_x"/>
-                                          </p:val>
-                                        </p:tav>
-                                        <p:tav tm="50000">
-                                          <p:val>
-                                            <p:strVal val="#ppt_x+.1"/>
-                                          </p:val>
-                                        </p:tav>
-                                        <p:tav tm="100000">
-                                          <p:val>
-                                            <p:strVal val="#ppt_x"/>
-                                          </p:val>
-                                        </p:tav>
-                                      </p:tavLst>
-                                    </p:anim>
-                                    <p:anim calcmode="lin" valueType="num">
-                                      <p:cBhvr>
-                                        <p:cTn id="44" dur="500" fill="hold"/>
-                                        <p:tgtEl>
-                                          <p:spTgt spid="3">
-                                            <p:txEl>
-                                              <p:pRg st="4" end="4"/>
-                                            </p:txEl>
-                                          </p:spTgt>
-                                        </p:tgtEl>
-                                        <p:attrNameLst>
-                                          <p:attrName>ppt_y</p:attrName>
-                                        </p:attrNameLst>
-                                      </p:cBhvr>
-                                      <p:tavLst>
-                                        <p:tav tm="0">
-                                          <p:val>
-                                            <p:strVal val="#ppt_y"/>
-                                          </p:val>
-                                        </p:tav>
-                                        <p:tav tm="100000">
-                                          <p:val>
-                                            <p:strVal val="#ppt_y"/>
-                                          </p:val>
-                                        </p:tav>
-                                      </p:tavLst>
-                                    </p:anim>
-                                    <p:anim calcmode="lin" valueType="num">
-                                      <p:cBhvr>
-                                        <p:cTn id="45" dur="500" fill="hold"/>
-                                        <p:tgtEl>
-                                          <p:spTgt spid="3">
-                                            <p:txEl>
-                                              <p:pRg st="4" end="4"/>
-                                            </p:txEl>
-                                          </p:spTgt>
-                                        </p:tgtEl>
-                                        <p:attrNameLst>
-                                          <p:attrName>ppt_h</p:attrName>
-                                        </p:attrNameLst>
-                                      </p:cBhvr>
-                                      <p:tavLst>
-                                        <p:tav tm="0">
-                                          <p:val>
-                                            <p:strVal val="#ppt_h/10"/>
-                                          </p:val>
-                                        </p:tav>
-                                        <p:tav tm="50000">
-                                          <p:val>
-                                            <p:strVal val="#ppt_h+.01"/>
-                                          </p:val>
-                                        </p:tav>
-                                        <p:tav tm="100000">
-                                          <p:val>
-                                            <p:strVal val="#ppt_h"/>
-                                          </p:val>
-                                        </p:tav>
-                                      </p:tavLst>
-                                    </p:anim>
-                                    <p:anim calcmode="lin" valueType="num">
-                                      <p:cBhvr>
-                                        <p:cTn id="46" dur="500" fill="hold"/>
-                                        <p:tgtEl>
-                                          <p:spTgt spid="3">
-                                            <p:txEl>
-                                              <p:pRg st="4" end="4"/>
-                                            </p:txEl>
-                                          </p:spTgt>
-                                        </p:tgtEl>
-                                        <p:attrNameLst>
-                                          <p:attrName>ppt_w</p:attrName>
-                                        </p:attrNameLst>
-                                      </p:cBhvr>
-                                      <p:tavLst>
-                                        <p:tav tm="0">
-                                          <p:val>
-                                            <p:strVal val="#ppt_w/10"/>
-                                          </p:val>
-                                        </p:tav>
-                                        <p:tav tm="50000">
-                                          <p:val>
-                                            <p:strVal val="#ppt_w+.01"/>
-                                          </p:val>
-                                        </p:tav>
-                                        <p:tav tm="100000">
-                                          <p:val>
-                                            <p:strVal val="#ppt_w"/>
-                                          </p:val>
-                                        </p:tav>
-                                      </p:tavLst>
-                                    </p:anim>
-                                    <p:animEffect transition="in" filter="fade">
-                                      <p:cBhvr>
-                                        <p:cTn id="47" dur="500" tmFilter="0,0; .5, 1; 1, 1"/>
-                                        <p:tgtEl>
-                                          <p:spTgt spid="3">
-                                            <p:txEl>
-                                              <p:pRg st="4" end="4"/>
-                                            </p:txEl>
-                                          </p:spTgt>
-                                        </p:tgtEl>
-                                      </p:cBhvr>
-                                    </p:animEffect>
-                                  </p:childTnLst>
-                                </p:cTn>
-                              </p:par>
-                            </p:childTnLst>
-                          </p:cTn>
-                        </p:par>
-                      </p:childTnLst>
-                    </p:cTn>
-                  </p:par>
-                  <p:par>
-                    <p:cTn id="48" fill="hold">
-                      <p:stCondLst>
-                        <p:cond delay="indefinite"/>
-                      </p:stCondLst>
-                      <p:childTnLst>
-                        <p:par>
-                          <p:cTn id="49" fill="hold">
-                            <p:stCondLst>
-                              <p:cond delay="0"/>
-                            </p:stCondLst>
-                            <p:childTnLst>
-                              <p:par>
-                                <p:cTn id="50" presetID="41" presetClass="entr" presetSubtype="0" fill="hold" nodeType="clickEffect">
-                                  <p:stCondLst>
-                                    <p:cond delay="0"/>
-                                  </p:stCondLst>
-                                  <p:iterate type="lt">
-                                    <p:tmPct val="10000"/>
-                                  </p:iterate>
-                                  <p:childTnLst>
-                                    <p:set>
-                                      <p:cBhvr>
-                                        <p:cTn id="51" dur="1" fill="hold">
-                                          <p:stCondLst>
-                                            <p:cond delay="0"/>
-                                          </p:stCondLst>
-                                        </p:cTn>
-                                        <p:tgtEl>
-                                          <p:spTgt spid="3">
-                                            <p:txEl>
-                                              <p:pRg st="5" end="5"/>
-                                            </p:txEl>
-                                          </p:spTgt>
-                                        </p:tgtEl>
-                                        <p:attrNameLst>
-                                          <p:attrName>style.visibility</p:attrName>
-                                        </p:attrNameLst>
-                                      </p:cBhvr>
-                                      <p:to>
-                                        <p:strVal val="visible"/>
-                                      </p:to>
-                                    </p:set>
-                                    <p:anim calcmode="lin" valueType="num">
-                                      <p:cBhvr>
-                                        <p:cTn id="52" dur="500" fill="hold"/>
-                                        <p:tgtEl>
-                                          <p:spTgt spid="3">
-                                            <p:txEl>
-                                              <p:pRg st="5" end="5"/>
-                                            </p:txEl>
-                                          </p:spTgt>
-                                        </p:tgtEl>
-                                        <p:attrNameLst>
-                                          <p:attrName>ppt_x</p:attrName>
-                                        </p:attrNameLst>
-                                      </p:cBhvr>
-                                      <p:tavLst>
-                                        <p:tav tm="0">
-                                          <p:val>
-                                            <p:strVal val="#ppt_x"/>
-                                          </p:val>
-                                        </p:tav>
-                                        <p:tav tm="50000">
-                                          <p:val>
-                                            <p:strVal val="#ppt_x+.1"/>
-                                          </p:val>
-                                        </p:tav>
-                                        <p:tav tm="100000">
-                                          <p:val>
-                                            <p:strVal val="#ppt_x"/>
-                                          </p:val>
-                                        </p:tav>
-                                      </p:tavLst>
-                                    </p:anim>
-                                    <p:anim calcmode="lin" valueType="num">
-                                      <p:cBhvr>
-                                        <p:cTn id="53" dur="500" fill="hold"/>
-                                        <p:tgtEl>
-                                          <p:spTgt spid="3">
-                                            <p:txEl>
-                                              <p:pRg st="5" end="5"/>
-                                            </p:txEl>
-                                          </p:spTgt>
-                                        </p:tgtEl>
-                                        <p:attrNameLst>
-                                          <p:attrName>ppt_y</p:attrName>
-                                        </p:attrNameLst>
-                                      </p:cBhvr>
-                                      <p:tavLst>
-                                        <p:tav tm="0">
-                                          <p:val>
-                                            <p:strVal val="#ppt_y"/>
-                                          </p:val>
-                                        </p:tav>
-                                        <p:tav tm="100000">
-                                          <p:val>
-                                            <p:strVal val="#ppt_y"/>
-                                          </p:val>
-                                        </p:tav>
-                                      </p:tavLst>
-                                    </p:anim>
-                                    <p:anim calcmode="lin" valueType="num">
-                                      <p:cBhvr>
-                                        <p:cTn id="54" dur="500" fill="hold"/>
-                                        <p:tgtEl>
-                                          <p:spTgt spid="3">
-                                            <p:txEl>
-                                              <p:pRg st="5" end="5"/>
-                                            </p:txEl>
-                                          </p:spTgt>
-                                        </p:tgtEl>
-                                        <p:attrNameLst>
-                                          <p:attrName>ppt_h</p:attrName>
-                                        </p:attrNameLst>
-                                      </p:cBhvr>
-                                      <p:tavLst>
-                                        <p:tav tm="0">
-                                          <p:val>
-                                            <p:strVal val="#ppt_h/10"/>
-                                          </p:val>
-                                        </p:tav>
-                                        <p:tav tm="50000">
-                                          <p:val>
-                                            <p:strVal val="#ppt_h+.01"/>
-                                          </p:val>
-                                        </p:tav>
-                                        <p:tav tm="100000">
-                                          <p:val>
-                                            <p:strVal val="#ppt_h"/>
-                                          </p:val>
-                                        </p:tav>
-                                      </p:tavLst>
-                                    </p:anim>
-                                    <p:anim calcmode="lin" valueType="num">
-                                      <p:cBhvr>
-                                        <p:cTn id="55" dur="500" fill="hold"/>
-                                        <p:tgtEl>
-                                          <p:spTgt spid="3">
-                                            <p:txEl>
-                                              <p:pRg st="5" end="5"/>
-                                            </p:txEl>
-                                          </p:spTgt>
-                                        </p:tgtEl>
-                                        <p:attrNameLst>
-                                          <p:attrName>ppt_w</p:attrName>
-                                        </p:attrNameLst>
-                                      </p:cBhvr>
-                                      <p:tavLst>
-                                        <p:tav tm="0">
-                                          <p:val>
-                                            <p:strVal val="#ppt_w/10"/>
-                                          </p:val>
-                                        </p:tav>
-                                        <p:tav tm="50000">
-                                          <p:val>
-                                            <p:strVal val="#ppt_w+.01"/>
-                                          </p:val>
-                                        </p:tav>
-                                        <p:tav tm="100000">
-                                          <p:val>
-                                            <p:strVal val="#ppt_w"/>
-                                          </p:val>
-                                        </p:tav>
-                                      </p:tavLst>
-                                    </p:anim>
-                                    <p:animEffect transition="in" filter="fade">
-                                      <p:cBhvr>
-                                        <p:cTn id="56" dur="500" tmFilter="0,0; .5, 1; 1, 1"/>
-                                        <p:tgtEl>
-                                          <p:spTgt spid="3">
-                                            <p:txEl>
-                                              <p:pRg st="5" end="5"/>
-                                            </p:txEl>
-                                          </p:spTgt>
-                                        </p:tgtEl>
-                                      </p:cBhvr>
-                                    </p:animEffect>
-                                  </p:childTnLst>
-                                </p:cTn>
-                              </p:par>
-                            </p:childTnLst>
-                          </p:cTn>
-                        </p:par>
-                      </p:childTnLst>
-                    </p:cTn>
-                  </p:par>
-                </p:childTnLst>
-              </p:cTn>
-              <p:prevCondLst>
-                <p:cond evt="onPrev" delay="0">
-                  <p:tgtEl>
-                    <p:sldTgt/>
-                  </p:tgtEl>
-                </p:cond>
-              </p:prevCondLst>
-              <p:nextCondLst>
-                <p:cond evt="onNext" delay="0">
-                  <p:tgtEl>
-                    <p:sldTgt/>
-                  </p:tgtEl>
-                </p:cond>
-              </p:nextCondLst>
-            </p:seq>
-          </p:childTnLst>
-        </p:cTn>
+        <p:cTn id="1" dur="indefinite" restart="never" nodeType="tmRoot"/>
       </p:par>
     </p:tnLst>
   </p:timing>
@@ -7661,11 +6701,7 @@
           <a:p>
             <a:r>
               <a:rPr kumimoji="1" lang="ja-JP" altLang="en-US" dirty="0" smtClean="0"/>
-              <a:t>苦労したこと</a:t>
-            </a:r>
-            <a:r>
-              <a:rPr kumimoji="1" lang="ja-JP" altLang="en-US" dirty="0" smtClean="0"/>
-              <a:t>（</a:t>
+              <a:t>苦労したこと（</a:t>
             </a:r>
             <a:r>
               <a:rPr lang="ja-JP" altLang="en-US" dirty="0" smtClean="0"/>
@@ -7818,774 +6854,7 @@
   <p:timing>
     <p:tnLst>
       <p:par>
-        <p:cTn id="1" dur="indefinite" restart="never" nodeType="tmRoot">
-          <p:childTnLst>
-            <p:seq concurrent="1" nextAc="seek">
-              <p:cTn id="2" dur="indefinite" nodeType="mainSeq">
-                <p:childTnLst>
-                  <p:par>
-                    <p:cTn id="3" fill="hold">
-                      <p:stCondLst>
-                        <p:cond delay="indefinite"/>
-                      </p:stCondLst>
-                      <p:childTnLst>
-                        <p:par>
-                          <p:cTn id="4" fill="hold">
-                            <p:stCondLst>
-                              <p:cond delay="0"/>
-                            </p:stCondLst>
-                            <p:childTnLst>
-                              <p:par>
-                                <p:cTn id="5" presetID="34" presetClass="entr" presetSubtype="0" fill="hold" nodeType="clickEffect">
-                                  <p:stCondLst>
-                                    <p:cond delay="0"/>
-                                  </p:stCondLst>
-                                  <p:childTnLst>
-                                    <p:set>
-                                      <p:cBhvr>
-                                        <p:cTn id="6" dur="1" fill="hold">
-                                          <p:stCondLst>
-                                            <p:cond delay="0"/>
-                                          </p:stCondLst>
-                                        </p:cTn>
-                                        <p:tgtEl>
-                                          <p:spTgt spid="3">
-                                            <p:txEl>
-                                              <p:pRg st="0" end="0"/>
-                                            </p:txEl>
-                                          </p:spTgt>
-                                        </p:tgtEl>
-                                        <p:attrNameLst>
-                                          <p:attrName>style.visibility</p:attrName>
-                                        </p:attrNameLst>
-                                      </p:cBhvr>
-                                      <p:to>
-                                        <p:strVal val="visible"/>
-                                      </p:to>
-                                    </p:set>
-                                    <p:anim from="(-#ppt_w/2)" to="(#ppt_x)" calcmode="lin" valueType="num">
-                                      <p:cBhvr>
-                                        <p:cTn id="7" dur="600" fill="hold">
-                                          <p:stCondLst>
-                                            <p:cond delay="0"/>
-                                          </p:stCondLst>
-                                        </p:cTn>
-                                        <p:tgtEl>
-                                          <p:spTgt spid="3">
-                                            <p:txEl>
-                                              <p:pRg st="0" end="0"/>
-                                            </p:txEl>
-                                          </p:spTgt>
-                                        </p:tgtEl>
-                                        <p:attrNameLst>
-                                          <p:attrName>ppt_x</p:attrName>
-                                        </p:attrNameLst>
-                                      </p:cBhvr>
-                                    </p:anim>
-                                    <p:anim from="0" to="-1.0" calcmode="lin" valueType="num">
-                                      <p:cBhvr>
-                                        <p:cTn id="8" dur="200" decel="50000" autoRev="1" fill="hold">
-                                          <p:stCondLst>
-                                            <p:cond delay="600"/>
-                                          </p:stCondLst>
-                                        </p:cTn>
-                                        <p:tgtEl>
-                                          <p:spTgt spid="3">
-                                            <p:txEl>
-                                              <p:pRg st="0" end="0"/>
-                                            </p:txEl>
-                                          </p:spTgt>
-                                        </p:tgtEl>
-                                        <p:attrNameLst>
-                                          <p:attrName>xshear</p:attrName>
-                                        </p:attrNameLst>
-                                      </p:cBhvr>
-                                    </p:anim>
-                                    <p:animScale>
-                                      <p:cBhvr>
-                                        <p:cTn id="9" dur="200" decel="100000" autoRev="1" fill="hold">
-                                          <p:stCondLst>
-                                            <p:cond delay="600"/>
-                                          </p:stCondLst>
-                                        </p:cTn>
-                                        <p:tgtEl>
-                                          <p:spTgt spid="3">
-                                            <p:txEl>
-                                              <p:pRg st="0" end="0"/>
-                                            </p:txEl>
-                                          </p:spTgt>
-                                        </p:tgtEl>
-                                      </p:cBhvr>
-                                      <p:from x="100000" y="100000"/>
-                                      <p:to x="80000" y="100000"/>
-                                    </p:animScale>
-                                    <p:anim by="(#ppt_h/3+#ppt_w*0.1)" calcmode="lin" valueType="num">
-                                      <p:cBhvr additive="sum">
-                                        <p:cTn id="10" dur="200" decel="100000" autoRev="1" fill="hold">
-                                          <p:stCondLst>
-                                            <p:cond delay="600"/>
-                                          </p:stCondLst>
-                                        </p:cTn>
-                                        <p:tgtEl>
-                                          <p:spTgt spid="3">
-                                            <p:txEl>
-                                              <p:pRg st="0" end="0"/>
-                                            </p:txEl>
-                                          </p:spTgt>
-                                        </p:tgtEl>
-                                        <p:attrNameLst>
-                                          <p:attrName>ppt_x</p:attrName>
-                                        </p:attrNameLst>
-                                      </p:cBhvr>
-                                    </p:anim>
-                                  </p:childTnLst>
-                                </p:cTn>
-                              </p:par>
-                            </p:childTnLst>
-                          </p:cTn>
-                        </p:par>
-                      </p:childTnLst>
-                    </p:cTn>
-                  </p:par>
-                  <p:par>
-                    <p:cTn id="11" fill="hold">
-                      <p:stCondLst>
-                        <p:cond delay="indefinite"/>
-                      </p:stCondLst>
-                      <p:childTnLst>
-                        <p:par>
-                          <p:cTn id="12" fill="hold">
-                            <p:stCondLst>
-                              <p:cond delay="0"/>
-                            </p:stCondLst>
-                            <p:childTnLst>
-                              <p:par>
-                                <p:cTn id="13" presetID="34" presetClass="entr" presetSubtype="0" fill="hold" nodeType="clickEffect">
-                                  <p:stCondLst>
-                                    <p:cond delay="0"/>
-                                  </p:stCondLst>
-                                  <p:childTnLst>
-                                    <p:set>
-                                      <p:cBhvr>
-                                        <p:cTn id="14" dur="1" fill="hold">
-                                          <p:stCondLst>
-                                            <p:cond delay="0"/>
-                                          </p:stCondLst>
-                                        </p:cTn>
-                                        <p:tgtEl>
-                                          <p:spTgt spid="3">
-                                            <p:txEl>
-                                              <p:pRg st="1" end="1"/>
-                                            </p:txEl>
-                                          </p:spTgt>
-                                        </p:tgtEl>
-                                        <p:attrNameLst>
-                                          <p:attrName>style.visibility</p:attrName>
-                                        </p:attrNameLst>
-                                      </p:cBhvr>
-                                      <p:to>
-                                        <p:strVal val="visible"/>
-                                      </p:to>
-                                    </p:set>
-                                    <p:anim from="(-#ppt_w/2)" to="(#ppt_x)" calcmode="lin" valueType="num">
-                                      <p:cBhvr>
-                                        <p:cTn id="15" dur="600" fill="hold">
-                                          <p:stCondLst>
-                                            <p:cond delay="0"/>
-                                          </p:stCondLst>
-                                        </p:cTn>
-                                        <p:tgtEl>
-                                          <p:spTgt spid="3">
-                                            <p:txEl>
-                                              <p:pRg st="1" end="1"/>
-                                            </p:txEl>
-                                          </p:spTgt>
-                                        </p:tgtEl>
-                                        <p:attrNameLst>
-                                          <p:attrName>ppt_x</p:attrName>
-                                        </p:attrNameLst>
-                                      </p:cBhvr>
-                                    </p:anim>
-                                    <p:anim from="0" to="-1.0" calcmode="lin" valueType="num">
-                                      <p:cBhvr>
-                                        <p:cTn id="16" dur="200" decel="50000" autoRev="1" fill="hold">
-                                          <p:stCondLst>
-                                            <p:cond delay="600"/>
-                                          </p:stCondLst>
-                                        </p:cTn>
-                                        <p:tgtEl>
-                                          <p:spTgt spid="3">
-                                            <p:txEl>
-                                              <p:pRg st="1" end="1"/>
-                                            </p:txEl>
-                                          </p:spTgt>
-                                        </p:tgtEl>
-                                        <p:attrNameLst>
-                                          <p:attrName>xshear</p:attrName>
-                                        </p:attrNameLst>
-                                      </p:cBhvr>
-                                    </p:anim>
-                                    <p:animScale>
-                                      <p:cBhvr>
-                                        <p:cTn id="17" dur="200" decel="100000" autoRev="1" fill="hold">
-                                          <p:stCondLst>
-                                            <p:cond delay="600"/>
-                                          </p:stCondLst>
-                                        </p:cTn>
-                                        <p:tgtEl>
-                                          <p:spTgt spid="3">
-                                            <p:txEl>
-                                              <p:pRg st="1" end="1"/>
-                                            </p:txEl>
-                                          </p:spTgt>
-                                        </p:tgtEl>
-                                      </p:cBhvr>
-                                      <p:from x="100000" y="100000"/>
-                                      <p:to x="80000" y="100000"/>
-                                    </p:animScale>
-                                    <p:anim by="(#ppt_h/3+#ppt_w*0.1)" calcmode="lin" valueType="num">
-                                      <p:cBhvr additive="sum">
-                                        <p:cTn id="18" dur="200" decel="100000" autoRev="1" fill="hold">
-                                          <p:stCondLst>
-                                            <p:cond delay="600"/>
-                                          </p:stCondLst>
-                                        </p:cTn>
-                                        <p:tgtEl>
-                                          <p:spTgt spid="3">
-                                            <p:txEl>
-                                              <p:pRg st="1" end="1"/>
-                                            </p:txEl>
-                                          </p:spTgt>
-                                        </p:tgtEl>
-                                        <p:attrNameLst>
-                                          <p:attrName>ppt_x</p:attrName>
-                                        </p:attrNameLst>
-                                      </p:cBhvr>
-                                    </p:anim>
-                                  </p:childTnLst>
-                                </p:cTn>
-                              </p:par>
-                            </p:childTnLst>
-                          </p:cTn>
-                        </p:par>
-                      </p:childTnLst>
-                    </p:cTn>
-                  </p:par>
-                  <p:par>
-                    <p:cTn id="19" fill="hold">
-                      <p:stCondLst>
-                        <p:cond delay="indefinite"/>
-                      </p:stCondLst>
-                      <p:childTnLst>
-                        <p:par>
-                          <p:cTn id="20" fill="hold">
-                            <p:stCondLst>
-                              <p:cond delay="0"/>
-                            </p:stCondLst>
-                            <p:childTnLst>
-                              <p:par>
-                                <p:cTn id="21" presetID="34" presetClass="entr" presetSubtype="0" fill="hold" nodeType="clickEffect">
-                                  <p:stCondLst>
-                                    <p:cond delay="0"/>
-                                  </p:stCondLst>
-                                  <p:childTnLst>
-                                    <p:set>
-                                      <p:cBhvr>
-                                        <p:cTn id="22" dur="1" fill="hold">
-                                          <p:stCondLst>
-                                            <p:cond delay="0"/>
-                                          </p:stCondLst>
-                                        </p:cTn>
-                                        <p:tgtEl>
-                                          <p:spTgt spid="3">
-                                            <p:txEl>
-                                              <p:pRg st="2" end="2"/>
-                                            </p:txEl>
-                                          </p:spTgt>
-                                        </p:tgtEl>
-                                        <p:attrNameLst>
-                                          <p:attrName>style.visibility</p:attrName>
-                                        </p:attrNameLst>
-                                      </p:cBhvr>
-                                      <p:to>
-                                        <p:strVal val="visible"/>
-                                      </p:to>
-                                    </p:set>
-                                    <p:anim from="(-#ppt_w/2)" to="(#ppt_x)" calcmode="lin" valueType="num">
-                                      <p:cBhvr>
-                                        <p:cTn id="23" dur="600" fill="hold">
-                                          <p:stCondLst>
-                                            <p:cond delay="0"/>
-                                          </p:stCondLst>
-                                        </p:cTn>
-                                        <p:tgtEl>
-                                          <p:spTgt spid="3">
-                                            <p:txEl>
-                                              <p:pRg st="2" end="2"/>
-                                            </p:txEl>
-                                          </p:spTgt>
-                                        </p:tgtEl>
-                                        <p:attrNameLst>
-                                          <p:attrName>ppt_x</p:attrName>
-                                        </p:attrNameLst>
-                                      </p:cBhvr>
-                                    </p:anim>
-                                    <p:anim from="0" to="-1.0" calcmode="lin" valueType="num">
-                                      <p:cBhvr>
-                                        <p:cTn id="24" dur="200" decel="50000" autoRev="1" fill="hold">
-                                          <p:stCondLst>
-                                            <p:cond delay="600"/>
-                                          </p:stCondLst>
-                                        </p:cTn>
-                                        <p:tgtEl>
-                                          <p:spTgt spid="3">
-                                            <p:txEl>
-                                              <p:pRg st="2" end="2"/>
-                                            </p:txEl>
-                                          </p:spTgt>
-                                        </p:tgtEl>
-                                        <p:attrNameLst>
-                                          <p:attrName>xshear</p:attrName>
-                                        </p:attrNameLst>
-                                      </p:cBhvr>
-                                    </p:anim>
-                                    <p:animScale>
-                                      <p:cBhvr>
-                                        <p:cTn id="25" dur="200" decel="100000" autoRev="1" fill="hold">
-                                          <p:stCondLst>
-                                            <p:cond delay="600"/>
-                                          </p:stCondLst>
-                                        </p:cTn>
-                                        <p:tgtEl>
-                                          <p:spTgt spid="3">
-                                            <p:txEl>
-                                              <p:pRg st="2" end="2"/>
-                                            </p:txEl>
-                                          </p:spTgt>
-                                        </p:tgtEl>
-                                      </p:cBhvr>
-                                      <p:from x="100000" y="100000"/>
-                                      <p:to x="80000" y="100000"/>
-                                    </p:animScale>
-                                    <p:anim by="(#ppt_h/3+#ppt_w*0.1)" calcmode="lin" valueType="num">
-                                      <p:cBhvr additive="sum">
-                                        <p:cTn id="26" dur="200" decel="100000" autoRev="1" fill="hold">
-                                          <p:stCondLst>
-                                            <p:cond delay="600"/>
-                                          </p:stCondLst>
-                                        </p:cTn>
-                                        <p:tgtEl>
-                                          <p:spTgt spid="3">
-                                            <p:txEl>
-                                              <p:pRg st="2" end="2"/>
-                                            </p:txEl>
-                                          </p:spTgt>
-                                        </p:tgtEl>
-                                        <p:attrNameLst>
-                                          <p:attrName>ppt_x</p:attrName>
-                                        </p:attrNameLst>
-                                      </p:cBhvr>
-                                    </p:anim>
-                                  </p:childTnLst>
-                                </p:cTn>
-                              </p:par>
-                            </p:childTnLst>
-                          </p:cTn>
-                        </p:par>
-                      </p:childTnLst>
-                    </p:cTn>
-                  </p:par>
-                  <p:par>
-                    <p:cTn id="27" fill="hold">
-                      <p:stCondLst>
-                        <p:cond delay="indefinite"/>
-                      </p:stCondLst>
-                      <p:childTnLst>
-                        <p:par>
-                          <p:cTn id="28" fill="hold">
-                            <p:stCondLst>
-                              <p:cond delay="0"/>
-                            </p:stCondLst>
-                            <p:childTnLst>
-                              <p:par>
-                                <p:cTn id="29" presetID="34" presetClass="entr" presetSubtype="0" fill="hold" nodeType="clickEffect">
-                                  <p:stCondLst>
-                                    <p:cond delay="0"/>
-                                  </p:stCondLst>
-                                  <p:childTnLst>
-                                    <p:set>
-                                      <p:cBhvr>
-                                        <p:cTn id="30" dur="1" fill="hold">
-                                          <p:stCondLst>
-                                            <p:cond delay="0"/>
-                                          </p:stCondLst>
-                                        </p:cTn>
-                                        <p:tgtEl>
-                                          <p:spTgt spid="3">
-                                            <p:txEl>
-                                              <p:pRg st="3" end="3"/>
-                                            </p:txEl>
-                                          </p:spTgt>
-                                        </p:tgtEl>
-                                        <p:attrNameLst>
-                                          <p:attrName>style.visibility</p:attrName>
-                                        </p:attrNameLst>
-                                      </p:cBhvr>
-                                      <p:to>
-                                        <p:strVal val="visible"/>
-                                      </p:to>
-                                    </p:set>
-                                    <p:anim from="(-#ppt_w/2)" to="(#ppt_x)" calcmode="lin" valueType="num">
-                                      <p:cBhvr>
-                                        <p:cTn id="31" dur="600" fill="hold">
-                                          <p:stCondLst>
-                                            <p:cond delay="0"/>
-                                          </p:stCondLst>
-                                        </p:cTn>
-                                        <p:tgtEl>
-                                          <p:spTgt spid="3">
-                                            <p:txEl>
-                                              <p:pRg st="3" end="3"/>
-                                            </p:txEl>
-                                          </p:spTgt>
-                                        </p:tgtEl>
-                                        <p:attrNameLst>
-                                          <p:attrName>ppt_x</p:attrName>
-                                        </p:attrNameLst>
-                                      </p:cBhvr>
-                                    </p:anim>
-                                    <p:anim from="0" to="-1.0" calcmode="lin" valueType="num">
-                                      <p:cBhvr>
-                                        <p:cTn id="32" dur="200" decel="50000" autoRev="1" fill="hold">
-                                          <p:stCondLst>
-                                            <p:cond delay="600"/>
-                                          </p:stCondLst>
-                                        </p:cTn>
-                                        <p:tgtEl>
-                                          <p:spTgt spid="3">
-                                            <p:txEl>
-                                              <p:pRg st="3" end="3"/>
-                                            </p:txEl>
-                                          </p:spTgt>
-                                        </p:tgtEl>
-                                        <p:attrNameLst>
-                                          <p:attrName>xshear</p:attrName>
-                                        </p:attrNameLst>
-                                      </p:cBhvr>
-                                    </p:anim>
-                                    <p:animScale>
-                                      <p:cBhvr>
-                                        <p:cTn id="33" dur="200" decel="100000" autoRev="1" fill="hold">
-                                          <p:stCondLst>
-                                            <p:cond delay="600"/>
-                                          </p:stCondLst>
-                                        </p:cTn>
-                                        <p:tgtEl>
-                                          <p:spTgt spid="3">
-                                            <p:txEl>
-                                              <p:pRg st="3" end="3"/>
-                                            </p:txEl>
-                                          </p:spTgt>
-                                        </p:tgtEl>
-                                      </p:cBhvr>
-                                      <p:from x="100000" y="100000"/>
-                                      <p:to x="80000" y="100000"/>
-                                    </p:animScale>
-                                    <p:anim by="(#ppt_h/3+#ppt_w*0.1)" calcmode="lin" valueType="num">
-                                      <p:cBhvr additive="sum">
-                                        <p:cTn id="34" dur="200" decel="100000" autoRev="1" fill="hold">
-                                          <p:stCondLst>
-                                            <p:cond delay="600"/>
-                                          </p:stCondLst>
-                                        </p:cTn>
-                                        <p:tgtEl>
-                                          <p:spTgt spid="3">
-                                            <p:txEl>
-                                              <p:pRg st="3" end="3"/>
-                                            </p:txEl>
-                                          </p:spTgt>
-                                        </p:tgtEl>
-                                        <p:attrNameLst>
-                                          <p:attrName>ppt_x</p:attrName>
-                                        </p:attrNameLst>
-                                      </p:cBhvr>
-                                    </p:anim>
-                                  </p:childTnLst>
-                                </p:cTn>
-                              </p:par>
-                            </p:childTnLst>
-                          </p:cTn>
-                        </p:par>
-                      </p:childTnLst>
-                    </p:cTn>
-                  </p:par>
-                  <p:par>
-                    <p:cTn id="35" fill="hold">
-                      <p:stCondLst>
-                        <p:cond delay="indefinite"/>
-                      </p:stCondLst>
-                      <p:childTnLst>
-                        <p:par>
-                          <p:cTn id="36" fill="hold">
-                            <p:stCondLst>
-                              <p:cond delay="0"/>
-                            </p:stCondLst>
-                            <p:childTnLst>
-                              <p:par>
-                                <p:cTn id="37" presetID="34" presetClass="entr" presetSubtype="0" fill="hold" nodeType="clickEffect">
-                                  <p:stCondLst>
-                                    <p:cond delay="0"/>
-                                  </p:stCondLst>
-                                  <p:childTnLst>
-                                    <p:set>
-                                      <p:cBhvr>
-                                        <p:cTn id="38" dur="1" fill="hold">
-                                          <p:stCondLst>
-                                            <p:cond delay="0"/>
-                                          </p:stCondLst>
-                                        </p:cTn>
-                                        <p:tgtEl>
-                                          <p:spTgt spid="3">
-                                            <p:txEl>
-                                              <p:pRg st="4" end="4"/>
-                                            </p:txEl>
-                                          </p:spTgt>
-                                        </p:tgtEl>
-                                        <p:attrNameLst>
-                                          <p:attrName>style.visibility</p:attrName>
-                                        </p:attrNameLst>
-                                      </p:cBhvr>
-                                      <p:to>
-                                        <p:strVal val="visible"/>
-                                      </p:to>
-                                    </p:set>
-                                    <p:anim from="(-#ppt_w/2)" to="(#ppt_x)" calcmode="lin" valueType="num">
-                                      <p:cBhvr>
-                                        <p:cTn id="39" dur="600" fill="hold">
-                                          <p:stCondLst>
-                                            <p:cond delay="0"/>
-                                          </p:stCondLst>
-                                        </p:cTn>
-                                        <p:tgtEl>
-                                          <p:spTgt spid="3">
-                                            <p:txEl>
-                                              <p:pRg st="4" end="4"/>
-                                            </p:txEl>
-                                          </p:spTgt>
-                                        </p:tgtEl>
-                                        <p:attrNameLst>
-                                          <p:attrName>ppt_x</p:attrName>
-                                        </p:attrNameLst>
-                                      </p:cBhvr>
-                                    </p:anim>
-                                    <p:anim from="0" to="-1.0" calcmode="lin" valueType="num">
-                                      <p:cBhvr>
-                                        <p:cTn id="40" dur="200" decel="50000" autoRev="1" fill="hold">
-                                          <p:stCondLst>
-                                            <p:cond delay="600"/>
-                                          </p:stCondLst>
-                                        </p:cTn>
-                                        <p:tgtEl>
-                                          <p:spTgt spid="3">
-                                            <p:txEl>
-                                              <p:pRg st="4" end="4"/>
-                                            </p:txEl>
-                                          </p:spTgt>
-                                        </p:tgtEl>
-                                        <p:attrNameLst>
-                                          <p:attrName>xshear</p:attrName>
-                                        </p:attrNameLst>
-                                      </p:cBhvr>
-                                    </p:anim>
-                                    <p:animScale>
-                                      <p:cBhvr>
-                                        <p:cTn id="41" dur="200" decel="100000" autoRev="1" fill="hold">
-                                          <p:stCondLst>
-                                            <p:cond delay="600"/>
-                                          </p:stCondLst>
-                                        </p:cTn>
-                                        <p:tgtEl>
-                                          <p:spTgt spid="3">
-                                            <p:txEl>
-                                              <p:pRg st="4" end="4"/>
-                                            </p:txEl>
-                                          </p:spTgt>
-                                        </p:tgtEl>
-                                      </p:cBhvr>
-                                      <p:from x="100000" y="100000"/>
-                                      <p:to x="80000" y="100000"/>
-                                    </p:animScale>
-                                    <p:anim by="(#ppt_h/3+#ppt_w*0.1)" calcmode="lin" valueType="num">
-                                      <p:cBhvr additive="sum">
-                                        <p:cTn id="42" dur="200" decel="100000" autoRev="1" fill="hold">
-                                          <p:stCondLst>
-                                            <p:cond delay="600"/>
-                                          </p:stCondLst>
-                                        </p:cTn>
-                                        <p:tgtEl>
-                                          <p:spTgt spid="3">
-                                            <p:txEl>
-                                              <p:pRg st="4" end="4"/>
-                                            </p:txEl>
-                                          </p:spTgt>
-                                        </p:tgtEl>
-                                        <p:attrNameLst>
-                                          <p:attrName>ppt_x</p:attrName>
-                                        </p:attrNameLst>
-                                      </p:cBhvr>
-                                    </p:anim>
-                                  </p:childTnLst>
-                                </p:cTn>
-                              </p:par>
-                            </p:childTnLst>
-                          </p:cTn>
-                        </p:par>
-                      </p:childTnLst>
-                    </p:cTn>
-                  </p:par>
-                  <p:par>
-                    <p:cTn id="43" fill="hold">
-                      <p:stCondLst>
-                        <p:cond delay="indefinite"/>
-                      </p:stCondLst>
-                      <p:childTnLst>
-                        <p:par>
-                          <p:cTn id="44" fill="hold">
-                            <p:stCondLst>
-                              <p:cond delay="0"/>
-                            </p:stCondLst>
-                            <p:childTnLst>
-                              <p:par>
-                                <p:cTn id="45" presetID="34" presetClass="entr" presetSubtype="0" fill="hold" nodeType="clickEffect">
-                                  <p:stCondLst>
-                                    <p:cond delay="0"/>
-                                  </p:stCondLst>
-                                  <p:childTnLst>
-                                    <p:set>
-                                      <p:cBhvr>
-                                        <p:cTn id="46" dur="1" fill="hold">
-                                          <p:stCondLst>
-                                            <p:cond delay="0"/>
-                                          </p:stCondLst>
-                                        </p:cTn>
-                                        <p:tgtEl>
-                                          <p:spTgt spid="3">
-                                            <p:txEl>
-                                              <p:pRg st="5" end="5"/>
-                                            </p:txEl>
-                                          </p:spTgt>
-                                        </p:tgtEl>
-                                        <p:attrNameLst>
-                                          <p:attrName>style.visibility</p:attrName>
-                                        </p:attrNameLst>
-                                      </p:cBhvr>
-                                      <p:to>
-                                        <p:strVal val="visible"/>
-                                      </p:to>
-                                    </p:set>
-                                    <p:anim from="(-#ppt_w/2)" to="(#ppt_x)" calcmode="lin" valueType="num">
-                                      <p:cBhvr>
-                                        <p:cTn id="47" dur="600" fill="hold">
-                                          <p:stCondLst>
-                                            <p:cond delay="0"/>
-                                          </p:stCondLst>
-                                        </p:cTn>
-                                        <p:tgtEl>
-                                          <p:spTgt spid="3">
-                                            <p:txEl>
-                                              <p:pRg st="5" end="5"/>
-                                            </p:txEl>
-                                          </p:spTgt>
-                                        </p:tgtEl>
-                                        <p:attrNameLst>
-                                          <p:attrName>ppt_x</p:attrName>
-                                        </p:attrNameLst>
-                                      </p:cBhvr>
-                                    </p:anim>
-                                    <p:anim from="0" to="-1.0" calcmode="lin" valueType="num">
-                                      <p:cBhvr>
-                                        <p:cTn id="48" dur="200" decel="50000" autoRev="1" fill="hold">
-                                          <p:stCondLst>
-                                            <p:cond delay="600"/>
-                                          </p:stCondLst>
-                                        </p:cTn>
-                                        <p:tgtEl>
-                                          <p:spTgt spid="3">
-                                            <p:txEl>
-                                              <p:pRg st="5" end="5"/>
-                                            </p:txEl>
-                                          </p:spTgt>
-                                        </p:tgtEl>
-                                        <p:attrNameLst>
-                                          <p:attrName>xshear</p:attrName>
-                                        </p:attrNameLst>
-                                      </p:cBhvr>
-                                    </p:anim>
-                                    <p:animScale>
-                                      <p:cBhvr>
-                                        <p:cTn id="49" dur="200" decel="100000" autoRev="1" fill="hold">
-                                          <p:stCondLst>
-                                            <p:cond delay="600"/>
-                                          </p:stCondLst>
-                                        </p:cTn>
-                                        <p:tgtEl>
-                                          <p:spTgt spid="3">
-                                            <p:txEl>
-                                              <p:pRg st="5" end="5"/>
-                                            </p:txEl>
-                                          </p:spTgt>
-                                        </p:tgtEl>
-                                      </p:cBhvr>
-                                      <p:from x="100000" y="100000"/>
-                                      <p:to x="80000" y="100000"/>
-                                    </p:animScale>
-                                    <p:anim by="(#ppt_h/3+#ppt_w*0.1)" calcmode="lin" valueType="num">
-                                      <p:cBhvr additive="sum">
-                                        <p:cTn id="50" dur="200" decel="100000" autoRev="1" fill="hold">
-                                          <p:stCondLst>
-                                            <p:cond delay="600"/>
-                                          </p:stCondLst>
-                                        </p:cTn>
-                                        <p:tgtEl>
-                                          <p:spTgt spid="3">
-                                            <p:txEl>
-                                              <p:pRg st="5" end="5"/>
-                                            </p:txEl>
-                                          </p:spTgt>
-                                        </p:tgtEl>
-                                        <p:attrNameLst>
-                                          <p:attrName>ppt_x</p:attrName>
-                                        </p:attrNameLst>
-                                      </p:cBhvr>
-                                    </p:anim>
-                                  </p:childTnLst>
-                                </p:cTn>
-                              </p:par>
-                            </p:childTnLst>
-                          </p:cTn>
-                        </p:par>
-                      </p:childTnLst>
-                    </p:cTn>
-                  </p:par>
-                </p:childTnLst>
-              </p:cTn>
-              <p:prevCondLst>
-                <p:cond evt="onPrev" delay="0">
-                  <p:tgtEl>
-                    <p:sldTgt/>
-                  </p:tgtEl>
-                </p:cond>
-              </p:prevCondLst>
-              <p:nextCondLst>
-                <p:cond evt="onNext" delay="0">
-                  <p:tgtEl>
-                    <p:sldTgt/>
-                  </p:tgtEl>
-                </p:cond>
-              </p:nextCondLst>
-            </p:seq>
-          </p:childTnLst>
-        </p:cTn>
+        <p:cTn id="1" dur="indefinite" restart="never" nodeType="tmRoot"/>
       </p:par>
     </p:tnLst>
   </p:timing>
@@ -8626,11 +6895,7 @@
           <a:p>
             <a:r>
               <a:rPr lang="ja-JP" altLang="en-US" dirty="0" smtClean="0"/>
-              <a:t>発表</a:t>
-            </a:r>
-            <a:r>
-              <a:rPr lang="ja-JP" altLang="en-US" dirty="0" smtClean="0"/>
-              <a:t>の概略</a:t>
+              <a:t>発表の概略</a:t>
             </a:r>
             <a:endParaRPr kumimoji="1" lang="ja-JP" altLang="en-US" dirty="0"/>
           </a:p>
@@ -8688,17 +6953,7 @@
                   </a:schemeClr>
                 </a:solidFill>
               </a:rPr>
-              <a:t>開発の</a:t>
-            </a:r>
-            <a:r>
-              <a:rPr lang="ja-JP" altLang="en-US" sz="3200" dirty="0" smtClean="0">
-                <a:solidFill>
-                  <a:schemeClr val="bg1">
-                    <a:lumMod val="75000"/>
-                  </a:schemeClr>
-                </a:solidFill>
-              </a:rPr>
-              <a:t>流れ</a:t>
+              <a:t>開発の流れ</a:t>
             </a:r>
             <a:endParaRPr lang="en-US" altLang="ja-JP" sz="3200" dirty="0" smtClean="0">
               <a:solidFill>
@@ -8878,7 +7133,76 @@
                 <a:spcPts val="1000"/>
               </a:spcBef>
             </a:pPr>
+            <a:r>
+              <a:rPr lang="ja-JP" altLang="en-US" sz="3600" dirty="0" smtClean="0"/>
+              <a:t>きちんと</a:t>
+            </a:r>
+            <a:r>
+              <a:rPr lang="ja-JP" altLang="en-US" sz="3600" dirty="0" err="1" smtClean="0"/>
+              <a:t>動くっぽい</a:t>
+            </a:r>
+            <a:r>
+              <a:rPr lang="en-US" altLang="ja-JP" sz="3600" dirty="0" smtClean="0"/>
+              <a:t>Web</a:t>
+            </a:r>
+            <a:r>
+              <a:rPr lang="ja-JP" altLang="en-US" sz="3600" dirty="0" smtClean="0"/>
+              <a:t>アプリケーションを作ることができた</a:t>
+            </a:r>
             <a:endParaRPr lang="en-US" altLang="ja-JP" sz="3600" dirty="0" smtClean="0"/>
+          </a:p>
+          <a:p>
+            <a:pPr>
+              <a:lnSpc>
+                <a:spcPct val="120000"/>
+              </a:lnSpc>
+              <a:spcBef>
+                <a:spcPts val="2400"/>
+              </a:spcBef>
+            </a:pPr>
+            <a:r>
+              <a:rPr lang="ja-JP" altLang="en-US" sz="3600" dirty="0" smtClean="0"/>
+              <a:t>チーム開発で学んだ</a:t>
+            </a:r>
+            <a:endParaRPr lang="en-US" altLang="ja-JP" sz="3300" dirty="0" smtClean="0"/>
+          </a:p>
+          <a:p>
+            <a:pPr lvl="1">
+              <a:lnSpc>
+                <a:spcPct val="120000"/>
+              </a:lnSpc>
+              <a:spcBef>
+                <a:spcPts val="1000"/>
+              </a:spcBef>
+            </a:pPr>
+            <a:r>
+              <a:rPr lang="ja-JP" altLang="en-US" sz="3300" dirty="0" smtClean="0"/>
+              <a:t>事前</a:t>
+            </a:r>
+            <a:r>
+              <a:rPr lang="ja-JP" altLang="en-US" sz="3300" dirty="0" smtClean="0"/>
+              <a:t>取り決めの重要性</a:t>
+            </a:r>
+            <a:endParaRPr lang="en-US" altLang="ja-JP" sz="3300" dirty="0" smtClean="0"/>
+          </a:p>
+          <a:p>
+            <a:pPr lvl="1">
+              <a:lnSpc>
+                <a:spcPct val="120000"/>
+              </a:lnSpc>
+              <a:spcBef>
+                <a:spcPts val="1000"/>
+              </a:spcBef>
+            </a:pPr>
+            <a:r>
+              <a:rPr lang="en-US" altLang="ja-JP" sz="3300" dirty="0" err="1" smtClean="0"/>
+              <a:t>Javadoc</a:t>
+            </a:r>
+            <a:r>
+              <a:rPr lang="ja-JP" altLang="en-US" sz="3300" dirty="0" smtClean="0"/>
+              <a:t>の重要性</a:t>
+            </a:r>
+            <a:endParaRPr lang="en-US" altLang="ja-JP" sz="3300" dirty="0" smtClean="0"/>
           </a:p>
         </p:txBody>
       </p:sp>
@@ -8957,11 +7281,7 @@
           <a:p>
             <a:r>
               <a:rPr lang="ja-JP" altLang="en-US" dirty="0" smtClean="0"/>
-              <a:t>発表</a:t>
-            </a:r>
-            <a:r>
-              <a:rPr lang="ja-JP" altLang="en-US" dirty="0" smtClean="0"/>
-              <a:t>の概略</a:t>
+              <a:t>発表の概略</a:t>
             </a:r>
             <a:endParaRPr kumimoji="1" lang="ja-JP" altLang="en-US" dirty="0"/>
           </a:p>
@@ -9007,17 +7327,7 @@
                   </a:schemeClr>
                 </a:solidFill>
               </a:rPr>
-              <a:t>開発の</a:t>
-            </a:r>
-            <a:r>
-              <a:rPr lang="ja-JP" altLang="en-US" sz="3200" dirty="0" smtClean="0">
-                <a:solidFill>
-                  <a:schemeClr val="bg1">
-                    <a:lumMod val="75000"/>
-                  </a:schemeClr>
-                </a:solidFill>
-              </a:rPr>
-              <a:t>流れ</a:t>
+              <a:t>開発の流れ</a:t>
             </a:r>
             <a:endParaRPr lang="en-US" altLang="ja-JP" sz="3200" dirty="0" smtClean="0">
               <a:solidFill>
@@ -9189,53 +7499,86 @@
             <p:ph sz="quarter" idx="1"/>
           </p:nvPr>
         </p:nvSpPr>
-        <p:spPr/>
-        <p:txBody>
-          <a:bodyPr/>
-          <a:lstStyle/>
-          <a:p>
-            <a:r>
-              <a:rPr kumimoji="1" lang="ja-JP" altLang="en-US" dirty="0" smtClean="0"/>
+        <p:spPr>
+          <a:xfrm>
+            <a:off x="612648" y="2204864"/>
+            <a:ext cx="8153400" cy="3286472"/>
+          </a:xfrm>
+        </p:spPr>
+        <p:txBody>
+          <a:bodyPr>
+            <a:normAutofit/>
+          </a:bodyPr>
+          <a:lstStyle/>
+          <a:p>
+            <a:r>
+              <a:rPr kumimoji="1" lang="ja-JP" altLang="en-US" sz="3200" dirty="0" smtClean="0"/>
               <a:t>映画</a:t>
             </a:r>
             <a:r>
-              <a:rPr kumimoji="1" lang="en-US" altLang="ja-JP" dirty="0" smtClean="0"/>
+              <a:rPr kumimoji="1" lang="en-US" altLang="ja-JP" sz="3200" dirty="0" smtClean="0"/>
               <a:t>DVD</a:t>
             </a:r>
             <a:r>
-              <a:rPr kumimoji="1" lang="ja-JP" altLang="en-US" dirty="0" smtClean="0"/>
+              <a:rPr kumimoji="1" lang="ja-JP" altLang="en-US" sz="3200" dirty="0" smtClean="0"/>
               <a:t>または</a:t>
             </a:r>
             <a:r>
-              <a:rPr lang="en-US" altLang="ja-JP" dirty="0" err="1" smtClean="0"/>
+              <a:rPr lang="en-US" altLang="ja-JP" sz="3200" dirty="0" err="1" smtClean="0"/>
               <a:t>Blu</a:t>
             </a:r>
             <a:r>
-              <a:rPr lang="en-US" altLang="ja-JP" dirty="0" smtClean="0"/>
-              <a:t>-ray </a:t>
-            </a:r>
-            <a:r>
-              <a:rPr lang="en-US" altLang="ja-JP" dirty="0" smtClean="0"/>
-              <a:t>Disc</a:t>
-            </a:r>
-            <a:r>
-              <a:rPr lang="ja-JP" altLang="en-US" dirty="0" smtClean="0"/>
-              <a:t>を販売する通販サイト</a:t>
-            </a:r>
-            <a:endParaRPr lang="en-US" altLang="ja-JP" dirty="0" smtClean="0"/>
-          </a:p>
-          <a:p>
-            <a:endParaRPr lang="en-US" altLang="ja-JP" dirty="0" smtClean="0"/>
-          </a:p>
-          <a:p>
-            <a:r>
-              <a:rPr lang="ja-JP" altLang="en-US" dirty="0" smtClean="0"/>
-              <a:t>利用者側機能と管理者側機能</a:t>
-            </a:r>
-            <a:endParaRPr lang="en-US" altLang="ja-JP" dirty="0" smtClean="0"/>
-          </a:p>
-          <a:p>
-            <a:endParaRPr kumimoji="1" lang="ja-JP" altLang="en-US" dirty="0"/>
+              <a:rPr lang="en-US" altLang="ja-JP" sz="3200" dirty="0" smtClean="0"/>
+              <a:t>-ray Disc</a:t>
+            </a:r>
+            <a:r>
+              <a:rPr lang="ja-JP" altLang="en-US" sz="3200" dirty="0" smtClean="0"/>
+              <a:t>を</a:t>
+            </a:r>
+            <a:r>
+              <a:rPr lang="en-US" altLang="ja-JP" sz="3200" dirty="0" smtClean="0"/>
+              <a:t/>
+            </a:r>
+            <a:br>
+              <a:rPr lang="en-US" altLang="ja-JP" sz="3200" dirty="0" smtClean="0"/>
+            </a:br>
+            <a:r>
+              <a:rPr lang="ja-JP" altLang="en-US" sz="3200" dirty="0" smtClean="0"/>
+              <a:t>販売</a:t>
+            </a:r>
+            <a:r>
+              <a:rPr lang="ja-JP" altLang="en-US" sz="3200" dirty="0" smtClean="0"/>
+              <a:t>する通販サイト</a:t>
+            </a:r>
+            <a:endParaRPr lang="en-US" altLang="ja-JP" sz="3200" dirty="0" smtClean="0"/>
+          </a:p>
+          <a:p>
+            <a:endParaRPr lang="en-US" altLang="ja-JP" sz="3200" dirty="0" smtClean="0"/>
+          </a:p>
+          <a:p>
+            <a:r>
+              <a:rPr lang="ja-JP" altLang="en-US" sz="3200" dirty="0" smtClean="0"/>
+              <a:t>利用者側機能と管理者側</a:t>
+            </a:r>
+            <a:r>
+              <a:rPr lang="ja-JP" altLang="en-US" sz="3200" dirty="0" smtClean="0"/>
+              <a:t>機能の</a:t>
+            </a:r>
+            <a:r>
+              <a:rPr lang="en-US" altLang="ja-JP" sz="3200" dirty="0" smtClean="0"/>
+              <a:t/>
+            </a:r>
+            <a:br>
+              <a:rPr lang="en-US" altLang="ja-JP" sz="3200" dirty="0" smtClean="0"/>
+            </a:br>
+            <a:r>
+              <a:rPr lang="ja-JP" altLang="en-US" sz="3200" dirty="0" smtClean="0"/>
+              <a:t>両方を作成</a:t>
+            </a:r>
+            <a:endParaRPr lang="en-US" altLang="ja-JP" sz="3200" dirty="0" smtClean="0"/>
+          </a:p>
+          <a:p>
+            <a:endParaRPr kumimoji="1" lang="ja-JP" altLang="en-US" sz="3200" dirty="0"/>
           </a:p>
         </p:txBody>
       </p:sp>
@@ -9657,7 +8000,11 @@
             </a:pPr>
             <a:r>
               <a:rPr lang="ja-JP" altLang="en-US" sz="3600" dirty="0" smtClean="0"/>
-              <a:t>商品登録時の画像アップロード</a:t>
+              <a:t>あいまい</a:t>
+            </a:r>
+            <a:r>
+              <a:rPr lang="ja-JP" altLang="en-US" sz="3600" dirty="0" smtClean="0"/>
+              <a:t>検索</a:t>
             </a:r>
             <a:endParaRPr lang="en-US" altLang="ja-JP" sz="3600" dirty="0" smtClean="0"/>
           </a:p>
@@ -9673,7 +8020,22 @@
             </a:pPr>
             <a:r>
               <a:rPr lang="ja-JP" altLang="en-US" sz="3600" dirty="0" smtClean="0"/>
-              <a:t>　　・画像をフォルダから選び、アップデートが可能</a:t>
+              <a:t>　　 大文字、小文字、全角、半角を区別しない</a:t>
+            </a:r>
+            <a:endParaRPr lang="en-US" altLang="ja-JP" sz="3600" dirty="0" smtClean="0"/>
+          </a:p>
+          <a:p>
+            <a:pPr>
+              <a:lnSpc>
+                <a:spcPct val="120000"/>
+              </a:lnSpc>
+              <a:spcBef>
+                <a:spcPts val="1000"/>
+              </a:spcBef>
+            </a:pPr>
+            <a:r>
+              <a:rPr lang="ja-JP" altLang="en-US" sz="3600" dirty="0" smtClean="0"/>
+              <a:t>価格帯、ジャンル、メディアタイプ検索</a:t>
             </a:r>
             <a:endParaRPr lang="en-US" altLang="ja-JP" sz="3600" dirty="0" smtClean="0"/>
           </a:p>
@@ -9689,15 +8051,11 @@
             </a:pPr>
             <a:r>
               <a:rPr lang="ja-JP" altLang="en-US" sz="3600" dirty="0" smtClean="0"/>
-              <a:t>　　・画像は５０</a:t>
-            </a:r>
-            <a:r>
-              <a:rPr lang="en-US" altLang="ja-JP" sz="3600" b="1" dirty="0" smtClean="0"/>
-              <a:t>MB</a:t>
+              <a:t>　　・タイトル以外の条件で検索が</a:t>
             </a:r>
             <a:r>
               <a:rPr lang="ja-JP" altLang="en-US" sz="3600" dirty="0" smtClean="0"/>
-              <a:t>が上限</a:t>
+              <a:t>可能</a:t>
             </a:r>
             <a:endParaRPr lang="en-US" altLang="ja-JP" sz="3600" dirty="0" smtClean="0"/>
           </a:p>
@@ -9712,7 +8070,7 @@
             </a:pPr>
             <a:r>
               <a:rPr lang="ja-JP" altLang="en-US" sz="3600" dirty="0" smtClean="0"/>
-              <a:t>あいまい検索</a:t>
+              <a:t>商品登録時の画像アップロード</a:t>
             </a:r>
             <a:endParaRPr lang="en-US" altLang="ja-JP" sz="3600" dirty="0" smtClean="0"/>
           </a:p>
@@ -9728,22 +8086,7 @@
             </a:pPr>
             <a:r>
               <a:rPr lang="ja-JP" altLang="en-US" sz="3600" dirty="0" smtClean="0"/>
-              <a:t>　　 大文字、小文字、全角、半角を区別しない</a:t>
-            </a:r>
-            <a:endParaRPr lang="en-US" altLang="ja-JP" sz="3600" dirty="0" smtClean="0"/>
-          </a:p>
-          <a:p>
-            <a:pPr>
-              <a:lnSpc>
-                <a:spcPct val="120000"/>
-              </a:lnSpc>
-              <a:spcBef>
-                <a:spcPts val="1000"/>
-              </a:spcBef>
-            </a:pPr>
-            <a:r>
-              <a:rPr lang="ja-JP" altLang="en-US" sz="3600" dirty="0" smtClean="0"/>
-              <a:t>価格帯、ジャンル、メディアタイプ検索</a:t>
+              <a:t>　　・画像をフォルダから選び、アップデートが可能</a:t>
             </a:r>
             <a:endParaRPr lang="en-US" altLang="ja-JP" sz="3600" dirty="0" smtClean="0"/>
           </a:p>
@@ -9759,7 +8102,19 @@
             </a:pPr>
             <a:r>
               <a:rPr lang="ja-JP" altLang="en-US" sz="3600" dirty="0" smtClean="0"/>
-              <a:t>　　・タイトル以外の条件で検索が可能</a:t>
+              <a:t>　　・画像は５０</a:t>
+            </a:r>
+            <a:r>
+              <a:rPr lang="en-US" altLang="ja-JP" sz="3600" b="1" dirty="0" smtClean="0"/>
+              <a:t>MB</a:t>
+            </a:r>
+            <a:r>
+              <a:rPr lang="ja-JP" altLang="en-US" sz="3600" dirty="0" smtClean="0"/>
+              <a:t>が</a:t>
+            </a:r>
+            <a:r>
+              <a:rPr lang="ja-JP" altLang="en-US" sz="3600" dirty="0" smtClean="0"/>
+              <a:t>上限</a:t>
             </a:r>
             <a:endParaRPr lang="en-US" altLang="ja-JP" sz="3600" dirty="0" smtClean="0"/>
           </a:p>
@@ -9871,11 +8226,7 @@
           <a:p>
             <a:r>
               <a:rPr lang="ja-JP" altLang="en-US" dirty="0" smtClean="0"/>
-              <a:t>発表</a:t>
-            </a:r>
-            <a:r>
-              <a:rPr lang="ja-JP" altLang="en-US" dirty="0" smtClean="0"/>
-              <a:t>の概略</a:t>
+              <a:t>発表の概略</a:t>
             </a:r>
             <a:endParaRPr kumimoji="1" lang="ja-JP" altLang="en-US" dirty="0"/>
           </a:p>
@@ -9927,11 +8278,7 @@
             </a:pPr>
             <a:r>
               <a:rPr lang="ja-JP" altLang="en-US" sz="3200" dirty="0" smtClean="0"/>
-              <a:t>開発の</a:t>
-            </a:r>
-            <a:r>
-              <a:rPr lang="ja-JP" altLang="en-US" sz="3200" dirty="0" smtClean="0"/>
-              <a:t>流れ</a:t>
+              <a:t>開発の流れ</a:t>
             </a:r>
             <a:endParaRPr lang="en-US" altLang="ja-JP" sz="3200" dirty="0" smtClean="0"/>
           </a:p>
@@ -10153,11 +8500,7 @@
             </a:pPr>
             <a:r>
               <a:rPr lang="ja-JP" altLang="en-US" sz="3300" dirty="0" smtClean="0"/>
-              <a:t>進捗</a:t>
-            </a:r>
-            <a:r>
-              <a:rPr lang="ja-JP" altLang="en-US" sz="3300" dirty="0" smtClean="0"/>
-              <a:t>管理：坂田</a:t>
+              <a:t>進捗管理：坂田</a:t>
             </a:r>
             <a:endParaRPr lang="en-US" altLang="ja-JP" sz="3300" dirty="0" smtClean="0"/>
           </a:p>

--- a/document/ECサイト.pptx
+++ b/document/ECサイト.pptx
@@ -5300,11 +5300,7 @@
             </a:r>
             <a:r>
               <a:rPr lang="ja-JP" altLang="en-US" sz="2400" dirty="0" smtClean="0"/>
-              <a:t>といったエラーに対処して、事前に準備したエラーページを表示するよう</a:t>
-            </a:r>
-            <a:r>
-              <a:rPr lang="ja-JP" altLang="en-US" sz="2400" dirty="0" smtClean="0"/>
-              <a:t>設定</a:t>
+              <a:t>といったエラーに対処して、事前に準備したエラーページを表示するよう設定</a:t>
             </a:r>
             <a:endParaRPr lang="en-US" altLang="ja-JP" sz="2400" dirty="0" smtClean="0"/>
           </a:p>
@@ -5318,11 +5314,7 @@
             </a:pPr>
             <a:r>
               <a:rPr lang="ja-JP" altLang="en-US" sz="2800" dirty="0" smtClean="0"/>
-              <a:t>ゲストユーザー</a:t>
-            </a:r>
-            <a:r>
-              <a:rPr lang="ja-JP" altLang="en-US" sz="2800" dirty="0" smtClean="0"/>
-              <a:t>機能</a:t>
+              <a:t>ゲストユーザー機能</a:t>
             </a:r>
           </a:p>
           <a:p>
@@ -5378,11 +5370,7 @@
             </a:pPr>
             <a:r>
               <a:rPr lang="ja-JP" altLang="en-US" sz="2400" dirty="0" smtClean="0"/>
-              <a:t>決済確認メールの送信は次期開発となった</a:t>
-            </a:r>
-            <a:r>
-              <a:rPr lang="ja-JP" altLang="en-US" sz="2400" dirty="0" smtClean="0"/>
-              <a:t>。</a:t>
+              <a:t>決済確認メールの送信は次期開発となった。</a:t>
             </a:r>
             <a:endParaRPr lang="en-US" altLang="ja-JP" sz="2400" dirty="0" smtClean="0"/>
           </a:p>
@@ -5539,15 +5527,7 @@
           <a:p>
             <a:r>
               <a:rPr lang="ja-JP" altLang="en-US" dirty="0" smtClean="0"/>
-              <a:t>Ｂｏｏｔｓｔｒａｐを使ってｊｓｐ</a:t>
-            </a:r>
-            <a:r>
-              <a:rPr lang="ja-JP" altLang="en-US" dirty="0" smtClean="0"/>
-              <a:t>の</a:t>
-            </a:r>
-            <a:r>
-              <a:rPr lang="ja-JP" altLang="en-US" dirty="0" smtClean="0"/>
-              <a:t>整形</a:t>
+              <a:t>Ｂｏｏｔｓｔｒａｐを使ってｊｓｐの整形</a:t>
             </a:r>
             <a:endParaRPr lang="en-US" altLang="ja-JP" dirty="0" smtClean="0"/>
           </a:p>
@@ -5911,10 +5891,15 @@
             <p:ph sz="quarter" idx="1"/>
           </p:nvPr>
         </p:nvSpPr>
-        <p:spPr/>
+        <p:spPr>
+          <a:xfrm>
+            <a:off x="612648" y="1556792"/>
+            <a:ext cx="8153400" cy="4495800"/>
+          </a:xfrm>
+        </p:spPr>
         <p:txBody>
           <a:bodyPr>
-            <a:normAutofit lnSpcReduction="10000"/>
+            <a:normAutofit fontScale="92500"/>
           </a:bodyPr>
           <a:lstStyle/>
           <a:p>
@@ -5970,7 +5955,57 @@
             </a:r>
             <a:r>
               <a:rPr lang="ja-JP" altLang="en-US" dirty="0" smtClean="0"/>
-              <a:t>設定ミス</a:t>
+              <a:t>設定</a:t>
+            </a:r>
+            <a:r>
+              <a:rPr lang="ja-JP" altLang="en-US" dirty="0" smtClean="0"/>
+              <a:t>ミス</a:t>
+            </a:r>
+            <a:endParaRPr lang="en-US" altLang="ja-JP" dirty="0" smtClean="0"/>
+          </a:p>
+          <a:p>
+            <a:pPr>
+              <a:buNone/>
+            </a:pPr>
+            <a:r>
+              <a:rPr lang="en-US" altLang="ja-JP" dirty="0" smtClean="0"/>
+              <a:t>   </a:t>
+            </a:r>
+            <a:r>
+              <a:rPr lang="ja-JP" altLang="en-US" dirty="0" smtClean="0"/>
+              <a:t>（</a:t>
+            </a:r>
+            <a:r>
+              <a:rPr lang="en-US" altLang="ja-JP" dirty="0" smtClean="0"/>
+              <a:t>METHOD</a:t>
+            </a:r>
+            <a:r>
+              <a:rPr lang="ja-JP" altLang="en-US" dirty="0" smtClean="0"/>
+              <a:t>の</a:t>
+            </a:r>
+            <a:r>
+              <a:rPr lang="en-US" altLang="ja-JP" dirty="0" smtClean="0"/>
+              <a:t>LOCAL</a:t>
+            </a:r>
+            <a:r>
+              <a:rPr lang="ja-JP" altLang="en-US" dirty="0" smtClean="0"/>
+              <a:t>部分を</a:t>
+            </a:r>
+            <a:r>
+              <a:rPr lang="en-US" altLang="ja-JP" dirty="0" err="1" smtClean="0"/>
+              <a:t>turst</a:t>
+            </a:r>
+            <a:r>
+              <a:rPr lang="ja-JP" altLang="en-US" dirty="0" smtClean="0"/>
+              <a:t>ではなく</a:t>
+            </a:r>
+            <a:r>
+              <a:rPr lang="en-US" altLang="ja-JP" dirty="0" smtClean="0"/>
+              <a:t>md5</a:t>
+            </a:r>
+            <a:r>
+              <a:rPr lang="ja-JP" altLang="en-US" dirty="0" smtClean="0"/>
+              <a:t>で設定）</a:t>
             </a:r>
             <a:endParaRPr lang="en-US" altLang="ja-JP" dirty="0" smtClean="0"/>
           </a:p>
@@ -5992,7 +6027,7 @@
         </p:blipFill>
         <p:spPr>
           <a:xfrm>
-            <a:off x="7668344" y="1628800"/>
+            <a:off x="2339752" y="0"/>
             <a:ext cx="874550" cy="1140718"/>
           </a:xfrm>
           <a:prstGeom prst="rect">
@@ -6158,23 +6193,7 @@
             </a:pPr>
             <a:r>
               <a:rPr lang="ja-JP" altLang="en-US" sz="2800" dirty="0" smtClean="0"/>
-              <a:t>　　　テーブルの中身の確認</a:t>
-            </a:r>
-            <a:r>
-              <a:rPr lang="ja-JP" altLang="en-US" sz="2800" dirty="0" smtClean="0"/>
-              <a:t>やクエリー</a:t>
-            </a:r>
-            <a:r>
-              <a:rPr lang="ja-JP" altLang="en-US" sz="2800" dirty="0" smtClean="0"/>
-              <a:t>の実行</a:t>
-            </a:r>
-            <a:r>
-              <a:rPr lang="ja-JP" altLang="en-US" sz="2800" dirty="0" smtClean="0"/>
-              <a:t>結果</a:t>
-            </a:r>
-            <a:r>
-              <a:rPr lang="ja-JP" altLang="en-US" sz="2800" dirty="0" smtClean="0"/>
-              <a:t>確認</a:t>
+              <a:t>　　　テーブルの中身の確認やクエリーの実行結果確認</a:t>
             </a:r>
             <a:endParaRPr lang="en-US" altLang="ja-JP" sz="2800" dirty="0" smtClean="0"/>
           </a:p>
@@ -6599,11 +6618,7 @@
             </a:pPr>
             <a:r>
               <a:rPr lang="ja-JP" altLang="en-US" sz="2800" dirty="0" smtClean="0"/>
-              <a:t>　</a:t>
-            </a:r>
-            <a:r>
-              <a:rPr lang="ja-JP" altLang="en-US" sz="2800" dirty="0" smtClean="0"/>
-              <a:t>　直接</a:t>
+              <a:t>　　直接</a:t>
             </a:r>
             <a:r>
               <a:rPr lang="en-US" altLang="ja-JP" sz="2800" dirty="0" smtClean="0"/>
@@ -7177,11 +7192,7 @@
             </a:pPr>
             <a:r>
               <a:rPr lang="ja-JP" altLang="en-US" sz="3300" dirty="0" smtClean="0"/>
-              <a:t>事前</a:t>
-            </a:r>
-            <a:r>
-              <a:rPr lang="ja-JP" altLang="en-US" sz="3300" dirty="0" smtClean="0"/>
-              <a:t>取り決めの重要性</a:t>
+              <a:t>事前取り決めの重要性</a:t>
             </a:r>
             <a:endParaRPr lang="en-US" altLang="ja-JP" sz="3300" dirty="0" smtClean="0"/>
           </a:p>
@@ -7544,25 +7555,17 @@
             </a:br>
             <a:r>
               <a:rPr lang="ja-JP" altLang="en-US" sz="3200" dirty="0" smtClean="0"/>
-              <a:t>販売</a:t>
-            </a:r>
+              <a:t>販売する通販サイト</a:t>
+            </a:r>
+            <a:endParaRPr lang="en-US" altLang="ja-JP" sz="3200" dirty="0" smtClean="0"/>
+          </a:p>
+          <a:p>
+            <a:endParaRPr lang="en-US" altLang="ja-JP" sz="3200" dirty="0" smtClean="0"/>
+          </a:p>
+          <a:p>
             <a:r>
               <a:rPr lang="ja-JP" altLang="en-US" sz="3200" dirty="0" smtClean="0"/>
-              <a:t>する通販サイト</a:t>
-            </a:r>
-            <a:endParaRPr lang="en-US" altLang="ja-JP" sz="3200" dirty="0" smtClean="0"/>
-          </a:p>
-          <a:p>
-            <a:endParaRPr lang="en-US" altLang="ja-JP" sz="3200" dirty="0" smtClean="0"/>
-          </a:p>
-          <a:p>
-            <a:r>
-              <a:rPr lang="ja-JP" altLang="en-US" sz="3200" dirty="0" smtClean="0"/>
-              <a:t>利用者側機能と管理者側</a:t>
-            </a:r>
-            <a:r>
-              <a:rPr lang="ja-JP" altLang="en-US" sz="3200" dirty="0" smtClean="0"/>
-              <a:t>機能の</a:t>
+              <a:t>利用者側機能と管理者側機能の</a:t>
             </a:r>
             <a:r>
               <a:rPr lang="en-US" altLang="ja-JP" sz="3200" dirty="0" smtClean="0"/>
@@ -8000,11 +8003,7 @@
             </a:pPr>
             <a:r>
               <a:rPr lang="ja-JP" altLang="en-US" sz="3600" dirty="0" smtClean="0"/>
-              <a:t>あいまい</a:t>
-            </a:r>
-            <a:r>
-              <a:rPr lang="ja-JP" altLang="en-US" sz="3600" dirty="0" smtClean="0"/>
-              <a:t>検索</a:t>
+              <a:t>あいまい検索</a:t>
             </a:r>
             <a:endParaRPr lang="en-US" altLang="ja-JP" sz="3600" dirty="0" smtClean="0"/>
           </a:p>
@@ -8051,11 +8050,7 @@
             </a:pPr>
             <a:r>
               <a:rPr lang="ja-JP" altLang="en-US" sz="3600" dirty="0" smtClean="0"/>
-              <a:t>　　・タイトル以外の条件で検索が</a:t>
-            </a:r>
-            <a:r>
-              <a:rPr lang="ja-JP" altLang="en-US" sz="3600" dirty="0" smtClean="0"/>
-              <a:t>可能</a:t>
+              <a:t>　　・タイトル以外の条件で検索が可能</a:t>
             </a:r>
             <a:endParaRPr lang="en-US" altLang="ja-JP" sz="3600" dirty="0" smtClean="0"/>
           </a:p>
@@ -8110,11 +8105,7 @@
             </a:r>
             <a:r>
               <a:rPr lang="ja-JP" altLang="en-US" sz="3600" dirty="0" smtClean="0"/>
-              <a:t>が</a:t>
-            </a:r>
-            <a:r>
-              <a:rPr lang="ja-JP" altLang="en-US" sz="3600" dirty="0" smtClean="0"/>
-              <a:t>上限</a:t>
+              <a:t>が上限</a:t>
             </a:r>
             <a:endParaRPr lang="en-US" altLang="ja-JP" sz="3600" dirty="0" smtClean="0"/>
           </a:p>
